--- a/slides/img/approaches.pptx
+++ b/slides/img/approaches.pptx
@@ -8,6 +8,7 @@
     <p:sldId id="256" r:id="rId2"/>
     <p:sldId id="257" r:id="rId3"/>
     <p:sldId id="258" r:id="rId4"/>
+    <p:sldId id="259" r:id="rId5"/>
   </p:sldIdLst>
   <p:sldSz cx="12192000" cy="6858000"/>
   <p:notesSz cx="6858000" cy="9144000"/>
@@ -272,7 +273,7 @@
           <a:p>
             <a:fld id="{CDF5438E-8328-FD47-AB6C-7BC1D9D14C52}" type="datetimeFigureOut">
               <a:rPr lang="en-US" smtClean="0"/>
-              <a:t>10/23/23</a:t>
+              <a:t>10/25/23</a:t>
             </a:fld>
             <a:endParaRPr lang="en-US"/>
           </a:p>
@@ -470,7 +471,7 @@
           <a:p>
             <a:fld id="{CDF5438E-8328-FD47-AB6C-7BC1D9D14C52}" type="datetimeFigureOut">
               <a:rPr lang="en-US" smtClean="0"/>
-              <a:t>10/23/23</a:t>
+              <a:t>10/25/23</a:t>
             </a:fld>
             <a:endParaRPr lang="en-US"/>
           </a:p>
@@ -678,7 +679,7 @@
           <a:p>
             <a:fld id="{CDF5438E-8328-FD47-AB6C-7BC1D9D14C52}" type="datetimeFigureOut">
               <a:rPr lang="en-US" smtClean="0"/>
-              <a:t>10/23/23</a:t>
+              <a:t>10/25/23</a:t>
             </a:fld>
             <a:endParaRPr lang="en-US"/>
           </a:p>
@@ -876,7 +877,7 @@
           <a:p>
             <a:fld id="{CDF5438E-8328-FD47-AB6C-7BC1D9D14C52}" type="datetimeFigureOut">
               <a:rPr lang="en-US" smtClean="0"/>
-              <a:t>10/23/23</a:t>
+              <a:t>10/25/23</a:t>
             </a:fld>
             <a:endParaRPr lang="en-US"/>
           </a:p>
@@ -1151,7 +1152,7 @@
           <a:p>
             <a:fld id="{CDF5438E-8328-FD47-AB6C-7BC1D9D14C52}" type="datetimeFigureOut">
               <a:rPr lang="en-US" smtClean="0"/>
-              <a:t>10/23/23</a:t>
+              <a:t>10/25/23</a:t>
             </a:fld>
             <a:endParaRPr lang="en-US"/>
           </a:p>
@@ -1416,7 +1417,7 @@
           <a:p>
             <a:fld id="{CDF5438E-8328-FD47-AB6C-7BC1D9D14C52}" type="datetimeFigureOut">
               <a:rPr lang="en-US" smtClean="0"/>
-              <a:t>10/23/23</a:t>
+              <a:t>10/25/23</a:t>
             </a:fld>
             <a:endParaRPr lang="en-US"/>
           </a:p>
@@ -1828,7 +1829,7 @@
           <a:p>
             <a:fld id="{CDF5438E-8328-FD47-AB6C-7BC1D9D14C52}" type="datetimeFigureOut">
               <a:rPr lang="en-US" smtClean="0"/>
-              <a:t>10/23/23</a:t>
+              <a:t>10/25/23</a:t>
             </a:fld>
             <a:endParaRPr lang="en-US"/>
           </a:p>
@@ -1969,7 +1970,7 @@
           <a:p>
             <a:fld id="{CDF5438E-8328-FD47-AB6C-7BC1D9D14C52}" type="datetimeFigureOut">
               <a:rPr lang="en-US" smtClean="0"/>
-              <a:t>10/23/23</a:t>
+              <a:t>10/25/23</a:t>
             </a:fld>
             <a:endParaRPr lang="en-US"/>
           </a:p>
@@ -2082,7 +2083,7 @@
           <a:p>
             <a:fld id="{CDF5438E-8328-FD47-AB6C-7BC1D9D14C52}" type="datetimeFigureOut">
               <a:rPr lang="en-US" smtClean="0"/>
-              <a:t>10/23/23</a:t>
+              <a:t>10/25/23</a:t>
             </a:fld>
             <a:endParaRPr lang="en-US"/>
           </a:p>
@@ -2393,7 +2394,7 @@
           <a:p>
             <a:fld id="{CDF5438E-8328-FD47-AB6C-7BC1D9D14C52}" type="datetimeFigureOut">
               <a:rPr lang="en-US" smtClean="0"/>
-              <a:t>10/23/23</a:t>
+              <a:t>10/25/23</a:t>
             </a:fld>
             <a:endParaRPr lang="en-US"/>
           </a:p>
@@ -2681,7 +2682,7 @@
           <a:p>
             <a:fld id="{CDF5438E-8328-FD47-AB6C-7BC1D9D14C52}" type="datetimeFigureOut">
               <a:rPr lang="en-US" smtClean="0"/>
-              <a:t>10/23/23</a:t>
+              <a:t>10/25/23</a:t>
             </a:fld>
             <a:endParaRPr lang="en-US"/>
           </a:p>
@@ -2922,7 +2923,7 @@
           <a:p>
             <a:fld id="{CDF5438E-8328-FD47-AB6C-7BC1D9D14C52}" type="datetimeFigureOut">
               <a:rPr lang="en-US" smtClean="0"/>
-              <a:t>10/23/23</a:t>
+              <a:t>10/25/23</a:t>
             </a:fld>
             <a:endParaRPr lang="en-US"/>
           </a:p>
@@ -14544,6 +14545,866 @@
 </p:sld>
 </file>
 
+<file path=ppt/slides/slide4.xml><?xml version="1.0" encoding="utf-8"?>
+<p:sld xmlns:a="http://schemas.openxmlformats.org/drawingml/2006/main" xmlns:r="http://schemas.openxmlformats.org/officeDocument/2006/relationships" xmlns:p="http://schemas.openxmlformats.org/presentationml/2006/main">
+  <p:cSld>
+    <p:spTree>
+      <p:nvGrpSpPr>
+        <p:cNvPr id="1" name=""/>
+        <p:cNvGrpSpPr/>
+        <p:nvPr/>
+      </p:nvGrpSpPr>
+      <p:grpSpPr>
+        <a:xfrm>
+          <a:off x="0" y="0"/>
+          <a:ext cx="0" cy="0"/>
+          <a:chOff x="0" y="0"/>
+          <a:chExt cx="0" cy="0"/>
+        </a:xfrm>
+      </p:grpSpPr>
+      <p:graphicFrame>
+        <p:nvGraphicFramePr>
+          <p:cNvPr id="4" name="Table 3">
+            <a:extLst>
+              <a:ext uri="{FF2B5EF4-FFF2-40B4-BE49-F238E27FC236}">
+                <a16:creationId xmlns:a16="http://schemas.microsoft.com/office/drawing/2014/main" id="{BF27864A-AD4F-2F46-A8CC-C2B38A0DEEB1}"/>
+              </a:ext>
+            </a:extLst>
+          </p:cNvPr>
+          <p:cNvGraphicFramePr>
+            <a:graphicFrameLocks noGrp="1"/>
+          </p:cNvGraphicFramePr>
+          <p:nvPr>
+            <p:extLst>
+              <p:ext uri="{D42A27DB-BD31-4B8C-83A1-F6EECF244321}">
+                <p14:modId xmlns:p14="http://schemas.microsoft.com/office/powerpoint/2010/main" val="1297891647"/>
+              </p:ext>
+            </p:extLst>
+          </p:nvPr>
+        </p:nvGraphicFramePr>
+        <p:xfrm>
+          <a:off x="89963" y="290830"/>
+          <a:ext cx="12012073" cy="6162040"/>
+        </p:xfrm>
+        <a:graphic>
+          <a:graphicData uri="http://schemas.openxmlformats.org/drawingml/2006/table">
+            <a:tbl>
+              <a:tblPr firstRow="1" bandRow="1">
+                <a:tableStyleId>{5C22544A-7EE6-4342-B048-85BDC9FD1C3A}</a:tableStyleId>
+              </a:tblPr>
+              <a:tblGrid>
+                <a:gridCol w="434973">
+                  <a:extLst>
+                    <a:ext uri="{9D8B030D-6E8A-4147-A177-3AD203B41FA5}">
+                      <a16:colId xmlns:a16="http://schemas.microsoft.com/office/drawing/2014/main" val="3770098580"/>
+                    </a:ext>
+                  </a:extLst>
+                </a:gridCol>
+                <a:gridCol w="2273923">
+                  <a:extLst>
+                    <a:ext uri="{9D8B030D-6E8A-4147-A177-3AD203B41FA5}">
+                      <a16:colId xmlns:a16="http://schemas.microsoft.com/office/drawing/2014/main" val="2822803055"/>
+                    </a:ext>
+                  </a:extLst>
+                </a:gridCol>
+                <a:gridCol w="9303177">
+                  <a:extLst>
+                    <a:ext uri="{9D8B030D-6E8A-4147-A177-3AD203B41FA5}">
+                      <a16:colId xmlns:a16="http://schemas.microsoft.com/office/drawing/2014/main" val="190540705"/>
+                    </a:ext>
+                  </a:extLst>
+                </a:gridCol>
+              </a:tblGrid>
+              <a:tr h="370840">
+                <a:tc>
+                  <a:txBody>
+                    <a:bodyPr/>
+                    <a:lstStyle/>
+                    <a:p>
+                      <a:r>
+                        <a:rPr lang="en-US" sz="1400" dirty="0">
+                          <a:latin typeface="Roboto Condensed" panose="02000000000000000000" pitchFamily="2" charset="0"/>
+                          <a:ea typeface="Roboto Condensed" panose="02000000000000000000" pitchFamily="2" charset="0"/>
+                        </a:rPr>
+                        <a:t>#</a:t>
+                      </a:r>
+                    </a:p>
+                  </a:txBody>
+                  <a:tcPr/>
+                </a:tc>
+                <a:tc>
+                  <a:txBody>
+                    <a:bodyPr/>
+                    <a:lstStyle/>
+                    <a:p>
+                      <a:r>
+                        <a:rPr lang="en-US" sz="1400" dirty="0">
+                          <a:latin typeface="Roboto Condensed" panose="02000000000000000000" pitchFamily="2" charset="0"/>
+                          <a:ea typeface="Roboto Condensed" panose="02000000000000000000" pitchFamily="2" charset="0"/>
+                        </a:rPr>
+                        <a:t>Principle</a:t>
+                      </a:r>
+                    </a:p>
+                  </a:txBody>
+                  <a:tcPr/>
+                </a:tc>
+                <a:tc>
+                  <a:txBody>
+                    <a:bodyPr/>
+                    <a:lstStyle/>
+                    <a:p>
+                      <a:r>
+                        <a:rPr lang="en-US" sz="1400" dirty="0">
+                          <a:latin typeface="Roboto Condensed" panose="02000000000000000000" pitchFamily="2" charset="0"/>
+                          <a:ea typeface="Roboto Condensed" panose="02000000000000000000" pitchFamily="2" charset="0"/>
+                        </a:rPr>
+                        <a:t>Important aspects</a:t>
+                      </a:r>
+                    </a:p>
+                  </a:txBody>
+                  <a:tcPr/>
+                </a:tc>
+                <a:extLst>
+                  <a:ext uri="{0D108BD9-81ED-4DB2-BD59-A6C34878D82A}">
+                    <a16:rowId xmlns:a16="http://schemas.microsoft.com/office/drawing/2014/main" val="2748719694"/>
+                  </a:ext>
+                </a:extLst>
+              </a:tr>
+              <a:tr h="370840">
+                <a:tc>
+                  <a:txBody>
+                    <a:bodyPr/>
+                    <a:lstStyle/>
+                    <a:p>
+                      <a:r>
+                        <a:rPr lang="en-US" sz="1400" dirty="0">
+                          <a:solidFill>
+                            <a:schemeClr val="tx1">
+                              <a:lumMod val="85000"/>
+                              <a:lumOff val="15000"/>
+                            </a:schemeClr>
+                          </a:solidFill>
+                          <a:latin typeface="Roboto Condensed" panose="02000000000000000000" pitchFamily="2" charset="0"/>
+                          <a:ea typeface="Roboto Condensed" panose="02000000000000000000" pitchFamily="2" charset="0"/>
+                        </a:rPr>
+                        <a:t>1.</a:t>
+                      </a:r>
+                    </a:p>
+                  </a:txBody>
+                  <a:tcPr/>
+                </a:tc>
+                <a:tc>
+                  <a:txBody>
+                    <a:bodyPr/>
+                    <a:lstStyle/>
+                    <a:p>
+                      <a:r>
+                        <a:rPr lang="en-US" sz="1400" b="1" dirty="0">
+                          <a:solidFill>
+                            <a:schemeClr val="tx1">
+                              <a:lumMod val="85000"/>
+                              <a:lumOff val="15000"/>
+                            </a:schemeClr>
+                          </a:solidFill>
+                          <a:latin typeface="Roboto Condensed" panose="02000000000000000000" pitchFamily="2" charset="0"/>
+                          <a:ea typeface="Roboto Condensed" panose="02000000000000000000" pitchFamily="2" charset="0"/>
+                        </a:rPr>
+                        <a:t>Ensure privacy and data security</a:t>
+                      </a:r>
+                    </a:p>
+                  </a:txBody>
+                  <a:tcPr/>
+                </a:tc>
+                <a:tc>
+                  <a:txBody>
+                    <a:bodyPr/>
+                    <a:lstStyle/>
+                    <a:p>
+                      <a:pPr marL="285750" indent="-285750">
+                        <a:spcAft>
+                          <a:spcPts val="600"/>
+                        </a:spcAft>
+                        <a:buFont typeface="Arial" panose="020B0604020202020204" pitchFamily="34" charset="0"/>
+                        <a:buChar char="•"/>
+                      </a:pPr>
+                      <a:r>
+                        <a:rPr lang="en-US" sz="1400" dirty="0">
+                          <a:solidFill>
+                            <a:schemeClr val="tx1">
+                              <a:lumMod val="85000"/>
+                              <a:lumOff val="15000"/>
+                            </a:schemeClr>
+                          </a:solidFill>
+                          <a:latin typeface="Roboto Condensed" panose="02000000000000000000" pitchFamily="2" charset="0"/>
+                          <a:ea typeface="Roboto Condensed" panose="02000000000000000000" pitchFamily="2" charset="0"/>
+                        </a:rPr>
+                        <a:t>Prioritize informed consent and data privacy, if possible obtain permission for data use. </a:t>
+                      </a:r>
+                    </a:p>
+                    <a:p>
+                      <a:pPr marL="285750" indent="-285750">
+                        <a:spcAft>
+                          <a:spcPts val="600"/>
+                        </a:spcAft>
+                        <a:buFont typeface="Arial" panose="020B0604020202020204" pitchFamily="34" charset="0"/>
+                        <a:buChar char="•"/>
+                      </a:pPr>
+                      <a:r>
+                        <a:rPr lang="en-US" sz="1400" dirty="0">
+                          <a:solidFill>
+                            <a:schemeClr val="tx1">
+                              <a:lumMod val="85000"/>
+                              <a:lumOff val="15000"/>
+                            </a:schemeClr>
+                          </a:solidFill>
+                          <a:latin typeface="Roboto Condensed" panose="02000000000000000000" pitchFamily="2" charset="0"/>
+                          <a:ea typeface="Roboto Condensed" panose="02000000000000000000" pitchFamily="2" charset="0"/>
+                        </a:rPr>
+                        <a:t>Most importantly, ensure the protection of individuals' sensitive information via strict data management and protection rules</a:t>
+                      </a:r>
+                    </a:p>
+                    <a:p>
+                      <a:pPr marL="285750" indent="-285750">
+                        <a:spcAft>
+                          <a:spcPts val="600"/>
+                        </a:spcAft>
+                        <a:buFont typeface="Arial" panose="020B0604020202020204" pitchFamily="34" charset="0"/>
+                        <a:buChar char="•"/>
+                      </a:pPr>
+                      <a:r>
+                        <a:rPr lang="en-US" sz="1400" dirty="0">
+                          <a:solidFill>
+                            <a:schemeClr val="tx1">
+                              <a:lumMod val="85000"/>
+                              <a:lumOff val="15000"/>
+                            </a:schemeClr>
+                          </a:solidFill>
+                          <a:latin typeface="Roboto Condensed" panose="02000000000000000000" pitchFamily="2" charset="0"/>
+                          <a:ea typeface="Roboto Condensed" panose="02000000000000000000" pitchFamily="2" charset="0"/>
+                        </a:rPr>
+                        <a:t>When using proprietary software and algorithms, consider risks of sharing subject data with the companies operating them (e.g., </a:t>
+                      </a:r>
+                      <a:r>
+                        <a:rPr lang="en-US" sz="1400" dirty="0" err="1">
+                          <a:solidFill>
+                            <a:schemeClr val="tx1">
+                              <a:lumMod val="85000"/>
+                              <a:lumOff val="15000"/>
+                            </a:schemeClr>
+                          </a:solidFill>
+                          <a:latin typeface="Roboto Condensed" panose="02000000000000000000" pitchFamily="2" charset="0"/>
+                          <a:ea typeface="Roboto Condensed" panose="02000000000000000000" pitchFamily="2" charset="0"/>
+                        </a:rPr>
+                        <a:t>OpenAI</a:t>
+                      </a:r>
+                      <a:r>
+                        <a:rPr lang="en-US" sz="1400" dirty="0">
+                          <a:solidFill>
+                            <a:schemeClr val="tx1">
+                              <a:lumMod val="85000"/>
+                              <a:lumOff val="15000"/>
+                            </a:schemeClr>
+                          </a:solidFill>
+                          <a:latin typeface="Roboto Condensed" panose="02000000000000000000" pitchFamily="2" charset="0"/>
+                          <a:ea typeface="Roboto Condensed" panose="02000000000000000000" pitchFamily="2" charset="0"/>
+                        </a:rPr>
+                        <a:t>, Google, etc.)</a:t>
+                      </a:r>
+                    </a:p>
+                  </a:txBody>
+                  <a:tcPr/>
+                </a:tc>
+                <a:extLst>
+                  <a:ext uri="{0D108BD9-81ED-4DB2-BD59-A6C34878D82A}">
+                    <a16:rowId xmlns:a16="http://schemas.microsoft.com/office/drawing/2014/main" val="1323100643"/>
+                  </a:ext>
+                </a:extLst>
+              </a:tr>
+              <a:tr h="370840">
+                <a:tc>
+                  <a:txBody>
+                    <a:bodyPr/>
+                    <a:lstStyle/>
+                    <a:p>
+                      <a:r>
+                        <a:rPr lang="en-US" sz="1400" dirty="0">
+                          <a:solidFill>
+                            <a:schemeClr val="tx1">
+                              <a:lumMod val="85000"/>
+                              <a:lumOff val="15000"/>
+                            </a:schemeClr>
+                          </a:solidFill>
+                          <a:latin typeface="Roboto Condensed" panose="02000000000000000000" pitchFamily="2" charset="0"/>
+                          <a:ea typeface="Roboto Condensed" panose="02000000000000000000" pitchFamily="2" charset="0"/>
+                        </a:rPr>
+                        <a:t>2. </a:t>
+                      </a:r>
+                    </a:p>
+                  </a:txBody>
+                  <a:tcPr/>
+                </a:tc>
+                <a:tc>
+                  <a:txBody>
+                    <a:bodyPr/>
+                    <a:lstStyle/>
+                    <a:p>
+                      <a:r>
+                        <a:rPr lang="en-US" sz="1400" b="1" dirty="0">
+                          <a:solidFill>
+                            <a:schemeClr val="tx1">
+                              <a:lumMod val="85000"/>
+                              <a:lumOff val="15000"/>
+                            </a:schemeClr>
+                          </a:solidFill>
+                          <a:latin typeface="Roboto Condensed" panose="02000000000000000000" pitchFamily="2" charset="0"/>
+                          <a:ea typeface="Roboto Condensed" panose="02000000000000000000" pitchFamily="2" charset="0"/>
+                        </a:rPr>
+                        <a:t>Prevent bias and ensure fairness</a:t>
+                      </a:r>
+                    </a:p>
+                  </a:txBody>
+                  <a:tcPr/>
+                </a:tc>
+                <a:tc>
+                  <a:txBody>
+                    <a:bodyPr/>
+                    <a:lstStyle/>
+                    <a:p>
+                      <a:pPr marL="285750" indent="-285750">
+                        <a:spcAft>
+                          <a:spcPts val="600"/>
+                        </a:spcAft>
+                        <a:buFont typeface="Arial" panose="020B0604020202020204" pitchFamily="34" charset="0"/>
+                        <a:buChar char="•"/>
+                      </a:pPr>
+                      <a:r>
+                        <a:rPr lang="en-US" sz="1400" dirty="0">
+                          <a:solidFill>
+                            <a:schemeClr val="tx1">
+                              <a:lumMod val="85000"/>
+                              <a:lumOff val="15000"/>
+                            </a:schemeClr>
+                          </a:solidFill>
+                          <a:latin typeface="Roboto Condensed" panose="02000000000000000000" pitchFamily="2" charset="0"/>
+                          <a:ea typeface="Roboto Condensed" panose="02000000000000000000" pitchFamily="2" charset="0"/>
+                        </a:rPr>
+                        <a:t>Ensure that text classification models are designed to be fair, with strategies in place to identify and mitigate biases in the data and algorithms. </a:t>
+                      </a:r>
+                    </a:p>
+                    <a:p>
+                      <a:pPr marL="285750" indent="-285750">
+                        <a:spcAft>
+                          <a:spcPts val="600"/>
+                        </a:spcAft>
+                        <a:buFont typeface="Arial" panose="020B0604020202020204" pitchFamily="34" charset="0"/>
+                        <a:buChar char="•"/>
+                      </a:pPr>
+                      <a:r>
+                        <a:rPr lang="en-US" sz="1400" dirty="0">
+                          <a:solidFill>
+                            <a:schemeClr val="tx1">
+                              <a:lumMod val="85000"/>
+                              <a:lumOff val="15000"/>
+                            </a:schemeClr>
+                          </a:solidFill>
+                          <a:latin typeface="Roboto Condensed" panose="02000000000000000000" pitchFamily="2" charset="0"/>
+                          <a:ea typeface="Roboto Condensed" panose="02000000000000000000" pitchFamily="2" charset="0"/>
+                        </a:rPr>
+                        <a:t>Regularly assess the performance of text classification models and be committed to refining them to enhance accuracy and fairness. Overall, put a strong emphasis on validation!</a:t>
+                      </a:r>
+                    </a:p>
+                  </a:txBody>
+                  <a:tcPr/>
+                </a:tc>
+                <a:extLst>
+                  <a:ext uri="{0D108BD9-81ED-4DB2-BD59-A6C34878D82A}">
+                    <a16:rowId xmlns:a16="http://schemas.microsoft.com/office/drawing/2014/main" val="2173092153"/>
+                  </a:ext>
+                </a:extLst>
+              </a:tr>
+              <a:tr h="370840">
+                <a:tc>
+                  <a:txBody>
+                    <a:bodyPr/>
+                    <a:lstStyle/>
+                    <a:p>
+                      <a:r>
+                        <a:rPr lang="en-US" sz="1400" dirty="0">
+                          <a:solidFill>
+                            <a:schemeClr val="tx1">
+                              <a:lumMod val="85000"/>
+                              <a:lumOff val="15000"/>
+                            </a:schemeClr>
+                          </a:solidFill>
+                          <a:latin typeface="Roboto Condensed" panose="02000000000000000000" pitchFamily="2" charset="0"/>
+                          <a:ea typeface="Roboto Condensed" panose="02000000000000000000" pitchFamily="2" charset="0"/>
+                        </a:rPr>
+                        <a:t>3. </a:t>
+                      </a:r>
+                    </a:p>
+                  </a:txBody>
+                  <a:tcPr/>
+                </a:tc>
+                <a:tc>
+                  <a:txBody>
+                    <a:bodyPr/>
+                    <a:lstStyle/>
+                    <a:p>
+                      <a:r>
+                        <a:rPr lang="en-US" sz="1400" b="1" dirty="0">
+                          <a:solidFill>
+                            <a:schemeClr val="tx1">
+                              <a:lumMod val="85000"/>
+                              <a:lumOff val="15000"/>
+                            </a:schemeClr>
+                          </a:solidFill>
+                          <a:latin typeface="Roboto Condensed" panose="02000000000000000000" pitchFamily="2" charset="0"/>
+                          <a:ea typeface="Roboto Condensed" panose="02000000000000000000" pitchFamily="2" charset="0"/>
+                        </a:rPr>
+                        <a:t>Strive for transparency</a:t>
+                      </a:r>
+                    </a:p>
+                  </a:txBody>
+                  <a:tcPr/>
+                </a:tc>
+                <a:tc>
+                  <a:txBody>
+                    <a:bodyPr/>
+                    <a:lstStyle/>
+                    <a:p>
+                      <a:pPr marL="285750" indent="-285750">
+                        <a:spcAft>
+                          <a:spcPts val="600"/>
+                        </a:spcAft>
+                        <a:buFont typeface="Arial" panose="020B0604020202020204" pitchFamily="34" charset="0"/>
+                        <a:buChar char="•"/>
+                      </a:pPr>
+                      <a:r>
+                        <a:rPr lang="en-US" sz="1400" dirty="0">
+                          <a:solidFill>
+                            <a:schemeClr val="tx1">
+                              <a:lumMod val="85000"/>
+                              <a:lumOff val="15000"/>
+                            </a:schemeClr>
+                          </a:solidFill>
+                          <a:latin typeface="Roboto Condensed" panose="02000000000000000000" pitchFamily="2" charset="0"/>
+                          <a:ea typeface="Roboto Condensed" panose="02000000000000000000" pitchFamily="2" charset="0"/>
+                        </a:rPr>
+                        <a:t>Use transparent and interpretable text classification models if possible, allowing users to understand how decisions are made and to address concerns regarding model opacity. </a:t>
+                      </a:r>
+                    </a:p>
+                    <a:p>
+                      <a:pPr marL="285750" indent="-285750">
+                        <a:spcAft>
+                          <a:spcPts val="600"/>
+                        </a:spcAft>
+                        <a:buFont typeface="Arial" panose="020B0604020202020204" pitchFamily="34" charset="0"/>
+                        <a:buChar char="•"/>
+                      </a:pPr>
+                      <a:r>
+                        <a:rPr lang="en-US" sz="1400" dirty="0">
+                          <a:solidFill>
+                            <a:schemeClr val="tx1">
+                              <a:lumMod val="85000"/>
+                              <a:lumOff val="15000"/>
+                            </a:schemeClr>
+                          </a:solidFill>
+                          <a:latin typeface="Roboto Condensed" panose="02000000000000000000" pitchFamily="2" charset="0"/>
+                          <a:ea typeface="Roboto Condensed" panose="02000000000000000000" pitchFamily="2" charset="0"/>
+                        </a:rPr>
+                        <a:t>Share more complex models for re-use and evaluation.</a:t>
+                      </a:r>
+                    </a:p>
+                  </a:txBody>
+                  <a:tcPr/>
+                </a:tc>
+                <a:extLst>
+                  <a:ext uri="{0D108BD9-81ED-4DB2-BD59-A6C34878D82A}">
+                    <a16:rowId xmlns:a16="http://schemas.microsoft.com/office/drawing/2014/main" val="2631507762"/>
+                  </a:ext>
+                </a:extLst>
+              </a:tr>
+              <a:tr h="370840">
+                <a:tc>
+                  <a:txBody>
+                    <a:bodyPr/>
+                    <a:lstStyle/>
+                    <a:p>
+                      <a:r>
+                        <a:rPr lang="en-US" sz="1400" dirty="0">
+                          <a:solidFill>
+                            <a:schemeClr val="tx1">
+                              <a:lumMod val="85000"/>
+                              <a:lumOff val="15000"/>
+                            </a:schemeClr>
+                          </a:solidFill>
+                          <a:latin typeface="Roboto Condensed" panose="02000000000000000000" pitchFamily="2" charset="0"/>
+                          <a:ea typeface="Roboto Condensed" panose="02000000000000000000" pitchFamily="2" charset="0"/>
+                        </a:rPr>
+                        <a:t>4. </a:t>
+                      </a:r>
+                    </a:p>
+                  </a:txBody>
+                  <a:tcPr/>
+                </a:tc>
+                <a:tc>
+                  <a:txBody>
+                    <a:bodyPr/>
+                    <a:lstStyle/>
+                    <a:p>
+                      <a:r>
+                        <a:rPr lang="en-US" sz="1400" b="1" dirty="0">
+                          <a:solidFill>
+                            <a:schemeClr val="tx1">
+                              <a:lumMod val="85000"/>
+                              <a:lumOff val="15000"/>
+                            </a:schemeClr>
+                          </a:solidFill>
+                          <a:latin typeface="Roboto Condensed" panose="02000000000000000000" pitchFamily="2" charset="0"/>
+                          <a:ea typeface="Roboto Condensed" panose="02000000000000000000" pitchFamily="2" charset="0"/>
+                        </a:rPr>
+                        <a:t>Be mindful about conducting social experiments</a:t>
+                      </a:r>
+                    </a:p>
+                  </a:txBody>
+                  <a:tcPr/>
+                </a:tc>
+                <a:tc>
+                  <a:txBody>
+                    <a:bodyPr/>
+                    <a:lstStyle/>
+                    <a:p>
+                      <a:pPr marL="285750" indent="-285750">
+                        <a:spcAft>
+                          <a:spcPts val="600"/>
+                        </a:spcAft>
+                        <a:buFont typeface="Arial" panose="020B0604020202020204" pitchFamily="34" charset="0"/>
+                        <a:buChar char="•"/>
+                      </a:pPr>
+                      <a:r>
+                        <a:rPr lang="en-US" sz="1400" dirty="0">
+                          <a:solidFill>
+                            <a:schemeClr val="tx1">
+                              <a:lumMod val="85000"/>
+                              <a:lumOff val="15000"/>
+                            </a:schemeClr>
+                          </a:solidFill>
+                          <a:latin typeface="Roboto Condensed" panose="02000000000000000000" pitchFamily="2" charset="0"/>
+                          <a:ea typeface="Roboto Condensed" panose="02000000000000000000" pitchFamily="2" charset="0"/>
+                        </a:rPr>
+                        <a:t>If possible, obtain informed consent and ensure thorough debriefing</a:t>
+                      </a:r>
+                    </a:p>
+                    <a:p>
+                      <a:pPr marL="285750" indent="-285750">
+                        <a:spcAft>
+                          <a:spcPts val="600"/>
+                        </a:spcAft>
+                        <a:buFont typeface="Arial" panose="020B0604020202020204" pitchFamily="34" charset="0"/>
+                        <a:buChar char="•"/>
+                      </a:pPr>
+                      <a:r>
+                        <a:rPr lang="en-US" sz="1400" dirty="0">
+                          <a:solidFill>
+                            <a:schemeClr val="tx1">
+                              <a:lumMod val="85000"/>
+                              <a:lumOff val="15000"/>
+                            </a:schemeClr>
+                          </a:solidFill>
+                          <a:latin typeface="Roboto Condensed" panose="02000000000000000000" pitchFamily="2" charset="0"/>
+                          <a:ea typeface="Roboto Condensed" panose="02000000000000000000" pitchFamily="2" charset="0"/>
+                        </a:rPr>
+                        <a:t>If that is not possible or undesired, thoroughly assess potential negative consequences of the study.  Only if they are acceptable or not different from everyday use of technology, the study may be ethical to conduct (think about psychological consequences, discrimination, political implications…)</a:t>
+                      </a:r>
+                    </a:p>
+                  </a:txBody>
+                  <a:tcPr/>
+                </a:tc>
+                <a:extLst>
+                  <a:ext uri="{0D108BD9-81ED-4DB2-BD59-A6C34878D82A}">
+                    <a16:rowId xmlns:a16="http://schemas.microsoft.com/office/drawing/2014/main" val="1835604108"/>
+                  </a:ext>
+                </a:extLst>
+              </a:tr>
+              <a:tr h="370840">
+                <a:tc>
+                  <a:txBody>
+                    <a:bodyPr/>
+                    <a:lstStyle/>
+                    <a:p>
+                      <a:r>
+                        <a:rPr lang="en-US" sz="1400" dirty="0">
+                          <a:solidFill>
+                            <a:schemeClr val="tx1">
+                              <a:lumMod val="85000"/>
+                              <a:lumOff val="15000"/>
+                            </a:schemeClr>
+                          </a:solidFill>
+                          <a:latin typeface="Roboto Condensed" panose="02000000000000000000" pitchFamily="2" charset="0"/>
+                          <a:ea typeface="Roboto Condensed" panose="02000000000000000000" pitchFamily="2" charset="0"/>
+                        </a:rPr>
+                        <a:t>5. </a:t>
+                      </a:r>
+                    </a:p>
+                  </a:txBody>
+                  <a:tcPr/>
+                </a:tc>
+                <a:tc>
+                  <a:txBody>
+                    <a:bodyPr/>
+                    <a:lstStyle/>
+                    <a:p>
+                      <a:r>
+                        <a:rPr lang="en-US" sz="1400" b="1" dirty="0">
+                          <a:solidFill>
+                            <a:schemeClr val="tx1">
+                              <a:lumMod val="85000"/>
+                              <a:lumOff val="15000"/>
+                            </a:schemeClr>
+                          </a:solidFill>
+                          <a:latin typeface="Roboto Condensed" panose="02000000000000000000" pitchFamily="2" charset="0"/>
+                          <a:ea typeface="Roboto Condensed" panose="02000000000000000000" pitchFamily="2" charset="0"/>
+                        </a:rPr>
+                        <a:t>Reduce environmental impact</a:t>
+                      </a:r>
+                    </a:p>
+                  </a:txBody>
+                  <a:tcPr/>
+                </a:tc>
+                <a:tc>
+                  <a:txBody>
+                    <a:bodyPr/>
+                    <a:lstStyle/>
+                    <a:p>
+                      <a:pPr marL="285750" indent="-285750">
+                        <a:spcAft>
+                          <a:spcPts val="600"/>
+                        </a:spcAft>
+                        <a:buFont typeface="Arial" panose="020B0604020202020204" pitchFamily="34" charset="0"/>
+                        <a:buChar char="•"/>
+                      </a:pPr>
+                      <a:r>
+                        <a:rPr lang="en-US" sz="1400" dirty="0">
+                          <a:solidFill>
+                            <a:schemeClr val="tx1">
+                              <a:lumMod val="85000"/>
+                              <a:lumOff val="15000"/>
+                            </a:schemeClr>
+                          </a:solidFill>
+                          <a:latin typeface="Roboto Condensed" panose="02000000000000000000" pitchFamily="2" charset="0"/>
+                          <a:ea typeface="Roboto Condensed" panose="02000000000000000000" pitchFamily="2" charset="0"/>
+                        </a:rPr>
+                        <a:t>A lot of task do NOT require the use of computationally extensive approaches (e.g., the fine-tuning of large language models); test performance on smaller subsets before wasting energy on using an overly complex approach for a simple task</a:t>
+                      </a:r>
+                    </a:p>
+                    <a:p>
+                      <a:pPr marL="285750" indent="-285750">
+                        <a:spcAft>
+                          <a:spcPts val="600"/>
+                        </a:spcAft>
+                        <a:buFont typeface="Arial" panose="020B0604020202020204" pitchFamily="34" charset="0"/>
+                        <a:buChar char="•"/>
+                      </a:pPr>
+                      <a:r>
+                        <a:rPr lang="en-US" sz="1400" dirty="0">
+                          <a:solidFill>
+                            <a:schemeClr val="tx1">
+                              <a:lumMod val="85000"/>
+                              <a:lumOff val="15000"/>
+                            </a:schemeClr>
+                          </a:solidFill>
+                          <a:latin typeface="Roboto Condensed" panose="02000000000000000000" pitchFamily="2" charset="0"/>
+                          <a:ea typeface="Roboto Condensed" panose="02000000000000000000" pitchFamily="2" charset="0"/>
+                        </a:rPr>
+                        <a:t>Assess the impact of your research: Is it worth using this much energy in light of expected impact?</a:t>
+                      </a:r>
+                    </a:p>
+                  </a:txBody>
+                  <a:tcPr/>
+                </a:tc>
+                <a:extLst>
+                  <a:ext uri="{0D108BD9-81ED-4DB2-BD59-A6C34878D82A}">
+                    <a16:rowId xmlns:a16="http://schemas.microsoft.com/office/drawing/2014/main" val="2129688870"/>
+                  </a:ext>
+                </a:extLst>
+              </a:tr>
+              <a:tr h="370840">
+                <a:tc>
+                  <a:txBody>
+                    <a:bodyPr/>
+                    <a:lstStyle/>
+                    <a:p>
+                      <a:r>
+                        <a:rPr lang="en-US" sz="1400" dirty="0">
+                          <a:solidFill>
+                            <a:schemeClr val="tx1">
+                              <a:lumMod val="85000"/>
+                              <a:lumOff val="15000"/>
+                            </a:schemeClr>
+                          </a:solidFill>
+                          <a:latin typeface="Roboto Condensed" panose="02000000000000000000" pitchFamily="2" charset="0"/>
+                          <a:ea typeface="Roboto Condensed" panose="02000000000000000000" pitchFamily="2" charset="0"/>
+                        </a:rPr>
+                        <a:t>6.</a:t>
+                      </a:r>
+                    </a:p>
+                  </a:txBody>
+                  <a:tcPr/>
+                </a:tc>
+                <a:tc>
+                  <a:txBody>
+                    <a:bodyPr/>
+                    <a:lstStyle/>
+                    <a:p>
+                      <a:r>
+                        <a:rPr lang="en-US" sz="1400" b="1" dirty="0">
+                          <a:solidFill>
+                            <a:schemeClr val="tx1">
+                              <a:lumMod val="85000"/>
+                              <a:lumOff val="15000"/>
+                            </a:schemeClr>
+                          </a:solidFill>
+                          <a:latin typeface="Roboto Condensed" panose="02000000000000000000" pitchFamily="2" charset="0"/>
+                          <a:ea typeface="Roboto Condensed" panose="02000000000000000000" pitchFamily="2" charset="0"/>
+                        </a:rPr>
+                        <a:t>Ensure cross-cultural sensitivity</a:t>
+                      </a:r>
+                    </a:p>
+                  </a:txBody>
+                  <a:tcPr/>
+                </a:tc>
+                <a:tc>
+                  <a:txBody>
+                    <a:bodyPr/>
+                    <a:lstStyle/>
+                    <a:p>
+                      <a:pPr marL="285750" indent="-285750">
+                        <a:spcAft>
+                          <a:spcPts val="600"/>
+                        </a:spcAft>
+                        <a:buFont typeface="Arial" panose="020B0604020202020204" pitchFamily="34" charset="0"/>
+                        <a:buChar char="•"/>
+                      </a:pPr>
+                      <a:r>
+                        <a:rPr lang="en-US" sz="1400" dirty="0">
+                          <a:solidFill>
+                            <a:schemeClr val="tx1">
+                              <a:lumMod val="85000"/>
+                              <a:lumOff val="15000"/>
+                            </a:schemeClr>
+                          </a:solidFill>
+                          <a:latin typeface="Roboto Condensed" panose="02000000000000000000" pitchFamily="2" charset="0"/>
+                          <a:ea typeface="Roboto Condensed" panose="02000000000000000000" pitchFamily="2" charset="0"/>
+                        </a:rPr>
+                        <a:t>Acknowledge and respect cultural differences in language and context, adapting text classification models to be sensitive to various cultural norms and nuances.</a:t>
+                      </a:r>
+                    </a:p>
+                  </a:txBody>
+                  <a:tcPr/>
+                </a:tc>
+                <a:extLst>
+                  <a:ext uri="{0D108BD9-81ED-4DB2-BD59-A6C34878D82A}">
+                    <a16:rowId xmlns:a16="http://schemas.microsoft.com/office/drawing/2014/main" val="2729821217"/>
+                  </a:ext>
+                </a:extLst>
+              </a:tr>
+              <a:tr h="370840">
+                <a:tc>
+                  <a:txBody>
+                    <a:bodyPr/>
+                    <a:lstStyle/>
+                    <a:p>
+                      <a:r>
+                        <a:rPr lang="en-US" sz="1400" dirty="0">
+                          <a:solidFill>
+                            <a:schemeClr val="tx1">
+                              <a:lumMod val="85000"/>
+                              <a:lumOff val="15000"/>
+                            </a:schemeClr>
+                          </a:solidFill>
+                          <a:latin typeface="Roboto Condensed" panose="02000000000000000000" pitchFamily="2" charset="0"/>
+                          <a:ea typeface="Roboto Condensed" panose="02000000000000000000" pitchFamily="2" charset="0"/>
+                        </a:rPr>
+                        <a:t>7. </a:t>
+                      </a:r>
+                    </a:p>
+                  </a:txBody>
+                  <a:tcPr/>
+                </a:tc>
+                <a:tc>
+                  <a:txBody>
+                    <a:bodyPr/>
+                    <a:lstStyle/>
+                    <a:p>
+                      <a:r>
+                        <a:rPr lang="en-US" sz="1400" b="1" dirty="0">
+                          <a:solidFill>
+                            <a:schemeClr val="tx1">
+                              <a:lumMod val="85000"/>
+                              <a:lumOff val="15000"/>
+                            </a:schemeClr>
+                          </a:solidFill>
+                          <a:latin typeface="Roboto Condensed" panose="02000000000000000000" pitchFamily="2" charset="0"/>
+                          <a:ea typeface="Roboto Condensed" panose="02000000000000000000" pitchFamily="2" charset="0"/>
+                        </a:rPr>
+                        <a:t>Engage with peers, subjects, community and stakeholders</a:t>
+                      </a:r>
+                    </a:p>
+                  </a:txBody>
+                  <a:tcPr/>
+                </a:tc>
+                <a:tc>
+                  <a:txBody>
+                    <a:bodyPr/>
+                    <a:lstStyle/>
+                    <a:p>
+                      <a:pPr marL="285750" indent="-285750">
+                        <a:spcAft>
+                          <a:spcPts val="600"/>
+                        </a:spcAft>
+                        <a:buFont typeface="Arial" panose="020B0604020202020204" pitchFamily="34" charset="0"/>
+                        <a:buChar char="•"/>
+                      </a:pPr>
+                      <a:r>
+                        <a:rPr lang="en-US" sz="1400" dirty="0">
+                          <a:solidFill>
+                            <a:schemeClr val="tx1">
+                              <a:lumMod val="85000"/>
+                              <a:lumOff val="15000"/>
+                            </a:schemeClr>
+                          </a:solidFill>
+                          <a:latin typeface="Roboto Condensed" panose="02000000000000000000" pitchFamily="2" charset="0"/>
+                          <a:ea typeface="Roboto Condensed" panose="02000000000000000000" pitchFamily="2" charset="0"/>
+                        </a:rPr>
+                        <a:t>Engage with relevant communities and stakeholders to gather feedback, understand concerns, and involve them in shaping the development and application of text classification methods.</a:t>
+                      </a:r>
+                    </a:p>
+                  </a:txBody>
+                  <a:tcPr/>
+                </a:tc>
+                <a:extLst>
+                  <a:ext uri="{0D108BD9-81ED-4DB2-BD59-A6C34878D82A}">
+                    <a16:rowId xmlns:a16="http://schemas.microsoft.com/office/drawing/2014/main" val="4029400300"/>
+                  </a:ext>
+                </a:extLst>
+              </a:tr>
+            </a:tbl>
+          </a:graphicData>
+        </a:graphic>
+      </p:graphicFrame>
+    </p:spTree>
+    <p:extLst>
+      <p:ext uri="{BB962C8B-B14F-4D97-AF65-F5344CB8AC3E}">
+        <p14:creationId xmlns:p14="http://schemas.microsoft.com/office/powerpoint/2010/main" val="4206989999"/>
+      </p:ext>
+    </p:extLst>
+  </p:cSld>
+  <p:clrMapOvr>
+    <a:masterClrMapping/>
+  </p:clrMapOvr>
+</p:sld>
+</file>
+
 <file path=ppt/theme/theme1.xml><?xml version="1.0" encoding="utf-8"?>
 <a:theme xmlns:a="http://schemas.openxmlformats.org/drawingml/2006/main" name="Office Theme">
   <a:themeElements>

--- a/slides/img/approaches.pptx
+++ b/slides/img/approaches.pptx
@@ -273,7 +273,7 @@
           <a:p>
             <a:fld id="{CDF5438E-8328-FD47-AB6C-7BC1D9D14C52}" type="datetimeFigureOut">
               <a:rPr lang="en-US" smtClean="0"/>
-              <a:t>10/25/23</a:t>
+              <a:t>10/26/23</a:t>
             </a:fld>
             <a:endParaRPr lang="en-US"/>
           </a:p>
@@ -471,7 +471,7 @@
           <a:p>
             <a:fld id="{CDF5438E-8328-FD47-AB6C-7BC1D9D14C52}" type="datetimeFigureOut">
               <a:rPr lang="en-US" smtClean="0"/>
-              <a:t>10/25/23</a:t>
+              <a:t>10/26/23</a:t>
             </a:fld>
             <a:endParaRPr lang="en-US"/>
           </a:p>
@@ -679,7 +679,7 @@
           <a:p>
             <a:fld id="{CDF5438E-8328-FD47-AB6C-7BC1D9D14C52}" type="datetimeFigureOut">
               <a:rPr lang="en-US" smtClean="0"/>
-              <a:t>10/25/23</a:t>
+              <a:t>10/26/23</a:t>
             </a:fld>
             <a:endParaRPr lang="en-US"/>
           </a:p>
@@ -877,7 +877,7 @@
           <a:p>
             <a:fld id="{CDF5438E-8328-FD47-AB6C-7BC1D9D14C52}" type="datetimeFigureOut">
               <a:rPr lang="en-US" smtClean="0"/>
-              <a:t>10/25/23</a:t>
+              <a:t>10/26/23</a:t>
             </a:fld>
             <a:endParaRPr lang="en-US"/>
           </a:p>
@@ -1152,7 +1152,7 @@
           <a:p>
             <a:fld id="{CDF5438E-8328-FD47-AB6C-7BC1D9D14C52}" type="datetimeFigureOut">
               <a:rPr lang="en-US" smtClean="0"/>
-              <a:t>10/25/23</a:t>
+              <a:t>10/26/23</a:t>
             </a:fld>
             <a:endParaRPr lang="en-US"/>
           </a:p>
@@ -1417,7 +1417,7 @@
           <a:p>
             <a:fld id="{CDF5438E-8328-FD47-AB6C-7BC1D9D14C52}" type="datetimeFigureOut">
               <a:rPr lang="en-US" smtClean="0"/>
-              <a:t>10/25/23</a:t>
+              <a:t>10/26/23</a:t>
             </a:fld>
             <a:endParaRPr lang="en-US"/>
           </a:p>
@@ -1829,7 +1829,7 @@
           <a:p>
             <a:fld id="{CDF5438E-8328-FD47-AB6C-7BC1D9D14C52}" type="datetimeFigureOut">
               <a:rPr lang="en-US" smtClean="0"/>
-              <a:t>10/25/23</a:t>
+              <a:t>10/26/23</a:t>
             </a:fld>
             <a:endParaRPr lang="en-US"/>
           </a:p>
@@ -1970,7 +1970,7 @@
           <a:p>
             <a:fld id="{CDF5438E-8328-FD47-AB6C-7BC1D9D14C52}" type="datetimeFigureOut">
               <a:rPr lang="en-US" smtClean="0"/>
-              <a:t>10/25/23</a:t>
+              <a:t>10/26/23</a:t>
             </a:fld>
             <a:endParaRPr lang="en-US"/>
           </a:p>
@@ -2083,7 +2083,7 @@
           <a:p>
             <a:fld id="{CDF5438E-8328-FD47-AB6C-7BC1D9D14C52}" type="datetimeFigureOut">
               <a:rPr lang="en-US" smtClean="0"/>
-              <a:t>10/25/23</a:t>
+              <a:t>10/26/23</a:t>
             </a:fld>
             <a:endParaRPr lang="en-US"/>
           </a:p>
@@ -2394,7 +2394,7 @@
           <a:p>
             <a:fld id="{CDF5438E-8328-FD47-AB6C-7BC1D9D14C52}" type="datetimeFigureOut">
               <a:rPr lang="en-US" smtClean="0"/>
-              <a:t>10/25/23</a:t>
+              <a:t>10/26/23</a:t>
             </a:fld>
             <a:endParaRPr lang="en-US"/>
           </a:p>
@@ -2682,7 +2682,7 @@
           <a:p>
             <a:fld id="{CDF5438E-8328-FD47-AB6C-7BC1D9D14C52}" type="datetimeFigureOut">
               <a:rPr lang="en-US" smtClean="0"/>
-              <a:t>10/25/23</a:t>
+              <a:t>10/26/23</a:t>
             </a:fld>
             <a:endParaRPr lang="en-US"/>
           </a:p>
@@ -2923,7 +2923,7 @@
           <a:p>
             <a:fld id="{CDF5438E-8328-FD47-AB6C-7BC1D9D14C52}" type="datetimeFigureOut">
               <a:rPr lang="en-US" smtClean="0"/>
-              <a:t>10/25/23</a:t>
+              <a:t>10/26/23</a:t>
             </a:fld>
             <a:endParaRPr lang="en-US"/>
           </a:p>
@@ -3355,7 +3355,7 @@
           <p:nvPr>
             <p:extLst>
               <p:ext uri="{D42A27DB-BD31-4B8C-83A1-F6EECF244321}">
-                <p14:modId xmlns:p14="http://schemas.microsoft.com/office/powerpoint/2010/main" val="1502724504"/>
+                <p14:modId xmlns:p14="http://schemas.microsoft.com/office/powerpoint/2010/main" val="3466335776"/>
               </p:ext>
             </p:extLst>
           </p:nvPr>
@@ -3981,7 +3981,7 @@
                           <a:latin typeface="Roboto Condensed" panose="02000000000000000000" pitchFamily="2" charset="0"/>
                           <a:ea typeface="Roboto Condensed" panose="02000000000000000000" pitchFamily="2" charset="0"/>
                         </a:rPr>
-                        <a:t>Zero-shot classification using pre-trained large language models</a:t>
+                        <a:t>Text classification using pre-trained large language models</a:t>
                       </a:r>
                     </a:p>
                   </a:txBody>
@@ -4008,26 +4008,6 @@
                           <a:ea typeface="Roboto Condensed" panose="02000000000000000000" pitchFamily="2" charset="0"/>
                         </a:rPr>
                         <a:t>Unsupervised topic modeling</a:t>
-                      </a:r>
-                    </a:p>
-                    <a:p>
-                      <a:pPr marL="292100" indent="-292100">
-                        <a:spcBef>
-                          <a:spcPts val="600"/>
-                        </a:spcBef>
-                        <a:spcAft>
-                          <a:spcPts val="600"/>
-                        </a:spcAft>
-                        <a:buFont typeface="Arial" panose="020B0604020202020204" pitchFamily="34" charset="0"/>
-                        <a:buChar char="•"/>
-                        <a:tabLst/>
-                      </a:pPr>
-                      <a:r>
-                        <a:rPr lang="en-US" sz="1600" dirty="0">
-                          <a:latin typeface="Roboto Condensed" panose="02000000000000000000" pitchFamily="2" charset="0"/>
-                          <a:ea typeface="Roboto Condensed" panose="02000000000000000000" pitchFamily="2" charset="0"/>
-                        </a:rPr>
-                        <a:t>Unprompted zero-shot text classification</a:t>
                       </a:r>
                     </a:p>
                   </a:txBody>

--- a/slides/img/approaches.pptx
+++ b/slides/img/approaches.pptx
@@ -273,7 +273,7 @@
           <a:p>
             <a:fld id="{CDF5438E-8328-FD47-AB6C-7BC1D9D14C52}" type="datetimeFigureOut">
               <a:rPr lang="en-US" smtClean="0"/>
-              <a:t>10/26/23</a:t>
+              <a:t>10/31/23</a:t>
             </a:fld>
             <a:endParaRPr lang="en-US"/>
           </a:p>
@@ -471,7 +471,7 @@
           <a:p>
             <a:fld id="{CDF5438E-8328-FD47-AB6C-7BC1D9D14C52}" type="datetimeFigureOut">
               <a:rPr lang="en-US" smtClean="0"/>
-              <a:t>10/26/23</a:t>
+              <a:t>10/31/23</a:t>
             </a:fld>
             <a:endParaRPr lang="en-US"/>
           </a:p>
@@ -679,7 +679,7 @@
           <a:p>
             <a:fld id="{CDF5438E-8328-FD47-AB6C-7BC1D9D14C52}" type="datetimeFigureOut">
               <a:rPr lang="en-US" smtClean="0"/>
-              <a:t>10/26/23</a:t>
+              <a:t>10/31/23</a:t>
             </a:fld>
             <a:endParaRPr lang="en-US"/>
           </a:p>
@@ -877,7 +877,7 @@
           <a:p>
             <a:fld id="{CDF5438E-8328-FD47-AB6C-7BC1D9D14C52}" type="datetimeFigureOut">
               <a:rPr lang="en-US" smtClean="0"/>
-              <a:t>10/26/23</a:t>
+              <a:t>10/31/23</a:t>
             </a:fld>
             <a:endParaRPr lang="en-US"/>
           </a:p>
@@ -1152,7 +1152,7 @@
           <a:p>
             <a:fld id="{CDF5438E-8328-FD47-AB6C-7BC1D9D14C52}" type="datetimeFigureOut">
               <a:rPr lang="en-US" smtClean="0"/>
-              <a:t>10/26/23</a:t>
+              <a:t>10/31/23</a:t>
             </a:fld>
             <a:endParaRPr lang="en-US"/>
           </a:p>
@@ -1417,7 +1417,7 @@
           <a:p>
             <a:fld id="{CDF5438E-8328-FD47-AB6C-7BC1D9D14C52}" type="datetimeFigureOut">
               <a:rPr lang="en-US" smtClean="0"/>
-              <a:t>10/26/23</a:t>
+              <a:t>10/31/23</a:t>
             </a:fld>
             <a:endParaRPr lang="en-US"/>
           </a:p>
@@ -1829,7 +1829,7 @@
           <a:p>
             <a:fld id="{CDF5438E-8328-FD47-AB6C-7BC1D9D14C52}" type="datetimeFigureOut">
               <a:rPr lang="en-US" smtClean="0"/>
-              <a:t>10/26/23</a:t>
+              <a:t>10/31/23</a:t>
             </a:fld>
             <a:endParaRPr lang="en-US"/>
           </a:p>
@@ -1970,7 +1970,7 @@
           <a:p>
             <a:fld id="{CDF5438E-8328-FD47-AB6C-7BC1D9D14C52}" type="datetimeFigureOut">
               <a:rPr lang="en-US" smtClean="0"/>
-              <a:t>10/26/23</a:t>
+              <a:t>10/31/23</a:t>
             </a:fld>
             <a:endParaRPr lang="en-US"/>
           </a:p>
@@ -2083,7 +2083,7 @@
           <a:p>
             <a:fld id="{CDF5438E-8328-FD47-AB6C-7BC1D9D14C52}" type="datetimeFigureOut">
               <a:rPr lang="en-US" smtClean="0"/>
-              <a:t>10/26/23</a:t>
+              <a:t>10/31/23</a:t>
             </a:fld>
             <a:endParaRPr lang="en-US"/>
           </a:p>
@@ -2394,7 +2394,7 @@
           <a:p>
             <a:fld id="{CDF5438E-8328-FD47-AB6C-7BC1D9D14C52}" type="datetimeFigureOut">
               <a:rPr lang="en-US" smtClean="0"/>
-              <a:t>10/26/23</a:t>
+              <a:t>10/31/23</a:t>
             </a:fld>
             <a:endParaRPr lang="en-US"/>
           </a:p>
@@ -2682,7 +2682,7 @@
           <a:p>
             <a:fld id="{CDF5438E-8328-FD47-AB6C-7BC1D9D14C52}" type="datetimeFigureOut">
               <a:rPr lang="en-US" smtClean="0"/>
-              <a:t>10/26/23</a:t>
+              <a:t>10/31/23</a:t>
             </a:fld>
             <a:endParaRPr lang="en-US"/>
           </a:p>
@@ -2923,7 +2923,7 @@
           <a:p>
             <a:fld id="{CDF5438E-8328-FD47-AB6C-7BC1D9D14C52}" type="datetimeFigureOut">
               <a:rPr lang="en-US" smtClean="0"/>
-              <a:t>10/26/23</a:t>
+              <a:t>10/31/23</a:t>
             </a:fld>
             <a:endParaRPr lang="en-US"/>
           </a:p>
@@ -10730,7 +10730,7 @@
             <p:ph idx="1"/>
             <p:extLst>
               <p:ext uri="{D42A27DB-BD31-4B8C-83A1-F6EECF244321}">
-                <p14:modId xmlns:p14="http://schemas.microsoft.com/office/powerpoint/2010/main" val="4069562656"/>
+                <p14:modId xmlns:p14="http://schemas.microsoft.com/office/powerpoint/2010/main" val="3031252018"/>
               </p:ext>
             </p:extLst>
           </p:nvPr>
@@ -14064,7 +14064,7 @@
                           <a:latin typeface="Roboto Condensed" panose="02000000000000000000" pitchFamily="2" charset="0"/>
                           <a:ea typeface="Roboto Condensed" panose="02000000000000000000" pitchFamily="2" charset="0"/>
                         </a:rPr>
-                        <a:t>19/12/21</a:t>
+                        <a:t>18/12/23</a:t>
                       </a:r>
                       <a:br>
                         <a:rPr lang="en-US" sz="1100" b="0" i="0" u="none" strike="noStrike" dirty="0">

--- a/slides/img/approaches.pptx
+++ b/slides/img/approaches.pptx
@@ -2,7 +2,7 @@
 <file path=ppt/presentation.xml><?xml version="1.0" encoding="utf-8"?>
 <p:presentation xmlns:a="http://schemas.openxmlformats.org/drawingml/2006/main" xmlns:r="http://schemas.openxmlformats.org/officeDocument/2006/relationships" xmlns:p="http://schemas.openxmlformats.org/presentationml/2006/main" saveSubsetFonts="1" autoCompressPictures="0">
   <p:sldMasterIdLst>
-    <p:sldMasterId id="2147483648" r:id="rId1"/>
+    <p:sldMasterId id="2147483672" r:id="rId1"/>
   </p:sldMasterIdLst>
   <p:sldIdLst>
     <p:sldId id="256" r:id="rId2"/>
@@ -10,13 +10,13 @@
     <p:sldId id="258" r:id="rId4"/>
     <p:sldId id="259" r:id="rId5"/>
   </p:sldIdLst>
-  <p:sldSz cx="12192000" cy="6858000"/>
+  <p:sldSz cx="15846425" cy="9144000"/>
   <p:notesSz cx="6858000" cy="9144000"/>
   <p:defaultTextStyle>
     <a:defPPr>
       <a:defRPr lang="en-US"/>
     </a:defPPr>
-    <a:lvl1pPr marL="0" algn="l" defTabSz="914400" rtl="0" eaLnBrk="1" latinLnBrk="0" hangingPunct="1">
+    <a:lvl1pPr marL="0" algn="l" defTabSz="457200" rtl="0" eaLnBrk="1" latinLnBrk="0" hangingPunct="1">
       <a:defRPr sz="1800" kern="1200">
         <a:solidFill>
           <a:schemeClr val="tx1"/>
@@ -26,7 +26,7 @@
         <a:cs typeface="+mn-cs"/>
       </a:defRPr>
     </a:lvl1pPr>
-    <a:lvl2pPr marL="457200" algn="l" defTabSz="914400" rtl="0" eaLnBrk="1" latinLnBrk="0" hangingPunct="1">
+    <a:lvl2pPr marL="457200" algn="l" defTabSz="457200" rtl="0" eaLnBrk="1" latinLnBrk="0" hangingPunct="1">
       <a:defRPr sz="1800" kern="1200">
         <a:solidFill>
           <a:schemeClr val="tx1"/>
@@ -36,7 +36,7 @@
         <a:cs typeface="+mn-cs"/>
       </a:defRPr>
     </a:lvl2pPr>
-    <a:lvl3pPr marL="914400" algn="l" defTabSz="914400" rtl="0" eaLnBrk="1" latinLnBrk="0" hangingPunct="1">
+    <a:lvl3pPr marL="914400" algn="l" defTabSz="457200" rtl="0" eaLnBrk="1" latinLnBrk="0" hangingPunct="1">
       <a:defRPr sz="1800" kern="1200">
         <a:solidFill>
           <a:schemeClr val="tx1"/>
@@ -46,7 +46,7 @@
         <a:cs typeface="+mn-cs"/>
       </a:defRPr>
     </a:lvl3pPr>
-    <a:lvl4pPr marL="1371600" algn="l" defTabSz="914400" rtl="0" eaLnBrk="1" latinLnBrk="0" hangingPunct="1">
+    <a:lvl4pPr marL="1371600" algn="l" defTabSz="457200" rtl="0" eaLnBrk="1" latinLnBrk="0" hangingPunct="1">
       <a:defRPr sz="1800" kern="1200">
         <a:solidFill>
           <a:schemeClr val="tx1"/>
@@ -56,7 +56,7 @@
         <a:cs typeface="+mn-cs"/>
       </a:defRPr>
     </a:lvl4pPr>
-    <a:lvl5pPr marL="1828800" algn="l" defTabSz="914400" rtl="0" eaLnBrk="1" latinLnBrk="0" hangingPunct="1">
+    <a:lvl5pPr marL="1828800" algn="l" defTabSz="457200" rtl="0" eaLnBrk="1" latinLnBrk="0" hangingPunct="1">
       <a:defRPr sz="1800" kern="1200">
         <a:solidFill>
           <a:schemeClr val="tx1"/>
@@ -66,7 +66,7 @@
         <a:cs typeface="+mn-cs"/>
       </a:defRPr>
     </a:lvl5pPr>
-    <a:lvl6pPr marL="2286000" algn="l" defTabSz="914400" rtl="0" eaLnBrk="1" latinLnBrk="0" hangingPunct="1">
+    <a:lvl6pPr marL="2286000" algn="l" defTabSz="457200" rtl="0" eaLnBrk="1" latinLnBrk="0" hangingPunct="1">
       <a:defRPr sz="1800" kern="1200">
         <a:solidFill>
           <a:schemeClr val="tx1"/>
@@ -76,7 +76,7 @@
         <a:cs typeface="+mn-cs"/>
       </a:defRPr>
     </a:lvl6pPr>
-    <a:lvl7pPr marL="2743200" algn="l" defTabSz="914400" rtl="0" eaLnBrk="1" latinLnBrk="0" hangingPunct="1">
+    <a:lvl7pPr marL="2743200" algn="l" defTabSz="457200" rtl="0" eaLnBrk="1" latinLnBrk="0" hangingPunct="1">
       <a:defRPr sz="1800" kern="1200">
         <a:solidFill>
           <a:schemeClr val="tx1"/>
@@ -86,7 +86,7 @@
         <a:cs typeface="+mn-cs"/>
       </a:defRPr>
     </a:lvl7pPr>
-    <a:lvl8pPr marL="3200400" algn="l" defTabSz="914400" rtl="0" eaLnBrk="1" latinLnBrk="0" hangingPunct="1">
+    <a:lvl8pPr marL="3200400" algn="l" defTabSz="457200" rtl="0" eaLnBrk="1" latinLnBrk="0" hangingPunct="1">
       <a:defRPr sz="1800" kern="1200">
         <a:solidFill>
           <a:schemeClr val="tx1"/>
@@ -96,7 +96,7 @@
         <a:cs typeface="+mn-cs"/>
       </a:defRPr>
     </a:lvl8pPr>
-    <a:lvl9pPr marL="3657600" algn="l" defTabSz="914400" rtl="0" eaLnBrk="1" latinLnBrk="0" hangingPunct="1">
+    <a:lvl9pPr marL="3657600" algn="l" defTabSz="457200" rtl="0" eaLnBrk="1" latinLnBrk="0" hangingPunct="1">
       <a:defRPr sz="1800" kern="1200">
         <a:solidFill>
           <a:schemeClr val="tx1"/>
@@ -110,12 +110,12 @@
   <p:extLst>
     <p:ext uri="{EFAFB233-063F-42B5-8137-9DF3F51BA10A}">
       <p15:sldGuideLst xmlns:p15="http://schemas.microsoft.com/office/powerpoint/2012/main">
-        <p15:guide id="1" orient="horz" pos="2160" userDrawn="1">
+        <p15:guide id="1" orient="horz" pos="2880" userDrawn="1">
           <p15:clr>
             <a:srgbClr val="A4A3A4"/>
           </p15:clr>
         </p15:guide>
-        <p15:guide id="2" pos="3840" userDrawn="1">
+        <p15:guide id="2" pos="4991" userDrawn="1">
           <p15:clr>
             <a:srgbClr val="A4A3A4"/>
           </p15:clr>
@@ -145,13 +145,7 @@
       </p:grpSpPr>
       <p:sp>
         <p:nvSpPr>
-          <p:cNvPr id="2" name="Title 1">
-            <a:extLst>
-              <a:ext uri="{FF2B5EF4-FFF2-40B4-BE49-F238E27FC236}">
-                <a16:creationId xmlns:a16="http://schemas.microsoft.com/office/drawing/2014/main" id="{98A58860-88BC-9442-8926-ADF32DA9FEFC}"/>
-              </a:ext>
-            </a:extLst>
-          </p:cNvPr>
+          <p:cNvPr id="2" name="Title 1"/>
           <p:cNvSpPr>
             <a:spLocks noGrp="1"/>
           </p:cNvSpPr>
@@ -161,15 +155,15 @@
         </p:nvSpPr>
         <p:spPr>
           <a:xfrm>
-            <a:off x="1524000" y="1122363"/>
-            <a:ext cx="9144000" cy="2387600"/>
+            <a:off x="1980803" y="1496484"/>
+            <a:ext cx="11884819" cy="3183467"/>
           </a:xfrm>
         </p:spPr>
         <p:txBody>
           <a:bodyPr anchor="b"/>
           <a:lstStyle>
             <a:lvl1pPr algn="ctr">
-              <a:defRPr sz="6000"/>
+              <a:defRPr sz="7798"/>
             </a:lvl1pPr>
           </a:lstStyle>
           <a:p>
@@ -177,18 +171,13 @@
               <a:rPr lang="en-US"/>
               <a:t>Click to edit Master title style</a:t>
             </a:r>
+            <a:endParaRPr lang="en-US" dirty="0"/>
           </a:p>
         </p:txBody>
       </p:sp>
       <p:sp>
         <p:nvSpPr>
-          <p:cNvPr id="3" name="Subtitle 2">
-            <a:extLst>
-              <a:ext uri="{FF2B5EF4-FFF2-40B4-BE49-F238E27FC236}">
-                <a16:creationId xmlns:a16="http://schemas.microsoft.com/office/drawing/2014/main" id="{A5564511-74DA-2546-9B56-52281A379AAE}"/>
-              </a:ext>
-            </a:extLst>
-          </p:cNvPr>
+          <p:cNvPr id="3" name="Subtitle 2"/>
           <p:cNvSpPr>
             <a:spLocks noGrp="1"/>
           </p:cNvSpPr>
@@ -198,8 +187,8 @@
         </p:nvSpPr>
         <p:spPr>
           <a:xfrm>
-            <a:off x="1524000" y="3602038"/>
-            <a:ext cx="9144000" cy="1655762"/>
+            <a:off x="1980803" y="4802717"/>
+            <a:ext cx="11884819" cy="2207683"/>
           </a:xfrm>
         </p:spPr>
         <p:txBody>
@@ -207,39 +196,39 @@
           <a:lstStyle>
             <a:lvl1pPr marL="0" indent="0" algn="ctr">
               <a:buNone/>
-              <a:defRPr sz="2400"/>
+              <a:defRPr sz="3119"/>
             </a:lvl1pPr>
-            <a:lvl2pPr marL="457200" indent="0" algn="ctr">
+            <a:lvl2pPr marL="594223" indent="0" algn="ctr">
               <a:buNone/>
-              <a:defRPr sz="2000"/>
+              <a:defRPr sz="2599"/>
             </a:lvl2pPr>
-            <a:lvl3pPr marL="914400" indent="0" algn="ctr">
+            <a:lvl3pPr marL="1188446" indent="0" algn="ctr">
               <a:buNone/>
-              <a:defRPr sz="1800"/>
+              <a:defRPr sz="2339"/>
             </a:lvl3pPr>
-            <a:lvl4pPr marL="1371600" indent="0" algn="ctr">
+            <a:lvl4pPr marL="1782669" indent="0" algn="ctr">
               <a:buNone/>
-              <a:defRPr sz="1600"/>
+              <a:defRPr sz="2080"/>
             </a:lvl4pPr>
-            <a:lvl5pPr marL="1828800" indent="0" algn="ctr">
+            <a:lvl5pPr marL="2376891" indent="0" algn="ctr">
               <a:buNone/>
-              <a:defRPr sz="1600"/>
+              <a:defRPr sz="2080"/>
             </a:lvl5pPr>
-            <a:lvl6pPr marL="2286000" indent="0" algn="ctr">
+            <a:lvl6pPr marL="2971114" indent="0" algn="ctr">
               <a:buNone/>
-              <a:defRPr sz="1600"/>
+              <a:defRPr sz="2080"/>
             </a:lvl6pPr>
-            <a:lvl7pPr marL="2743200" indent="0" algn="ctr">
+            <a:lvl7pPr marL="3565337" indent="0" algn="ctr">
               <a:buNone/>
-              <a:defRPr sz="1600"/>
+              <a:defRPr sz="2080"/>
             </a:lvl7pPr>
-            <a:lvl8pPr marL="3200400" indent="0" algn="ctr">
+            <a:lvl8pPr marL="4159560" indent="0" algn="ctr">
               <a:buNone/>
-              <a:defRPr sz="1600"/>
+              <a:defRPr sz="2080"/>
             </a:lvl8pPr>
-            <a:lvl9pPr marL="3657600" indent="0" algn="ctr">
+            <a:lvl9pPr marL="4753783" indent="0" algn="ctr">
               <a:buNone/>
-              <a:defRPr sz="1600"/>
+              <a:defRPr sz="2080"/>
             </a:lvl9pPr>
           </a:lstStyle>
           <a:p>
@@ -247,18 +236,13 @@
               <a:rPr lang="en-US"/>
               <a:t>Click to edit Master subtitle style</a:t>
             </a:r>
+            <a:endParaRPr lang="en-US" dirty="0"/>
           </a:p>
         </p:txBody>
       </p:sp>
       <p:sp>
         <p:nvSpPr>
-          <p:cNvPr id="4" name="Date Placeholder 3">
-            <a:extLst>
-              <a:ext uri="{FF2B5EF4-FFF2-40B4-BE49-F238E27FC236}">
-                <a16:creationId xmlns:a16="http://schemas.microsoft.com/office/drawing/2014/main" id="{CE499AC4-AF95-EC47-8AEE-4C6A3FDFC861}"/>
-              </a:ext>
-            </a:extLst>
-          </p:cNvPr>
+          <p:cNvPr id="4" name="Date Placeholder 3"/>
           <p:cNvSpPr>
             <a:spLocks noGrp="1"/>
           </p:cNvSpPr>
@@ -273,7 +257,7 @@
           <a:p>
             <a:fld id="{CDF5438E-8328-FD47-AB6C-7BC1D9D14C52}" type="datetimeFigureOut">
               <a:rPr lang="en-US" smtClean="0"/>
-              <a:t>10/31/23</a:t>
+              <a:t>10/28/24</a:t>
             </a:fld>
             <a:endParaRPr lang="en-US"/>
           </a:p>
@@ -281,13 +265,7 @@
       </p:sp>
       <p:sp>
         <p:nvSpPr>
-          <p:cNvPr id="5" name="Footer Placeholder 4">
-            <a:extLst>
-              <a:ext uri="{FF2B5EF4-FFF2-40B4-BE49-F238E27FC236}">
-                <a16:creationId xmlns:a16="http://schemas.microsoft.com/office/drawing/2014/main" id="{B566BEEF-89C3-A744-BB09-A8995A755540}"/>
-              </a:ext>
-            </a:extLst>
-          </p:cNvPr>
+          <p:cNvPr id="5" name="Footer Placeholder 4"/>
           <p:cNvSpPr>
             <a:spLocks noGrp="1"/>
           </p:cNvSpPr>
@@ -306,13 +284,7 @@
       </p:sp>
       <p:sp>
         <p:nvSpPr>
-          <p:cNvPr id="6" name="Slide Number Placeholder 5">
-            <a:extLst>
-              <a:ext uri="{FF2B5EF4-FFF2-40B4-BE49-F238E27FC236}">
-                <a16:creationId xmlns:a16="http://schemas.microsoft.com/office/drawing/2014/main" id="{B7168ADA-0263-DF4F-AD27-1A3C500FAF14}"/>
-              </a:ext>
-            </a:extLst>
-          </p:cNvPr>
+          <p:cNvPr id="6" name="Slide Number Placeholder 5"/>
           <p:cNvSpPr>
             <a:spLocks noGrp="1"/>
           </p:cNvSpPr>
@@ -336,7 +308,7 @@
     </p:spTree>
     <p:extLst>
       <p:ext uri="{BB962C8B-B14F-4D97-AF65-F5344CB8AC3E}">
-        <p14:creationId xmlns:p14="http://schemas.microsoft.com/office/powerpoint/2010/main" val="2469877300"/>
+        <p14:creationId xmlns:p14="http://schemas.microsoft.com/office/powerpoint/2010/main" val="3533846607"/>
       </p:ext>
     </p:extLst>
   </p:cSld>
@@ -365,13 +337,7 @@
       </p:grpSpPr>
       <p:sp>
         <p:nvSpPr>
-          <p:cNvPr id="2" name="Title 1">
-            <a:extLst>
-              <a:ext uri="{FF2B5EF4-FFF2-40B4-BE49-F238E27FC236}">
-                <a16:creationId xmlns:a16="http://schemas.microsoft.com/office/drawing/2014/main" id="{922C493C-7D98-DB47-AE91-19E6213A4CB6}"/>
-              </a:ext>
-            </a:extLst>
-          </p:cNvPr>
+          <p:cNvPr id="2" name="Title 1"/>
           <p:cNvSpPr>
             <a:spLocks noGrp="1"/>
           </p:cNvSpPr>
@@ -388,18 +354,13 @@
               <a:rPr lang="en-US"/>
               <a:t>Click to edit Master title style</a:t>
             </a:r>
+            <a:endParaRPr lang="en-US" dirty="0"/>
           </a:p>
         </p:txBody>
       </p:sp>
       <p:sp>
         <p:nvSpPr>
-          <p:cNvPr id="3" name="Vertical Text Placeholder 2">
-            <a:extLst>
-              <a:ext uri="{FF2B5EF4-FFF2-40B4-BE49-F238E27FC236}">
-                <a16:creationId xmlns:a16="http://schemas.microsoft.com/office/drawing/2014/main" id="{D76A11EF-4F3C-B246-A9C4-5A2C604DF113}"/>
-              </a:ext>
-            </a:extLst>
-          </p:cNvPr>
+          <p:cNvPr id="3" name="Vertical Text Placeholder 2"/>
           <p:cNvSpPr>
             <a:spLocks noGrp="1"/>
           </p:cNvSpPr>
@@ -415,7 +376,7 @@
             <a:pPr lvl="0"/>
             <a:r>
               <a:rPr lang="en-US"/>
-              <a:t>Edit Master text styles</a:t>
+              <a:t>Click to edit Master text styles</a:t>
             </a:r>
           </a:p>
           <a:p>
@@ -445,18 +406,13 @@
               <a:rPr lang="en-US"/>
               <a:t>Fifth level</a:t>
             </a:r>
+            <a:endParaRPr lang="en-US" dirty="0"/>
           </a:p>
         </p:txBody>
       </p:sp>
       <p:sp>
         <p:nvSpPr>
-          <p:cNvPr id="4" name="Date Placeholder 3">
-            <a:extLst>
-              <a:ext uri="{FF2B5EF4-FFF2-40B4-BE49-F238E27FC236}">
-                <a16:creationId xmlns:a16="http://schemas.microsoft.com/office/drawing/2014/main" id="{06845175-F3E7-A247-8E53-59717618683A}"/>
-              </a:ext>
-            </a:extLst>
-          </p:cNvPr>
+          <p:cNvPr id="4" name="Date Placeholder 3"/>
           <p:cNvSpPr>
             <a:spLocks noGrp="1"/>
           </p:cNvSpPr>
@@ -471,7 +427,7 @@
           <a:p>
             <a:fld id="{CDF5438E-8328-FD47-AB6C-7BC1D9D14C52}" type="datetimeFigureOut">
               <a:rPr lang="en-US" smtClean="0"/>
-              <a:t>10/31/23</a:t>
+              <a:t>10/28/24</a:t>
             </a:fld>
             <a:endParaRPr lang="en-US"/>
           </a:p>
@@ -479,13 +435,7 @@
       </p:sp>
       <p:sp>
         <p:nvSpPr>
-          <p:cNvPr id="5" name="Footer Placeholder 4">
-            <a:extLst>
-              <a:ext uri="{FF2B5EF4-FFF2-40B4-BE49-F238E27FC236}">
-                <a16:creationId xmlns:a16="http://schemas.microsoft.com/office/drawing/2014/main" id="{20751E4C-A910-EE49-84A4-CA45FC0B58C5}"/>
-              </a:ext>
-            </a:extLst>
-          </p:cNvPr>
+          <p:cNvPr id="5" name="Footer Placeholder 4"/>
           <p:cNvSpPr>
             <a:spLocks noGrp="1"/>
           </p:cNvSpPr>
@@ -504,13 +454,7 @@
       </p:sp>
       <p:sp>
         <p:nvSpPr>
-          <p:cNvPr id="6" name="Slide Number Placeholder 5">
-            <a:extLst>
-              <a:ext uri="{FF2B5EF4-FFF2-40B4-BE49-F238E27FC236}">
-                <a16:creationId xmlns:a16="http://schemas.microsoft.com/office/drawing/2014/main" id="{2BFC0A9A-6672-4243-A7FF-7636C8517742}"/>
-              </a:ext>
-            </a:extLst>
-          </p:cNvPr>
+          <p:cNvPr id="6" name="Slide Number Placeholder 5"/>
           <p:cNvSpPr>
             <a:spLocks noGrp="1"/>
           </p:cNvSpPr>
@@ -534,7 +478,7 @@
     </p:spTree>
     <p:extLst>
       <p:ext uri="{BB962C8B-B14F-4D97-AF65-F5344CB8AC3E}">
-        <p14:creationId xmlns:p14="http://schemas.microsoft.com/office/powerpoint/2010/main" val="2334750896"/>
+        <p14:creationId xmlns:p14="http://schemas.microsoft.com/office/powerpoint/2010/main" val="1283581798"/>
       </p:ext>
     </p:extLst>
   </p:cSld>
@@ -563,13 +507,7 @@
       </p:grpSpPr>
       <p:sp>
         <p:nvSpPr>
-          <p:cNvPr id="2" name="Vertical Title 1">
-            <a:extLst>
-              <a:ext uri="{FF2B5EF4-FFF2-40B4-BE49-F238E27FC236}">
-                <a16:creationId xmlns:a16="http://schemas.microsoft.com/office/drawing/2014/main" id="{D7A953D7-D725-8F40-A0D2-3E695AFA25C5}"/>
-              </a:ext>
-            </a:extLst>
-          </p:cNvPr>
+          <p:cNvPr id="2" name="Vertical Title 1"/>
           <p:cNvSpPr>
             <a:spLocks noGrp="1"/>
           </p:cNvSpPr>
@@ -579,8 +517,8 @@
         </p:nvSpPr>
         <p:spPr>
           <a:xfrm>
-            <a:off x="8724900" y="365125"/>
-            <a:ext cx="2628900" cy="5811838"/>
+            <a:off x="11340098" y="486833"/>
+            <a:ext cx="3416885" cy="7749117"/>
           </a:xfrm>
         </p:spPr>
         <p:txBody>
@@ -591,18 +529,13 @@
               <a:rPr lang="en-US"/>
               <a:t>Click to edit Master title style</a:t>
             </a:r>
+            <a:endParaRPr lang="en-US" dirty="0"/>
           </a:p>
         </p:txBody>
       </p:sp>
       <p:sp>
         <p:nvSpPr>
-          <p:cNvPr id="3" name="Vertical Text Placeholder 2">
-            <a:extLst>
-              <a:ext uri="{FF2B5EF4-FFF2-40B4-BE49-F238E27FC236}">
-                <a16:creationId xmlns:a16="http://schemas.microsoft.com/office/drawing/2014/main" id="{CEF1A98E-0AC8-8443-BE75-246EF92B7448}"/>
-              </a:ext>
-            </a:extLst>
-          </p:cNvPr>
+          <p:cNvPr id="3" name="Vertical Text Placeholder 2"/>
           <p:cNvSpPr>
             <a:spLocks noGrp="1"/>
           </p:cNvSpPr>
@@ -612,8 +545,8 @@
         </p:nvSpPr>
         <p:spPr>
           <a:xfrm>
-            <a:off x="838200" y="365125"/>
-            <a:ext cx="7734300" cy="5811838"/>
+            <a:off x="1089442" y="486833"/>
+            <a:ext cx="10052576" cy="7749117"/>
           </a:xfrm>
         </p:spPr>
         <p:txBody>
@@ -623,7 +556,7 @@
             <a:pPr lvl="0"/>
             <a:r>
               <a:rPr lang="en-US"/>
-              <a:t>Edit Master text styles</a:t>
+              <a:t>Click to edit Master text styles</a:t>
             </a:r>
           </a:p>
           <a:p>
@@ -653,18 +586,13 @@
               <a:rPr lang="en-US"/>
               <a:t>Fifth level</a:t>
             </a:r>
+            <a:endParaRPr lang="en-US" dirty="0"/>
           </a:p>
         </p:txBody>
       </p:sp>
       <p:sp>
         <p:nvSpPr>
-          <p:cNvPr id="4" name="Date Placeholder 3">
-            <a:extLst>
-              <a:ext uri="{FF2B5EF4-FFF2-40B4-BE49-F238E27FC236}">
-                <a16:creationId xmlns:a16="http://schemas.microsoft.com/office/drawing/2014/main" id="{B205B0DE-4BCF-E44A-916A-E4E98049EB92}"/>
-              </a:ext>
-            </a:extLst>
-          </p:cNvPr>
+          <p:cNvPr id="4" name="Date Placeholder 3"/>
           <p:cNvSpPr>
             <a:spLocks noGrp="1"/>
           </p:cNvSpPr>
@@ -679,7 +607,7 @@
           <a:p>
             <a:fld id="{CDF5438E-8328-FD47-AB6C-7BC1D9D14C52}" type="datetimeFigureOut">
               <a:rPr lang="en-US" smtClean="0"/>
-              <a:t>10/31/23</a:t>
+              <a:t>10/28/24</a:t>
             </a:fld>
             <a:endParaRPr lang="en-US"/>
           </a:p>
@@ -687,13 +615,7 @@
       </p:sp>
       <p:sp>
         <p:nvSpPr>
-          <p:cNvPr id="5" name="Footer Placeholder 4">
-            <a:extLst>
-              <a:ext uri="{FF2B5EF4-FFF2-40B4-BE49-F238E27FC236}">
-                <a16:creationId xmlns:a16="http://schemas.microsoft.com/office/drawing/2014/main" id="{F8B5114E-55EE-9D4C-BDE3-F0325919DD8A}"/>
-              </a:ext>
-            </a:extLst>
-          </p:cNvPr>
+          <p:cNvPr id="5" name="Footer Placeholder 4"/>
           <p:cNvSpPr>
             <a:spLocks noGrp="1"/>
           </p:cNvSpPr>
@@ -712,13 +634,7 @@
       </p:sp>
       <p:sp>
         <p:nvSpPr>
-          <p:cNvPr id="6" name="Slide Number Placeholder 5">
-            <a:extLst>
-              <a:ext uri="{FF2B5EF4-FFF2-40B4-BE49-F238E27FC236}">
-                <a16:creationId xmlns:a16="http://schemas.microsoft.com/office/drawing/2014/main" id="{A10581F8-7C2E-FF4B-B250-18997CFE71C4}"/>
-              </a:ext>
-            </a:extLst>
-          </p:cNvPr>
+          <p:cNvPr id="6" name="Slide Number Placeholder 5"/>
           <p:cNvSpPr>
             <a:spLocks noGrp="1"/>
           </p:cNvSpPr>
@@ -742,7 +658,7 @@
     </p:spTree>
     <p:extLst>
       <p:ext uri="{BB962C8B-B14F-4D97-AF65-F5344CB8AC3E}">
-        <p14:creationId xmlns:p14="http://schemas.microsoft.com/office/powerpoint/2010/main" val="3353216457"/>
+        <p14:creationId xmlns:p14="http://schemas.microsoft.com/office/powerpoint/2010/main" val="2746361588"/>
       </p:ext>
     </p:extLst>
   </p:cSld>
@@ -771,13 +687,7 @@
       </p:grpSpPr>
       <p:sp>
         <p:nvSpPr>
-          <p:cNvPr id="2" name="Title 1">
-            <a:extLst>
-              <a:ext uri="{FF2B5EF4-FFF2-40B4-BE49-F238E27FC236}">
-                <a16:creationId xmlns:a16="http://schemas.microsoft.com/office/drawing/2014/main" id="{B1115C72-ADF6-A745-9E54-B157CBCCB835}"/>
-              </a:ext>
-            </a:extLst>
-          </p:cNvPr>
+          <p:cNvPr id="2" name="Title 1"/>
           <p:cNvSpPr>
             <a:spLocks noGrp="1"/>
           </p:cNvSpPr>
@@ -794,18 +704,13 @@
               <a:rPr lang="en-US"/>
               <a:t>Click to edit Master title style</a:t>
             </a:r>
+            <a:endParaRPr lang="en-US" dirty="0"/>
           </a:p>
         </p:txBody>
       </p:sp>
       <p:sp>
         <p:nvSpPr>
-          <p:cNvPr id="3" name="Content Placeholder 2">
-            <a:extLst>
-              <a:ext uri="{FF2B5EF4-FFF2-40B4-BE49-F238E27FC236}">
-                <a16:creationId xmlns:a16="http://schemas.microsoft.com/office/drawing/2014/main" id="{7ED0F79E-BBD2-D149-A030-71C3FBB5E0A2}"/>
-              </a:ext>
-            </a:extLst>
-          </p:cNvPr>
+          <p:cNvPr id="3" name="Content Placeholder 2"/>
           <p:cNvSpPr>
             <a:spLocks noGrp="1"/>
           </p:cNvSpPr>
@@ -821,7 +726,7 @@
             <a:pPr lvl="0"/>
             <a:r>
               <a:rPr lang="en-US"/>
-              <a:t>Edit Master text styles</a:t>
+              <a:t>Click to edit Master text styles</a:t>
             </a:r>
           </a:p>
           <a:p>
@@ -851,18 +756,13 @@
               <a:rPr lang="en-US"/>
               <a:t>Fifth level</a:t>
             </a:r>
+            <a:endParaRPr lang="en-US" dirty="0"/>
           </a:p>
         </p:txBody>
       </p:sp>
       <p:sp>
         <p:nvSpPr>
-          <p:cNvPr id="4" name="Date Placeholder 3">
-            <a:extLst>
-              <a:ext uri="{FF2B5EF4-FFF2-40B4-BE49-F238E27FC236}">
-                <a16:creationId xmlns:a16="http://schemas.microsoft.com/office/drawing/2014/main" id="{BE2F8D58-7814-2B4B-AF7B-F6DC638BD04E}"/>
-              </a:ext>
-            </a:extLst>
-          </p:cNvPr>
+          <p:cNvPr id="4" name="Date Placeholder 3"/>
           <p:cNvSpPr>
             <a:spLocks noGrp="1"/>
           </p:cNvSpPr>
@@ -877,7 +777,7 @@
           <a:p>
             <a:fld id="{CDF5438E-8328-FD47-AB6C-7BC1D9D14C52}" type="datetimeFigureOut">
               <a:rPr lang="en-US" smtClean="0"/>
-              <a:t>10/31/23</a:t>
+              <a:t>10/28/24</a:t>
             </a:fld>
             <a:endParaRPr lang="en-US"/>
           </a:p>
@@ -885,13 +785,7 @@
       </p:sp>
       <p:sp>
         <p:nvSpPr>
-          <p:cNvPr id="5" name="Footer Placeholder 4">
-            <a:extLst>
-              <a:ext uri="{FF2B5EF4-FFF2-40B4-BE49-F238E27FC236}">
-                <a16:creationId xmlns:a16="http://schemas.microsoft.com/office/drawing/2014/main" id="{B9F5B6D3-5F46-834F-B2BD-636C2A30D1CD}"/>
-              </a:ext>
-            </a:extLst>
-          </p:cNvPr>
+          <p:cNvPr id="5" name="Footer Placeholder 4"/>
           <p:cNvSpPr>
             <a:spLocks noGrp="1"/>
           </p:cNvSpPr>
@@ -910,13 +804,7 @@
       </p:sp>
       <p:sp>
         <p:nvSpPr>
-          <p:cNvPr id="6" name="Slide Number Placeholder 5">
-            <a:extLst>
-              <a:ext uri="{FF2B5EF4-FFF2-40B4-BE49-F238E27FC236}">
-                <a16:creationId xmlns:a16="http://schemas.microsoft.com/office/drawing/2014/main" id="{72FAE0C9-8CB1-DC43-B8A0-5512EA8B2B57}"/>
-              </a:ext>
-            </a:extLst>
-          </p:cNvPr>
+          <p:cNvPr id="6" name="Slide Number Placeholder 5"/>
           <p:cNvSpPr>
             <a:spLocks noGrp="1"/>
           </p:cNvSpPr>
@@ -940,7 +828,7 @@
     </p:spTree>
     <p:extLst>
       <p:ext uri="{BB962C8B-B14F-4D97-AF65-F5344CB8AC3E}">
-        <p14:creationId xmlns:p14="http://schemas.microsoft.com/office/powerpoint/2010/main" val="2249640480"/>
+        <p14:creationId xmlns:p14="http://schemas.microsoft.com/office/powerpoint/2010/main" val="2338623273"/>
       </p:ext>
     </p:extLst>
   </p:cSld>
@@ -969,13 +857,7 @@
       </p:grpSpPr>
       <p:sp>
         <p:nvSpPr>
-          <p:cNvPr id="2" name="Title 1">
-            <a:extLst>
-              <a:ext uri="{FF2B5EF4-FFF2-40B4-BE49-F238E27FC236}">
-                <a16:creationId xmlns:a16="http://schemas.microsoft.com/office/drawing/2014/main" id="{8DBC4E8A-C1B3-2244-BF3F-B7AE73E75F6C}"/>
-              </a:ext>
-            </a:extLst>
-          </p:cNvPr>
+          <p:cNvPr id="2" name="Title 1"/>
           <p:cNvSpPr>
             <a:spLocks noGrp="1"/>
           </p:cNvSpPr>
@@ -985,15 +867,15 @@
         </p:nvSpPr>
         <p:spPr>
           <a:xfrm>
-            <a:off x="831850" y="1709738"/>
-            <a:ext cx="10515600" cy="2852737"/>
+            <a:off x="1081188" y="2279652"/>
+            <a:ext cx="13667542" cy="3803649"/>
           </a:xfrm>
         </p:spPr>
         <p:txBody>
           <a:bodyPr anchor="b"/>
           <a:lstStyle>
             <a:lvl1pPr>
-              <a:defRPr sz="6000"/>
+              <a:defRPr sz="7798"/>
             </a:lvl1pPr>
           </a:lstStyle>
           <a:p>
@@ -1001,18 +883,13 @@
               <a:rPr lang="en-US"/>
               <a:t>Click to edit Master title style</a:t>
             </a:r>
+            <a:endParaRPr lang="en-US" dirty="0"/>
           </a:p>
         </p:txBody>
       </p:sp>
       <p:sp>
         <p:nvSpPr>
-          <p:cNvPr id="3" name="Text Placeholder 2">
-            <a:extLst>
-              <a:ext uri="{FF2B5EF4-FFF2-40B4-BE49-F238E27FC236}">
-                <a16:creationId xmlns:a16="http://schemas.microsoft.com/office/drawing/2014/main" id="{36083AD8-C453-4C49-923F-2D9023B888C2}"/>
-              </a:ext>
-            </a:extLst>
-          </p:cNvPr>
+          <p:cNvPr id="3" name="Text Placeholder 2"/>
           <p:cNvSpPr>
             <a:spLocks noGrp="1"/>
           </p:cNvSpPr>
@@ -1022,8 +899,8 @@
         </p:nvSpPr>
         <p:spPr>
           <a:xfrm>
-            <a:off x="831850" y="4589463"/>
-            <a:ext cx="10515600" cy="1500187"/>
+            <a:off x="1081188" y="6119285"/>
+            <a:ext cx="13667542" cy="2000249"/>
           </a:xfrm>
         </p:spPr>
         <p:txBody>
@@ -1031,7 +908,7 @@
           <a:lstStyle>
             <a:lvl1pPr marL="0" indent="0">
               <a:buNone/>
-              <a:defRPr sz="2400">
+              <a:defRPr sz="3119">
                 <a:solidFill>
                   <a:schemeClr val="tx1">
                     <a:tint val="75000"/>
@@ -1039,9 +916,9 @@
                 </a:solidFill>
               </a:defRPr>
             </a:lvl1pPr>
-            <a:lvl2pPr marL="457200" indent="0">
+            <a:lvl2pPr marL="594223" indent="0">
               <a:buNone/>
-              <a:defRPr sz="2000">
+              <a:defRPr sz="2599">
                 <a:solidFill>
                   <a:schemeClr val="tx1">
                     <a:tint val="75000"/>
@@ -1049,9 +926,9 @@
                 </a:solidFill>
               </a:defRPr>
             </a:lvl2pPr>
-            <a:lvl3pPr marL="914400" indent="0">
+            <a:lvl3pPr marL="1188446" indent="0">
               <a:buNone/>
-              <a:defRPr sz="1800">
+              <a:defRPr sz="2339">
                 <a:solidFill>
                   <a:schemeClr val="tx1">
                     <a:tint val="75000"/>
@@ -1059,9 +936,9 @@
                 </a:solidFill>
               </a:defRPr>
             </a:lvl3pPr>
-            <a:lvl4pPr marL="1371600" indent="0">
+            <a:lvl4pPr marL="1782669" indent="0">
               <a:buNone/>
-              <a:defRPr sz="1600">
+              <a:defRPr sz="2080">
                 <a:solidFill>
                   <a:schemeClr val="tx1">
                     <a:tint val="75000"/>
@@ -1069,9 +946,9 @@
                 </a:solidFill>
               </a:defRPr>
             </a:lvl4pPr>
-            <a:lvl5pPr marL="1828800" indent="0">
+            <a:lvl5pPr marL="2376891" indent="0">
               <a:buNone/>
-              <a:defRPr sz="1600">
+              <a:defRPr sz="2080">
                 <a:solidFill>
                   <a:schemeClr val="tx1">
                     <a:tint val="75000"/>
@@ -1079,9 +956,9 @@
                 </a:solidFill>
               </a:defRPr>
             </a:lvl5pPr>
-            <a:lvl6pPr marL="2286000" indent="0">
+            <a:lvl6pPr marL="2971114" indent="0">
               <a:buNone/>
-              <a:defRPr sz="1600">
+              <a:defRPr sz="2080">
                 <a:solidFill>
                   <a:schemeClr val="tx1">
                     <a:tint val="75000"/>
@@ -1089,9 +966,9 @@
                 </a:solidFill>
               </a:defRPr>
             </a:lvl6pPr>
-            <a:lvl7pPr marL="2743200" indent="0">
+            <a:lvl7pPr marL="3565337" indent="0">
               <a:buNone/>
-              <a:defRPr sz="1600">
+              <a:defRPr sz="2080">
                 <a:solidFill>
                   <a:schemeClr val="tx1">
                     <a:tint val="75000"/>
@@ -1099,9 +976,9 @@
                 </a:solidFill>
               </a:defRPr>
             </a:lvl7pPr>
-            <a:lvl8pPr marL="3200400" indent="0">
+            <a:lvl8pPr marL="4159560" indent="0">
               <a:buNone/>
-              <a:defRPr sz="1600">
+              <a:defRPr sz="2080">
                 <a:solidFill>
                   <a:schemeClr val="tx1">
                     <a:tint val="75000"/>
@@ -1109,9 +986,9 @@
                 </a:solidFill>
               </a:defRPr>
             </a:lvl8pPr>
-            <a:lvl9pPr marL="3657600" indent="0">
+            <a:lvl9pPr marL="4753783" indent="0">
               <a:buNone/>
-              <a:defRPr sz="1600">
+              <a:defRPr sz="2080">
                 <a:solidFill>
                   <a:schemeClr val="tx1">
                     <a:tint val="75000"/>
@@ -1124,20 +1001,14 @@
             <a:pPr lvl="0"/>
             <a:r>
               <a:rPr lang="en-US"/>
-              <a:t>Edit Master text styles</a:t>
+              <a:t>Click to edit Master text styles</a:t>
             </a:r>
           </a:p>
         </p:txBody>
       </p:sp>
       <p:sp>
         <p:nvSpPr>
-          <p:cNvPr id="4" name="Date Placeholder 3">
-            <a:extLst>
-              <a:ext uri="{FF2B5EF4-FFF2-40B4-BE49-F238E27FC236}">
-                <a16:creationId xmlns:a16="http://schemas.microsoft.com/office/drawing/2014/main" id="{94FBA4A4-9E6F-B24E-9D9B-C7C07B7EA734}"/>
-              </a:ext>
-            </a:extLst>
-          </p:cNvPr>
+          <p:cNvPr id="4" name="Date Placeholder 3"/>
           <p:cNvSpPr>
             <a:spLocks noGrp="1"/>
           </p:cNvSpPr>
@@ -1152,7 +1023,7 @@
           <a:p>
             <a:fld id="{CDF5438E-8328-FD47-AB6C-7BC1D9D14C52}" type="datetimeFigureOut">
               <a:rPr lang="en-US" smtClean="0"/>
-              <a:t>10/31/23</a:t>
+              <a:t>10/28/24</a:t>
             </a:fld>
             <a:endParaRPr lang="en-US"/>
           </a:p>
@@ -1160,13 +1031,7 @@
       </p:sp>
       <p:sp>
         <p:nvSpPr>
-          <p:cNvPr id="5" name="Footer Placeholder 4">
-            <a:extLst>
-              <a:ext uri="{FF2B5EF4-FFF2-40B4-BE49-F238E27FC236}">
-                <a16:creationId xmlns:a16="http://schemas.microsoft.com/office/drawing/2014/main" id="{FB11D38F-1521-E445-89DA-3E4D144E5BE3}"/>
-              </a:ext>
-            </a:extLst>
-          </p:cNvPr>
+          <p:cNvPr id="5" name="Footer Placeholder 4"/>
           <p:cNvSpPr>
             <a:spLocks noGrp="1"/>
           </p:cNvSpPr>
@@ -1185,13 +1050,7 @@
       </p:sp>
       <p:sp>
         <p:nvSpPr>
-          <p:cNvPr id="6" name="Slide Number Placeholder 5">
-            <a:extLst>
-              <a:ext uri="{FF2B5EF4-FFF2-40B4-BE49-F238E27FC236}">
-                <a16:creationId xmlns:a16="http://schemas.microsoft.com/office/drawing/2014/main" id="{0CFB8EBA-5276-E04E-9E9E-B4CC0FB43591}"/>
-              </a:ext>
-            </a:extLst>
-          </p:cNvPr>
+          <p:cNvPr id="6" name="Slide Number Placeholder 5"/>
           <p:cNvSpPr>
             <a:spLocks noGrp="1"/>
           </p:cNvSpPr>
@@ -1215,7 +1074,7 @@
     </p:spTree>
     <p:extLst>
       <p:ext uri="{BB962C8B-B14F-4D97-AF65-F5344CB8AC3E}">
-        <p14:creationId xmlns:p14="http://schemas.microsoft.com/office/powerpoint/2010/main" val="3295088745"/>
+        <p14:creationId xmlns:p14="http://schemas.microsoft.com/office/powerpoint/2010/main" val="908447711"/>
       </p:ext>
     </p:extLst>
   </p:cSld>
@@ -1244,13 +1103,7 @@
       </p:grpSpPr>
       <p:sp>
         <p:nvSpPr>
-          <p:cNvPr id="2" name="Title 1">
-            <a:extLst>
-              <a:ext uri="{FF2B5EF4-FFF2-40B4-BE49-F238E27FC236}">
-                <a16:creationId xmlns:a16="http://schemas.microsoft.com/office/drawing/2014/main" id="{152694FE-A66C-0749-93E0-9FD4ED298B42}"/>
-              </a:ext>
-            </a:extLst>
-          </p:cNvPr>
+          <p:cNvPr id="2" name="Title 1"/>
           <p:cNvSpPr>
             <a:spLocks noGrp="1"/>
           </p:cNvSpPr>
@@ -1267,18 +1120,13 @@
               <a:rPr lang="en-US"/>
               <a:t>Click to edit Master title style</a:t>
             </a:r>
+            <a:endParaRPr lang="en-US" dirty="0"/>
           </a:p>
         </p:txBody>
       </p:sp>
       <p:sp>
         <p:nvSpPr>
-          <p:cNvPr id="3" name="Content Placeholder 2">
-            <a:extLst>
-              <a:ext uri="{FF2B5EF4-FFF2-40B4-BE49-F238E27FC236}">
-                <a16:creationId xmlns:a16="http://schemas.microsoft.com/office/drawing/2014/main" id="{4B02C1E6-3C97-A146-B9F2-79B2807DE727}"/>
-              </a:ext>
-            </a:extLst>
-          </p:cNvPr>
+          <p:cNvPr id="3" name="Content Placeholder 2"/>
           <p:cNvSpPr>
             <a:spLocks noGrp="1"/>
           </p:cNvSpPr>
@@ -1288,8 +1136,8 @@
         </p:nvSpPr>
         <p:spPr>
           <a:xfrm>
-            <a:off x="838200" y="1825625"/>
-            <a:ext cx="5181600" cy="4351338"/>
+            <a:off x="1089442" y="2434167"/>
+            <a:ext cx="6734731" cy="5801784"/>
           </a:xfrm>
         </p:spPr>
         <p:txBody>
@@ -1299,7 +1147,7 @@
             <a:pPr lvl="0"/>
             <a:r>
               <a:rPr lang="en-US"/>
-              <a:t>Edit Master text styles</a:t>
+              <a:t>Click to edit Master text styles</a:t>
             </a:r>
           </a:p>
           <a:p>
@@ -1329,18 +1177,13 @@
               <a:rPr lang="en-US"/>
               <a:t>Fifth level</a:t>
             </a:r>
+            <a:endParaRPr lang="en-US" dirty="0"/>
           </a:p>
         </p:txBody>
       </p:sp>
       <p:sp>
         <p:nvSpPr>
-          <p:cNvPr id="4" name="Content Placeholder 3">
-            <a:extLst>
-              <a:ext uri="{FF2B5EF4-FFF2-40B4-BE49-F238E27FC236}">
-                <a16:creationId xmlns:a16="http://schemas.microsoft.com/office/drawing/2014/main" id="{637F9BE1-ECF2-2049-A1ED-46D536E4D7ED}"/>
-              </a:ext>
-            </a:extLst>
-          </p:cNvPr>
+          <p:cNvPr id="4" name="Content Placeholder 3"/>
           <p:cNvSpPr>
             <a:spLocks noGrp="1"/>
           </p:cNvSpPr>
@@ -1350,8 +1193,8 @@
         </p:nvSpPr>
         <p:spPr>
           <a:xfrm>
-            <a:off x="6172200" y="1825625"/>
-            <a:ext cx="5181600" cy="4351338"/>
+            <a:off x="8022252" y="2434167"/>
+            <a:ext cx="6734731" cy="5801784"/>
           </a:xfrm>
         </p:spPr>
         <p:txBody>
@@ -1361,7 +1204,7 @@
             <a:pPr lvl="0"/>
             <a:r>
               <a:rPr lang="en-US"/>
-              <a:t>Edit Master text styles</a:t>
+              <a:t>Click to edit Master text styles</a:t>
             </a:r>
           </a:p>
           <a:p>
@@ -1391,18 +1234,13 @@
               <a:rPr lang="en-US"/>
               <a:t>Fifth level</a:t>
             </a:r>
+            <a:endParaRPr lang="en-US" dirty="0"/>
           </a:p>
         </p:txBody>
       </p:sp>
       <p:sp>
         <p:nvSpPr>
-          <p:cNvPr id="5" name="Date Placeholder 4">
-            <a:extLst>
-              <a:ext uri="{FF2B5EF4-FFF2-40B4-BE49-F238E27FC236}">
-                <a16:creationId xmlns:a16="http://schemas.microsoft.com/office/drawing/2014/main" id="{97EAF0EE-F150-0249-A044-F2B05282CF0A}"/>
-              </a:ext>
-            </a:extLst>
-          </p:cNvPr>
+          <p:cNvPr id="5" name="Date Placeholder 4"/>
           <p:cNvSpPr>
             <a:spLocks noGrp="1"/>
           </p:cNvSpPr>
@@ -1417,7 +1255,7 @@
           <a:p>
             <a:fld id="{CDF5438E-8328-FD47-AB6C-7BC1D9D14C52}" type="datetimeFigureOut">
               <a:rPr lang="en-US" smtClean="0"/>
-              <a:t>10/31/23</a:t>
+              <a:t>10/28/24</a:t>
             </a:fld>
             <a:endParaRPr lang="en-US"/>
           </a:p>
@@ -1425,13 +1263,7 @@
       </p:sp>
       <p:sp>
         <p:nvSpPr>
-          <p:cNvPr id="6" name="Footer Placeholder 5">
-            <a:extLst>
-              <a:ext uri="{FF2B5EF4-FFF2-40B4-BE49-F238E27FC236}">
-                <a16:creationId xmlns:a16="http://schemas.microsoft.com/office/drawing/2014/main" id="{A6CBD690-2A13-A14A-8ED2-CB34FF53A07A}"/>
-              </a:ext>
-            </a:extLst>
-          </p:cNvPr>
+          <p:cNvPr id="6" name="Footer Placeholder 5"/>
           <p:cNvSpPr>
             <a:spLocks noGrp="1"/>
           </p:cNvSpPr>
@@ -1450,13 +1282,7 @@
       </p:sp>
       <p:sp>
         <p:nvSpPr>
-          <p:cNvPr id="7" name="Slide Number Placeholder 6">
-            <a:extLst>
-              <a:ext uri="{FF2B5EF4-FFF2-40B4-BE49-F238E27FC236}">
-                <a16:creationId xmlns:a16="http://schemas.microsoft.com/office/drawing/2014/main" id="{6BDC0D81-5993-E640-A739-9B891C0F1724}"/>
-              </a:ext>
-            </a:extLst>
-          </p:cNvPr>
+          <p:cNvPr id="7" name="Slide Number Placeholder 6"/>
           <p:cNvSpPr>
             <a:spLocks noGrp="1"/>
           </p:cNvSpPr>
@@ -1480,7 +1306,7 @@
     </p:spTree>
     <p:extLst>
       <p:ext uri="{BB962C8B-B14F-4D97-AF65-F5344CB8AC3E}">
-        <p14:creationId xmlns:p14="http://schemas.microsoft.com/office/powerpoint/2010/main" val="3487643684"/>
+        <p14:creationId xmlns:p14="http://schemas.microsoft.com/office/powerpoint/2010/main" val="73329001"/>
       </p:ext>
     </p:extLst>
   </p:cSld>
@@ -1509,13 +1335,7 @@
       </p:grpSpPr>
       <p:sp>
         <p:nvSpPr>
-          <p:cNvPr id="2" name="Title 1">
-            <a:extLst>
-              <a:ext uri="{FF2B5EF4-FFF2-40B4-BE49-F238E27FC236}">
-                <a16:creationId xmlns:a16="http://schemas.microsoft.com/office/drawing/2014/main" id="{054CEBB5-80D3-1D4B-B431-EAF7EC6EFD70}"/>
-              </a:ext>
-            </a:extLst>
-          </p:cNvPr>
+          <p:cNvPr id="2" name="Title 1"/>
           <p:cNvSpPr>
             <a:spLocks noGrp="1"/>
           </p:cNvSpPr>
@@ -1525,8 +1345,8 @@
         </p:nvSpPr>
         <p:spPr>
           <a:xfrm>
-            <a:off x="839788" y="365125"/>
-            <a:ext cx="10515600" cy="1325563"/>
+            <a:off x="1091505" y="486834"/>
+            <a:ext cx="13667542" cy="1767417"/>
           </a:xfrm>
         </p:spPr>
         <p:txBody>
@@ -1537,18 +1357,13 @@
               <a:rPr lang="en-US"/>
               <a:t>Click to edit Master title style</a:t>
             </a:r>
+            <a:endParaRPr lang="en-US" dirty="0"/>
           </a:p>
         </p:txBody>
       </p:sp>
       <p:sp>
         <p:nvSpPr>
-          <p:cNvPr id="3" name="Text Placeholder 2">
-            <a:extLst>
-              <a:ext uri="{FF2B5EF4-FFF2-40B4-BE49-F238E27FC236}">
-                <a16:creationId xmlns:a16="http://schemas.microsoft.com/office/drawing/2014/main" id="{9B4AA0FC-418F-0844-BF9C-9B32DEE9CF82}"/>
-              </a:ext>
-            </a:extLst>
-          </p:cNvPr>
+          <p:cNvPr id="3" name="Text Placeholder 2"/>
           <p:cNvSpPr>
             <a:spLocks noGrp="1"/>
           </p:cNvSpPr>
@@ -1558,8 +1373,8 @@
         </p:nvSpPr>
         <p:spPr>
           <a:xfrm>
-            <a:off x="839788" y="1681163"/>
-            <a:ext cx="5157787" cy="823912"/>
+            <a:off x="1091506" y="2241551"/>
+            <a:ext cx="6703780" cy="1098549"/>
           </a:xfrm>
         </p:spPr>
         <p:txBody>
@@ -1567,59 +1382,53 @@
           <a:lstStyle>
             <a:lvl1pPr marL="0" indent="0">
               <a:buNone/>
-              <a:defRPr sz="2400" b="1"/>
+              <a:defRPr sz="3119" b="1"/>
             </a:lvl1pPr>
-            <a:lvl2pPr marL="457200" indent="0">
+            <a:lvl2pPr marL="594223" indent="0">
               <a:buNone/>
-              <a:defRPr sz="2000" b="1"/>
+              <a:defRPr sz="2599" b="1"/>
             </a:lvl2pPr>
-            <a:lvl3pPr marL="914400" indent="0">
+            <a:lvl3pPr marL="1188446" indent="0">
               <a:buNone/>
-              <a:defRPr sz="1800" b="1"/>
+              <a:defRPr sz="2339" b="1"/>
             </a:lvl3pPr>
-            <a:lvl4pPr marL="1371600" indent="0">
+            <a:lvl4pPr marL="1782669" indent="0">
               <a:buNone/>
-              <a:defRPr sz="1600" b="1"/>
+              <a:defRPr sz="2080" b="1"/>
             </a:lvl4pPr>
-            <a:lvl5pPr marL="1828800" indent="0">
+            <a:lvl5pPr marL="2376891" indent="0">
               <a:buNone/>
-              <a:defRPr sz="1600" b="1"/>
+              <a:defRPr sz="2080" b="1"/>
             </a:lvl5pPr>
-            <a:lvl6pPr marL="2286000" indent="0">
+            <a:lvl6pPr marL="2971114" indent="0">
               <a:buNone/>
-              <a:defRPr sz="1600" b="1"/>
+              <a:defRPr sz="2080" b="1"/>
             </a:lvl6pPr>
-            <a:lvl7pPr marL="2743200" indent="0">
+            <a:lvl7pPr marL="3565337" indent="0">
               <a:buNone/>
-              <a:defRPr sz="1600" b="1"/>
+              <a:defRPr sz="2080" b="1"/>
             </a:lvl7pPr>
-            <a:lvl8pPr marL="3200400" indent="0">
+            <a:lvl8pPr marL="4159560" indent="0">
               <a:buNone/>
-              <a:defRPr sz="1600" b="1"/>
+              <a:defRPr sz="2080" b="1"/>
             </a:lvl8pPr>
-            <a:lvl9pPr marL="3657600" indent="0">
+            <a:lvl9pPr marL="4753783" indent="0">
               <a:buNone/>
-              <a:defRPr sz="1600" b="1"/>
+              <a:defRPr sz="2080" b="1"/>
             </a:lvl9pPr>
           </a:lstStyle>
           <a:p>
             <a:pPr lvl="0"/>
             <a:r>
               <a:rPr lang="en-US"/>
-              <a:t>Edit Master text styles</a:t>
+              <a:t>Click to edit Master text styles</a:t>
             </a:r>
           </a:p>
         </p:txBody>
       </p:sp>
       <p:sp>
         <p:nvSpPr>
-          <p:cNvPr id="4" name="Content Placeholder 3">
-            <a:extLst>
-              <a:ext uri="{FF2B5EF4-FFF2-40B4-BE49-F238E27FC236}">
-                <a16:creationId xmlns:a16="http://schemas.microsoft.com/office/drawing/2014/main" id="{164C84B0-ABA1-B541-8999-EFD9DBCF8A4D}"/>
-              </a:ext>
-            </a:extLst>
-          </p:cNvPr>
+          <p:cNvPr id="4" name="Content Placeholder 3"/>
           <p:cNvSpPr>
             <a:spLocks noGrp="1"/>
           </p:cNvSpPr>
@@ -1629,8 +1438,8 @@
         </p:nvSpPr>
         <p:spPr>
           <a:xfrm>
-            <a:off x="839788" y="2505075"/>
-            <a:ext cx="5157787" cy="3684588"/>
+            <a:off x="1091506" y="3340100"/>
+            <a:ext cx="6703780" cy="4912784"/>
           </a:xfrm>
         </p:spPr>
         <p:txBody>
@@ -1640,7 +1449,7 @@
             <a:pPr lvl="0"/>
             <a:r>
               <a:rPr lang="en-US"/>
-              <a:t>Edit Master text styles</a:t>
+              <a:t>Click to edit Master text styles</a:t>
             </a:r>
           </a:p>
           <a:p>
@@ -1670,18 +1479,13 @@
               <a:rPr lang="en-US"/>
               <a:t>Fifth level</a:t>
             </a:r>
+            <a:endParaRPr lang="en-US" dirty="0"/>
           </a:p>
         </p:txBody>
       </p:sp>
       <p:sp>
         <p:nvSpPr>
-          <p:cNvPr id="5" name="Text Placeholder 4">
-            <a:extLst>
-              <a:ext uri="{FF2B5EF4-FFF2-40B4-BE49-F238E27FC236}">
-                <a16:creationId xmlns:a16="http://schemas.microsoft.com/office/drawing/2014/main" id="{D1033E84-FC33-7A45-BD3C-C93300BF75B7}"/>
-              </a:ext>
-            </a:extLst>
-          </p:cNvPr>
+          <p:cNvPr id="5" name="Text Placeholder 4"/>
           <p:cNvSpPr>
             <a:spLocks noGrp="1"/>
           </p:cNvSpPr>
@@ -1691,8 +1495,8 @@
         </p:nvSpPr>
         <p:spPr>
           <a:xfrm>
-            <a:off x="6172200" y="1681163"/>
-            <a:ext cx="5183188" cy="823912"/>
+            <a:off x="8022252" y="2241551"/>
+            <a:ext cx="6736795" cy="1098549"/>
           </a:xfrm>
         </p:spPr>
         <p:txBody>
@@ -1700,59 +1504,53 @@
           <a:lstStyle>
             <a:lvl1pPr marL="0" indent="0">
               <a:buNone/>
-              <a:defRPr sz="2400" b="1"/>
+              <a:defRPr sz="3119" b="1"/>
             </a:lvl1pPr>
-            <a:lvl2pPr marL="457200" indent="0">
+            <a:lvl2pPr marL="594223" indent="0">
               <a:buNone/>
-              <a:defRPr sz="2000" b="1"/>
+              <a:defRPr sz="2599" b="1"/>
             </a:lvl2pPr>
-            <a:lvl3pPr marL="914400" indent="0">
+            <a:lvl3pPr marL="1188446" indent="0">
               <a:buNone/>
-              <a:defRPr sz="1800" b="1"/>
+              <a:defRPr sz="2339" b="1"/>
             </a:lvl3pPr>
-            <a:lvl4pPr marL="1371600" indent="0">
+            <a:lvl4pPr marL="1782669" indent="0">
               <a:buNone/>
-              <a:defRPr sz="1600" b="1"/>
+              <a:defRPr sz="2080" b="1"/>
             </a:lvl4pPr>
-            <a:lvl5pPr marL="1828800" indent="0">
+            <a:lvl5pPr marL="2376891" indent="0">
               <a:buNone/>
-              <a:defRPr sz="1600" b="1"/>
+              <a:defRPr sz="2080" b="1"/>
             </a:lvl5pPr>
-            <a:lvl6pPr marL="2286000" indent="0">
+            <a:lvl6pPr marL="2971114" indent="0">
               <a:buNone/>
-              <a:defRPr sz="1600" b="1"/>
+              <a:defRPr sz="2080" b="1"/>
             </a:lvl6pPr>
-            <a:lvl7pPr marL="2743200" indent="0">
+            <a:lvl7pPr marL="3565337" indent="0">
               <a:buNone/>
-              <a:defRPr sz="1600" b="1"/>
+              <a:defRPr sz="2080" b="1"/>
             </a:lvl7pPr>
-            <a:lvl8pPr marL="3200400" indent="0">
+            <a:lvl8pPr marL="4159560" indent="0">
               <a:buNone/>
-              <a:defRPr sz="1600" b="1"/>
+              <a:defRPr sz="2080" b="1"/>
             </a:lvl8pPr>
-            <a:lvl9pPr marL="3657600" indent="0">
+            <a:lvl9pPr marL="4753783" indent="0">
               <a:buNone/>
-              <a:defRPr sz="1600" b="1"/>
+              <a:defRPr sz="2080" b="1"/>
             </a:lvl9pPr>
           </a:lstStyle>
           <a:p>
             <a:pPr lvl="0"/>
             <a:r>
               <a:rPr lang="en-US"/>
-              <a:t>Edit Master text styles</a:t>
+              <a:t>Click to edit Master text styles</a:t>
             </a:r>
           </a:p>
         </p:txBody>
       </p:sp>
       <p:sp>
         <p:nvSpPr>
-          <p:cNvPr id="6" name="Content Placeholder 5">
-            <a:extLst>
-              <a:ext uri="{FF2B5EF4-FFF2-40B4-BE49-F238E27FC236}">
-                <a16:creationId xmlns:a16="http://schemas.microsoft.com/office/drawing/2014/main" id="{9814D867-8535-2146-A2ED-1E47EA7DD804}"/>
-              </a:ext>
-            </a:extLst>
-          </p:cNvPr>
+          <p:cNvPr id="6" name="Content Placeholder 5"/>
           <p:cNvSpPr>
             <a:spLocks noGrp="1"/>
           </p:cNvSpPr>
@@ -1762,8 +1560,8 @@
         </p:nvSpPr>
         <p:spPr>
           <a:xfrm>
-            <a:off x="6172200" y="2505075"/>
-            <a:ext cx="5183188" cy="3684588"/>
+            <a:off x="8022252" y="3340100"/>
+            <a:ext cx="6736795" cy="4912784"/>
           </a:xfrm>
         </p:spPr>
         <p:txBody>
@@ -1773,7 +1571,7 @@
             <a:pPr lvl="0"/>
             <a:r>
               <a:rPr lang="en-US"/>
-              <a:t>Edit Master text styles</a:t>
+              <a:t>Click to edit Master text styles</a:t>
             </a:r>
           </a:p>
           <a:p>
@@ -1803,18 +1601,13 @@
               <a:rPr lang="en-US"/>
               <a:t>Fifth level</a:t>
             </a:r>
+            <a:endParaRPr lang="en-US" dirty="0"/>
           </a:p>
         </p:txBody>
       </p:sp>
       <p:sp>
         <p:nvSpPr>
-          <p:cNvPr id="7" name="Date Placeholder 6">
-            <a:extLst>
-              <a:ext uri="{FF2B5EF4-FFF2-40B4-BE49-F238E27FC236}">
-                <a16:creationId xmlns:a16="http://schemas.microsoft.com/office/drawing/2014/main" id="{D563CBC5-E49B-6C42-9FDB-21DDB3AAA87A}"/>
-              </a:ext>
-            </a:extLst>
-          </p:cNvPr>
+          <p:cNvPr id="7" name="Date Placeholder 6"/>
           <p:cNvSpPr>
             <a:spLocks noGrp="1"/>
           </p:cNvSpPr>
@@ -1829,7 +1622,7 @@
           <a:p>
             <a:fld id="{CDF5438E-8328-FD47-AB6C-7BC1D9D14C52}" type="datetimeFigureOut">
               <a:rPr lang="en-US" smtClean="0"/>
-              <a:t>10/31/23</a:t>
+              <a:t>10/28/24</a:t>
             </a:fld>
             <a:endParaRPr lang="en-US"/>
           </a:p>
@@ -1837,13 +1630,7 @@
       </p:sp>
       <p:sp>
         <p:nvSpPr>
-          <p:cNvPr id="8" name="Footer Placeholder 7">
-            <a:extLst>
-              <a:ext uri="{FF2B5EF4-FFF2-40B4-BE49-F238E27FC236}">
-                <a16:creationId xmlns:a16="http://schemas.microsoft.com/office/drawing/2014/main" id="{31C827E2-146F-8647-88DD-B03DE5EB8FB4}"/>
-              </a:ext>
-            </a:extLst>
-          </p:cNvPr>
+          <p:cNvPr id="8" name="Footer Placeholder 7"/>
           <p:cNvSpPr>
             <a:spLocks noGrp="1"/>
           </p:cNvSpPr>
@@ -1862,13 +1649,7 @@
       </p:sp>
       <p:sp>
         <p:nvSpPr>
-          <p:cNvPr id="9" name="Slide Number Placeholder 8">
-            <a:extLst>
-              <a:ext uri="{FF2B5EF4-FFF2-40B4-BE49-F238E27FC236}">
-                <a16:creationId xmlns:a16="http://schemas.microsoft.com/office/drawing/2014/main" id="{EC0DE76D-222D-344B-8505-F3EFDE6F25E8}"/>
-              </a:ext>
-            </a:extLst>
-          </p:cNvPr>
+          <p:cNvPr id="9" name="Slide Number Placeholder 8"/>
           <p:cNvSpPr>
             <a:spLocks noGrp="1"/>
           </p:cNvSpPr>
@@ -1892,7 +1673,7 @@
     </p:spTree>
     <p:extLst>
       <p:ext uri="{BB962C8B-B14F-4D97-AF65-F5344CB8AC3E}">
-        <p14:creationId xmlns:p14="http://schemas.microsoft.com/office/powerpoint/2010/main" val="1297576907"/>
+        <p14:creationId xmlns:p14="http://schemas.microsoft.com/office/powerpoint/2010/main" val="1764485052"/>
       </p:ext>
     </p:extLst>
   </p:cSld>
@@ -1921,13 +1702,7 @@
       </p:grpSpPr>
       <p:sp>
         <p:nvSpPr>
-          <p:cNvPr id="2" name="Title 1">
-            <a:extLst>
-              <a:ext uri="{FF2B5EF4-FFF2-40B4-BE49-F238E27FC236}">
-                <a16:creationId xmlns:a16="http://schemas.microsoft.com/office/drawing/2014/main" id="{095C3628-4907-794F-A860-DAFBB15A2053}"/>
-              </a:ext>
-            </a:extLst>
-          </p:cNvPr>
+          <p:cNvPr id="2" name="Title 1"/>
           <p:cNvSpPr>
             <a:spLocks noGrp="1"/>
           </p:cNvSpPr>
@@ -1944,18 +1719,13 @@
               <a:rPr lang="en-US"/>
               <a:t>Click to edit Master title style</a:t>
             </a:r>
+            <a:endParaRPr lang="en-US" dirty="0"/>
           </a:p>
         </p:txBody>
       </p:sp>
       <p:sp>
         <p:nvSpPr>
-          <p:cNvPr id="3" name="Date Placeholder 2">
-            <a:extLst>
-              <a:ext uri="{FF2B5EF4-FFF2-40B4-BE49-F238E27FC236}">
-                <a16:creationId xmlns:a16="http://schemas.microsoft.com/office/drawing/2014/main" id="{04287ADB-4EC7-1B42-A1C8-962A3C5FE6F6}"/>
-              </a:ext>
-            </a:extLst>
-          </p:cNvPr>
+          <p:cNvPr id="3" name="Date Placeholder 2"/>
           <p:cNvSpPr>
             <a:spLocks noGrp="1"/>
           </p:cNvSpPr>
@@ -1970,7 +1740,7 @@
           <a:p>
             <a:fld id="{CDF5438E-8328-FD47-AB6C-7BC1D9D14C52}" type="datetimeFigureOut">
               <a:rPr lang="en-US" smtClean="0"/>
-              <a:t>10/31/23</a:t>
+              <a:t>10/28/24</a:t>
             </a:fld>
             <a:endParaRPr lang="en-US"/>
           </a:p>
@@ -1978,13 +1748,7 @@
       </p:sp>
       <p:sp>
         <p:nvSpPr>
-          <p:cNvPr id="4" name="Footer Placeholder 3">
-            <a:extLst>
-              <a:ext uri="{FF2B5EF4-FFF2-40B4-BE49-F238E27FC236}">
-                <a16:creationId xmlns:a16="http://schemas.microsoft.com/office/drawing/2014/main" id="{0255E205-0681-3D43-8AE3-7A7A0C7B7A5F}"/>
-              </a:ext>
-            </a:extLst>
-          </p:cNvPr>
+          <p:cNvPr id="4" name="Footer Placeholder 3"/>
           <p:cNvSpPr>
             <a:spLocks noGrp="1"/>
           </p:cNvSpPr>
@@ -2003,13 +1767,7 @@
       </p:sp>
       <p:sp>
         <p:nvSpPr>
-          <p:cNvPr id="5" name="Slide Number Placeholder 4">
-            <a:extLst>
-              <a:ext uri="{FF2B5EF4-FFF2-40B4-BE49-F238E27FC236}">
-                <a16:creationId xmlns:a16="http://schemas.microsoft.com/office/drawing/2014/main" id="{8E40D490-0C6B-7B4F-8072-FEA0A62A5CEA}"/>
-              </a:ext>
-            </a:extLst>
-          </p:cNvPr>
+          <p:cNvPr id="5" name="Slide Number Placeholder 4"/>
           <p:cNvSpPr>
             <a:spLocks noGrp="1"/>
           </p:cNvSpPr>
@@ -2033,7 +1791,7 @@
     </p:spTree>
     <p:extLst>
       <p:ext uri="{BB962C8B-B14F-4D97-AF65-F5344CB8AC3E}">
-        <p14:creationId xmlns:p14="http://schemas.microsoft.com/office/powerpoint/2010/main" val="2512842764"/>
+        <p14:creationId xmlns:p14="http://schemas.microsoft.com/office/powerpoint/2010/main" val="777634249"/>
       </p:ext>
     </p:extLst>
   </p:cSld>
@@ -2062,13 +1820,7 @@
       </p:grpSpPr>
       <p:sp>
         <p:nvSpPr>
-          <p:cNvPr id="2" name="Date Placeholder 1">
-            <a:extLst>
-              <a:ext uri="{FF2B5EF4-FFF2-40B4-BE49-F238E27FC236}">
-                <a16:creationId xmlns:a16="http://schemas.microsoft.com/office/drawing/2014/main" id="{DEE8B66A-0400-EA41-8C3C-32C14F3B2010}"/>
-              </a:ext>
-            </a:extLst>
-          </p:cNvPr>
+          <p:cNvPr id="2" name="Date Placeholder 1"/>
           <p:cNvSpPr>
             <a:spLocks noGrp="1"/>
           </p:cNvSpPr>
@@ -2083,7 +1835,7 @@
           <a:p>
             <a:fld id="{CDF5438E-8328-FD47-AB6C-7BC1D9D14C52}" type="datetimeFigureOut">
               <a:rPr lang="en-US" smtClean="0"/>
-              <a:t>10/31/23</a:t>
+              <a:t>10/28/24</a:t>
             </a:fld>
             <a:endParaRPr lang="en-US"/>
           </a:p>
@@ -2091,13 +1843,7 @@
       </p:sp>
       <p:sp>
         <p:nvSpPr>
-          <p:cNvPr id="3" name="Footer Placeholder 2">
-            <a:extLst>
-              <a:ext uri="{FF2B5EF4-FFF2-40B4-BE49-F238E27FC236}">
-                <a16:creationId xmlns:a16="http://schemas.microsoft.com/office/drawing/2014/main" id="{F9F5846B-48B8-CE43-821A-DF9FD2D047DE}"/>
-              </a:ext>
-            </a:extLst>
-          </p:cNvPr>
+          <p:cNvPr id="3" name="Footer Placeholder 2"/>
           <p:cNvSpPr>
             <a:spLocks noGrp="1"/>
           </p:cNvSpPr>
@@ -2116,13 +1862,7 @@
       </p:sp>
       <p:sp>
         <p:nvSpPr>
-          <p:cNvPr id="4" name="Slide Number Placeholder 3">
-            <a:extLst>
-              <a:ext uri="{FF2B5EF4-FFF2-40B4-BE49-F238E27FC236}">
-                <a16:creationId xmlns:a16="http://schemas.microsoft.com/office/drawing/2014/main" id="{0A3BFA65-810F-8248-B630-45C2F13A8F0C}"/>
-              </a:ext>
-            </a:extLst>
-          </p:cNvPr>
+          <p:cNvPr id="4" name="Slide Number Placeholder 3"/>
           <p:cNvSpPr>
             <a:spLocks noGrp="1"/>
           </p:cNvSpPr>
@@ -2146,7 +1886,7 @@
     </p:spTree>
     <p:extLst>
       <p:ext uri="{BB962C8B-B14F-4D97-AF65-F5344CB8AC3E}">
-        <p14:creationId xmlns:p14="http://schemas.microsoft.com/office/powerpoint/2010/main" val="119464972"/>
+        <p14:creationId xmlns:p14="http://schemas.microsoft.com/office/powerpoint/2010/main" val="2523866138"/>
       </p:ext>
     </p:extLst>
   </p:cSld>
@@ -2175,13 +1915,7 @@
       </p:grpSpPr>
       <p:sp>
         <p:nvSpPr>
-          <p:cNvPr id="2" name="Title 1">
-            <a:extLst>
-              <a:ext uri="{FF2B5EF4-FFF2-40B4-BE49-F238E27FC236}">
-                <a16:creationId xmlns:a16="http://schemas.microsoft.com/office/drawing/2014/main" id="{0665070E-87EE-1141-8170-C4B4CA6384AB}"/>
-              </a:ext>
-            </a:extLst>
-          </p:cNvPr>
+          <p:cNvPr id="2" name="Title 1"/>
           <p:cNvSpPr>
             <a:spLocks noGrp="1"/>
           </p:cNvSpPr>
@@ -2191,15 +1925,15 @@
         </p:nvSpPr>
         <p:spPr>
           <a:xfrm>
-            <a:off x="839788" y="457200"/>
-            <a:ext cx="3932237" cy="1600200"/>
+            <a:off x="1091506" y="609600"/>
+            <a:ext cx="5110884" cy="2133600"/>
           </a:xfrm>
         </p:spPr>
         <p:txBody>
           <a:bodyPr anchor="b"/>
           <a:lstStyle>
             <a:lvl1pPr>
-              <a:defRPr sz="3200"/>
+              <a:defRPr sz="4159"/>
             </a:lvl1pPr>
           </a:lstStyle>
           <a:p>
@@ -2207,18 +1941,13 @@
               <a:rPr lang="en-US"/>
               <a:t>Click to edit Master title style</a:t>
             </a:r>
+            <a:endParaRPr lang="en-US" dirty="0"/>
           </a:p>
         </p:txBody>
       </p:sp>
       <p:sp>
         <p:nvSpPr>
-          <p:cNvPr id="3" name="Content Placeholder 2">
-            <a:extLst>
-              <a:ext uri="{FF2B5EF4-FFF2-40B4-BE49-F238E27FC236}">
-                <a16:creationId xmlns:a16="http://schemas.microsoft.com/office/drawing/2014/main" id="{E33A1C0B-A24A-C74F-9374-E966415FD096}"/>
-              </a:ext>
-            </a:extLst>
-          </p:cNvPr>
+          <p:cNvPr id="3" name="Content Placeholder 2"/>
           <p:cNvSpPr>
             <a:spLocks noGrp="1"/>
           </p:cNvSpPr>
@@ -2228,46 +1957,46 @@
         </p:nvSpPr>
         <p:spPr>
           <a:xfrm>
-            <a:off x="5183188" y="987425"/>
-            <a:ext cx="6172200" cy="4873625"/>
+            <a:off x="6736794" y="1316567"/>
+            <a:ext cx="8022253" cy="6498167"/>
           </a:xfrm>
         </p:spPr>
         <p:txBody>
           <a:bodyPr/>
           <a:lstStyle>
             <a:lvl1pPr>
-              <a:defRPr sz="3200"/>
+              <a:defRPr sz="4159"/>
             </a:lvl1pPr>
             <a:lvl2pPr>
-              <a:defRPr sz="2800"/>
+              <a:defRPr sz="3639"/>
             </a:lvl2pPr>
             <a:lvl3pPr>
-              <a:defRPr sz="2400"/>
+              <a:defRPr sz="3119"/>
             </a:lvl3pPr>
             <a:lvl4pPr>
-              <a:defRPr sz="2000"/>
+              <a:defRPr sz="2599"/>
             </a:lvl4pPr>
             <a:lvl5pPr>
-              <a:defRPr sz="2000"/>
+              <a:defRPr sz="2599"/>
             </a:lvl5pPr>
             <a:lvl6pPr>
-              <a:defRPr sz="2000"/>
+              <a:defRPr sz="2599"/>
             </a:lvl6pPr>
             <a:lvl7pPr>
-              <a:defRPr sz="2000"/>
+              <a:defRPr sz="2599"/>
             </a:lvl7pPr>
             <a:lvl8pPr>
-              <a:defRPr sz="2000"/>
+              <a:defRPr sz="2599"/>
             </a:lvl8pPr>
             <a:lvl9pPr>
-              <a:defRPr sz="2000"/>
+              <a:defRPr sz="2599"/>
             </a:lvl9pPr>
           </a:lstStyle>
           <a:p>
             <a:pPr lvl="0"/>
             <a:r>
               <a:rPr lang="en-US"/>
-              <a:t>Edit Master text styles</a:t>
+              <a:t>Click to edit Master text styles</a:t>
             </a:r>
           </a:p>
           <a:p>
@@ -2297,18 +2026,13 @@
               <a:rPr lang="en-US"/>
               <a:t>Fifth level</a:t>
             </a:r>
+            <a:endParaRPr lang="en-US" dirty="0"/>
           </a:p>
         </p:txBody>
       </p:sp>
       <p:sp>
         <p:nvSpPr>
-          <p:cNvPr id="4" name="Text Placeholder 3">
-            <a:extLst>
-              <a:ext uri="{FF2B5EF4-FFF2-40B4-BE49-F238E27FC236}">
-                <a16:creationId xmlns:a16="http://schemas.microsoft.com/office/drawing/2014/main" id="{B744F795-9618-D54C-9F23-756D70BDFD0B}"/>
-              </a:ext>
-            </a:extLst>
-          </p:cNvPr>
+          <p:cNvPr id="4" name="Text Placeholder 3"/>
           <p:cNvSpPr>
             <a:spLocks noGrp="1"/>
           </p:cNvSpPr>
@@ -2318,8 +2042,8 @@
         </p:nvSpPr>
         <p:spPr>
           <a:xfrm>
-            <a:off x="839788" y="2057400"/>
-            <a:ext cx="3932237" cy="3811588"/>
+            <a:off x="1091506" y="2743200"/>
+            <a:ext cx="5110884" cy="5082117"/>
           </a:xfrm>
         </p:spPr>
         <p:txBody>
@@ -2327,59 +2051,53 @@
           <a:lstStyle>
             <a:lvl1pPr marL="0" indent="0">
               <a:buNone/>
-              <a:defRPr sz="1600"/>
+              <a:defRPr sz="2080"/>
             </a:lvl1pPr>
-            <a:lvl2pPr marL="457200" indent="0">
+            <a:lvl2pPr marL="594223" indent="0">
               <a:buNone/>
-              <a:defRPr sz="1400"/>
+              <a:defRPr sz="1820"/>
             </a:lvl2pPr>
-            <a:lvl3pPr marL="914400" indent="0">
+            <a:lvl3pPr marL="1188446" indent="0">
               <a:buNone/>
-              <a:defRPr sz="1200"/>
+              <a:defRPr sz="1560"/>
             </a:lvl3pPr>
-            <a:lvl4pPr marL="1371600" indent="0">
+            <a:lvl4pPr marL="1782669" indent="0">
               <a:buNone/>
-              <a:defRPr sz="1000"/>
+              <a:defRPr sz="1300"/>
             </a:lvl4pPr>
-            <a:lvl5pPr marL="1828800" indent="0">
+            <a:lvl5pPr marL="2376891" indent="0">
               <a:buNone/>
-              <a:defRPr sz="1000"/>
+              <a:defRPr sz="1300"/>
             </a:lvl5pPr>
-            <a:lvl6pPr marL="2286000" indent="0">
+            <a:lvl6pPr marL="2971114" indent="0">
               <a:buNone/>
-              <a:defRPr sz="1000"/>
+              <a:defRPr sz="1300"/>
             </a:lvl6pPr>
-            <a:lvl7pPr marL="2743200" indent="0">
+            <a:lvl7pPr marL="3565337" indent="0">
               <a:buNone/>
-              <a:defRPr sz="1000"/>
+              <a:defRPr sz="1300"/>
             </a:lvl7pPr>
-            <a:lvl8pPr marL="3200400" indent="0">
+            <a:lvl8pPr marL="4159560" indent="0">
               <a:buNone/>
-              <a:defRPr sz="1000"/>
+              <a:defRPr sz="1300"/>
             </a:lvl8pPr>
-            <a:lvl9pPr marL="3657600" indent="0">
+            <a:lvl9pPr marL="4753783" indent="0">
               <a:buNone/>
-              <a:defRPr sz="1000"/>
+              <a:defRPr sz="1300"/>
             </a:lvl9pPr>
           </a:lstStyle>
           <a:p>
             <a:pPr lvl="0"/>
             <a:r>
               <a:rPr lang="en-US"/>
-              <a:t>Edit Master text styles</a:t>
+              <a:t>Click to edit Master text styles</a:t>
             </a:r>
           </a:p>
         </p:txBody>
       </p:sp>
       <p:sp>
         <p:nvSpPr>
-          <p:cNvPr id="5" name="Date Placeholder 4">
-            <a:extLst>
-              <a:ext uri="{FF2B5EF4-FFF2-40B4-BE49-F238E27FC236}">
-                <a16:creationId xmlns:a16="http://schemas.microsoft.com/office/drawing/2014/main" id="{66EAB616-4C5C-DA4B-83E2-60CE2653B7B3}"/>
-              </a:ext>
-            </a:extLst>
-          </p:cNvPr>
+          <p:cNvPr id="5" name="Date Placeholder 4"/>
           <p:cNvSpPr>
             <a:spLocks noGrp="1"/>
           </p:cNvSpPr>
@@ -2394,7 +2112,7 @@
           <a:p>
             <a:fld id="{CDF5438E-8328-FD47-AB6C-7BC1D9D14C52}" type="datetimeFigureOut">
               <a:rPr lang="en-US" smtClean="0"/>
-              <a:t>10/31/23</a:t>
+              <a:t>10/28/24</a:t>
             </a:fld>
             <a:endParaRPr lang="en-US"/>
           </a:p>
@@ -2402,13 +2120,7 @@
       </p:sp>
       <p:sp>
         <p:nvSpPr>
-          <p:cNvPr id="6" name="Footer Placeholder 5">
-            <a:extLst>
-              <a:ext uri="{FF2B5EF4-FFF2-40B4-BE49-F238E27FC236}">
-                <a16:creationId xmlns:a16="http://schemas.microsoft.com/office/drawing/2014/main" id="{72597C92-100E-114C-9BC9-F94C8F84D913}"/>
-              </a:ext>
-            </a:extLst>
-          </p:cNvPr>
+          <p:cNvPr id="6" name="Footer Placeholder 5"/>
           <p:cNvSpPr>
             <a:spLocks noGrp="1"/>
           </p:cNvSpPr>
@@ -2427,13 +2139,7 @@
       </p:sp>
       <p:sp>
         <p:nvSpPr>
-          <p:cNvPr id="7" name="Slide Number Placeholder 6">
-            <a:extLst>
-              <a:ext uri="{FF2B5EF4-FFF2-40B4-BE49-F238E27FC236}">
-                <a16:creationId xmlns:a16="http://schemas.microsoft.com/office/drawing/2014/main" id="{CE85DDAA-4F14-6B4E-AD4B-F44B41585A13}"/>
-              </a:ext>
-            </a:extLst>
-          </p:cNvPr>
+          <p:cNvPr id="7" name="Slide Number Placeholder 6"/>
           <p:cNvSpPr>
             <a:spLocks noGrp="1"/>
           </p:cNvSpPr>
@@ -2457,7 +2163,7 @@
     </p:spTree>
     <p:extLst>
       <p:ext uri="{BB962C8B-B14F-4D97-AF65-F5344CB8AC3E}">
-        <p14:creationId xmlns:p14="http://schemas.microsoft.com/office/powerpoint/2010/main" val="1520098223"/>
+        <p14:creationId xmlns:p14="http://schemas.microsoft.com/office/powerpoint/2010/main" val="4096702496"/>
       </p:ext>
     </p:extLst>
   </p:cSld>
@@ -2486,13 +2192,7 @@
       </p:grpSpPr>
       <p:sp>
         <p:nvSpPr>
-          <p:cNvPr id="2" name="Title 1">
-            <a:extLst>
-              <a:ext uri="{FF2B5EF4-FFF2-40B4-BE49-F238E27FC236}">
-                <a16:creationId xmlns:a16="http://schemas.microsoft.com/office/drawing/2014/main" id="{89F38DEA-8A67-8945-A5D1-698BA8FF81D3}"/>
-              </a:ext>
-            </a:extLst>
-          </p:cNvPr>
+          <p:cNvPr id="2" name="Title 1"/>
           <p:cNvSpPr>
             <a:spLocks noGrp="1"/>
           </p:cNvSpPr>
@@ -2502,15 +2202,15 @@
         </p:nvSpPr>
         <p:spPr>
           <a:xfrm>
-            <a:off x="839788" y="457200"/>
-            <a:ext cx="3932237" cy="1600200"/>
+            <a:off x="1091506" y="609600"/>
+            <a:ext cx="5110884" cy="2133600"/>
           </a:xfrm>
         </p:spPr>
         <p:txBody>
           <a:bodyPr anchor="b"/>
           <a:lstStyle>
             <a:lvl1pPr>
-              <a:defRPr sz="3200"/>
+              <a:defRPr sz="4159"/>
             </a:lvl1pPr>
           </a:lstStyle>
           <a:p>
@@ -2518,20 +2218,15 @@
               <a:rPr lang="en-US"/>
               <a:t>Click to edit Master title style</a:t>
             </a:r>
+            <a:endParaRPr lang="en-US" dirty="0"/>
           </a:p>
         </p:txBody>
       </p:sp>
       <p:sp>
         <p:nvSpPr>
-          <p:cNvPr id="3" name="Picture Placeholder 2">
-            <a:extLst>
-              <a:ext uri="{FF2B5EF4-FFF2-40B4-BE49-F238E27FC236}">
-                <a16:creationId xmlns:a16="http://schemas.microsoft.com/office/drawing/2014/main" id="{11D7BF11-9565-184D-98F5-9D043F6E955B}"/>
-              </a:ext>
-            </a:extLst>
-          </p:cNvPr>
+          <p:cNvPr id="3" name="Picture Placeholder 2"/>
           <p:cNvSpPr>
-            <a:spLocks noGrp="1"/>
+            <a:spLocks noGrp="1" noChangeAspect="1"/>
           </p:cNvSpPr>
           <p:nvPr>
             <p:ph type="pic" idx="1"/>
@@ -2539,64 +2234,62 @@
         </p:nvSpPr>
         <p:spPr>
           <a:xfrm>
-            <a:off x="5183188" y="987425"/>
-            <a:ext cx="6172200" cy="4873625"/>
+            <a:off x="6736794" y="1316567"/>
+            <a:ext cx="8022253" cy="6498167"/>
           </a:xfrm>
         </p:spPr>
         <p:txBody>
-          <a:bodyPr/>
+          <a:bodyPr anchor="t"/>
           <a:lstStyle>
             <a:lvl1pPr marL="0" indent="0">
               <a:buNone/>
-              <a:defRPr sz="3200"/>
+              <a:defRPr sz="4159"/>
             </a:lvl1pPr>
-            <a:lvl2pPr marL="457200" indent="0">
+            <a:lvl2pPr marL="594223" indent="0">
               <a:buNone/>
-              <a:defRPr sz="2800"/>
+              <a:defRPr sz="3639"/>
             </a:lvl2pPr>
-            <a:lvl3pPr marL="914400" indent="0">
+            <a:lvl3pPr marL="1188446" indent="0">
               <a:buNone/>
-              <a:defRPr sz="2400"/>
+              <a:defRPr sz="3119"/>
             </a:lvl3pPr>
-            <a:lvl4pPr marL="1371600" indent="0">
+            <a:lvl4pPr marL="1782669" indent="0">
               <a:buNone/>
-              <a:defRPr sz="2000"/>
+              <a:defRPr sz="2599"/>
             </a:lvl4pPr>
-            <a:lvl5pPr marL="1828800" indent="0">
+            <a:lvl5pPr marL="2376891" indent="0">
               <a:buNone/>
-              <a:defRPr sz="2000"/>
+              <a:defRPr sz="2599"/>
             </a:lvl5pPr>
-            <a:lvl6pPr marL="2286000" indent="0">
+            <a:lvl6pPr marL="2971114" indent="0">
               <a:buNone/>
-              <a:defRPr sz="2000"/>
+              <a:defRPr sz="2599"/>
             </a:lvl6pPr>
-            <a:lvl7pPr marL="2743200" indent="0">
+            <a:lvl7pPr marL="3565337" indent="0">
               <a:buNone/>
-              <a:defRPr sz="2000"/>
+              <a:defRPr sz="2599"/>
             </a:lvl7pPr>
-            <a:lvl8pPr marL="3200400" indent="0">
+            <a:lvl8pPr marL="4159560" indent="0">
               <a:buNone/>
-              <a:defRPr sz="2000"/>
+              <a:defRPr sz="2599"/>
             </a:lvl8pPr>
-            <a:lvl9pPr marL="3657600" indent="0">
+            <a:lvl9pPr marL="4753783" indent="0">
               <a:buNone/>
-              <a:defRPr sz="2000"/>
+              <a:defRPr sz="2599"/>
             </a:lvl9pPr>
           </a:lstStyle>
           <a:p>
-            <a:endParaRPr lang="en-US"/>
+            <a:r>
+              <a:rPr lang="en-US"/>
+              <a:t>Click icon to add picture</a:t>
+            </a:r>
+            <a:endParaRPr lang="en-US" dirty="0"/>
           </a:p>
         </p:txBody>
       </p:sp>
       <p:sp>
         <p:nvSpPr>
-          <p:cNvPr id="4" name="Text Placeholder 3">
-            <a:extLst>
-              <a:ext uri="{FF2B5EF4-FFF2-40B4-BE49-F238E27FC236}">
-                <a16:creationId xmlns:a16="http://schemas.microsoft.com/office/drawing/2014/main" id="{366376A8-1102-C745-926F-1CA1696E75A6}"/>
-              </a:ext>
-            </a:extLst>
-          </p:cNvPr>
+          <p:cNvPr id="4" name="Text Placeholder 3"/>
           <p:cNvSpPr>
             <a:spLocks noGrp="1"/>
           </p:cNvSpPr>
@@ -2606,8 +2299,8 @@
         </p:nvSpPr>
         <p:spPr>
           <a:xfrm>
-            <a:off x="839788" y="2057400"/>
-            <a:ext cx="3932237" cy="3811588"/>
+            <a:off x="1091506" y="2743200"/>
+            <a:ext cx="5110884" cy="5082117"/>
           </a:xfrm>
         </p:spPr>
         <p:txBody>
@@ -2615,59 +2308,53 @@
           <a:lstStyle>
             <a:lvl1pPr marL="0" indent="0">
               <a:buNone/>
-              <a:defRPr sz="1600"/>
+              <a:defRPr sz="2080"/>
             </a:lvl1pPr>
-            <a:lvl2pPr marL="457200" indent="0">
+            <a:lvl2pPr marL="594223" indent="0">
               <a:buNone/>
-              <a:defRPr sz="1400"/>
+              <a:defRPr sz="1820"/>
             </a:lvl2pPr>
-            <a:lvl3pPr marL="914400" indent="0">
+            <a:lvl3pPr marL="1188446" indent="0">
               <a:buNone/>
-              <a:defRPr sz="1200"/>
+              <a:defRPr sz="1560"/>
             </a:lvl3pPr>
-            <a:lvl4pPr marL="1371600" indent="0">
+            <a:lvl4pPr marL="1782669" indent="0">
               <a:buNone/>
-              <a:defRPr sz="1000"/>
+              <a:defRPr sz="1300"/>
             </a:lvl4pPr>
-            <a:lvl5pPr marL="1828800" indent="0">
+            <a:lvl5pPr marL="2376891" indent="0">
               <a:buNone/>
-              <a:defRPr sz="1000"/>
+              <a:defRPr sz="1300"/>
             </a:lvl5pPr>
-            <a:lvl6pPr marL="2286000" indent="0">
+            <a:lvl6pPr marL="2971114" indent="0">
               <a:buNone/>
-              <a:defRPr sz="1000"/>
+              <a:defRPr sz="1300"/>
             </a:lvl6pPr>
-            <a:lvl7pPr marL="2743200" indent="0">
+            <a:lvl7pPr marL="3565337" indent="0">
               <a:buNone/>
-              <a:defRPr sz="1000"/>
+              <a:defRPr sz="1300"/>
             </a:lvl7pPr>
-            <a:lvl8pPr marL="3200400" indent="0">
+            <a:lvl8pPr marL="4159560" indent="0">
               <a:buNone/>
-              <a:defRPr sz="1000"/>
+              <a:defRPr sz="1300"/>
             </a:lvl8pPr>
-            <a:lvl9pPr marL="3657600" indent="0">
+            <a:lvl9pPr marL="4753783" indent="0">
               <a:buNone/>
-              <a:defRPr sz="1000"/>
+              <a:defRPr sz="1300"/>
             </a:lvl9pPr>
           </a:lstStyle>
           <a:p>
             <a:pPr lvl="0"/>
             <a:r>
               <a:rPr lang="en-US"/>
-              <a:t>Edit Master text styles</a:t>
+              <a:t>Click to edit Master text styles</a:t>
             </a:r>
           </a:p>
         </p:txBody>
       </p:sp>
       <p:sp>
         <p:nvSpPr>
-          <p:cNvPr id="5" name="Date Placeholder 4">
-            <a:extLst>
-              <a:ext uri="{FF2B5EF4-FFF2-40B4-BE49-F238E27FC236}">
-                <a16:creationId xmlns:a16="http://schemas.microsoft.com/office/drawing/2014/main" id="{212621E5-6D03-BB4E-AB7A-A859DF212CD0}"/>
-              </a:ext>
-            </a:extLst>
-          </p:cNvPr>
+          <p:cNvPr id="5" name="Date Placeholder 4"/>
           <p:cNvSpPr>
             <a:spLocks noGrp="1"/>
           </p:cNvSpPr>
@@ -2682,7 +2369,7 @@
           <a:p>
             <a:fld id="{CDF5438E-8328-FD47-AB6C-7BC1D9D14C52}" type="datetimeFigureOut">
               <a:rPr lang="en-US" smtClean="0"/>
-              <a:t>10/31/23</a:t>
+              <a:t>10/28/24</a:t>
             </a:fld>
             <a:endParaRPr lang="en-US"/>
           </a:p>
@@ -2690,13 +2377,7 @@
       </p:sp>
       <p:sp>
         <p:nvSpPr>
-          <p:cNvPr id="6" name="Footer Placeholder 5">
-            <a:extLst>
-              <a:ext uri="{FF2B5EF4-FFF2-40B4-BE49-F238E27FC236}">
-                <a16:creationId xmlns:a16="http://schemas.microsoft.com/office/drawing/2014/main" id="{C1E626A8-6577-764A-B907-1F305BC52F41}"/>
-              </a:ext>
-            </a:extLst>
-          </p:cNvPr>
+          <p:cNvPr id="6" name="Footer Placeholder 5"/>
           <p:cNvSpPr>
             <a:spLocks noGrp="1"/>
           </p:cNvSpPr>
@@ -2715,13 +2396,7 @@
       </p:sp>
       <p:sp>
         <p:nvSpPr>
-          <p:cNvPr id="7" name="Slide Number Placeholder 6">
-            <a:extLst>
-              <a:ext uri="{FF2B5EF4-FFF2-40B4-BE49-F238E27FC236}">
-                <a16:creationId xmlns:a16="http://schemas.microsoft.com/office/drawing/2014/main" id="{4CCF59C6-9C64-FE45-9464-C7924EFF88C2}"/>
-              </a:ext>
-            </a:extLst>
-          </p:cNvPr>
+          <p:cNvPr id="7" name="Slide Number Placeholder 6"/>
           <p:cNvSpPr>
             <a:spLocks noGrp="1"/>
           </p:cNvSpPr>
@@ -2745,7 +2420,7 @@
     </p:spTree>
     <p:extLst>
       <p:ext uri="{BB962C8B-B14F-4D97-AF65-F5344CB8AC3E}">
-        <p14:creationId xmlns:p14="http://schemas.microsoft.com/office/powerpoint/2010/main" val="1052879237"/>
+        <p14:creationId xmlns:p14="http://schemas.microsoft.com/office/powerpoint/2010/main" val="3380955106"/>
       </p:ext>
     </p:extLst>
   </p:cSld>
@@ -2779,13 +2454,7 @@
       </p:grpSpPr>
       <p:sp>
         <p:nvSpPr>
-          <p:cNvPr id="2" name="Title Placeholder 1">
-            <a:extLst>
-              <a:ext uri="{FF2B5EF4-FFF2-40B4-BE49-F238E27FC236}">
-                <a16:creationId xmlns:a16="http://schemas.microsoft.com/office/drawing/2014/main" id="{E5049163-02F1-4C42-B3C2-416FC5325848}"/>
-              </a:ext>
-            </a:extLst>
-          </p:cNvPr>
+          <p:cNvPr id="2" name="Title Placeholder 1"/>
           <p:cNvSpPr>
             <a:spLocks noGrp="1"/>
           </p:cNvSpPr>
@@ -2795,8 +2464,8 @@
         </p:nvSpPr>
         <p:spPr>
           <a:xfrm>
-            <a:off x="838200" y="365125"/>
-            <a:ext cx="10515600" cy="1325563"/>
+            <a:off x="1089442" y="486834"/>
+            <a:ext cx="13667542" cy="1767417"/>
           </a:xfrm>
           <a:prstGeom prst="rect">
             <a:avLst/>
@@ -2812,18 +2481,13 @@
               <a:rPr lang="en-US"/>
               <a:t>Click to edit Master title style</a:t>
             </a:r>
+            <a:endParaRPr lang="en-US" dirty="0"/>
           </a:p>
         </p:txBody>
       </p:sp>
       <p:sp>
         <p:nvSpPr>
-          <p:cNvPr id="3" name="Text Placeholder 2">
-            <a:extLst>
-              <a:ext uri="{FF2B5EF4-FFF2-40B4-BE49-F238E27FC236}">
-                <a16:creationId xmlns:a16="http://schemas.microsoft.com/office/drawing/2014/main" id="{631F6CDE-BE0B-5C4C-8B81-55568586C7BE}"/>
-              </a:ext>
-            </a:extLst>
-          </p:cNvPr>
+          <p:cNvPr id="3" name="Text Placeholder 2"/>
           <p:cNvSpPr>
             <a:spLocks noGrp="1"/>
           </p:cNvSpPr>
@@ -2833,8 +2497,8 @@
         </p:nvSpPr>
         <p:spPr>
           <a:xfrm>
-            <a:off x="838200" y="1825625"/>
-            <a:ext cx="10515600" cy="4351338"/>
+            <a:off x="1089442" y="2434167"/>
+            <a:ext cx="13667542" cy="5801784"/>
           </a:xfrm>
           <a:prstGeom prst="rect">
             <a:avLst/>
@@ -2849,7 +2513,7 @@
             <a:pPr lvl="0"/>
             <a:r>
               <a:rPr lang="en-US"/>
-              <a:t>Edit Master text styles</a:t>
+              <a:t>Click to edit Master text styles</a:t>
             </a:r>
           </a:p>
           <a:p>
@@ -2879,18 +2543,13 @@
               <a:rPr lang="en-US"/>
               <a:t>Fifth level</a:t>
             </a:r>
+            <a:endParaRPr lang="en-US" dirty="0"/>
           </a:p>
         </p:txBody>
       </p:sp>
       <p:sp>
         <p:nvSpPr>
-          <p:cNvPr id="4" name="Date Placeholder 3">
-            <a:extLst>
-              <a:ext uri="{FF2B5EF4-FFF2-40B4-BE49-F238E27FC236}">
-                <a16:creationId xmlns:a16="http://schemas.microsoft.com/office/drawing/2014/main" id="{DF4729AF-F4A4-BD44-ACE5-D418C8C79A70}"/>
-              </a:ext>
-            </a:extLst>
-          </p:cNvPr>
+          <p:cNvPr id="4" name="Date Placeholder 3"/>
           <p:cNvSpPr>
             <a:spLocks noGrp="1"/>
           </p:cNvSpPr>
@@ -2900,8 +2559,8 @@
         </p:nvSpPr>
         <p:spPr>
           <a:xfrm>
-            <a:off x="838200" y="6356350"/>
-            <a:ext cx="2743200" cy="365125"/>
+            <a:off x="1089442" y="8475134"/>
+            <a:ext cx="3565446" cy="486833"/>
           </a:xfrm>
           <a:prstGeom prst="rect">
             <a:avLst/>
@@ -2911,7 +2570,7 @@
           <a:bodyPr vert="horz" lIns="91440" tIns="45720" rIns="91440" bIns="45720" rtlCol="0" anchor="ctr"/>
           <a:lstStyle>
             <a:lvl1pPr algn="l">
-              <a:defRPr sz="1200">
+              <a:defRPr sz="1560">
                 <a:solidFill>
                   <a:schemeClr val="tx1">
                     <a:tint val="75000"/>
@@ -2923,7 +2582,7 @@
           <a:p>
             <a:fld id="{CDF5438E-8328-FD47-AB6C-7BC1D9D14C52}" type="datetimeFigureOut">
               <a:rPr lang="en-US" smtClean="0"/>
-              <a:t>10/31/23</a:t>
+              <a:t>10/28/24</a:t>
             </a:fld>
             <a:endParaRPr lang="en-US"/>
           </a:p>
@@ -2931,13 +2590,7 @@
       </p:sp>
       <p:sp>
         <p:nvSpPr>
-          <p:cNvPr id="5" name="Footer Placeholder 4">
-            <a:extLst>
-              <a:ext uri="{FF2B5EF4-FFF2-40B4-BE49-F238E27FC236}">
-                <a16:creationId xmlns:a16="http://schemas.microsoft.com/office/drawing/2014/main" id="{194C6649-D61D-4C4D-A8CA-4AC249DEB790}"/>
-              </a:ext>
-            </a:extLst>
-          </p:cNvPr>
+          <p:cNvPr id="5" name="Footer Placeholder 4"/>
           <p:cNvSpPr>
             <a:spLocks noGrp="1"/>
           </p:cNvSpPr>
@@ -2947,8 +2600,8 @@
         </p:nvSpPr>
         <p:spPr>
           <a:xfrm>
-            <a:off x="4038600" y="6356350"/>
-            <a:ext cx="4114800" cy="365125"/>
+            <a:off x="5249129" y="8475134"/>
+            <a:ext cx="5348168" cy="486833"/>
           </a:xfrm>
           <a:prstGeom prst="rect">
             <a:avLst/>
@@ -2958,7 +2611,7 @@
           <a:bodyPr vert="horz" lIns="91440" tIns="45720" rIns="91440" bIns="45720" rtlCol="0" anchor="ctr"/>
           <a:lstStyle>
             <a:lvl1pPr algn="ctr">
-              <a:defRPr sz="1200">
+              <a:defRPr sz="1560">
                 <a:solidFill>
                   <a:schemeClr val="tx1">
                     <a:tint val="75000"/>
@@ -2974,13 +2627,7 @@
       </p:sp>
       <p:sp>
         <p:nvSpPr>
-          <p:cNvPr id="6" name="Slide Number Placeholder 5">
-            <a:extLst>
-              <a:ext uri="{FF2B5EF4-FFF2-40B4-BE49-F238E27FC236}">
-                <a16:creationId xmlns:a16="http://schemas.microsoft.com/office/drawing/2014/main" id="{23E1D754-082A-B94B-A9B3-29EDDD9B00D4}"/>
-              </a:ext>
-            </a:extLst>
-          </p:cNvPr>
+          <p:cNvPr id="6" name="Slide Number Placeholder 5"/>
           <p:cNvSpPr>
             <a:spLocks noGrp="1"/>
           </p:cNvSpPr>
@@ -2990,8 +2637,8 @@
         </p:nvSpPr>
         <p:spPr>
           <a:xfrm>
-            <a:off x="8610600" y="6356350"/>
-            <a:ext cx="2743200" cy="365125"/>
+            <a:off x="11191537" y="8475134"/>
+            <a:ext cx="3565446" cy="486833"/>
           </a:xfrm>
           <a:prstGeom prst="rect">
             <a:avLst/>
@@ -3001,7 +2648,7 @@
           <a:bodyPr vert="horz" lIns="91440" tIns="45720" rIns="91440" bIns="45720" rtlCol="0" anchor="ctr"/>
           <a:lstStyle>
             <a:lvl1pPr algn="r">
-              <a:defRPr sz="1200">
+              <a:defRPr sz="1560">
                 <a:solidFill>
                   <a:schemeClr val="tx1">
                     <a:tint val="75000"/>
@@ -3022,27 +2669,27 @@
     </p:spTree>
     <p:extLst>
       <p:ext uri="{BB962C8B-B14F-4D97-AF65-F5344CB8AC3E}">
-        <p14:creationId xmlns:p14="http://schemas.microsoft.com/office/powerpoint/2010/main" val="2688488824"/>
+        <p14:creationId xmlns:p14="http://schemas.microsoft.com/office/powerpoint/2010/main" val="1151314547"/>
       </p:ext>
     </p:extLst>
   </p:cSld>
   <p:clrMap bg1="lt1" tx1="dk1" bg2="lt2" tx2="dk2" accent1="accent1" accent2="accent2" accent3="accent3" accent4="accent4" accent5="accent5" accent6="accent6" hlink="hlink" folHlink="folHlink"/>
   <p:sldLayoutIdLst>
-    <p:sldLayoutId id="2147483649" r:id="rId1"/>
-    <p:sldLayoutId id="2147483650" r:id="rId2"/>
-    <p:sldLayoutId id="2147483651" r:id="rId3"/>
-    <p:sldLayoutId id="2147483652" r:id="rId4"/>
-    <p:sldLayoutId id="2147483653" r:id="rId5"/>
-    <p:sldLayoutId id="2147483654" r:id="rId6"/>
-    <p:sldLayoutId id="2147483655" r:id="rId7"/>
-    <p:sldLayoutId id="2147483656" r:id="rId8"/>
-    <p:sldLayoutId id="2147483657" r:id="rId9"/>
-    <p:sldLayoutId id="2147483658" r:id="rId10"/>
-    <p:sldLayoutId id="2147483659" r:id="rId11"/>
+    <p:sldLayoutId id="2147483673" r:id="rId1"/>
+    <p:sldLayoutId id="2147483674" r:id="rId2"/>
+    <p:sldLayoutId id="2147483675" r:id="rId3"/>
+    <p:sldLayoutId id="2147483676" r:id="rId4"/>
+    <p:sldLayoutId id="2147483677" r:id="rId5"/>
+    <p:sldLayoutId id="2147483678" r:id="rId6"/>
+    <p:sldLayoutId id="2147483679" r:id="rId7"/>
+    <p:sldLayoutId id="2147483680" r:id="rId8"/>
+    <p:sldLayoutId id="2147483681" r:id="rId9"/>
+    <p:sldLayoutId id="2147483682" r:id="rId10"/>
+    <p:sldLayoutId id="2147483683" r:id="rId11"/>
   </p:sldLayoutIdLst>
   <p:txStyles>
     <p:titleStyle>
-      <a:lvl1pPr algn="l" defTabSz="914400" rtl="0" eaLnBrk="1" latinLnBrk="0" hangingPunct="1">
+      <a:lvl1pPr algn="l" defTabSz="1188446" rtl="0" eaLnBrk="1" latinLnBrk="0" hangingPunct="1">
         <a:lnSpc>
           <a:spcPct val="90000"/>
         </a:lnSpc>
@@ -3050,7 +2697,7 @@
           <a:spcPct val="0"/>
         </a:spcBef>
         <a:buNone/>
-        <a:defRPr sz="4400" kern="1200">
+        <a:defRPr sz="5719" kern="1200">
           <a:solidFill>
             <a:schemeClr val="tx1"/>
           </a:solidFill>
@@ -3061,16 +2708,16 @@
       </a:lvl1pPr>
     </p:titleStyle>
     <p:bodyStyle>
-      <a:lvl1pPr marL="228600" indent="-228600" algn="l" defTabSz="914400" rtl="0" eaLnBrk="1" latinLnBrk="0" hangingPunct="1">
+      <a:lvl1pPr marL="297111" indent="-297111" algn="l" defTabSz="1188446" rtl="0" eaLnBrk="1" latinLnBrk="0" hangingPunct="1">
         <a:lnSpc>
           <a:spcPct val="90000"/>
         </a:lnSpc>
         <a:spcBef>
-          <a:spcPts val="1000"/>
+          <a:spcPts val="1300"/>
         </a:spcBef>
         <a:buFont typeface="Arial" panose="020B0604020202020204" pitchFamily="34" charset="0"/>
         <a:buChar char="•"/>
-        <a:defRPr sz="2800" kern="1200">
+        <a:defRPr sz="3639" kern="1200">
           <a:solidFill>
             <a:schemeClr val="tx1"/>
           </a:solidFill>
@@ -3079,16 +2726,16 @@
           <a:cs typeface="+mn-cs"/>
         </a:defRPr>
       </a:lvl1pPr>
-      <a:lvl2pPr marL="685800" indent="-228600" algn="l" defTabSz="914400" rtl="0" eaLnBrk="1" latinLnBrk="0" hangingPunct="1">
+      <a:lvl2pPr marL="891334" indent="-297111" algn="l" defTabSz="1188446" rtl="0" eaLnBrk="1" latinLnBrk="0" hangingPunct="1">
         <a:lnSpc>
           <a:spcPct val="90000"/>
         </a:lnSpc>
         <a:spcBef>
-          <a:spcPts val="500"/>
+          <a:spcPts val="650"/>
         </a:spcBef>
         <a:buFont typeface="Arial" panose="020B0604020202020204" pitchFamily="34" charset="0"/>
         <a:buChar char="•"/>
-        <a:defRPr sz="2400" kern="1200">
+        <a:defRPr sz="3119" kern="1200">
           <a:solidFill>
             <a:schemeClr val="tx1"/>
           </a:solidFill>
@@ -3097,16 +2744,16 @@
           <a:cs typeface="+mn-cs"/>
         </a:defRPr>
       </a:lvl2pPr>
-      <a:lvl3pPr marL="1143000" indent="-228600" algn="l" defTabSz="914400" rtl="0" eaLnBrk="1" latinLnBrk="0" hangingPunct="1">
+      <a:lvl3pPr marL="1485557" indent="-297111" algn="l" defTabSz="1188446" rtl="0" eaLnBrk="1" latinLnBrk="0" hangingPunct="1">
         <a:lnSpc>
           <a:spcPct val="90000"/>
         </a:lnSpc>
         <a:spcBef>
-          <a:spcPts val="500"/>
+          <a:spcPts val="650"/>
         </a:spcBef>
         <a:buFont typeface="Arial" panose="020B0604020202020204" pitchFamily="34" charset="0"/>
         <a:buChar char="•"/>
-        <a:defRPr sz="2000" kern="1200">
+        <a:defRPr sz="2599" kern="1200">
           <a:solidFill>
             <a:schemeClr val="tx1"/>
           </a:solidFill>
@@ -3115,16 +2762,16 @@
           <a:cs typeface="+mn-cs"/>
         </a:defRPr>
       </a:lvl3pPr>
-      <a:lvl4pPr marL="1600200" indent="-228600" algn="l" defTabSz="914400" rtl="0" eaLnBrk="1" latinLnBrk="0" hangingPunct="1">
+      <a:lvl4pPr marL="2079780" indent="-297111" algn="l" defTabSz="1188446" rtl="0" eaLnBrk="1" latinLnBrk="0" hangingPunct="1">
         <a:lnSpc>
           <a:spcPct val="90000"/>
         </a:lnSpc>
         <a:spcBef>
-          <a:spcPts val="500"/>
+          <a:spcPts val="650"/>
         </a:spcBef>
         <a:buFont typeface="Arial" panose="020B0604020202020204" pitchFamily="34" charset="0"/>
         <a:buChar char="•"/>
-        <a:defRPr sz="1800" kern="1200">
+        <a:defRPr sz="2339" kern="1200">
           <a:solidFill>
             <a:schemeClr val="tx1"/>
           </a:solidFill>
@@ -3133,16 +2780,16 @@
           <a:cs typeface="+mn-cs"/>
         </a:defRPr>
       </a:lvl4pPr>
-      <a:lvl5pPr marL="2057400" indent="-228600" algn="l" defTabSz="914400" rtl="0" eaLnBrk="1" latinLnBrk="0" hangingPunct="1">
+      <a:lvl5pPr marL="2674003" indent="-297111" algn="l" defTabSz="1188446" rtl="0" eaLnBrk="1" latinLnBrk="0" hangingPunct="1">
         <a:lnSpc>
           <a:spcPct val="90000"/>
         </a:lnSpc>
         <a:spcBef>
-          <a:spcPts val="500"/>
+          <a:spcPts val="650"/>
         </a:spcBef>
         <a:buFont typeface="Arial" panose="020B0604020202020204" pitchFamily="34" charset="0"/>
         <a:buChar char="•"/>
-        <a:defRPr sz="1800" kern="1200">
+        <a:defRPr sz="2339" kern="1200">
           <a:solidFill>
             <a:schemeClr val="tx1"/>
           </a:solidFill>
@@ -3151,16 +2798,16 @@
           <a:cs typeface="+mn-cs"/>
         </a:defRPr>
       </a:lvl5pPr>
-      <a:lvl6pPr marL="2514600" indent="-228600" algn="l" defTabSz="914400" rtl="0" eaLnBrk="1" latinLnBrk="0" hangingPunct="1">
+      <a:lvl6pPr marL="3268226" indent="-297111" algn="l" defTabSz="1188446" rtl="0" eaLnBrk="1" latinLnBrk="0" hangingPunct="1">
         <a:lnSpc>
           <a:spcPct val="90000"/>
         </a:lnSpc>
         <a:spcBef>
-          <a:spcPts val="500"/>
+          <a:spcPts val="650"/>
         </a:spcBef>
         <a:buFont typeface="Arial" panose="020B0604020202020204" pitchFamily="34" charset="0"/>
         <a:buChar char="•"/>
-        <a:defRPr sz="1800" kern="1200">
+        <a:defRPr sz="2339" kern="1200">
           <a:solidFill>
             <a:schemeClr val="tx1"/>
           </a:solidFill>
@@ -3169,16 +2816,16 @@
           <a:cs typeface="+mn-cs"/>
         </a:defRPr>
       </a:lvl6pPr>
-      <a:lvl7pPr marL="2971800" indent="-228600" algn="l" defTabSz="914400" rtl="0" eaLnBrk="1" latinLnBrk="0" hangingPunct="1">
+      <a:lvl7pPr marL="3862448" indent="-297111" algn="l" defTabSz="1188446" rtl="0" eaLnBrk="1" latinLnBrk="0" hangingPunct="1">
         <a:lnSpc>
           <a:spcPct val="90000"/>
         </a:lnSpc>
         <a:spcBef>
-          <a:spcPts val="500"/>
+          <a:spcPts val="650"/>
         </a:spcBef>
         <a:buFont typeface="Arial" panose="020B0604020202020204" pitchFamily="34" charset="0"/>
         <a:buChar char="•"/>
-        <a:defRPr sz="1800" kern="1200">
+        <a:defRPr sz="2339" kern="1200">
           <a:solidFill>
             <a:schemeClr val="tx1"/>
           </a:solidFill>
@@ -3187,16 +2834,16 @@
           <a:cs typeface="+mn-cs"/>
         </a:defRPr>
       </a:lvl7pPr>
-      <a:lvl8pPr marL="3429000" indent="-228600" algn="l" defTabSz="914400" rtl="0" eaLnBrk="1" latinLnBrk="0" hangingPunct="1">
+      <a:lvl8pPr marL="4456671" indent="-297111" algn="l" defTabSz="1188446" rtl="0" eaLnBrk="1" latinLnBrk="0" hangingPunct="1">
         <a:lnSpc>
           <a:spcPct val="90000"/>
         </a:lnSpc>
         <a:spcBef>
-          <a:spcPts val="500"/>
+          <a:spcPts val="650"/>
         </a:spcBef>
         <a:buFont typeface="Arial" panose="020B0604020202020204" pitchFamily="34" charset="0"/>
         <a:buChar char="•"/>
-        <a:defRPr sz="1800" kern="1200">
+        <a:defRPr sz="2339" kern="1200">
           <a:solidFill>
             <a:schemeClr val="tx1"/>
           </a:solidFill>
@@ -3205,16 +2852,16 @@
           <a:cs typeface="+mn-cs"/>
         </a:defRPr>
       </a:lvl8pPr>
-      <a:lvl9pPr marL="3886200" indent="-228600" algn="l" defTabSz="914400" rtl="0" eaLnBrk="1" latinLnBrk="0" hangingPunct="1">
+      <a:lvl9pPr marL="5050894" indent="-297111" algn="l" defTabSz="1188446" rtl="0" eaLnBrk="1" latinLnBrk="0" hangingPunct="1">
         <a:lnSpc>
           <a:spcPct val="90000"/>
         </a:lnSpc>
         <a:spcBef>
-          <a:spcPts val="500"/>
+          <a:spcPts val="650"/>
         </a:spcBef>
         <a:buFont typeface="Arial" panose="020B0604020202020204" pitchFamily="34" charset="0"/>
         <a:buChar char="•"/>
-        <a:defRPr sz="1800" kern="1200">
+        <a:defRPr sz="2339" kern="1200">
           <a:solidFill>
             <a:schemeClr val="tx1"/>
           </a:solidFill>
@@ -3228,8 +2875,8 @@
       <a:defPPr>
         <a:defRPr lang="en-US"/>
       </a:defPPr>
-      <a:lvl1pPr marL="0" algn="l" defTabSz="914400" rtl="0" eaLnBrk="1" latinLnBrk="0" hangingPunct="1">
-        <a:defRPr sz="1800" kern="1200">
+      <a:lvl1pPr marL="0" algn="l" defTabSz="1188446" rtl="0" eaLnBrk="1" latinLnBrk="0" hangingPunct="1">
+        <a:defRPr sz="2339" kern="1200">
           <a:solidFill>
             <a:schemeClr val="tx1"/>
           </a:solidFill>
@@ -3238,8 +2885,8 @@
           <a:cs typeface="+mn-cs"/>
         </a:defRPr>
       </a:lvl1pPr>
-      <a:lvl2pPr marL="457200" algn="l" defTabSz="914400" rtl="0" eaLnBrk="1" latinLnBrk="0" hangingPunct="1">
-        <a:defRPr sz="1800" kern="1200">
+      <a:lvl2pPr marL="594223" algn="l" defTabSz="1188446" rtl="0" eaLnBrk="1" latinLnBrk="0" hangingPunct="1">
+        <a:defRPr sz="2339" kern="1200">
           <a:solidFill>
             <a:schemeClr val="tx1"/>
           </a:solidFill>
@@ -3248,8 +2895,8 @@
           <a:cs typeface="+mn-cs"/>
         </a:defRPr>
       </a:lvl2pPr>
-      <a:lvl3pPr marL="914400" algn="l" defTabSz="914400" rtl="0" eaLnBrk="1" latinLnBrk="0" hangingPunct="1">
-        <a:defRPr sz="1800" kern="1200">
+      <a:lvl3pPr marL="1188446" algn="l" defTabSz="1188446" rtl="0" eaLnBrk="1" latinLnBrk="0" hangingPunct="1">
+        <a:defRPr sz="2339" kern="1200">
           <a:solidFill>
             <a:schemeClr val="tx1"/>
           </a:solidFill>
@@ -3258,8 +2905,8 @@
           <a:cs typeface="+mn-cs"/>
         </a:defRPr>
       </a:lvl3pPr>
-      <a:lvl4pPr marL="1371600" algn="l" defTabSz="914400" rtl="0" eaLnBrk="1" latinLnBrk="0" hangingPunct="1">
-        <a:defRPr sz="1800" kern="1200">
+      <a:lvl4pPr marL="1782669" algn="l" defTabSz="1188446" rtl="0" eaLnBrk="1" latinLnBrk="0" hangingPunct="1">
+        <a:defRPr sz="2339" kern="1200">
           <a:solidFill>
             <a:schemeClr val="tx1"/>
           </a:solidFill>
@@ -3268,8 +2915,8 @@
           <a:cs typeface="+mn-cs"/>
         </a:defRPr>
       </a:lvl4pPr>
-      <a:lvl5pPr marL="1828800" algn="l" defTabSz="914400" rtl="0" eaLnBrk="1" latinLnBrk="0" hangingPunct="1">
-        <a:defRPr sz="1800" kern="1200">
+      <a:lvl5pPr marL="2376891" algn="l" defTabSz="1188446" rtl="0" eaLnBrk="1" latinLnBrk="0" hangingPunct="1">
+        <a:defRPr sz="2339" kern="1200">
           <a:solidFill>
             <a:schemeClr val="tx1"/>
           </a:solidFill>
@@ -3278,8 +2925,8 @@
           <a:cs typeface="+mn-cs"/>
         </a:defRPr>
       </a:lvl5pPr>
-      <a:lvl6pPr marL="2286000" algn="l" defTabSz="914400" rtl="0" eaLnBrk="1" latinLnBrk="0" hangingPunct="1">
-        <a:defRPr sz="1800" kern="1200">
+      <a:lvl6pPr marL="2971114" algn="l" defTabSz="1188446" rtl="0" eaLnBrk="1" latinLnBrk="0" hangingPunct="1">
+        <a:defRPr sz="2339" kern="1200">
           <a:solidFill>
             <a:schemeClr val="tx1"/>
           </a:solidFill>
@@ -3288,8 +2935,8 @@
           <a:cs typeface="+mn-cs"/>
         </a:defRPr>
       </a:lvl6pPr>
-      <a:lvl7pPr marL="2743200" algn="l" defTabSz="914400" rtl="0" eaLnBrk="1" latinLnBrk="0" hangingPunct="1">
-        <a:defRPr sz="1800" kern="1200">
+      <a:lvl7pPr marL="3565337" algn="l" defTabSz="1188446" rtl="0" eaLnBrk="1" latinLnBrk="0" hangingPunct="1">
+        <a:defRPr sz="2339" kern="1200">
           <a:solidFill>
             <a:schemeClr val="tx1"/>
           </a:solidFill>
@@ -3298,8 +2945,8 @@
           <a:cs typeface="+mn-cs"/>
         </a:defRPr>
       </a:lvl7pPr>
-      <a:lvl8pPr marL="3200400" algn="l" defTabSz="914400" rtl="0" eaLnBrk="1" latinLnBrk="0" hangingPunct="1">
-        <a:defRPr sz="1800" kern="1200">
+      <a:lvl8pPr marL="4159560" algn="l" defTabSz="1188446" rtl="0" eaLnBrk="1" latinLnBrk="0" hangingPunct="1">
+        <a:defRPr sz="2339" kern="1200">
           <a:solidFill>
             <a:schemeClr val="tx1"/>
           </a:solidFill>
@@ -3308,8 +2955,8 @@
           <a:cs typeface="+mn-cs"/>
         </a:defRPr>
       </a:lvl8pPr>
-      <a:lvl9pPr marL="3657600" algn="l" defTabSz="914400" rtl="0" eaLnBrk="1" latinLnBrk="0" hangingPunct="1">
-        <a:defRPr sz="1800" kern="1200">
+      <a:lvl9pPr marL="4753783" algn="l" defTabSz="1188446" rtl="0" eaLnBrk="1" latinLnBrk="0" hangingPunct="1">
+        <a:defRPr sz="2339" kern="1200">
           <a:solidFill>
             <a:schemeClr val="tx1"/>
           </a:solidFill>
@@ -3355,14 +3002,14 @@
           <p:nvPr>
             <p:extLst>
               <p:ext uri="{D42A27DB-BD31-4B8C-83A1-F6EECF244321}">
-                <p14:modId xmlns:p14="http://schemas.microsoft.com/office/powerpoint/2010/main" val="3466335776"/>
+                <p14:modId xmlns:p14="http://schemas.microsoft.com/office/powerpoint/2010/main" val="1202714554"/>
               </p:ext>
             </p:extLst>
           </p:nvPr>
         </p:nvGraphicFramePr>
         <p:xfrm>
-          <a:off x="300000" y="552518"/>
-          <a:ext cx="11592000" cy="6479999"/>
+          <a:off x="330200" y="425670"/>
+          <a:ext cx="15100297" cy="7380155"/>
         </p:xfrm>
         <a:graphic>
           <a:graphicData uri="http://schemas.openxmlformats.org/drawingml/2006/table">
@@ -3371,42 +3018,52 @@
                 <a:tableStyleId>{2D5ABB26-0587-4C30-8999-92F81FD0307C}</a:tableStyleId>
               </a:tblPr>
               <a:tblGrid>
-                <a:gridCol w="1570119">
+                <a:gridCol w="1475969">
                   <a:extLst>
                     <a:ext uri="{9D8B030D-6E8A-4147-A177-3AD203B41FA5}">
                       <a16:colId xmlns:a16="http://schemas.microsoft.com/office/drawing/2014/main" val="1581961028"/>
                     </a:ext>
                   </a:extLst>
                 </a:gridCol>
-                <a:gridCol w="3180083">
+                <a:gridCol w="3406082">
                   <a:extLst>
                     <a:ext uri="{9D8B030D-6E8A-4147-A177-3AD203B41FA5}">
                       <a16:colId xmlns:a16="http://schemas.microsoft.com/office/drawing/2014/main" val="353899809"/>
                     </a:ext>
                   </a:extLst>
                 </a:gridCol>
-                <a:gridCol w="3450866">
+                <a:gridCol w="3406082">
+                  <a:extLst>
+                    <a:ext uri="{9D8B030D-6E8A-4147-A177-3AD203B41FA5}">
+                      <a16:colId xmlns:a16="http://schemas.microsoft.com/office/drawing/2014/main" val="274899623"/>
+                    </a:ext>
+                  </a:extLst>
+                </a:gridCol>
+                <a:gridCol w="3406082">
                   <a:extLst>
                     <a:ext uri="{9D8B030D-6E8A-4147-A177-3AD203B41FA5}">
                       <a16:colId xmlns:a16="http://schemas.microsoft.com/office/drawing/2014/main" val="1593474058"/>
                     </a:ext>
                   </a:extLst>
                 </a:gridCol>
-                <a:gridCol w="3390932">
+                <a:gridCol w="3406082">
                   <a:extLst>
                     <a:ext uri="{9D8B030D-6E8A-4147-A177-3AD203B41FA5}">
-                      <a16:colId xmlns:a16="http://schemas.microsoft.com/office/drawing/2014/main" val="2095827967"/>
+                      <a16:colId xmlns:a16="http://schemas.microsoft.com/office/drawing/2014/main" val="3445715525"/>
                     </a:ext>
                   </a:extLst>
                 </a:gridCol>
               </a:tblGrid>
-              <a:tr h="574074">
+              <a:tr h="608092">
                 <a:tc>
                   <a:txBody>
                     <a:bodyPr/>
                     <a:lstStyle/>
                     <a:p>
                       <a:endParaRPr lang="en-US" sz="1600" dirty="0">
+                        <a:solidFill>
+                          <a:schemeClr val="bg1"/>
+                        </a:solidFill>
                         <a:latin typeface="Roboto Condensed" panose="02000000000000000000" pitchFamily="2" charset="0"/>
                         <a:ea typeface="Roboto Condensed" panose="02000000000000000000" pitchFamily="2" charset="0"/>
                       </a:endParaRPr>
@@ -3422,6 +3079,11 @@
                       <a:headEnd type="none" w="med" len="med"/>
                       <a:tailEnd type="none" w="med" len="med"/>
                     </a:lnB>
+                    <a:solidFill>
+                      <a:schemeClr val="accent1">
+                        <a:lumMod val="50000"/>
+                      </a:schemeClr>
+                    </a:solidFill>
                   </a:tcPr>
                 </a:tc>
                 <a:tc>
@@ -3432,10 +3094,32 @@
                       <a:pPr marL="108000"/>
                       <a:r>
                         <a:rPr lang="en-US" sz="1600" b="1" dirty="0">
-                          <a:latin typeface="Roboto Condensed" panose="02000000000000000000" pitchFamily="2" charset="0"/>
-                          <a:ea typeface="Roboto Condensed" panose="02000000000000000000" pitchFamily="2" charset="0"/>
-                        </a:rPr>
-                        <a:t>Rule-Based Analyses</a:t>
+                          <a:solidFill>
+                            <a:schemeClr val="bg1"/>
+                          </a:solidFill>
+                          <a:latin typeface="Roboto Condensed" panose="02000000000000000000" pitchFamily="2" charset="0"/>
+                          <a:ea typeface="Roboto Condensed" panose="02000000000000000000" pitchFamily="2" charset="0"/>
+                        </a:rPr>
+                        <a:t>Rule-Based </a:t>
+                      </a:r>
+                      <a:br>
+                        <a:rPr lang="en-US" sz="1600" b="1" dirty="0">
+                          <a:solidFill>
+                            <a:schemeClr val="bg1"/>
+                          </a:solidFill>
+                          <a:latin typeface="Roboto Condensed" panose="02000000000000000000" pitchFamily="2" charset="0"/>
+                          <a:ea typeface="Roboto Condensed" panose="02000000000000000000" pitchFamily="2" charset="0"/>
+                        </a:rPr>
+                      </a:br>
+                      <a:r>
+                        <a:rPr lang="en-US" sz="1600" b="1" dirty="0">
+                          <a:solidFill>
+                            <a:schemeClr val="bg1"/>
+                          </a:solidFill>
+                          <a:latin typeface="Roboto Condensed" panose="02000000000000000000" pitchFamily="2" charset="0"/>
+                          <a:ea typeface="Roboto Condensed" panose="02000000000000000000" pitchFamily="2" charset="0"/>
+                        </a:rPr>
+                        <a:t>Analyses</a:t>
                       </a:r>
                     </a:p>
                   </a:txBody>
@@ -3449,6 +3133,11 @@
                       <a:headEnd type="none" w="med" len="med"/>
                       <a:tailEnd type="none" w="med" len="med"/>
                     </a:lnB>
+                    <a:solidFill>
+                      <a:schemeClr val="accent1">
+                        <a:lumMod val="50000"/>
+                      </a:schemeClr>
+                    </a:solidFill>
                   </a:tcPr>
                 </a:tc>
                 <a:tc>
@@ -3459,10 +3148,32 @@
                       <a:pPr marL="108000"/>
                       <a:r>
                         <a:rPr lang="en-US" sz="1600" b="1" dirty="0">
-                          <a:latin typeface="Roboto Condensed" panose="02000000000000000000" pitchFamily="2" charset="0"/>
-                          <a:ea typeface="Roboto Condensed" panose="02000000000000000000" pitchFamily="2" charset="0"/>
-                        </a:rPr>
-                        <a:t>Supervised Machine Learning</a:t>
+                          <a:solidFill>
+                            <a:schemeClr val="bg1"/>
+                          </a:solidFill>
+                          <a:latin typeface="Roboto Condensed" panose="02000000000000000000" pitchFamily="2" charset="0"/>
+                          <a:ea typeface="Roboto Condensed" panose="02000000000000000000" pitchFamily="2" charset="0"/>
+                        </a:rPr>
+                        <a:t>Unsupervised </a:t>
+                      </a:r>
+                      <a:br>
+                        <a:rPr lang="en-US" sz="1600" b="1" dirty="0">
+                          <a:solidFill>
+                            <a:schemeClr val="bg1"/>
+                          </a:solidFill>
+                          <a:latin typeface="Roboto Condensed" panose="02000000000000000000" pitchFamily="2" charset="0"/>
+                          <a:ea typeface="Roboto Condensed" panose="02000000000000000000" pitchFamily="2" charset="0"/>
+                        </a:rPr>
+                      </a:br>
+                      <a:r>
+                        <a:rPr lang="en-US" sz="1600" b="1" dirty="0">
+                          <a:solidFill>
+                            <a:schemeClr val="bg1"/>
+                          </a:solidFill>
+                          <a:latin typeface="Roboto Condensed" panose="02000000000000000000" pitchFamily="2" charset="0"/>
+                          <a:ea typeface="Roboto Condensed" panose="02000000000000000000" pitchFamily="2" charset="0"/>
+                        </a:rPr>
+                        <a:t>Machine Learning</a:t>
                       </a:r>
                     </a:p>
                   </a:txBody>
@@ -3476,6 +3187,11 @@
                       <a:headEnd type="none" w="med" len="med"/>
                       <a:tailEnd type="none" w="med" len="med"/>
                     </a:lnB>
+                    <a:solidFill>
+                      <a:schemeClr val="accent1">
+                        <a:lumMod val="50000"/>
+                      </a:schemeClr>
+                    </a:solidFill>
                   </a:tcPr>
                 </a:tc>
                 <a:tc>
@@ -3486,10 +3202,32 @@
                       <a:pPr marL="108000"/>
                       <a:r>
                         <a:rPr lang="en-US" sz="1600" b="1" dirty="0">
-                          <a:latin typeface="Roboto Condensed" panose="02000000000000000000" pitchFamily="2" charset="0"/>
-                          <a:ea typeface="Roboto Condensed" panose="02000000000000000000" pitchFamily="2" charset="0"/>
-                        </a:rPr>
-                        <a:t>Unsupervised Machine Learning</a:t>
+                          <a:solidFill>
+                            <a:schemeClr val="bg1"/>
+                          </a:solidFill>
+                          <a:latin typeface="Roboto Condensed" panose="02000000000000000000" pitchFamily="2" charset="0"/>
+                          <a:ea typeface="Roboto Condensed" panose="02000000000000000000" pitchFamily="2" charset="0"/>
+                        </a:rPr>
+                        <a:t>Supervised</a:t>
+                      </a:r>
+                      <a:br>
+                        <a:rPr lang="en-US" sz="1600" b="1" dirty="0">
+                          <a:solidFill>
+                            <a:schemeClr val="bg1"/>
+                          </a:solidFill>
+                          <a:latin typeface="Roboto Condensed" panose="02000000000000000000" pitchFamily="2" charset="0"/>
+                          <a:ea typeface="Roboto Condensed" panose="02000000000000000000" pitchFamily="2" charset="0"/>
+                        </a:rPr>
+                      </a:br>
+                      <a:r>
+                        <a:rPr lang="en-US" sz="1600" b="1" dirty="0">
+                          <a:solidFill>
+                            <a:schemeClr val="bg1"/>
+                          </a:solidFill>
+                          <a:latin typeface="Roboto Condensed" panose="02000000000000000000" pitchFamily="2" charset="0"/>
+                          <a:ea typeface="Roboto Condensed" panose="02000000000000000000" pitchFamily="2" charset="0"/>
+                        </a:rPr>
+                        <a:t>Machine Learning</a:t>
                       </a:r>
                     </a:p>
                   </a:txBody>
@@ -3503,6 +3241,65 @@
                       <a:headEnd type="none" w="med" len="med"/>
                       <a:tailEnd type="none" w="med" len="med"/>
                     </a:lnB>
+                    <a:solidFill>
+                      <a:schemeClr val="accent1">
+                        <a:lumMod val="50000"/>
+                      </a:schemeClr>
+                    </a:solidFill>
+                  </a:tcPr>
+                </a:tc>
+                <a:tc>
+                  <a:txBody>
+                    <a:bodyPr/>
+                    <a:lstStyle/>
+                    <a:p>
+                      <a:pPr marL="108000"/>
+                      <a:r>
+                        <a:rPr lang="en-US" sz="1600" b="1" dirty="0">
+                          <a:solidFill>
+                            <a:schemeClr val="bg1"/>
+                          </a:solidFill>
+                          <a:latin typeface="Roboto Condensed" panose="02000000000000000000" pitchFamily="2" charset="0"/>
+                          <a:ea typeface="Roboto Condensed" panose="02000000000000000000" pitchFamily="2" charset="0"/>
+                        </a:rPr>
+                        <a:t>Semi-Supervised Training </a:t>
+                      </a:r>
+                      <a:br>
+                        <a:rPr lang="en-US" sz="1600" b="1" dirty="0">
+                          <a:solidFill>
+                            <a:schemeClr val="bg1"/>
+                          </a:solidFill>
+                          <a:latin typeface="Roboto Condensed" panose="02000000000000000000" pitchFamily="2" charset="0"/>
+                          <a:ea typeface="Roboto Condensed" panose="02000000000000000000" pitchFamily="2" charset="0"/>
+                        </a:rPr>
+                      </a:br>
+                      <a:r>
+                        <a:rPr lang="en-US" sz="1600" b="1" dirty="0">
+                          <a:solidFill>
+                            <a:schemeClr val="bg1"/>
+                          </a:solidFill>
+                          <a:latin typeface="Roboto Condensed" panose="02000000000000000000" pitchFamily="2" charset="0"/>
+                          <a:ea typeface="Roboto Condensed" panose="02000000000000000000" pitchFamily="2" charset="0"/>
+                        </a:rPr>
+                        <a:t>and Transfer Learning</a:t>
+                      </a:r>
+                    </a:p>
+                  </a:txBody>
+                  <a:tcPr anchor="ctr">
+                    <a:lnB w="12700" cap="flat" cmpd="sng" algn="ctr">
+                      <a:solidFill>
+                        <a:schemeClr val="tx1"/>
+                      </a:solidFill>
+                      <a:prstDash val="solid"/>
+                      <a:round/>
+                      <a:headEnd type="none" w="med" len="med"/>
+                      <a:tailEnd type="none" w="med" len="med"/>
+                    </a:lnB>
+                    <a:solidFill>
+                      <a:schemeClr val="accent1">
+                        <a:lumMod val="50000"/>
+                      </a:schemeClr>
+                    </a:solidFill>
                   </a:tcPr>
                 </a:tc>
                 <a:extLst>
@@ -3511,7 +3308,7 @@
                   </a:ext>
                 </a:extLst>
               </a:tr>
-              <a:tr h="2406408">
+              <a:tr h="1935753">
                 <a:tc>
                   <a:txBody>
                     <a:bodyPr/>
@@ -3544,6 +3341,12 @@
                       <a:headEnd type="none" w="med" len="med"/>
                       <a:tailEnd type="none" w="med" len="med"/>
                     </a:lnT>
+                    <a:solidFill>
+                      <a:schemeClr val="tx2">
+                        <a:lumMod val="20000"/>
+                        <a:lumOff val="80000"/>
+                      </a:schemeClr>
+                    </a:solidFill>
                   </a:tcPr>
                 </a:tc>
                 <a:tc>
@@ -3567,6 +3370,29 @@
                         <a:t>Code/annotate unlabeled texts based on keywords, expressions or concepts based on pre-defined word lists</a:t>
                       </a:r>
                     </a:p>
+                  </a:txBody>
+                  <a:tcPr>
+                    <a:lnT w="12700" cap="flat" cmpd="sng" algn="ctr">
+                      <a:solidFill>
+                        <a:schemeClr val="tx1"/>
+                      </a:solidFill>
+                      <a:prstDash val="solid"/>
+                      <a:round/>
+                      <a:headEnd type="none" w="med" len="med"/>
+                      <a:tailEnd type="none" w="med" len="med"/>
+                    </a:lnT>
+                    <a:solidFill>
+                      <a:schemeClr val="tx2">
+                        <a:lumMod val="20000"/>
+                        <a:lumOff val="80000"/>
+                      </a:schemeClr>
+                    </a:solidFill>
+                  </a:tcPr>
+                </a:tc>
+                <a:tc>
+                  <a:txBody>
+                    <a:bodyPr/>
+                    <a:lstStyle/>
                     <a:p>
                       <a:pPr marL="108000">
                         <a:spcBef>
@@ -3577,122 +3403,11 @@
                         </a:spcAft>
                       </a:pPr>
                       <a:r>
-                        <a:rPr lang="en-US" sz="1600" i="1" dirty="0">
-                          <a:solidFill>
-                            <a:schemeClr val="accent1">
-                              <a:lumMod val="75000"/>
-                            </a:schemeClr>
-                          </a:solidFill>
-                          <a:latin typeface="Roboto Condensed" panose="02000000000000000000" pitchFamily="2" charset="0"/>
-                          <a:ea typeface="Roboto Condensed" panose="02000000000000000000" pitchFamily="2" charset="0"/>
-                        </a:rPr>
-                        <a:t>"if word X occurs, the text means Y"</a:t>
-                      </a:r>
-                    </a:p>
-                  </a:txBody>
-                  <a:tcPr>
-                    <a:lnT w="12700" cap="flat" cmpd="sng" algn="ctr">
-                      <a:solidFill>
-                        <a:schemeClr val="tx1"/>
-                      </a:solidFill>
-                      <a:prstDash val="solid"/>
-                      <a:round/>
-                      <a:headEnd type="none" w="med" len="med"/>
-                      <a:tailEnd type="none" w="med" len="med"/>
-                    </a:lnT>
-                  </a:tcPr>
-                </a:tc>
-                <a:tc>
-                  <a:txBody>
-                    <a:bodyPr/>
-                    <a:lstStyle/>
-                    <a:p>
-                      <a:pPr marL="108000">
-                        <a:spcBef>
-                          <a:spcPts val="600"/>
-                        </a:spcBef>
-                        <a:spcAft>
-                          <a:spcPts val="600"/>
-                        </a:spcAft>
-                      </a:pPr>
-                      <a:r>
                         <a:rPr lang="en-US" sz="1600" dirty="0">
                           <a:latin typeface="Roboto Condensed" panose="02000000000000000000" pitchFamily="2" charset="0"/>
                           <a:ea typeface="Roboto Condensed" panose="02000000000000000000" pitchFamily="2" charset="0"/>
                         </a:rPr>
-                        <a:t>Training a model on already labeled texts to then annotate unlabeled text</a:t>
-                      </a:r>
-                      <a:br>
-                        <a:rPr lang="en-US" sz="1600" dirty="0">
-                          <a:latin typeface="Roboto Condensed" panose="02000000000000000000" pitchFamily="2" charset="0"/>
-                          <a:ea typeface="Roboto Condensed" panose="02000000000000000000" pitchFamily="2" charset="0"/>
-                        </a:rPr>
-                      </a:br>
-                      <a:br>
-                        <a:rPr lang="en-US" sz="1600" dirty="0">
-                          <a:latin typeface="Roboto Condensed" panose="02000000000000000000" pitchFamily="2" charset="0"/>
-                          <a:ea typeface="Roboto Condensed" panose="02000000000000000000" pitchFamily="2" charset="0"/>
-                        </a:rPr>
-                      </a:br>
-                      <a:endParaRPr lang="en-US" sz="1600" dirty="0">
-                        <a:latin typeface="Roboto Condensed" panose="02000000000000000000" pitchFamily="2" charset="0"/>
-                        <a:ea typeface="Roboto Condensed" panose="02000000000000000000" pitchFamily="2" charset="0"/>
-                      </a:endParaRPr>
-                    </a:p>
-                    <a:p>
-                      <a:pPr marL="108000">
-                        <a:spcBef>
-                          <a:spcPts val="600"/>
-                        </a:spcBef>
-                        <a:spcAft>
-                          <a:spcPts val="600"/>
-                        </a:spcAft>
-                      </a:pPr>
-                      <a:r>
-                        <a:rPr lang="en-US" sz="1600" i="1" dirty="0">
-                          <a:solidFill>
-                            <a:schemeClr val="accent1">
-                              <a:lumMod val="75000"/>
-                            </a:schemeClr>
-                          </a:solidFill>
-                          <a:latin typeface="Roboto Condensed" panose="02000000000000000000" pitchFamily="2" charset="0"/>
-                          <a:ea typeface="Roboto Condensed" panose="02000000000000000000" pitchFamily="2" charset="0"/>
-                        </a:rPr>
-                        <a:t>”text X is like other texts that were negative, so X is probably negative"</a:t>
-                      </a:r>
-                    </a:p>
-                  </a:txBody>
-                  <a:tcPr>
-                    <a:lnT w="12700" cap="flat" cmpd="sng" algn="ctr">
-                      <a:solidFill>
-                        <a:schemeClr val="tx1"/>
-                      </a:solidFill>
-                      <a:prstDash val="solid"/>
-                      <a:round/>
-                      <a:headEnd type="none" w="med" len="med"/>
-                      <a:tailEnd type="none" w="med" len="med"/>
-                    </a:lnT>
-                  </a:tcPr>
-                </a:tc>
-                <a:tc>
-                  <a:txBody>
-                    <a:bodyPr/>
-                    <a:lstStyle/>
-                    <a:p>
-                      <a:pPr marL="108000">
-                        <a:spcBef>
-                          <a:spcPts val="600"/>
-                        </a:spcBef>
-                        <a:spcAft>
-                          <a:spcPts val="600"/>
-                        </a:spcAft>
-                      </a:pPr>
-                      <a:r>
-                        <a:rPr lang="en-US" sz="1600" dirty="0">
-                          <a:latin typeface="Roboto Condensed" panose="02000000000000000000" pitchFamily="2" charset="0"/>
-                          <a:ea typeface="Roboto Condensed" panose="02000000000000000000" pitchFamily="2" charset="0"/>
-                        </a:rPr>
-                        <a:t>Finding clusters or patterns of words that co-occur</a:t>
+                        <a:t>Finding clusters or patterns of words that co-occur in unlabeled texts</a:t>
                       </a:r>
                     </a:p>
                     <a:p>
@@ -3710,24 +3425,15 @@
                           <a:ea typeface="Roboto Condensed" panose="02000000000000000000" pitchFamily="2" charset="0"/>
                         </a:rPr>
                       </a:br>
-                      <a:br>
-                        <a:rPr lang="en-US" sz="1600" dirty="0">
-                          <a:latin typeface="Roboto Condensed" panose="02000000000000000000" pitchFamily="2" charset="0"/>
-                          <a:ea typeface="Roboto Condensed" panose="02000000000000000000" pitchFamily="2" charset="0"/>
-                        </a:rPr>
-                      </a:br>
-                      <a:r>
-                        <a:rPr lang="en-US" sz="1600" i="1" dirty="0">
-                          <a:solidFill>
-                            <a:schemeClr val="accent1">
-                              <a:lumMod val="75000"/>
-                            </a:schemeClr>
-                          </a:solidFill>
-                          <a:latin typeface="Roboto Condensed" panose="02000000000000000000" pitchFamily="2" charset="0"/>
-                          <a:ea typeface="Roboto Condensed" panose="02000000000000000000" pitchFamily="2" charset="0"/>
-                        </a:rPr>
-                        <a:t>”these words form a pattern, which I think means X"</a:t>
-                      </a:r>
+                      <a:endParaRPr lang="en-US" sz="1600" i="1" dirty="0">
+                        <a:solidFill>
+                          <a:schemeClr val="accent1">
+                            <a:lumMod val="75000"/>
+                          </a:schemeClr>
+                        </a:solidFill>
+                        <a:latin typeface="Roboto Condensed" panose="02000000000000000000" pitchFamily="2" charset="0"/>
+                        <a:ea typeface="Roboto Condensed" panose="02000000000000000000" pitchFamily="2" charset="0"/>
+                      </a:endParaRPr>
                     </a:p>
                   </a:txBody>
                   <a:tcPr>
@@ -3740,6 +3446,154 @@
                       <a:headEnd type="none" w="med" len="med"/>
                       <a:tailEnd type="none" w="med" len="med"/>
                     </a:lnT>
+                    <a:solidFill>
+                      <a:schemeClr val="tx2">
+                        <a:lumMod val="20000"/>
+                        <a:lumOff val="80000"/>
+                      </a:schemeClr>
+                    </a:solidFill>
+                  </a:tcPr>
+                </a:tc>
+                <a:tc>
+                  <a:txBody>
+                    <a:bodyPr/>
+                    <a:lstStyle/>
+                    <a:p>
+                      <a:pPr marL="108000">
+                        <a:spcBef>
+                          <a:spcPts val="600"/>
+                        </a:spcBef>
+                        <a:spcAft>
+                          <a:spcPts val="600"/>
+                        </a:spcAft>
+                      </a:pPr>
+                      <a:r>
+                        <a:rPr lang="en-US" sz="1600" dirty="0">
+                          <a:latin typeface="Roboto Condensed" panose="02000000000000000000" pitchFamily="2" charset="0"/>
+                          <a:ea typeface="Roboto Condensed" panose="02000000000000000000" pitchFamily="2" charset="0"/>
+                        </a:rPr>
+                        <a:t>Training a model on already labeled texts (</a:t>
+                      </a:r>
+                      <a:r>
+                        <a:rPr lang="en-US" sz="1600" i="1" dirty="0">
+                          <a:latin typeface="Roboto Condensed" panose="02000000000000000000" pitchFamily="2" charset="0"/>
+                          <a:ea typeface="Roboto Condensed" panose="02000000000000000000" pitchFamily="2" charset="0"/>
+                        </a:rPr>
+                        <a:t>training data</a:t>
+                      </a:r>
+                      <a:r>
+                        <a:rPr lang="en-US" sz="1600" dirty="0">
+                          <a:latin typeface="Roboto Condensed" panose="02000000000000000000" pitchFamily="2" charset="0"/>
+                          <a:ea typeface="Roboto Condensed" panose="02000000000000000000" pitchFamily="2" charset="0"/>
+                        </a:rPr>
+                        <a:t>), validate it (on labeled </a:t>
+                      </a:r>
+                      <a:r>
+                        <a:rPr lang="en-US" sz="1600" i="1" dirty="0">
+                          <a:latin typeface="Roboto Condensed" panose="02000000000000000000" pitchFamily="2" charset="0"/>
+                          <a:ea typeface="Roboto Condensed" panose="02000000000000000000" pitchFamily="2" charset="0"/>
+                        </a:rPr>
+                        <a:t>test data</a:t>
+                      </a:r>
+                      <a:r>
+                        <a:rPr lang="en-US" sz="1600" dirty="0">
+                          <a:latin typeface="Roboto Condensed" panose="02000000000000000000" pitchFamily="2" charset="0"/>
+                          <a:ea typeface="Roboto Condensed" panose="02000000000000000000" pitchFamily="2" charset="0"/>
+                        </a:rPr>
+                        <a:t>) to then annotate unlabeled text (unlabeled </a:t>
+                      </a:r>
+                      <a:r>
+                        <a:rPr lang="en-US" sz="1600" i="1" dirty="0">
+                          <a:latin typeface="Roboto Condensed" panose="02000000000000000000" pitchFamily="2" charset="0"/>
+                          <a:ea typeface="Roboto Condensed" panose="02000000000000000000" pitchFamily="2" charset="0"/>
+                        </a:rPr>
+                        <a:t>new data</a:t>
+                      </a:r>
+                      <a:r>
+                        <a:rPr lang="en-US" sz="1600" dirty="0">
+                          <a:latin typeface="Roboto Condensed" panose="02000000000000000000" pitchFamily="2" charset="0"/>
+                          <a:ea typeface="Roboto Condensed" panose="02000000000000000000" pitchFamily="2" charset="0"/>
+                        </a:rPr>
+                        <a:t>)</a:t>
+                      </a:r>
+                    </a:p>
+                  </a:txBody>
+                  <a:tcPr>
+                    <a:lnT w="12700" cap="flat" cmpd="sng" algn="ctr">
+                      <a:solidFill>
+                        <a:schemeClr val="tx1"/>
+                      </a:solidFill>
+                      <a:prstDash val="solid"/>
+                      <a:round/>
+                      <a:headEnd type="none" w="med" len="med"/>
+                      <a:tailEnd type="none" w="med" len="med"/>
+                    </a:lnT>
+                    <a:solidFill>
+                      <a:schemeClr val="tx2">
+                        <a:lumMod val="20000"/>
+                        <a:lumOff val="80000"/>
+                      </a:schemeClr>
+                    </a:solidFill>
+                  </a:tcPr>
+                </a:tc>
+                <a:tc>
+                  <a:txBody>
+                    <a:bodyPr/>
+                    <a:lstStyle/>
+                    <a:p>
+                      <a:pPr marL="108000">
+                        <a:spcBef>
+                          <a:spcPts val="600"/>
+                        </a:spcBef>
+                        <a:spcAft>
+                          <a:spcPts val="600"/>
+                        </a:spcAft>
+                      </a:pPr>
+                      <a:r>
+                        <a:rPr lang="en-US" sz="1600" i="0" dirty="0">
+                          <a:solidFill>
+                            <a:schemeClr val="tx1"/>
+                          </a:solidFill>
+                          <a:latin typeface="Roboto Condensed" panose="02000000000000000000" pitchFamily="2" charset="0"/>
+                          <a:ea typeface="Roboto Condensed" panose="02000000000000000000" pitchFamily="2" charset="0"/>
+                        </a:rPr>
+                        <a:t>Training a model on a large corpus in a semi-supervised fashion (e.g., word prediction in random word masking tasks) to ”learn the language”. Resulting model then completes a completely new task (e.g., labeling a text) without further training</a:t>
+                      </a:r>
+                    </a:p>
+                    <a:p>
+                      <a:pPr marL="108000">
+                        <a:spcBef>
+                          <a:spcPts val="600"/>
+                        </a:spcBef>
+                        <a:spcAft>
+                          <a:spcPts val="600"/>
+                        </a:spcAft>
+                      </a:pPr>
+                      <a:endParaRPr lang="en-US" sz="1600" i="0" dirty="0">
+                        <a:solidFill>
+                          <a:schemeClr val="tx1"/>
+                        </a:solidFill>
+                        <a:latin typeface="Roboto Condensed" panose="02000000000000000000" pitchFamily="2" charset="0"/>
+                        <a:ea typeface="Roboto Condensed" panose="02000000000000000000" pitchFamily="2" charset="0"/>
+                      </a:endParaRPr>
+                    </a:p>
+                  </a:txBody>
+                  <a:tcPr>
+                    <a:lnT w="12700" cap="flat" cmpd="sng" algn="ctr">
+                      <a:solidFill>
+                        <a:schemeClr val="tx1"/>
+                      </a:solidFill>
+                      <a:prstDash val="solid"/>
+                      <a:round/>
+                      <a:headEnd type="none" w="med" len="med"/>
+                      <a:tailEnd type="none" w="med" len="med"/>
+                    </a:lnT>
+                    <a:solidFill>
+                      <a:schemeClr val="tx2">
+                        <a:lumMod val="20000"/>
+                        <a:lumOff val="80000"/>
+                      </a:schemeClr>
+                    </a:solidFill>
                   </a:tcPr>
                 </a:tc>
                 <a:extLst>
@@ -3748,7 +3602,7 @@
                   </a:ext>
                 </a:extLst>
               </a:tr>
-              <a:tr h="896509">
+              <a:tr h="1777909">
                 <a:tc>
                   <a:txBody>
                     <a:bodyPr/>
@@ -3767,11 +3621,17 @@
                           <a:latin typeface="Roboto Condensed" panose="02000000000000000000" pitchFamily="2" charset="0"/>
                           <a:ea typeface="Roboto Condensed" panose="02000000000000000000" pitchFamily="2" charset="0"/>
                         </a:rPr>
-                        <a:t>Meaning assignment</a:t>
-                      </a:r>
-                    </a:p>
-                  </a:txBody>
-                  <a:tcPr/>
+                        <a:t>Logic</a:t>
+                      </a:r>
+                    </a:p>
+                  </a:txBody>
+                  <a:tcPr>
+                    <a:solidFill>
+                      <a:schemeClr val="bg1">
+                        <a:lumMod val="95000"/>
+                      </a:schemeClr>
+                    </a:solidFill>
+                  </a:tcPr>
                 </a:tc>
                 <a:tc>
                   <a:txBody>
@@ -3787,15 +3647,26 @@
                         </a:spcAft>
                       </a:pPr>
                       <a:r>
-                        <a:rPr lang="en-US" sz="1600" dirty="0">
-                          <a:latin typeface="Roboto Condensed" panose="02000000000000000000" pitchFamily="2" charset="0"/>
-                          <a:ea typeface="Roboto Condensed" panose="02000000000000000000" pitchFamily="2" charset="0"/>
-                        </a:rPr>
-                        <a:t>Meaning is assigned by researcher a priori</a:t>
-                      </a:r>
-                    </a:p>
-                  </a:txBody>
-                  <a:tcPr/>
+                        <a:rPr lang="en-US" sz="1600" i="1" dirty="0">
+                          <a:solidFill>
+                            <a:schemeClr val="accent1">
+                              <a:lumMod val="75000"/>
+                            </a:schemeClr>
+                          </a:solidFill>
+                          <a:latin typeface="Roboto Condensed" panose="02000000000000000000" pitchFamily="2" charset="0"/>
+                          <a:ea typeface="Roboto Condensed" panose="02000000000000000000" pitchFamily="2" charset="0"/>
+                        </a:rPr>
+                        <a:t>"if word X occurs, the text means Y"</a:t>
+                      </a:r>
+                    </a:p>
+                  </a:txBody>
+                  <a:tcPr>
+                    <a:solidFill>
+                      <a:schemeClr val="bg1">
+                        <a:lumMod val="95000"/>
+                      </a:schemeClr>
+                    </a:solidFill>
+                  </a:tcPr>
                 </a:tc>
                 <a:tc>
                   <a:txBody>
@@ -3811,15 +3682,26 @@
                         </a:spcAft>
                       </a:pPr>
                       <a:r>
-                        <a:rPr lang="en-US" sz="1600" dirty="0">
-                          <a:latin typeface="Roboto Condensed" panose="02000000000000000000" pitchFamily="2" charset="0"/>
-                          <a:ea typeface="Roboto Condensed" panose="02000000000000000000" pitchFamily="2" charset="0"/>
-                        </a:rPr>
-                        <a:t>Meaning is generalized from human coding of training material</a:t>
-                      </a:r>
-                    </a:p>
-                  </a:txBody>
-                  <a:tcPr/>
+                        <a:rPr lang="en-US" sz="1600" i="1" dirty="0">
+                          <a:solidFill>
+                            <a:schemeClr val="accent1">
+                              <a:lumMod val="75000"/>
+                            </a:schemeClr>
+                          </a:solidFill>
+                          <a:latin typeface="Roboto Condensed" panose="02000000000000000000" pitchFamily="2" charset="0"/>
+                          <a:ea typeface="Roboto Condensed" panose="02000000000000000000" pitchFamily="2" charset="0"/>
+                        </a:rPr>
+                        <a:t>”these words form a pattern, which I think means X"</a:t>
+                      </a:r>
+                    </a:p>
+                  </a:txBody>
+                  <a:tcPr>
+                    <a:solidFill>
+                      <a:schemeClr val="bg1">
+                        <a:lumMod val="95000"/>
+                      </a:schemeClr>
+                    </a:solidFill>
+                  </a:tcPr>
                 </a:tc>
                 <a:tc>
                   <a:txBody>
@@ -3835,23 +3717,69 @@
                         </a:spcAft>
                       </a:pPr>
                       <a:r>
-                        <a:rPr lang="en-US" sz="1600" dirty="0">
-                          <a:latin typeface="Roboto Condensed" panose="02000000000000000000" pitchFamily="2" charset="0"/>
-                          <a:ea typeface="Roboto Condensed" panose="02000000000000000000" pitchFamily="2" charset="0"/>
-                        </a:rPr>
-                        <a:t>Meaning is assigned afterwards by the researcher interpreting the outcome</a:t>
-                      </a:r>
-                    </a:p>
-                  </a:txBody>
-                  <a:tcPr/>
+                        <a:rPr lang="en-US" sz="1600" i="1" dirty="0">
+                          <a:solidFill>
+                            <a:schemeClr val="accent1">
+                              <a:lumMod val="75000"/>
+                            </a:schemeClr>
+                          </a:solidFill>
+                          <a:latin typeface="Roboto Condensed" panose="02000000000000000000" pitchFamily="2" charset="0"/>
+                          <a:ea typeface="Roboto Condensed" panose="02000000000000000000" pitchFamily="2" charset="0"/>
+                        </a:rPr>
+                        <a:t>”text X is like other texts in the training data that were labeled negative, so X is probably also negative"</a:t>
+                      </a:r>
+                    </a:p>
+                  </a:txBody>
+                  <a:tcPr>
+                    <a:solidFill>
+                      <a:schemeClr val="bg1">
+                        <a:lumMod val="95000"/>
+                      </a:schemeClr>
+                    </a:solidFill>
+                  </a:tcPr>
+                </a:tc>
+                <a:tc>
+                  <a:txBody>
+                    <a:bodyPr/>
+                    <a:lstStyle/>
+                    <a:p>
+                      <a:pPr marL="108000">
+                        <a:spcBef>
+                          <a:spcPts val="600"/>
+                        </a:spcBef>
+                        <a:spcAft>
+                          <a:spcPts val="600"/>
+                        </a:spcAft>
+                      </a:pPr>
+                      <a:r>
+                        <a:rPr lang="en-US" sz="1600" i="1" dirty="0">
+                          <a:solidFill>
+                            <a:schemeClr val="accent1">
+                              <a:lumMod val="75000"/>
+                            </a:schemeClr>
+                          </a:solidFill>
+                          <a:latin typeface="Roboto Condensed" panose="02000000000000000000" pitchFamily="2" charset="0"/>
+                          <a:ea typeface="Roboto Condensed" panose="02000000000000000000" pitchFamily="2" charset="0"/>
+                        </a:rPr>
+                        <a:t>"Based on the relationships between words, phrases, and contexts learned from vast amounts of text data, the model understands that text X shares similarities with texts that tend to be labeled as negative, so X is likely negative."</a:t>
+                      </a:r>
+                    </a:p>
+                  </a:txBody>
+                  <a:tcPr>
+                    <a:solidFill>
+                      <a:schemeClr val="bg1">
+                        <a:lumMod val="95000"/>
+                      </a:schemeClr>
+                    </a:solidFill>
+                  </a:tcPr>
                 </a:tc>
                 <a:extLst>
                   <a:ext uri="{0D108BD9-81ED-4DB2-BD59-A6C34878D82A}">
-                    <a16:rowId xmlns:a16="http://schemas.microsoft.com/office/drawing/2014/main" val="3365060947"/>
+                    <a16:rowId xmlns:a16="http://schemas.microsoft.com/office/drawing/2014/main" val="4196793431"/>
                   </a:ext>
                 </a:extLst>
               </a:tr>
-              <a:tr h="2028934">
+              <a:tr h="1122890">
                 <a:tc>
                   <a:txBody>
                     <a:bodyPr/>
@@ -3870,11 +3798,202 @@
                           <a:latin typeface="Roboto Condensed" panose="02000000000000000000" pitchFamily="2" charset="0"/>
                           <a:ea typeface="Roboto Condensed" panose="02000000000000000000" pitchFamily="2" charset="0"/>
                         </a:rPr>
+                        <a:t>Meaning assignment</a:t>
+                      </a:r>
+                    </a:p>
+                  </a:txBody>
+                  <a:tcPr>
+                    <a:solidFill>
+                      <a:schemeClr val="tx2">
+                        <a:lumMod val="20000"/>
+                        <a:lumOff val="80000"/>
+                      </a:schemeClr>
+                    </a:solidFill>
+                  </a:tcPr>
+                </a:tc>
+                <a:tc>
+                  <a:txBody>
+                    <a:bodyPr/>
+                    <a:lstStyle/>
+                    <a:p>
+                      <a:pPr marL="108000">
+                        <a:spcBef>
+                          <a:spcPts val="600"/>
+                        </a:spcBef>
+                        <a:spcAft>
+                          <a:spcPts val="600"/>
+                        </a:spcAft>
+                      </a:pPr>
+                      <a:r>
+                        <a:rPr lang="en-US" sz="1600" dirty="0">
+                          <a:latin typeface="Roboto Condensed" panose="02000000000000000000" pitchFamily="2" charset="0"/>
+                          <a:ea typeface="Roboto Condensed" panose="02000000000000000000" pitchFamily="2" charset="0"/>
+                        </a:rPr>
+                        <a:t>Meaning of text-word associations is assigned by researcher a priori</a:t>
+                      </a:r>
+                    </a:p>
+                  </a:txBody>
+                  <a:tcPr>
+                    <a:solidFill>
+                      <a:schemeClr val="tx2">
+                        <a:lumMod val="20000"/>
+                        <a:lumOff val="80000"/>
+                      </a:schemeClr>
+                    </a:solidFill>
+                  </a:tcPr>
+                </a:tc>
+                <a:tc>
+                  <a:txBody>
+                    <a:bodyPr/>
+                    <a:lstStyle/>
+                    <a:p>
+                      <a:pPr marL="108000">
+                        <a:spcBef>
+                          <a:spcPts val="600"/>
+                        </a:spcBef>
+                        <a:spcAft>
+                          <a:spcPts val="600"/>
+                        </a:spcAft>
+                      </a:pPr>
+                      <a:r>
+                        <a:rPr lang="en-US" sz="1600" dirty="0">
+                          <a:latin typeface="Roboto Condensed" panose="02000000000000000000" pitchFamily="2" charset="0"/>
+                          <a:ea typeface="Roboto Condensed" panose="02000000000000000000" pitchFamily="2" charset="0"/>
+                        </a:rPr>
+                        <a:t>Meaning is assigned a posteriori by the researcher by interpreting the resulting clusters of words</a:t>
+                      </a:r>
+                    </a:p>
+                  </a:txBody>
+                  <a:tcPr>
+                    <a:solidFill>
+                      <a:schemeClr val="tx2">
+                        <a:lumMod val="20000"/>
+                        <a:lumOff val="80000"/>
+                      </a:schemeClr>
+                    </a:solidFill>
+                  </a:tcPr>
+                </a:tc>
+                <a:tc>
+                  <a:txBody>
+                    <a:bodyPr/>
+                    <a:lstStyle/>
+                    <a:p>
+                      <a:pPr marL="108000">
+                        <a:spcBef>
+                          <a:spcPts val="600"/>
+                        </a:spcBef>
+                        <a:spcAft>
+                          <a:spcPts val="600"/>
+                        </a:spcAft>
+                      </a:pPr>
+                      <a:r>
+                        <a:rPr lang="en-US" sz="1600" dirty="0">
+                          <a:latin typeface="Roboto Condensed" panose="02000000000000000000" pitchFamily="2" charset="0"/>
+                          <a:ea typeface="Roboto Condensed" panose="02000000000000000000" pitchFamily="2" charset="0"/>
+                        </a:rPr>
+                        <a:t>Meaning of text-word-associations is generalized from human coding of the training material</a:t>
+                      </a:r>
+                    </a:p>
+                    <a:p>
+                      <a:pPr marL="108000">
+                        <a:spcBef>
+                          <a:spcPts val="600"/>
+                        </a:spcBef>
+                        <a:spcAft>
+                          <a:spcPts val="600"/>
+                        </a:spcAft>
+                      </a:pPr>
+                      <a:endParaRPr lang="en-US" sz="1600" dirty="0">
+                        <a:latin typeface="Roboto Condensed" panose="02000000000000000000" pitchFamily="2" charset="0"/>
+                        <a:ea typeface="Roboto Condensed" panose="02000000000000000000" pitchFamily="2" charset="0"/>
+                      </a:endParaRPr>
+                    </a:p>
+                  </a:txBody>
+                  <a:tcPr>
+                    <a:solidFill>
+                      <a:schemeClr val="tx2">
+                        <a:lumMod val="20000"/>
+                        <a:lumOff val="80000"/>
+                      </a:schemeClr>
+                    </a:solidFill>
+                  </a:tcPr>
+                </a:tc>
+                <a:tc>
+                  <a:txBody>
+                    <a:bodyPr/>
+                    <a:lstStyle/>
+                    <a:p>
+                      <a:pPr marL="108000">
+                        <a:spcBef>
+                          <a:spcPts val="600"/>
+                        </a:spcBef>
+                        <a:spcAft>
+                          <a:spcPts val="600"/>
+                        </a:spcAft>
+                      </a:pPr>
+                      <a:r>
+                        <a:rPr lang="en-US" sz="1600" dirty="0">
+                          <a:latin typeface="Roboto Condensed" panose="02000000000000000000" pitchFamily="2" charset="0"/>
+                          <a:ea typeface="Roboto Condensed" panose="02000000000000000000" pitchFamily="2" charset="0"/>
+                        </a:rPr>
+                        <a:t>Meaning is automatically provided by the model</a:t>
+                      </a:r>
+                    </a:p>
+                  </a:txBody>
+                  <a:tcPr>
+                    <a:solidFill>
+                      <a:schemeClr val="tx2">
+                        <a:lumMod val="20000"/>
+                        <a:lumOff val="80000"/>
+                      </a:schemeClr>
+                    </a:solidFill>
+                  </a:tcPr>
+                </a:tc>
+                <a:extLst>
+                  <a:ext uri="{0D108BD9-81ED-4DB2-BD59-A6C34878D82A}">
+                    <a16:rowId xmlns:a16="http://schemas.microsoft.com/office/drawing/2014/main" val="3365060947"/>
+                  </a:ext>
+                </a:extLst>
+              </a:tr>
+              <a:tr h="1031258">
+                <a:tc>
+                  <a:txBody>
+                    <a:bodyPr/>
+                    <a:lstStyle/>
+                    <a:p>
+                      <a:pPr>
+                        <a:spcBef>
+                          <a:spcPts val="600"/>
+                        </a:spcBef>
+                        <a:spcAft>
+                          <a:spcPts val="600"/>
+                        </a:spcAft>
+                      </a:pPr>
+                      <a:r>
+                        <a:rPr lang="en-US" sz="1600" dirty="0">
+                          <a:latin typeface="Roboto Condensed" panose="02000000000000000000" pitchFamily="2" charset="0"/>
+                          <a:ea typeface="Roboto Condensed" panose="02000000000000000000" pitchFamily="2" charset="0"/>
+                        </a:rPr>
                         <a:t>Examples</a:t>
                       </a:r>
                     </a:p>
                   </a:txBody>
-                  <a:tcPr/>
+                  <a:tcPr>
+                    <a:lnB w="12700" cap="flat" cmpd="sng" algn="ctr">
+                      <a:solidFill>
+                        <a:schemeClr val="tx1"/>
+                      </a:solidFill>
+                      <a:prstDash val="solid"/>
+                      <a:round/>
+                      <a:headEnd type="none" w="med" len="med"/>
+                      <a:tailEnd type="none" w="med" len="med"/>
+                    </a:lnB>
+                    <a:solidFill>
+                      <a:schemeClr val="bg1">
+                        <a:lumMod val="95000"/>
+                      </a:schemeClr>
+                    </a:solidFill>
+                  </a:tcPr>
                 </a:tc>
                 <a:tc>
                   <a:txBody>
@@ -3896,11 +4015,33 @@
                           <a:latin typeface="Roboto Condensed" panose="02000000000000000000" pitchFamily="2" charset="0"/>
                           <a:ea typeface="Roboto Condensed" panose="02000000000000000000" pitchFamily="2" charset="0"/>
                         </a:rPr>
-                        <a:t>Keyword-in-context searches</a:t>
-                      </a:r>
-                    </a:p>
-                    <a:p>
-                      <a:pPr marL="108000" indent="-285750">
+                        <a:t>Dictionary approaches</a:t>
+                      </a:r>
+                    </a:p>
+                  </a:txBody>
+                  <a:tcPr>
+                    <a:lnB w="12700" cap="flat" cmpd="sng" algn="ctr">
+                      <a:solidFill>
+                        <a:schemeClr val="tx1"/>
+                      </a:solidFill>
+                      <a:prstDash val="solid"/>
+                      <a:round/>
+                      <a:headEnd type="none" w="med" len="med"/>
+                      <a:tailEnd type="none" w="med" len="med"/>
+                    </a:lnB>
+                    <a:solidFill>
+                      <a:schemeClr val="bg1">
+                        <a:lumMod val="95000"/>
+                      </a:schemeClr>
+                    </a:solidFill>
+                  </a:tcPr>
+                </a:tc>
+                <a:tc>
+                  <a:txBody>
+                    <a:bodyPr/>
+                    <a:lstStyle/>
+                    <a:p>
+                      <a:pPr marL="280988" indent="-280988">
                         <a:spcBef>
                           <a:spcPts val="600"/>
                         </a:spcBef>
@@ -3909,36 +4050,33 @@
                         </a:spcAft>
                         <a:buFont typeface="Arial" panose="020B0604020202020204" pitchFamily="34" charset="0"/>
                         <a:buChar char="•"/>
+                        <a:tabLst/>
                       </a:pPr>
                       <a:r>
                         <a:rPr lang="en-US" sz="1600" dirty="0">
                           <a:latin typeface="Roboto Condensed" panose="02000000000000000000" pitchFamily="2" charset="0"/>
                           <a:ea typeface="Roboto Condensed" panose="02000000000000000000" pitchFamily="2" charset="0"/>
                         </a:rPr>
-                        <a:t>Co-occurrence analysis</a:t>
-                      </a:r>
-                    </a:p>
-                    <a:p>
-                      <a:pPr marL="108000" indent="-285750">
-                        <a:spcBef>
-                          <a:spcPts val="600"/>
-                        </a:spcBef>
-                        <a:spcAft>
-                          <a:spcPts val="600"/>
-                        </a:spcAft>
-                        <a:buFont typeface="Arial" panose="020B0604020202020204" pitchFamily="34" charset="0"/>
-                        <a:buChar char="•"/>
-                      </a:pPr>
-                      <a:r>
-                        <a:rPr lang="en-US" sz="1600" dirty="0">
-                          <a:latin typeface="Roboto Condensed" panose="02000000000000000000" pitchFamily="2" charset="0"/>
-                          <a:ea typeface="Roboto Condensed" panose="02000000000000000000" pitchFamily="2" charset="0"/>
-                        </a:rPr>
-                        <a:t>Dictionary approaches</a:t>
-                      </a:r>
-                    </a:p>
-                  </a:txBody>
-                  <a:tcPr/>
+                        <a:t>Unsupervised topic modeling</a:t>
+                      </a:r>
+                    </a:p>
+                  </a:txBody>
+                  <a:tcPr>
+                    <a:lnB w="12700" cap="flat" cmpd="sng" algn="ctr">
+                      <a:solidFill>
+                        <a:schemeClr val="tx1"/>
+                      </a:solidFill>
+                      <a:prstDash val="solid"/>
+                      <a:round/>
+                      <a:headEnd type="none" w="med" len="med"/>
+                      <a:tailEnd type="none" w="med" len="med"/>
+                    </a:lnB>
+                    <a:solidFill>
+                      <a:schemeClr val="bg1">
+                        <a:lumMod val="95000"/>
+                      </a:schemeClr>
+                    </a:solidFill>
+                  </a:tcPr>
                 </a:tc>
                 <a:tc>
                   <a:txBody>
@@ -3964,8 +4102,30 @@
                         <a:t>Training a text classifier using algorithms such as Naïve Bayes, SVM, neural networks</a:t>
                       </a:r>
                     </a:p>
-                    <a:p>
-                      <a:pPr marL="292100" indent="-292100">
+                  </a:txBody>
+                  <a:tcPr>
+                    <a:lnB w="12700" cap="flat" cmpd="sng" algn="ctr">
+                      <a:solidFill>
+                        <a:schemeClr val="tx1"/>
+                      </a:solidFill>
+                      <a:prstDash val="solid"/>
+                      <a:round/>
+                      <a:headEnd type="none" w="med" len="med"/>
+                      <a:tailEnd type="none" w="med" len="med"/>
+                    </a:lnB>
+                    <a:solidFill>
+                      <a:schemeClr val="bg1">
+                        <a:lumMod val="95000"/>
+                      </a:schemeClr>
+                    </a:solidFill>
+                  </a:tcPr>
+                </a:tc>
+                <a:tc>
+                  <a:txBody>
+                    <a:bodyPr/>
+                    <a:lstStyle/>
+                    <a:p>
+                      <a:pPr marL="280988" indent="-280988">
                         <a:spcBef>
                           <a:spcPts val="600"/>
                         </a:spcBef>
@@ -3981,37 +4141,26 @@
                           <a:latin typeface="Roboto Condensed" panose="02000000000000000000" pitchFamily="2" charset="0"/>
                           <a:ea typeface="Roboto Condensed" panose="02000000000000000000" pitchFamily="2" charset="0"/>
                         </a:rPr>
-                        <a:t>Text classification using pre-trained large language models</a:t>
-                      </a:r>
-                    </a:p>
-                  </a:txBody>
-                  <a:tcPr/>
-                </a:tc>
-                <a:tc>
-                  <a:txBody>
-                    <a:bodyPr/>
-                    <a:lstStyle/>
-                    <a:p>
-                      <a:pPr marL="108000" indent="-285750">
-                        <a:spcBef>
-                          <a:spcPts val="600"/>
-                        </a:spcBef>
-                        <a:spcAft>
-                          <a:spcPts val="600"/>
-                        </a:spcAft>
-                        <a:buFont typeface="Arial" panose="020B0604020202020204" pitchFamily="34" charset="0"/>
-                        <a:buChar char="•"/>
-                      </a:pPr>
-                      <a:r>
-                        <a:rPr lang="en-US" sz="1600" dirty="0">
-                          <a:latin typeface="Roboto Condensed" panose="02000000000000000000" pitchFamily="2" charset="0"/>
-                          <a:ea typeface="Roboto Condensed" panose="02000000000000000000" pitchFamily="2" charset="0"/>
-                        </a:rPr>
-                        <a:t>Unsupervised topic modeling</a:t>
-                      </a:r>
-                    </a:p>
-                  </a:txBody>
-                  <a:tcPr/>
+                        <a:t>Text classification using pre-trained large language models (e.g., GPT, Llama, Claude…)</a:t>
+                      </a:r>
+                    </a:p>
+                  </a:txBody>
+                  <a:tcPr>
+                    <a:lnB w="12700" cap="flat" cmpd="sng" algn="ctr">
+                      <a:solidFill>
+                        <a:schemeClr val="tx1"/>
+                      </a:solidFill>
+                      <a:prstDash val="solid"/>
+                      <a:round/>
+                      <a:headEnd type="none" w="med" len="med"/>
+                      <a:tailEnd type="none" w="med" len="med"/>
+                    </a:lnB>
+                    <a:solidFill>
+                      <a:schemeClr val="bg1">
+                        <a:lumMod val="95000"/>
+                      </a:schemeClr>
+                    </a:solidFill>
+                  </a:tcPr>
                 </a:tc>
                 <a:extLst>
                   <a:ext uri="{0D108BD9-81ED-4DB2-BD59-A6C34878D82A}">
@@ -4019,19 +4168,29 @@
                   </a:ext>
                 </a:extLst>
               </a:tr>
-              <a:tr h="574074">
-                <a:tc>
-                  <a:txBody>
-                    <a:bodyPr/>
-                    <a:lstStyle/>
-                    <a:p>
-                      <a:endParaRPr lang="en-US" sz="1600">
+              <a:tr h="528725">
+                <a:tc>
+                  <a:txBody>
+                    <a:bodyPr/>
+                    <a:lstStyle/>
+                    <a:p>
+                      <a:endParaRPr lang="en-US" sz="1600" dirty="0">
                         <a:latin typeface="Roboto Condensed" panose="02000000000000000000" pitchFamily="2" charset="0"/>
                         <a:ea typeface="Roboto Condensed" panose="02000000000000000000" pitchFamily="2" charset="0"/>
                       </a:endParaRPr>
                     </a:p>
                   </a:txBody>
-                  <a:tcPr/>
+                  <a:tcPr>
+                    <a:lnT w="12700" cap="flat" cmpd="sng" algn="ctr">
+                      <a:solidFill>
+                        <a:schemeClr val="tx1"/>
+                      </a:solidFill>
+                      <a:prstDash val="solid"/>
+                      <a:round/>
+                      <a:headEnd type="none" w="med" len="med"/>
+                      <a:tailEnd type="none" w="med" len="med"/>
+                    </a:lnT>
+                  </a:tcPr>
                 </a:tc>
                 <a:tc>
                   <a:txBody>
@@ -4045,7 +4204,41 @@
                       </a:endParaRPr>
                     </a:p>
                   </a:txBody>
-                  <a:tcPr/>
+                  <a:tcPr>
+                    <a:lnT w="12700" cap="flat" cmpd="sng" algn="ctr">
+                      <a:solidFill>
+                        <a:schemeClr val="tx1"/>
+                      </a:solidFill>
+                      <a:prstDash val="solid"/>
+                      <a:round/>
+                      <a:headEnd type="none" w="med" len="med"/>
+                      <a:tailEnd type="none" w="med" len="med"/>
+                    </a:lnT>
+                  </a:tcPr>
+                </a:tc>
+                <a:tc>
+                  <a:txBody>
+                    <a:bodyPr/>
+                    <a:lstStyle/>
+                    <a:p>
+                      <a:pPr marL="108000"/>
+                      <a:endParaRPr lang="en-US" sz="1600" dirty="0">
+                        <a:latin typeface="Roboto Condensed" panose="02000000000000000000" pitchFamily="2" charset="0"/>
+                        <a:ea typeface="Roboto Condensed" panose="02000000000000000000" pitchFamily="2" charset="0"/>
+                      </a:endParaRPr>
+                    </a:p>
+                  </a:txBody>
+                  <a:tcPr>
+                    <a:lnT w="12700" cap="flat" cmpd="sng" algn="ctr">
+                      <a:solidFill>
+                        <a:schemeClr val="tx1"/>
+                      </a:solidFill>
+                      <a:prstDash val="solid"/>
+                      <a:round/>
+                      <a:headEnd type="none" w="med" len="med"/>
+                      <a:tailEnd type="none" w="med" len="med"/>
+                    </a:lnT>
+                  </a:tcPr>
                 </a:tc>
                 <a:tc>
                   <a:txBody>
@@ -4059,7 +4252,17 @@
                       </a:endParaRPr>
                     </a:p>
                   </a:txBody>
-                  <a:tcPr/>
+                  <a:tcPr>
+                    <a:lnT w="12700" cap="flat" cmpd="sng" algn="ctr">
+                      <a:solidFill>
+                        <a:schemeClr val="tx1"/>
+                      </a:solidFill>
+                      <a:prstDash val="solid"/>
+                      <a:round/>
+                      <a:headEnd type="none" w="med" len="med"/>
+                      <a:tailEnd type="none" w="med" len="med"/>
+                    </a:lnT>
+                  </a:tcPr>
                 </a:tc>
                 <a:tc>
                   <a:txBody>
@@ -4073,7 +4276,17 @@
                       </a:endParaRPr>
                     </a:p>
                   </a:txBody>
-                  <a:tcPr/>
+                  <a:tcPr>
+                    <a:lnT w="12700" cap="flat" cmpd="sng" algn="ctr">
+                      <a:solidFill>
+                        <a:schemeClr val="tx1"/>
+                      </a:solidFill>
+                      <a:prstDash val="solid"/>
+                      <a:round/>
+                      <a:headEnd type="none" w="med" len="med"/>
+                      <a:tailEnd type="none" w="med" len="med"/>
+                    </a:lnT>
+                  </a:tcPr>
                 </a:tc>
                 <a:extLst>
                   <a:ext uri="{0D108BD9-81ED-4DB2-BD59-A6C34878D82A}">
@@ -4130,56 +4343,56 @@
           <p:nvPr>
             <p:extLst>
               <p:ext uri="{D42A27DB-BD31-4B8C-83A1-F6EECF244321}">
-                <p14:modId xmlns:p14="http://schemas.microsoft.com/office/powerpoint/2010/main" val="1096860432"/>
+                <p14:modId xmlns:p14="http://schemas.microsoft.com/office/powerpoint/2010/main" val="286675182"/>
               </p:ext>
             </p:extLst>
           </p:nvPr>
         </p:nvGraphicFramePr>
         <p:xfrm>
-          <a:off x="565355" y="201326"/>
-          <a:ext cx="11061290" cy="6262984"/>
+          <a:off x="651752" y="640408"/>
+          <a:ext cx="14319115" cy="7863184"/>
         </p:xfrm>
         <a:graphic>
           <a:graphicData uri="http://schemas.openxmlformats.org/drawingml/2006/table">
             <a:tbl>
               <a:tblPr/>
               <a:tblGrid>
-                <a:gridCol w="1231077">
+                <a:gridCol w="1593660">
                   <a:extLst>
                     <a:ext uri="{9D8B030D-6E8A-4147-A177-3AD203B41FA5}">
                       <a16:colId xmlns:a16="http://schemas.microsoft.com/office/drawing/2014/main" val="1060388409"/>
                     </a:ext>
                   </a:extLst>
                 </a:gridCol>
-                <a:gridCol w="881966">
+                <a:gridCol w="1141727">
                   <a:extLst>
                     <a:ext uri="{9D8B030D-6E8A-4147-A177-3AD203B41FA5}">
                       <a16:colId xmlns:a16="http://schemas.microsoft.com/office/drawing/2014/main" val="1119890755"/>
                     </a:ext>
                   </a:extLst>
                 </a:gridCol>
-                <a:gridCol w="1322941">
+                <a:gridCol w="1712580">
                   <a:extLst>
                     <a:ext uri="{9D8B030D-6E8A-4147-A177-3AD203B41FA5}">
                       <a16:colId xmlns:a16="http://schemas.microsoft.com/office/drawing/2014/main" val="929258891"/>
                     </a:ext>
                   </a:extLst>
                 </a:gridCol>
-                <a:gridCol w="3233861">
+                <a:gridCol w="4186314">
                   <a:extLst>
                     <a:ext uri="{9D8B030D-6E8A-4147-A177-3AD203B41FA5}">
                       <a16:colId xmlns:a16="http://schemas.microsoft.com/office/drawing/2014/main" val="3789882938"/>
                     </a:ext>
                   </a:extLst>
                 </a:gridCol>
-                <a:gridCol w="2341419">
+                <a:gridCol w="3031025">
                   <a:extLst>
                     <a:ext uri="{9D8B030D-6E8A-4147-A177-3AD203B41FA5}">
                       <a16:colId xmlns:a16="http://schemas.microsoft.com/office/drawing/2014/main" val="602266885"/>
                     </a:ext>
                   </a:extLst>
                 </a:gridCol>
-                <a:gridCol w="2050026">
+                <a:gridCol w="2653809">
                   <a:extLst>
                     <a:ext uri="{9D8B030D-6E8A-4147-A177-3AD203B41FA5}">
                       <a16:colId xmlns:a16="http://schemas.microsoft.com/office/drawing/2014/main" val="3649729922"/>
@@ -4187,7 +4400,7 @@
                   </a:extLst>
                 </a:gridCol>
               </a:tblGrid>
-              <a:tr h="107135">
+              <a:tr h="367625">
                 <a:tc>
                   <a:txBody>
                     <a:bodyPr/>
@@ -4202,7 +4415,7 @@
                         </a:spcAft>
                       </a:pPr>
                       <a:r>
-                        <a:rPr lang="en-US" sz="1100" b="1" i="0" u="none" strike="noStrike" dirty="0">
+                        <a:rPr lang="en-US" sz="1400" b="1" i="0" u="none" strike="noStrike" dirty="0">
                           <a:solidFill>
                             <a:srgbClr val="000000"/>
                           </a:solidFill>
@@ -4212,7 +4425,7 @@
                         </a:rPr>
                         <a:t>Date</a:t>
                       </a:r>
-                      <a:endParaRPr lang="en-US" sz="1100" dirty="0">
+                      <a:endParaRPr lang="en-US" sz="1400" dirty="0">
                         <a:effectLst/>
                         <a:latin typeface="Roboto Condensed" panose="02000000000000000000" pitchFamily="2" charset="0"/>
                         <a:ea typeface="Roboto Condensed" panose="02000000000000000000" pitchFamily="2" charset="0"/>
@@ -4274,7 +4487,7 @@
                         </a:spcAft>
                       </a:pPr>
                       <a:r>
-                        <a:rPr lang="en-US" sz="1100" b="1" i="0" u="none" strike="noStrike" dirty="0">
+                        <a:rPr lang="en-US" sz="1400" b="1" i="0" u="none" strike="noStrike" dirty="0">
                           <a:solidFill>
                             <a:srgbClr val="000000"/>
                           </a:solidFill>
@@ -4284,7 +4497,7 @@
                         </a:rPr>
                         <a:t>Week</a:t>
                       </a:r>
-                      <a:endParaRPr lang="en-US" sz="1100" dirty="0">
+                      <a:endParaRPr lang="en-US" sz="1400" dirty="0">
                         <a:effectLst/>
                         <a:latin typeface="Roboto Condensed" panose="02000000000000000000" pitchFamily="2" charset="0"/>
                         <a:ea typeface="Roboto Condensed" panose="02000000000000000000" pitchFamily="2" charset="0"/>
@@ -4346,7 +4559,7 @@
                         </a:spcAft>
                       </a:pPr>
                       <a:r>
-                        <a:rPr lang="en-US" sz="1100" b="1" i="0" u="none" strike="noStrike" dirty="0">
+                        <a:rPr lang="en-US" sz="1400" b="1" i="0" u="none" strike="noStrike" dirty="0">
                           <a:solidFill>
                             <a:srgbClr val="000000"/>
                           </a:solidFill>
@@ -4356,7 +4569,7 @@
                         </a:rPr>
                         <a:t>Type</a:t>
                       </a:r>
-                      <a:endParaRPr lang="en-US" sz="1100" dirty="0">
+                      <a:endParaRPr lang="en-US" sz="1400" dirty="0">
                         <a:effectLst/>
                         <a:latin typeface="Roboto Condensed" panose="02000000000000000000" pitchFamily="2" charset="0"/>
                         <a:ea typeface="Roboto Condensed" panose="02000000000000000000" pitchFamily="2" charset="0"/>
@@ -4418,7 +4631,7 @@
                         </a:spcAft>
                       </a:pPr>
                       <a:r>
-                        <a:rPr lang="en-US" sz="1100" b="1" i="0" u="none" strike="noStrike" dirty="0">
+                        <a:rPr lang="en-US" sz="1400" b="1" i="0" u="none" strike="noStrike" dirty="0">
                           <a:solidFill>
                             <a:srgbClr val="000000"/>
                           </a:solidFill>
@@ -4428,7 +4641,7 @@
                         </a:rPr>
                         <a:t>Title </a:t>
                       </a:r>
-                      <a:endParaRPr lang="en-US" sz="1100" dirty="0">
+                      <a:endParaRPr lang="en-US" sz="1400" dirty="0">
                         <a:effectLst/>
                         <a:latin typeface="Roboto Condensed" panose="02000000000000000000" pitchFamily="2" charset="0"/>
                         <a:ea typeface="Roboto Condensed" panose="02000000000000000000" pitchFamily="2" charset="0"/>
@@ -4490,7 +4703,7 @@
                         </a:spcAft>
                       </a:pPr>
                       <a:r>
-                        <a:rPr lang="en-US" sz="1100" b="1" i="0" u="none" strike="noStrike" dirty="0">
+                        <a:rPr lang="en-US" sz="1400" b="1" i="0" u="none" strike="noStrike" dirty="0">
                           <a:solidFill>
                             <a:srgbClr val="000000"/>
                           </a:solidFill>
@@ -4501,7 +4714,7 @@
                         <a:t>Required </a:t>
                       </a:r>
                       <a:br>
-                        <a:rPr lang="en-US" sz="1100" b="1" i="0" u="none" strike="noStrike" dirty="0">
+                        <a:rPr lang="en-US" sz="1400" b="1" i="0" u="none" strike="noStrike" dirty="0">
                           <a:solidFill>
                             <a:srgbClr val="000000"/>
                           </a:solidFill>
@@ -4511,7 +4724,7 @@
                         </a:rPr>
                       </a:br>
                       <a:r>
-                        <a:rPr lang="en-US" sz="1100" b="1" i="0" u="none" strike="noStrike" dirty="0">
+                        <a:rPr lang="en-US" sz="1400" b="1" i="0" u="none" strike="noStrike" dirty="0">
                           <a:solidFill>
                             <a:srgbClr val="000000"/>
                           </a:solidFill>
@@ -4521,7 +4734,7 @@
                         </a:rPr>
                         <a:t>Readings </a:t>
                       </a:r>
-                      <a:endParaRPr lang="en-US" sz="1100" dirty="0">
+                      <a:endParaRPr lang="en-US" sz="1400" dirty="0">
                         <a:effectLst/>
                         <a:latin typeface="Roboto Condensed" panose="02000000000000000000" pitchFamily="2" charset="0"/>
                         <a:ea typeface="Roboto Condensed" panose="02000000000000000000" pitchFamily="2" charset="0"/>
@@ -4583,7 +4796,7 @@
                         </a:spcAft>
                       </a:pPr>
                       <a:r>
-                        <a:rPr lang="en-US" sz="1100" b="1" i="0" u="none" strike="noStrike" dirty="0">
+                        <a:rPr lang="en-US" sz="1400" b="1" i="0" u="none" strike="noStrike" dirty="0">
                           <a:solidFill>
                             <a:srgbClr val="000000"/>
                           </a:solidFill>
@@ -4593,7 +4806,7 @@
                         </a:rPr>
                         <a:t>Assignments</a:t>
                       </a:r>
-                      <a:endParaRPr lang="en-US" sz="1100" dirty="0">
+                      <a:endParaRPr lang="en-US" sz="1400" dirty="0">
                         <a:effectLst/>
                         <a:latin typeface="Roboto Condensed" panose="02000000000000000000" pitchFamily="2" charset="0"/>
                         <a:ea typeface="Roboto Condensed" panose="02000000000000000000" pitchFamily="2" charset="0"/>
@@ -4647,7 +4860,7 @@
                   </a:ext>
                 </a:extLst>
               </a:tr>
-              <a:tr h="173065">
+              <a:tr h="367625">
                 <a:tc>
                   <a:txBody>
                     <a:bodyPr/>
@@ -4655,13 +4868,13 @@
                     <a:p>
                       <a:pPr fontAlgn="t"/>
                       <a:br>
-                        <a:rPr lang="en-US" sz="1100">
+                        <a:rPr lang="en-US" sz="1400" dirty="0">
                           <a:effectLst/>
                           <a:latin typeface="Roboto Condensed" panose="02000000000000000000" pitchFamily="2" charset="0"/>
                           <a:ea typeface="Roboto Condensed" panose="02000000000000000000" pitchFamily="2" charset="0"/>
                         </a:rPr>
                       </a:br>
-                      <a:endParaRPr lang="en-US" sz="1100">
+                      <a:endParaRPr lang="en-US" sz="1400" dirty="0">
                         <a:effectLst/>
                         <a:latin typeface="Roboto Condensed" panose="02000000000000000000" pitchFamily="2" charset="0"/>
                         <a:ea typeface="Roboto Condensed" panose="02000000000000000000" pitchFamily="2" charset="0"/>
@@ -4726,7 +4939,7 @@
                         </a:spcAft>
                       </a:pPr>
                       <a:r>
-                        <a:rPr lang="en-US" sz="1100" b="1" i="1" u="none" strike="noStrike" dirty="0">
+                        <a:rPr lang="en-US" sz="1400" b="1" i="1" u="none" strike="noStrike" dirty="0">
                           <a:solidFill>
                             <a:srgbClr val="000000"/>
                           </a:solidFill>
@@ -4736,7 +4949,7 @@
                         </a:rPr>
                         <a:t>Cycle 1: Introduction to computational methods and text analysis</a:t>
                       </a:r>
-                      <a:endParaRPr lang="en-US" sz="1100" dirty="0">
+                      <a:endParaRPr lang="en-US" sz="1400" dirty="0">
                         <a:effectLst/>
                         <a:latin typeface="Roboto Condensed" panose="02000000000000000000" pitchFamily="2" charset="0"/>
                         <a:ea typeface="Roboto Condensed" panose="02000000000000000000" pitchFamily="2" charset="0"/>
@@ -4833,7 +5046,7 @@
                   </a:ext>
                 </a:extLst>
               </a:tr>
-              <a:tr h="173065">
+              <a:tr h="367625">
                 <a:tc>
                   <a:txBody>
                     <a:bodyPr/>
@@ -4848,7 +5061,7 @@
                         </a:spcAft>
                       </a:pPr>
                       <a:r>
-                        <a:rPr lang="en-US" sz="1100" b="0" i="0" u="none" strike="noStrike">
+                        <a:rPr lang="en-US" sz="1400" b="0" i="0" u="none" strike="noStrike" dirty="0">
                           <a:solidFill>
                             <a:srgbClr val="000000"/>
                           </a:solidFill>
@@ -4856,9 +5069,9 @@
                           <a:latin typeface="Roboto Condensed" panose="02000000000000000000" pitchFamily="2" charset="0"/>
                           <a:ea typeface="Roboto Condensed" panose="02000000000000000000" pitchFamily="2" charset="0"/>
                         </a:rPr>
-                        <a:t>30/10/23</a:t>
-                      </a:r>
-                      <a:endParaRPr lang="en-US" sz="1100">
+                        <a:t>28/10/24</a:t>
+                      </a:r>
+                      <a:endParaRPr lang="en-US" sz="1400" dirty="0">
                         <a:effectLst/>
                         <a:latin typeface="Roboto Condensed" panose="02000000000000000000" pitchFamily="2" charset="0"/>
                         <a:ea typeface="Roboto Condensed" panose="02000000000000000000" pitchFamily="2" charset="0"/>
@@ -4918,7 +5131,7 @@
                         </a:spcAft>
                       </a:pPr>
                       <a:r>
-                        <a:rPr lang="en-US" sz="1100" b="0" i="0" u="none" strike="noStrike">
+                        <a:rPr lang="en-US" sz="1400" b="0" i="0" u="none" strike="noStrike">
                           <a:solidFill>
                             <a:srgbClr val="000000"/>
                           </a:solidFill>
@@ -4928,7 +5141,7 @@
                         </a:rPr>
                         <a:t>1</a:t>
                       </a:r>
-                      <a:endParaRPr lang="en-US" sz="1100">
+                      <a:endParaRPr lang="en-US" sz="1400">
                         <a:effectLst/>
                         <a:latin typeface="Roboto Condensed" panose="02000000000000000000" pitchFamily="2" charset="0"/>
                         <a:ea typeface="Roboto Condensed" panose="02000000000000000000" pitchFamily="2" charset="0"/>
@@ -4988,7 +5201,7 @@
                         </a:spcAft>
                       </a:pPr>
                       <a:r>
-                        <a:rPr lang="en-US" sz="1100" b="1" i="0" u="none" strike="noStrike" dirty="0">
+                        <a:rPr lang="en-US" sz="1400" b="1" i="0" u="none" strike="noStrike" dirty="0">
                           <a:solidFill>
                             <a:srgbClr val="000000"/>
                           </a:solidFill>
@@ -4998,7 +5211,7 @@
                         </a:rPr>
                         <a:t>Lecture</a:t>
                       </a:r>
-                      <a:endParaRPr lang="en-US" sz="1100" dirty="0">
+                      <a:endParaRPr lang="en-US" sz="1400" dirty="0">
                         <a:effectLst/>
                         <a:latin typeface="Roboto Condensed" panose="02000000000000000000" pitchFamily="2" charset="0"/>
                         <a:ea typeface="Roboto Condensed" panose="02000000000000000000" pitchFamily="2" charset="0"/>
@@ -5058,7 +5271,7 @@
                         </a:spcAft>
                       </a:pPr>
                       <a:r>
-                        <a:rPr lang="en-US" sz="1100" b="0" i="0" u="none" strike="noStrike">
+                        <a:rPr lang="en-US" sz="1400" b="0" i="0" u="none" strike="noStrike" dirty="0">
                           <a:solidFill>
                             <a:srgbClr val="000000"/>
                           </a:solidFill>
@@ -5068,7 +5281,7 @@
                         </a:rPr>
                         <a:t>Introduction to computational methods in Communication Science</a:t>
                       </a:r>
-                      <a:endParaRPr lang="en-US" sz="1100">
+                      <a:endParaRPr lang="en-US" sz="1400" dirty="0">
                         <a:effectLst/>
                         <a:latin typeface="Roboto Condensed" panose="02000000000000000000" pitchFamily="2" charset="0"/>
                         <a:ea typeface="Roboto Condensed" panose="02000000000000000000" pitchFamily="2" charset="0"/>
@@ -5130,7 +5343,7 @@
                         <a:buChar char="•"/>
                       </a:pPr>
                       <a:r>
-                        <a:rPr lang="en-US" sz="1100" b="0" i="0" u="none" strike="noStrike" dirty="0">
+                        <a:rPr lang="en-US" sz="1400" b="0" i="0" u="none" strike="noStrike" dirty="0">
                           <a:solidFill>
                             <a:srgbClr val="000000"/>
                           </a:solidFill>
@@ -5153,7 +5366,7 @@
                         <a:buChar char="•"/>
                       </a:pPr>
                       <a:r>
-                        <a:rPr lang="en-US" sz="1100" b="0" i="0" u="none" strike="noStrike" dirty="0">
+                        <a:rPr lang="en-US" sz="1400" b="0" i="0" u="none" strike="noStrike" dirty="0">
                           <a:solidFill>
                             <a:srgbClr val="000000"/>
                           </a:solidFill>
@@ -5163,7 +5376,7 @@
                         </a:rPr>
                         <a:t>Van Atteveldt &amp; Peng (2018)</a:t>
                       </a:r>
-                      <a:endParaRPr lang="en-US" sz="1100" dirty="0">
+                      <a:endParaRPr lang="en-US" sz="1400" dirty="0">
                         <a:effectLst/>
                         <a:latin typeface="Roboto Condensed" panose="02000000000000000000" pitchFamily="2" charset="0"/>
                         <a:ea typeface="Roboto Condensed" panose="02000000000000000000" pitchFamily="2" charset="0"/>
@@ -5225,13 +5438,13 @@
                         <a:buNone/>
                       </a:pPr>
                       <a:br>
-                        <a:rPr lang="en-US" sz="1100" dirty="0">
+                        <a:rPr lang="en-US" sz="1400" dirty="0">
                           <a:effectLst/>
                           <a:latin typeface="Roboto Condensed" panose="02000000000000000000" pitchFamily="2" charset="0"/>
                           <a:ea typeface="Roboto Condensed" panose="02000000000000000000" pitchFamily="2" charset="0"/>
                         </a:rPr>
                       </a:br>
-                      <a:endParaRPr lang="en-US" sz="1100" dirty="0">
+                      <a:endParaRPr lang="en-US" sz="1400" dirty="0">
                         <a:effectLst/>
                         <a:latin typeface="Roboto Condensed" panose="02000000000000000000" pitchFamily="2" charset="0"/>
                         <a:ea typeface="Roboto Condensed" panose="02000000000000000000" pitchFamily="2" charset="0"/>
@@ -5283,7 +5496,7 @@
                   </a:ext>
                 </a:extLst>
               </a:tr>
-              <a:tr h="173065">
+              <a:tr h="367625">
                 <a:tc>
                   <a:txBody>
                     <a:bodyPr/>
@@ -5298,7 +5511,7 @@
                         </a:spcAft>
                       </a:pPr>
                       <a:r>
-                        <a:rPr lang="en-US" sz="1100" b="0" i="0" u="none" strike="noStrike">
+                        <a:rPr lang="en-US" sz="1400" b="0" i="0" u="none" strike="noStrike" dirty="0">
                           <a:solidFill>
                             <a:srgbClr val="000000"/>
                           </a:solidFill>
@@ -5306,9 +5519,9 @@
                           <a:latin typeface="Roboto Condensed" panose="02000000000000000000" pitchFamily="2" charset="0"/>
                           <a:ea typeface="Roboto Condensed" panose="02000000000000000000" pitchFamily="2" charset="0"/>
                         </a:rPr>
-                        <a:t>31/10/23</a:t>
-                      </a:r>
-                      <a:endParaRPr lang="en-US" sz="1100">
+                        <a:t>29/10/24</a:t>
+                      </a:r>
+                      <a:endParaRPr lang="en-US" sz="1400" dirty="0">
                         <a:effectLst/>
                         <a:latin typeface="Roboto Condensed" panose="02000000000000000000" pitchFamily="2" charset="0"/>
                         <a:ea typeface="Roboto Condensed" panose="02000000000000000000" pitchFamily="2" charset="0"/>
@@ -5368,7 +5581,7 @@
                         </a:spcAft>
                       </a:pPr>
                       <a:r>
-                        <a:rPr lang="en-US" sz="1100" b="0" i="0" u="none" strike="noStrike">
+                        <a:rPr lang="en-US" sz="1400" b="0" i="0" u="none" strike="noStrike">
                           <a:solidFill>
                             <a:srgbClr val="000000"/>
                           </a:solidFill>
@@ -5378,7 +5591,7 @@
                         </a:rPr>
                         <a:t>1</a:t>
                       </a:r>
-                      <a:endParaRPr lang="en-US" sz="1100">
+                      <a:endParaRPr lang="en-US" sz="1400">
                         <a:effectLst/>
                         <a:latin typeface="Roboto Condensed" panose="02000000000000000000" pitchFamily="2" charset="0"/>
                         <a:ea typeface="Roboto Condensed" panose="02000000000000000000" pitchFamily="2" charset="0"/>
@@ -5438,7 +5651,7 @@
                         </a:spcAft>
                       </a:pPr>
                       <a:r>
-                        <a:rPr lang="en-US" sz="1100" b="0" i="0" u="none" strike="noStrike">
+                        <a:rPr lang="en-US" sz="1400" b="0" i="0" u="none" strike="noStrike">
                           <a:solidFill>
                             <a:srgbClr val="000000"/>
                           </a:solidFill>
@@ -5448,7 +5661,7 @@
                         </a:rPr>
                         <a:t>Practical session</a:t>
                       </a:r>
-                      <a:endParaRPr lang="en-US" sz="1100">
+                      <a:endParaRPr lang="en-US" sz="1400">
                         <a:effectLst/>
                         <a:latin typeface="Roboto Condensed" panose="02000000000000000000" pitchFamily="2" charset="0"/>
                         <a:ea typeface="Roboto Condensed" panose="02000000000000000000" pitchFamily="2" charset="0"/>
@@ -5508,7 +5721,7 @@
                         </a:spcAft>
                       </a:pPr>
                       <a:r>
-                        <a:rPr lang="en-US" sz="1100" b="0" i="0" u="none" strike="noStrike">
+                        <a:rPr lang="en-US" sz="1400" b="0" i="0" u="none" strike="noStrike" dirty="0">
                           <a:solidFill>
                             <a:srgbClr val="000000"/>
                           </a:solidFill>
@@ -5516,9 +5729,42 @@
                           <a:latin typeface="Roboto Condensed" panose="02000000000000000000" pitchFamily="2" charset="0"/>
                           <a:ea typeface="Roboto Condensed" panose="02000000000000000000" pitchFamily="2" charset="0"/>
                         </a:rPr>
-                        <a:t>Data Wrangling using the tidyverse and tidytext</a:t>
-                      </a:r>
-                      <a:endParaRPr lang="en-US" sz="1100">
+                        <a:t>Data Wrangling using the </a:t>
+                      </a:r>
+                      <a:r>
+                        <a:rPr lang="en-US" sz="1400" b="0" i="0" u="none" strike="noStrike" dirty="0" err="1">
+                          <a:solidFill>
+                            <a:srgbClr val="000000"/>
+                          </a:solidFill>
+                          <a:effectLst/>
+                          <a:latin typeface="Roboto Condensed" panose="02000000000000000000" pitchFamily="2" charset="0"/>
+                          <a:ea typeface="Roboto Condensed" panose="02000000000000000000" pitchFamily="2" charset="0"/>
+                        </a:rPr>
+                        <a:t>tidyverse</a:t>
+                      </a:r>
+                      <a:r>
+                        <a:rPr lang="en-US" sz="1400" b="0" i="0" u="none" strike="noStrike" dirty="0">
+                          <a:solidFill>
+                            <a:srgbClr val="000000"/>
+                          </a:solidFill>
+                          <a:effectLst/>
+                          <a:latin typeface="Roboto Condensed" panose="02000000000000000000" pitchFamily="2" charset="0"/>
+                          <a:ea typeface="Roboto Condensed" panose="02000000000000000000" pitchFamily="2" charset="0"/>
+                        </a:rPr>
+                        <a:t> and </a:t>
+                      </a:r>
+                      <a:r>
+                        <a:rPr lang="en-US" sz="1400" b="0" i="0" u="none" strike="noStrike" dirty="0" err="1">
+                          <a:solidFill>
+                            <a:srgbClr val="000000"/>
+                          </a:solidFill>
+                          <a:effectLst/>
+                          <a:latin typeface="Roboto Condensed" panose="02000000000000000000" pitchFamily="2" charset="0"/>
+                          <a:ea typeface="Roboto Condensed" panose="02000000000000000000" pitchFamily="2" charset="0"/>
+                        </a:rPr>
+                        <a:t>tidytext</a:t>
+                      </a:r>
+                      <a:endParaRPr lang="en-US" sz="1400" dirty="0">
                         <a:effectLst/>
                         <a:latin typeface="Roboto Condensed" panose="02000000000000000000" pitchFamily="2" charset="0"/>
                         <a:ea typeface="Roboto Condensed" panose="02000000000000000000" pitchFamily="2" charset="0"/>
@@ -5571,13 +5817,13 @@
                     <a:p>
                       <a:pPr fontAlgn="t"/>
                       <a:br>
-                        <a:rPr lang="en-US" sz="1100">
+                        <a:rPr lang="en-US" sz="1400">
                           <a:effectLst/>
                           <a:latin typeface="Roboto Condensed" panose="02000000000000000000" pitchFamily="2" charset="0"/>
                           <a:ea typeface="Roboto Condensed" panose="02000000000000000000" pitchFamily="2" charset="0"/>
                         </a:rPr>
                       </a:br>
-                      <a:endParaRPr lang="en-US" sz="1100">
+                      <a:endParaRPr lang="en-US" sz="1400">
                         <a:effectLst/>
                         <a:latin typeface="Roboto Condensed" panose="02000000000000000000" pitchFamily="2" charset="0"/>
                         <a:ea typeface="Roboto Condensed" panose="02000000000000000000" pitchFamily="2" charset="0"/>
@@ -5630,13 +5876,13 @@
                     <a:p>
                       <a:pPr fontAlgn="t"/>
                       <a:br>
-                        <a:rPr lang="en-US" sz="1100">
+                        <a:rPr lang="en-US" sz="1400">
                           <a:effectLst/>
                           <a:latin typeface="Roboto Condensed" panose="02000000000000000000" pitchFamily="2" charset="0"/>
                           <a:ea typeface="Roboto Condensed" panose="02000000000000000000" pitchFamily="2" charset="0"/>
                         </a:rPr>
                       </a:br>
-                      <a:endParaRPr lang="en-US" sz="1100">
+                      <a:endParaRPr lang="en-US" sz="1400">
                         <a:effectLst/>
                         <a:latin typeface="Roboto Condensed" panose="02000000000000000000" pitchFamily="2" charset="0"/>
                         <a:ea typeface="Roboto Condensed" panose="02000000000000000000" pitchFamily="2" charset="0"/>
@@ -5688,7 +5934,7 @@
                   </a:ext>
                 </a:extLst>
               </a:tr>
-              <a:tr h="173065">
+              <a:tr h="367625">
                 <a:tc>
                   <a:txBody>
                     <a:bodyPr/>
@@ -5703,7 +5949,7 @@
                         </a:spcAft>
                       </a:pPr>
                       <a:r>
-                        <a:rPr lang="en-US" sz="1100" b="0" i="0" u="none" strike="noStrike" dirty="0">
+                        <a:rPr lang="en-US" sz="1400" b="0" i="0" u="none" strike="noStrike" dirty="0">
                           <a:solidFill>
                             <a:srgbClr val="000000"/>
                           </a:solidFill>
@@ -5711,9 +5957,9 @@
                           <a:latin typeface="Roboto Condensed" panose="02000000000000000000" pitchFamily="2" charset="0"/>
                           <a:ea typeface="Roboto Condensed" panose="02000000000000000000" pitchFamily="2" charset="0"/>
                         </a:rPr>
-                        <a:t>02/11/23</a:t>
-                      </a:r>
-                      <a:endParaRPr lang="en-US" sz="1100" dirty="0">
+                        <a:t>31/10/24</a:t>
+                      </a:r>
+                      <a:endParaRPr lang="en-US" sz="1400" dirty="0">
                         <a:effectLst/>
                         <a:latin typeface="Roboto Condensed" panose="02000000000000000000" pitchFamily="2" charset="0"/>
                         <a:ea typeface="Roboto Condensed" panose="02000000000000000000" pitchFamily="2" charset="0"/>
@@ -5773,7 +6019,7 @@
                         </a:spcAft>
                       </a:pPr>
                       <a:r>
-                        <a:rPr lang="en-US" sz="1100" b="0" i="0" u="none" strike="noStrike">
+                        <a:rPr lang="en-US" sz="1400" b="0" i="0" u="none" strike="noStrike">
                           <a:solidFill>
                             <a:srgbClr val="000000"/>
                           </a:solidFill>
@@ -5783,7 +6029,7 @@
                         </a:rPr>
                         <a:t>1</a:t>
                       </a:r>
-                      <a:endParaRPr lang="en-US" sz="1100">
+                      <a:endParaRPr lang="en-US" sz="1400">
                         <a:effectLst/>
                         <a:latin typeface="Roboto Condensed" panose="02000000000000000000" pitchFamily="2" charset="0"/>
                         <a:ea typeface="Roboto Condensed" panose="02000000000000000000" pitchFamily="2" charset="0"/>
@@ -5843,7 +6089,7 @@
                         </a:spcAft>
                       </a:pPr>
                       <a:r>
-                        <a:rPr lang="en-US" sz="1100" b="0" i="0" u="none" strike="noStrike">
+                        <a:rPr lang="en-US" sz="1400" b="0" i="0" u="none" strike="noStrike" dirty="0">
                           <a:solidFill>
                             <a:srgbClr val="000000"/>
                           </a:solidFill>
@@ -5853,7 +6099,7 @@
                         </a:rPr>
                         <a:t>Practical session</a:t>
                       </a:r>
-                      <a:endParaRPr lang="en-US" sz="1100">
+                      <a:endParaRPr lang="en-US" sz="1400" dirty="0">
                         <a:effectLst/>
                         <a:latin typeface="Roboto Condensed" panose="02000000000000000000" pitchFamily="2" charset="0"/>
                         <a:ea typeface="Roboto Condensed" panose="02000000000000000000" pitchFamily="2" charset="0"/>
@@ -5913,7 +6159,7 @@
                         </a:spcAft>
                       </a:pPr>
                       <a:r>
-                        <a:rPr lang="en-US" sz="1100" b="0" i="0" u="none" strike="noStrike">
+                        <a:rPr lang="en-US" sz="1400" b="0" i="0" u="none" strike="noStrike" dirty="0">
                           <a:solidFill>
                             <a:srgbClr val="000000"/>
                           </a:solidFill>
@@ -5923,7 +6169,7 @@
                         </a:rPr>
                         <a:t>Exploratory Data Analysis and Data Visualization</a:t>
                       </a:r>
-                      <a:endParaRPr lang="en-US" sz="1100">
+                      <a:endParaRPr lang="en-US" sz="1400" dirty="0">
                         <a:effectLst/>
                         <a:latin typeface="Roboto Condensed" panose="02000000000000000000" pitchFamily="2" charset="0"/>
                         <a:ea typeface="Roboto Condensed" panose="02000000000000000000" pitchFamily="2" charset="0"/>
@@ -5976,13 +6222,13 @@
                     <a:p>
                       <a:pPr fontAlgn="t"/>
                       <a:br>
-                        <a:rPr lang="en-US" sz="1100">
+                        <a:rPr lang="en-US" sz="1400">
                           <a:effectLst/>
                           <a:latin typeface="Roboto Condensed" panose="02000000000000000000" pitchFamily="2" charset="0"/>
                           <a:ea typeface="Roboto Condensed" panose="02000000000000000000" pitchFamily="2" charset="0"/>
                         </a:rPr>
                       </a:br>
-                      <a:endParaRPr lang="en-US" sz="1100">
+                      <a:endParaRPr lang="en-US" sz="1400">
                         <a:effectLst/>
                         <a:latin typeface="Roboto Condensed" panose="02000000000000000000" pitchFamily="2" charset="0"/>
                         <a:ea typeface="Roboto Condensed" panose="02000000000000000000" pitchFamily="2" charset="0"/>
@@ -6035,7 +6281,7 @@
                     <a:p>
                       <a:pPr fontAlgn="t"/>
                       <a:r>
-                        <a:rPr lang="en-US" sz="1100" b="0" i="0" u="none" strike="noStrike" dirty="0">
+                        <a:rPr lang="en-US" sz="1400" b="0" i="0" u="none" strike="noStrike" dirty="0">
                           <a:solidFill>
                             <a:srgbClr val="000000"/>
                           </a:solidFill>
@@ -6045,7 +6291,7 @@
                         </a:rPr>
                         <a:t>Homework Assignment 1</a:t>
                       </a:r>
-                      <a:endParaRPr lang="en-US" sz="1100" dirty="0">
+                      <a:endParaRPr lang="en-US" sz="1400" dirty="0">
                         <a:effectLst/>
                         <a:latin typeface="Roboto Condensed" panose="02000000000000000000" pitchFamily="2" charset="0"/>
                         <a:ea typeface="Roboto Condensed" panose="02000000000000000000" pitchFamily="2" charset="0"/>
@@ -6097,7 +6343,7 @@
                   </a:ext>
                 </a:extLst>
               </a:tr>
-              <a:tr h="189547">
+              <a:tr h="634243">
                 <a:tc>
                   <a:txBody>
                     <a:bodyPr/>
@@ -6112,7 +6358,7 @@
                         </a:spcAft>
                       </a:pPr>
                       <a:r>
-                        <a:rPr lang="en-US" sz="1100" b="0" i="0" u="none" strike="noStrike">
+                        <a:rPr lang="en-US" sz="1400" b="0" i="0" u="none" strike="noStrike" dirty="0">
                           <a:solidFill>
                             <a:srgbClr val="000000"/>
                           </a:solidFill>
@@ -6120,10 +6366,10 @@
                           <a:latin typeface="Roboto Condensed" panose="02000000000000000000" pitchFamily="2" charset="0"/>
                           <a:ea typeface="Roboto Condensed" panose="02000000000000000000" pitchFamily="2" charset="0"/>
                         </a:rPr>
-                        <a:t>06/11/23</a:t>
+                        <a:t>04/11/24</a:t>
                       </a:r>
                       <a:br>
-                        <a:rPr lang="en-US" sz="1100" b="0" i="0" u="none" strike="noStrike">
+                        <a:rPr lang="en-US" sz="1400" b="0" i="0" u="none" strike="noStrike" dirty="0">
                           <a:solidFill>
                             <a:srgbClr val="000000"/>
                           </a:solidFill>
@@ -6132,17 +6378,7 @@
                           <a:ea typeface="Roboto Condensed" panose="02000000000000000000" pitchFamily="2" charset="0"/>
                         </a:rPr>
                       </a:br>
-                      <a:br>
-                        <a:rPr lang="en-US" sz="1100" b="0" i="0" u="none" strike="noStrike">
-                          <a:solidFill>
-                            <a:srgbClr val="000000"/>
-                          </a:solidFill>
-                          <a:effectLst/>
-                          <a:latin typeface="Roboto Condensed" panose="02000000000000000000" pitchFamily="2" charset="0"/>
-                          <a:ea typeface="Roboto Condensed" panose="02000000000000000000" pitchFamily="2" charset="0"/>
-                        </a:rPr>
-                      </a:br>
-                      <a:endParaRPr lang="en-US" sz="1100">
+                      <a:endParaRPr lang="en-US" sz="1400" dirty="0">
                         <a:effectLst/>
                         <a:latin typeface="Roboto Condensed" panose="02000000000000000000" pitchFamily="2" charset="0"/>
                         <a:ea typeface="Roboto Condensed" panose="02000000000000000000" pitchFamily="2" charset="0"/>
@@ -6202,7 +6438,7 @@
                         </a:spcAft>
                       </a:pPr>
                       <a:r>
-                        <a:rPr lang="en-US" sz="1100" b="0" i="0" u="none" strike="noStrike">
+                        <a:rPr lang="en-US" sz="1400" b="0" i="0" u="none" strike="noStrike">
                           <a:solidFill>
                             <a:srgbClr val="000000"/>
                           </a:solidFill>
@@ -6212,7 +6448,7 @@
                         </a:rPr>
                         <a:t>2</a:t>
                       </a:r>
-                      <a:endParaRPr lang="en-US" sz="1100">
+                      <a:endParaRPr lang="en-US" sz="1400">
                         <a:effectLst/>
                         <a:latin typeface="Roboto Condensed" panose="02000000000000000000" pitchFamily="2" charset="0"/>
                         <a:ea typeface="Roboto Condensed" panose="02000000000000000000" pitchFamily="2" charset="0"/>
@@ -6272,7 +6508,7 @@
                         </a:spcAft>
                       </a:pPr>
                       <a:r>
-                        <a:rPr lang="en-US" sz="1100" b="1" i="0" u="none" strike="noStrike">
+                        <a:rPr lang="en-US" sz="1400" b="1" i="0" u="none" strike="noStrike">
                           <a:solidFill>
                             <a:srgbClr val="000000"/>
                           </a:solidFill>
@@ -6282,7 +6518,7 @@
                         </a:rPr>
                         <a:t>Lecture</a:t>
                       </a:r>
-                      <a:endParaRPr lang="en-US" sz="1100">
+                      <a:endParaRPr lang="en-US" sz="1400">
                         <a:effectLst/>
                         <a:latin typeface="Roboto Condensed" panose="02000000000000000000" pitchFamily="2" charset="0"/>
                         <a:ea typeface="Roboto Condensed" panose="02000000000000000000" pitchFamily="2" charset="0"/>
@@ -6342,7 +6578,7 @@
                         </a:spcAft>
                       </a:pPr>
                       <a:r>
-                        <a:rPr lang="en-US" sz="1100" b="0" i="0" u="none" strike="noStrike">
+                        <a:rPr lang="en-US" sz="1400" b="0" i="0" u="none" strike="noStrike" dirty="0">
                           <a:solidFill>
                             <a:srgbClr val="000000"/>
                           </a:solidFill>
@@ -6352,7 +6588,7 @@
                         </a:rPr>
                         <a:t>Automated Text Analysis and Dictionary Approaches</a:t>
                       </a:r>
-                      <a:endParaRPr lang="en-US" sz="1100">
+                      <a:endParaRPr lang="en-US" sz="1400" dirty="0">
                         <a:effectLst/>
                         <a:latin typeface="Roboto Condensed" panose="02000000000000000000" pitchFamily="2" charset="0"/>
                         <a:ea typeface="Roboto Condensed" panose="02000000000000000000" pitchFamily="2" charset="0"/>
@@ -6414,7 +6650,7 @@
                         <a:buChar char="•"/>
                       </a:pPr>
                       <a:r>
-                        <a:rPr lang="en-US" sz="1100" b="0" i="0" u="none" strike="noStrike" dirty="0">
+                        <a:rPr lang="en-US" sz="1400" b="0" i="0" u="none" strike="noStrike" dirty="0">
                           <a:solidFill>
                             <a:srgbClr val="000000"/>
                           </a:solidFill>
@@ -6424,7 +6660,7 @@
                         </a:rPr>
                         <a:t>Welbers et al. (2014)</a:t>
                       </a:r>
-                      <a:endParaRPr lang="en-US" sz="1100" dirty="0">
+                      <a:endParaRPr lang="en-US" sz="1400" dirty="0">
                         <a:effectLst/>
                         <a:latin typeface="Roboto Condensed" panose="02000000000000000000" pitchFamily="2" charset="0"/>
                         <a:ea typeface="Roboto Condensed" panose="02000000000000000000" pitchFamily="2" charset="0"/>
@@ -6442,7 +6678,7 @@
                         <a:buChar char="•"/>
                       </a:pPr>
                       <a:r>
-                        <a:rPr lang="en-US" sz="1100" b="0" i="0" u="none" strike="noStrike" dirty="0">
+                        <a:rPr lang="en-US" sz="1400" b="0" i="0" u="none" strike="noStrike" dirty="0">
                           <a:solidFill>
                             <a:srgbClr val="000000"/>
                           </a:solidFill>
@@ -6465,7 +6701,7 @@
                         <a:buChar char="•"/>
                       </a:pPr>
                       <a:r>
-                        <a:rPr lang="en-US" sz="1100" b="0" i="0" u="none" strike="noStrike" dirty="0" err="1">
+                        <a:rPr lang="en-US" sz="1400" b="0" i="0" u="none" strike="noStrike" dirty="0" err="1">
                           <a:solidFill>
                             <a:srgbClr val="000000"/>
                           </a:solidFill>
@@ -6476,7 +6712,7 @@
                         <a:t>Mellado</a:t>
                       </a:r>
                       <a:r>
-                        <a:rPr lang="en-US" sz="1100" b="0" i="0" u="none" strike="noStrike" dirty="0">
+                        <a:rPr lang="en-US" sz="1400" b="0" i="0" u="none" strike="noStrike" dirty="0">
                           <a:solidFill>
                             <a:srgbClr val="000000"/>
                           </a:solidFill>
@@ -6486,7 +6722,7 @@
                         </a:rPr>
                         <a:t> et al. (2021)</a:t>
                       </a:r>
-                      <a:endParaRPr lang="en-US" sz="1100" dirty="0">
+                      <a:endParaRPr lang="en-US" sz="1400" dirty="0">
                         <a:effectLst/>
                         <a:latin typeface="Roboto Condensed" panose="02000000000000000000" pitchFamily="2" charset="0"/>
                         <a:ea typeface="Roboto Condensed" panose="02000000000000000000" pitchFamily="2" charset="0"/>
@@ -6547,7 +6783,7 @@
                         <a:buFont typeface="Arial" panose="020B0604020202020204" pitchFamily="34" charset="0"/>
                         <a:buNone/>
                       </a:pPr>
-                      <a:endParaRPr lang="en-US" sz="1100" dirty="0">
+                      <a:endParaRPr lang="en-US" sz="1400" dirty="0">
                         <a:effectLst/>
                         <a:latin typeface="Roboto Condensed" panose="02000000000000000000" pitchFamily="2" charset="0"/>
                         <a:ea typeface="Roboto Condensed" panose="02000000000000000000" pitchFamily="2" charset="0"/>
@@ -6599,7 +6835,7 @@
                   </a:ext>
                 </a:extLst>
               </a:tr>
-              <a:tr h="173065">
+              <a:tr h="367625">
                 <a:tc>
                   <a:txBody>
                     <a:bodyPr/>
@@ -6614,7 +6850,7 @@
                         </a:spcAft>
                       </a:pPr>
                       <a:r>
-                        <a:rPr lang="en-US" sz="1100" b="0" i="0" u="none" strike="noStrike">
+                        <a:rPr lang="en-US" sz="1400" b="0" i="0" u="none" strike="noStrike" dirty="0">
                           <a:solidFill>
                             <a:srgbClr val="000000"/>
                           </a:solidFill>
@@ -6622,9 +6858,9 @@
                           <a:latin typeface="Roboto Condensed" panose="02000000000000000000" pitchFamily="2" charset="0"/>
                           <a:ea typeface="Roboto Condensed" panose="02000000000000000000" pitchFamily="2" charset="0"/>
                         </a:rPr>
-                        <a:t>07/11/23</a:t>
-                      </a:r>
-                      <a:endParaRPr lang="en-US" sz="1100">
+                        <a:t>05/11/24</a:t>
+                      </a:r>
+                      <a:endParaRPr lang="en-US" sz="1400" dirty="0">
                         <a:effectLst/>
                         <a:latin typeface="Roboto Condensed" panose="02000000000000000000" pitchFamily="2" charset="0"/>
                         <a:ea typeface="Roboto Condensed" panose="02000000000000000000" pitchFamily="2" charset="0"/>
@@ -6684,7 +6920,7 @@
                         </a:spcAft>
                       </a:pPr>
                       <a:r>
-                        <a:rPr lang="en-US" sz="1100" b="0" i="0" u="none" strike="noStrike">
+                        <a:rPr lang="en-US" sz="1400" b="0" i="0" u="none" strike="noStrike">
                           <a:solidFill>
                             <a:srgbClr val="000000"/>
                           </a:solidFill>
@@ -6694,7 +6930,7 @@
                         </a:rPr>
                         <a:t>2</a:t>
                       </a:r>
-                      <a:endParaRPr lang="en-US" sz="1100">
+                      <a:endParaRPr lang="en-US" sz="1400">
                         <a:effectLst/>
                         <a:latin typeface="Roboto Condensed" panose="02000000000000000000" pitchFamily="2" charset="0"/>
                         <a:ea typeface="Roboto Condensed" panose="02000000000000000000" pitchFamily="2" charset="0"/>
@@ -6754,7 +6990,7 @@
                         </a:spcAft>
                       </a:pPr>
                       <a:r>
-                        <a:rPr lang="en-US" sz="1100" b="0" i="0" u="none" strike="noStrike">
+                        <a:rPr lang="en-US" sz="1400" b="0" i="0" u="none" strike="noStrike">
                           <a:solidFill>
                             <a:srgbClr val="000000"/>
                           </a:solidFill>
@@ -6764,7 +7000,7 @@
                         </a:rPr>
                         <a:t>Practical session</a:t>
                       </a:r>
-                      <a:endParaRPr lang="en-US" sz="1100">
+                      <a:endParaRPr lang="en-US" sz="1400">
                         <a:effectLst/>
                         <a:latin typeface="Roboto Condensed" panose="02000000000000000000" pitchFamily="2" charset="0"/>
                         <a:ea typeface="Roboto Condensed" panose="02000000000000000000" pitchFamily="2" charset="0"/>
@@ -6824,7 +7060,7 @@
                         </a:spcAft>
                       </a:pPr>
                       <a:r>
-                        <a:rPr lang="en-US" sz="1100" b="0" i="0" u="none" strike="noStrike" dirty="0">
+                        <a:rPr lang="en-US" sz="1400" b="0" i="0" u="none" strike="noStrike" dirty="0">
                           <a:solidFill>
                             <a:srgbClr val="000000"/>
                           </a:solidFill>
@@ -6835,7 +7071,7 @@
                         <a:t>Basic Text Analysis using </a:t>
                       </a:r>
                       <a:r>
-                        <a:rPr lang="en-US" sz="1100" b="0" i="0" u="none" strike="noStrike" dirty="0" err="1">
+                        <a:rPr lang="en-US" sz="1400" b="0" i="0" u="none" strike="noStrike" dirty="0" err="1">
                           <a:solidFill>
                             <a:srgbClr val="000000"/>
                           </a:solidFill>
@@ -6845,7 +7081,7 @@
                         </a:rPr>
                         <a:t>tidytext</a:t>
                       </a:r>
-                      <a:endParaRPr lang="en-US" sz="1100" dirty="0">
+                      <a:endParaRPr lang="en-US" sz="1400" dirty="0">
                         <a:effectLst/>
                         <a:latin typeface="Roboto Condensed" panose="02000000000000000000" pitchFamily="2" charset="0"/>
                         <a:ea typeface="Roboto Condensed" panose="02000000000000000000" pitchFamily="2" charset="0"/>
@@ -6898,13 +7134,13 @@
                     <a:p>
                       <a:pPr fontAlgn="t"/>
                       <a:br>
-                        <a:rPr lang="en-US" sz="1100">
+                        <a:rPr lang="en-US" sz="1400">
                           <a:effectLst/>
                           <a:latin typeface="Roboto Condensed" panose="02000000000000000000" pitchFamily="2" charset="0"/>
                           <a:ea typeface="Roboto Condensed" panose="02000000000000000000" pitchFamily="2" charset="0"/>
                         </a:rPr>
                       </a:br>
-                      <a:endParaRPr lang="en-US" sz="1100">
+                      <a:endParaRPr lang="en-US" sz="1400">
                         <a:effectLst/>
                         <a:latin typeface="Roboto Condensed" panose="02000000000000000000" pitchFamily="2" charset="0"/>
                         <a:ea typeface="Roboto Condensed" panose="02000000000000000000" pitchFamily="2" charset="0"/>
@@ -6957,13 +7193,13 @@
                     <a:p>
                       <a:pPr fontAlgn="t"/>
                       <a:br>
-                        <a:rPr lang="en-US" sz="1100">
+                        <a:rPr lang="en-US" sz="1400">
                           <a:effectLst/>
                           <a:latin typeface="Roboto Condensed" panose="02000000000000000000" pitchFamily="2" charset="0"/>
                           <a:ea typeface="Roboto Condensed" panose="02000000000000000000" pitchFamily="2" charset="0"/>
                         </a:rPr>
                       </a:br>
-                      <a:endParaRPr lang="en-US" sz="1100">
+                      <a:endParaRPr lang="en-US" sz="1400">
                         <a:effectLst/>
                         <a:latin typeface="Roboto Condensed" panose="02000000000000000000" pitchFamily="2" charset="0"/>
                         <a:ea typeface="Roboto Condensed" panose="02000000000000000000" pitchFamily="2" charset="0"/>
@@ -7015,7 +7251,7 @@
                   </a:ext>
                 </a:extLst>
               </a:tr>
-              <a:tr h="173065">
+              <a:tr h="367625">
                 <a:tc>
                   <a:txBody>
                     <a:bodyPr/>
@@ -7030,7 +7266,7 @@
                         </a:spcAft>
                       </a:pPr>
                       <a:r>
-                        <a:rPr lang="en-US" sz="1100" b="0" i="0" u="none" strike="noStrike">
+                        <a:rPr lang="en-US" sz="1400" b="0" i="0" u="none" strike="noStrike" dirty="0">
                           <a:solidFill>
                             <a:srgbClr val="000000"/>
                           </a:solidFill>
@@ -7038,9 +7274,9 @@
                           <a:latin typeface="Roboto Condensed" panose="02000000000000000000" pitchFamily="2" charset="0"/>
                           <a:ea typeface="Roboto Condensed" panose="02000000000000000000" pitchFamily="2" charset="0"/>
                         </a:rPr>
-                        <a:t>09/11/23</a:t>
-                      </a:r>
-                      <a:endParaRPr lang="en-US" sz="1100">
+                        <a:t>06/11/24</a:t>
+                      </a:r>
+                      <a:endParaRPr lang="en-US" sz="1400" dirty="0">
                         <a:effectLst/>
                         <a:latin typeface="Roboto Condensed" panose="02000000000000000000" pitchFamily="2" charset="0"/>
                         <a:ea typeface="Roboto Condensed" panose="02000000000000000000" pitchFamily="2" charset="0"/>
@@ -7100,7 +7336,7 @@
                         </a:spcAft>
                       </a:pPr>
                       <a:r>
-                        <a:rPr lang="en-US" sz="1100" b="0" i="0" u="none" strike="noStrike">
+                        <a:rPr lang="en-US" sz="1400" b="0" i="0" u="none" strike="noStrike">
                           <a:solidFill>
                             <a:srgbClr val="000000"/>
                           </a:solidFill>
@@ -7110,7 +7346,7 @@
                         </a:rPr>
                         <a:t>2</a:t>
                       </a:r>
-                      <a:endParaRPr lang="en-US" sz="1100">
+                      <a:endParaRPr lang="en-US" sz="1400">
                         <a:effectLst/>
                         <a:latin typeface="Roboto Condensed" panose="02000000000000000000" pitchFamily="2" charset="0"/>
                         <a:ea typeface="Roboto Condensed" panose="02000000000000000000" pitchFamily="2" charset="0"/>
@@ -7170,7 +7406,7 @@
                         </a:spcAft>
                       </a:pPr>
                       <a:r>
-                        <a:rPr lang="en-US" sz="1100" b="0" i="0" u="none" strike="noStrike">
+                        <a:rPr lang="en-US" sz="1400" b="0" i="0" u="none" strike="noStrike">
                           <a:solidFill>
                             <a:srgbClr val="000000"/>
                           </a:solidFill>
@@ -7180,7 +7416,7 @@
                         </a:rPr>
                         <a:t>Practical session</a:t>
                       </a:r>
-                      <a:endParaRPr lang="en-US" sz="1100">
+                      <a:endParaRPr lang="en-US" sz="1400">
                         <a:effectLst/>
                         <a:latin typeface="Roboto Condensed" panose="02000000000000000000" pitchFamily="2" charset="0"/>
                         <a:ea typeface="Roboto Condensed" panose="02000000000000000000" pitchFamily="2" charset="0"/>
@@ -7240,7 +7476,7 @@
                         </a:spcAft>
                       </a:pPr>
                       <a:r>
-                        <a:rPr lang="en-US" sz="1100" b="0" i="0" u="none" strike="noStrike">
+                        <a:rPr lang="en-US" sz="1400" b="0" i="0" u="none" strike="noStrike">
                           <a:solidFill>
                             <a:srgbClr val="000000"/>
                           </a:solidFill>
@@ -7250,7 +7486,7 @@
                         </a:rPr>
                         <a:t>Dictionary Approaches using tidytext</a:t>
                       </a:r>
-                      <a:endParaRPr lang="en-US" sz="1100">
+                      <a:endParaRPr lang="en-US" sz="1400">
                         <a:effectLst/>
                         <a:latin typeface="Roboto Condensed" panose="02000000000000000000" pitchFamily="2" charset="0"/>
                         <a:ea typeface="Roboto Condensed" panose="02000000000000000000" pitchFamily="2" charset="0"/>
@@ -7303,13 +7539,13 @@
                     <a:p>
                       <a:pPr fontAlgn="t"/>
                       <a:br>
-                        <a:rPr lang="en-US" sz="1100">
+                        <a:rPr lang="en-US" sz="1400">
                           <a:effectLst/>
                           <a:latin typeface="Roboto Condensed" panose="02000000000000000000" pitchFamily="2" charset="0"/>
                           <a:ea typeface="Roboto Condensed" panose="02000000000000000000" pitchFamily="2" charset="0"/>
                         </a:rPr>
                       </a:br>
-                      <a:endParaRPr lang="en-US" sz="1100">
+                      <a:endParaRPr lang="en-US" sz="1400">
                         <a:effectLst/>
                         <a:latin typeface="Roboto Condensed" panose="02000000000000000000" pitchFamily="2" charset="0"/>
                         <a:ea typeface="Roboto Condensed" panose="02000000000000000000" pitchFamily="2" charset="0"/>
@@ -7362,7 +7598,7 @@
                     <a:p>
                       <a:pPr fontAlgn="t"/>
                       <a:r>
-                        <a:rPr lang="en-US" sz="1100" b="0" i="0" u="none" strike="noStrike" dirty="0">
+                        <a:rPr lang="en-US" sz="1400" b="0" i="0" u="none" strike="noStrike" dirty="0">
                           <a:solidFill>
                             <a:srgbClr val="000000"/>
                           </a:solidFill>
@@ -7372,7 +7608,7 @@
                         </a:rPr>
                         <a:t>Homework Assignment 2</a:t>
                       </a:r>
-                      <a:endParaRPr lang="en-US" sz="1100" dirty="0">
+                      <a:endParaRPr lang="en-US" sz="1400" dirty="0">
                         <a:effectLst/>
                         <a:latin typeface="Roboto Condensed" panose="02000000000000000000" pitchFamily="2" charset="0"/>
                         <a:ea typeface="Roboto Condensed" panose="02000000000000000000" pitchFamily="2" charset="0"/>
@@ -7424,7 +7660,7 @@
                   </a:ext>
                 </a:extLst>
               </a:tr>
-              <a:tr h="173065">
+              <a:tr h="367625">
                 <a:tc>
                   <a:txBody>
                     <a:bodyPr/>
@@ -7432,13 +7668,13 @@
                     <a:p>
                       <a:pPr fontAlgn="t"/>
                       <a:br>
-                        <a:rPr lang="en-US" sz="1100">
+                        <a:rPr lang="en-US" sz="1400" dirty="0">
                           <a:effectLst/>
                           <a:latin typeface="Roboto Condensed" panose="02000000000000000000" pitchFamily="2" charset="0"/>
                           <a:ea typeface="Roboto Condensed" panose="02000000000000000000" pitchFamily="2" charset="0"/>
                         </a:rPr>
                       </a:br>
-                      <a:endParaRPr lang="en-US" sz="1100">
+                      <a:endParaRPr lang="en-US" sz="1400" dirty="0">
                         <a:effectLst/>
                         <a:latin typeface="Roboto Condensed" panose="02000000000000000000" pitchFamily="2" charset="0"/>
                         <a:ea typeface="Roboto Condensed" panose="02000000000000000000" pitchFamily="2" charset="0"/>
@@ -7501,7 +7737,7 @@
                         </a:spcAft>
                       </a:pPr>
                       <a:r>
-                        <a:rPr lang="en-US" sz="1100" b="1" i="1" u="none" strike="noStrike" dirty="0">
+                        <a:rPr lang="en-US" sz="1400" b="1" i="1" u="none" strike="noStrike" dirty="0">
                           <a:solidFill>
                             <a:srgbClr val="000000"/>
                           </a:solidFill>
@@ -7509,9 +7745,9 @@
                           <a:latin typeface="Roboto Condensed" panose="02000000000000000000" pitchFamily="2" charset="0"/>
                           <a:ea typeface="Roboto Condensed" panose="02000000000000000000" pitchFamily="2" charset="0"/>
                         </a:rPr>
-                        <a:t>Cycle 2: Text Classification using Machine Learning</a:t>
-                      </a:r>
-                      <a:endParaRPr lang="en-US" sz="1100" dirty="0">
+                        <a:t>Cycle 2: Text Classification using Machine Learning and Transformers</a:t>
+                      </a:r>
+                      <a:endParaRPr lang="en-US" sz="1400" dirty="0">
                         <a:effectLst/>
                         <a:latin typeface="Roboto Condensed" panose="02000000000000000000" pitchFamily="2" charset="0"/>
                         <a:ea typeface="Roboto Condensed" panose="02000000000000000000" pitchFamily="2" charset="0"/>
@@ -7606,7 +7842,7 @@
                   </a:ext>
                 </a:extLst>
               </a:tr>
-              <a:tr h="181306">
+              <a:tr h="539075">
                 <a:tc>
                   <a:txBody>
                     <a:bodyPr/>
@@ -7621,7 +7857,7 @@
                         </a:spcAft>
                       </a:pPr>
                       <a:r>
-                        <a:rPr lang="en-US" sz="1100" b="0" i="0" u="none" strike="noStrike">
+                        <a:rPr lang="en-US" sz="1400" b="0" i="0" u="none" strike="noStrike" dirty="0">
                           <a:solidFill>
                             <a:srgbClr val="000000"/>
                           </a:solidFill>
@@ -7629,10 +7865,10 @@
                           <a:latin typeface="Roboto Condensed" panose="02000000000000000000" pitchFamily="2" charset="0"/>
                           <a:ea typeface="Roboto Condensed" panose="02000000000000000000" pitchFamily="2" charset="0"/>
                         </a:rPr>
-                        <a:t>13/11/23</a:t>
+                        <a:t>11/11/24</a:t>
                       </a:r>
                       <a:br>
-                        <a:rPr lang="en-US" sz="1100" b="0" i="0" u="none" strike="noStrike">
+                        <a:rPr lang="en-US" sz="1400" b="0" i="0" u="none" strike="noStrike" dirty="0">
                           <a:solidFill>
                             <a:srgbClr val="000000"/>
                           </a:solidFill>
@@ -7642,7 +7878,7 @@
                         </a:rPr>
                       </a:br>
                       <a:br>
-                        <a:rPr lang="en-US" sz="1100" b="0" i="0" u="none" strike="noStrike">
+                        <a:rPr lang="en-US" sz="1400" b="0" i="0" u="none" strike="noStrike" dirty="0">
                           <a:solidFill>
                             <a:srgbClr val="000000"/>
                           </a:solidFill>
@@ -7651,7 +7887,7 @@
                           <a:ea typeface="Roboto Condensed" panose="02000000000000000000" pitchFamily="2" charset="0"/>
                         </a:rPr>
                       </a:br>
-                      <a:endParaRPr lang="en-US" sz="1100">
+                      <a:endParaRPr lang="en-US" sz="1400" dirty="0">
                         <a:effectLst/>
                         <a:latin typeface="Roboto Condensed" panose="02000000000000000000" pitchFamily="2" charset="0"/>
                         <a:ea typeface="Roboto Condensed" panose="02000000000000000000" pitchFamily="2" charset="0"/>
@@ -7711,7 +7947,7 @@
                         </a:spcAft>
                       </a:pPr>
                       <a:r>
-                        <a:rPr lang="en-US" sz="1100" b="0" i="0" u="none" strike="noStrike">
+                        <a:rPr lang="en-US" sz="1400" b="0" i="0" u="none" strike="noStrike">
                           <a:solidFill>
                             <a:srgbClr val="000000"/>
                           </a:solidFill>
@@ -7721,7 +7957,7 @@
                         </a:rPr>
                         <a:t>3</a:t>
                       </a:r>
-                      <a:endParaRPr lang="en-US" sz="1100">
+                      <a:endParaRPr lang="en-US" sz="1400">
                         <a:effectLst/>
                         <a:latin typeface="Roboto Condensed" panose="02000000000000000000" pitchFamily="2" charset="0"/>
                         <a:ea typeface="Roboto Condensed" panose="02000000000000000000" pitchFamily="2" charset="0"/>
@@ -7781,7 +8017,7 @@
                         </a:spcAft>
                       </a:pPr>
                       <a:r>
-                        <a:rPr lang="en-US" sz="1100" b="1" i="0" u="none" strike="noStrike">
+                        <a:rPr lang="en-US" sz="1400" b="1" i="0" u="none" strike="noStrike">
                           <a:solidFill>
                             <a:srgbClr val="000000"/>
                           </a:solidFill>
@@ -7791,7 +8027,7 @@
                         </a:rPr>
                         <a:t>Lecture</a:t>
                       </a:r>
-                      <a:endParaRPr lang="en-US" sz="1100">
+                      <a:endParaRPr lang="en-US" sz="1400">
                         <a:effectLst/>
                         <a:latin typeface="Roboto Condensed" panose="02000000000000000000" pitchFamily="2" charset="0"/>
                         <a:ea typeface="Roboto Condensed" panose="02000000000000000000" pitchFamily="2" charset="0"/>
@@ -7851,7 +8087,7 @@
                         </a:spcAft>
                       </a:pPr>
                       <a:r>
-                        <a:rPr lang="en-US" sz="1100" b="0" i="0" u="none" strike="noStrike">
+                        <a:rPr lang="en-US" sz="1400" b="0" i="0" u="none" strike="noStrike" dirty="0">
                           <a:solidFill>
                             <a:srgbClr val="000000"/>
                           </a:solidFill>
@@ -7859,9 +8095,9 @@
                           <a:latin typeface="Roboto Condensed" panose="02000000000000000000" pitchFamily="2" charset="0"/>
                           <a:ea typeface="Roboto Condensed" panose="02000000000000000000" pitchFamily="2" charset="0"/>
                         </a:rPr>
-                        <a:t>Text Classification using Classic Machine Learning</a:t>
-                      </a:r>
-                      <a:endParaRPr lang="en-US" sz="1100">
+                        <a:t>Text Classification using Machine Learning and Word-Embeddings</a:t>
+                      </a:r>
+                      <a:endParaRPr lang="en-US" sz="1400" dirty="0">
                         <a:effectLst/>
                         <a:latin typeface="Roboto Condensed" panose="02000000000000000000" pitchFamily="2" charset="0"/>
                         <a:ea typeface="Roboto Condensed" panose="02000000000000000000" pitchFamily="2" charset="0"/>
@@ -7923,7 +8159,7 @@
                         <a:buChar char="•"/>
                       </a:pPr>
                       <a:r>
-                        <a:rPr lang="en-US" sz="1100" b="0" i="0" u="none" strike="noStrike" dirty="0">
+                        <a:rPr lang="en-US" sz="1400" b="0" i="0" u="none" strike="noStrike" dirty="0">
                           <a:solidFill>
                             <a:srgbClr val="000000"/>
                           </a:solidFill>
@@ -7946,7 +8182,7 @@
                         <a:buChar char="•"/>
                       </a:pPr>
                       <a:r>
-                        <a:rPr lang="en-US" sz="1100" b="0" i="0" u="none" strike="noStrike" dirty="0">
+                        <a:rPr lang="en-US" sz="1400" b="0" i="0" u="none" strike="noStrike" dirty="0">
                           <a:solidFill>
                             <a:srgbClr val="000000"/>
                           </a:solidFill>
@@ -7956,7 +8192,7 @@
                         </a:rPr>
                         <a:t>Su et al. (2018)</a:t>
                       </a:r>
-                      <a:endParaRPr lang="en-US" sz="1100" dirty="0">
+                      <a:endParaRPr lang="en-US" sz="1400" dirty="0">
                         <a:effectLst/>
                         <a:latin typeface="Roboto Condensed" panose="02000000000000000000" pitchFamily="2" charset="0"/>
                         <a:ea typeface="Roboto Condensed" panose="02000000000000000000" pitchFamily="2" charset="0"/>
@@ -8018,13 +8254,13 @@
                         <a:buNone/>
                       </a:pPr>
                       <a:br>
-                        <a:rPr lang="en-US" sz="1100" dirty="0">
+                        <a:rPr lang="en-US" sz="1400" dirty="0">
                           <a:effectLst/>
                           <a:latin typeface="Roboto Condensed" panose="02000000000000000000" pitchFamily="2" charset="0"/>
                           <a:ea typeface="Roboto Condensed" panose="02000000000000000000" pitchFamily="2" charset="0"/>
                         </a:rPr>
                       </a:br>
-                      <a:endParaRPr lang="en-US" sz="1100" dirty="0">
+                      <a:endParaRPr lang="en-US" sz="1400" dirty="0">
                         <a:effectLst/>
                         <a:latin typeface="Roboto Condensed" panose="02000000000000000000" pitchFamily="2" charset="0"/>
                         <a:ea typeface="Roboto Condensed" panose="02000000000000000000" pitchFamily="2" charset="0"/>
@@ -8076,7 +8312,7 @@
                   </a:ext>
                 </a:extLst>
               </a:tr>
-              <a:tr h="173065">
+              <a:tr h="367625">
                 <a:tc>
                   <a:txBody>
                     <a:bodyPr/>
@@ -8091,7 +8327,7 @@
                         </a:spcAft>
                       </a:pPr>
                       <a:r>
-                        <a:rPr lang="en-US" sz="1100" b="0" i="0" u="none" strike="noStrike">
+                        <a:rPr lang="en-US" sz="1400" b="0" i="0" u="none" strike="noStrike" dirty="0">
                           <a:solidFill>
                             <a:srgbClr val="000000"/>
                           </a:solidFill>
@@ -8099,9 +8335,9 @@
                           <a:latin typeface="Roboto Condensed" panose="02000000000000000000" pitchFamily="2" charset="0"/>
                           <a:ea typeface="Roboto Condensed" panose="02000000000000000000" pitchFamily="2" charset="0"/>
                         </a:rPr>
-                        <a:t>14/11/23</a:t>
-                      </a:r>
-                      <a:endParaRPr lang="en-US" sz="1100">
+                        <a:t>12/11/24</a:t>
+                      </a:r>
+                      <a:endParaRPr lang="en-US" sz="1400" dirty="0">
                         <a:effectLst/>
                         <a:latin typeface="Roboto Condensed" panose="02000000000000000000" pitchFamily="2" charset="0"/>
                         <a:ea typeface="Roboto Condensed" panose="02000000000000000000" pitchFamily="2" charset="0"/>
@@ -8161,7 +8397,7 @@
                         </a:spcAft>
                       </a:pPr>
                       <a:r>
-                        <a:rPr lang="en-US" sz="1100" b="0" i="0" u="none" strike="noStrike">
+                        <a:rPr lang="en-US" sz="1400" b="0" i="0" u="none" strike="noStrike">
                           <a:solidFill>
                             <a:srgbClr val="000000"/>
                           </a:solidFill>
@@ -8171,7 +8407,7 @@
                         </a:rPr>
                         <a:t>3</a:t>
                       </a:r>
-                      <a:endParaRPr lang="en-US" sz="1100">
+                      <a:endParaRPr lang="en-US" sz="1400">
                         <a:effectLst/>
                         <a:latin typeface="Roboto Condensed" panose="02000000000000000000" pitchFamily="2" charset="0"/>
                         <a:ea typeface="Roboto Condensed" panose="02000000000000000000" pitchFamily="2" charset="0"/>
@@ -8231,7 +8467,7 @@
                         </a:spcAft>
                       </a:pPr>
                       <a:r>
-                        <a:rPr lang="en-US" sz="1100" b="0" i="0" u="none" strike="noStrike">
+                        <a:rPr lang="en-US" sz="1400" b="0" i="0" u="none" strike="noStrike">
                           <a:solidFill>
                             <a:srgbClr val="000000"/>
                           </a:solidFill>
@@ -8241,7 +8477,7 @@
                         </a:rPr>
                         <a:t>Practical session</a:t>
                       </a:r>
-                      <a:endParaRPr lang="en-US" sz="1100">
+                      <a:endParaRPr lang="en-US" sz="1400">
                         <a:effectLst/>
                         <a:latin typeface="Roboto Condensed" panose="02000000000000000000" pitchFamily="2" charset="0"/>
                         <a:ea typeface="Roboto Condensed" panose="02000000000000000000" pitchFamily="2" charset="0"/>
@@ -8301,7 +8537,7 @@
                         </a:spcAft>
                       </a:pPr>
                       <a:r>
-                        <a:rPr lang="en-US" sz="1100" b="0" i="0" u="none" strike="noStrike">
+                        <a:rPr lang="en-US" sz="1400" b="0" i="0" u="none" strike="noStrike" dirty="0">
                           <a:solidFill>
                             <a:srgbClr val="000000"/>
                           </a:solidFill>
@@ -8309,9 +8545,9 @@
                           <a:latin typeface="Roboto Condensed" panose="02000000000000000000" pitchFamily="2" charset="0"/>
                           <a:ea typeface="Roboto Condensed" panose="02000000000000000000" pitchFamily="2" charset="0"/>
                         </a:rPr>
-                        <a:t>Supervised text classification using Naive Bayes and SVM</a:t>
-                      </a:r>
-                      <a:endParaRPr lang="en-US" sz="1100">
+                        <a:t>Supervised text classification using Naive Bayes and neural networks</a:t>
+                      </a:r>
+                      <a:endParaRPr lang="en-US" sz="1400" dirty="0">
                         <a:effectLst/>
                         <a:latin typeface="Roboto Condensed" panose="02000000000000000000" pitchFamily="2" charset="0"/>
                         <a:ea typeface="Roboto Condensed" panose="02000000000000000000" pitchFamily="2" charset="0"/>
@@ -8364,13 +8600,13 @@
                     <a:p>
                       <a:pPr fontAlgn="t"/>
                       <a:br>
-                        <a:rPr lang="en-US" sz="1100" dirty="0">
+                        <a:rPr lang="en-US" sz="1400" dirty="0">
                           <a:effectLst/>
                           <a:latin typeface="Roboto Condensed" panose="02000000000000000000" pitchFamily="2" charset="0"/>
                           <a:ea typeface="Roboto Condensed" panose="02000000000000000000" pitchFamily="2" charset="0"/>
                         </a:rPr>
                       </a:br>
-                      <a:endParaRPr lang="en-US" sz="1100" dirty="0">
+                      <a:endParaRPr lang="en-US" sz="1400" dirty="0">
                         <a:effectLst/>
                         <a:latin typeface="Roboto Condensed" panose="02000000000000000000" pitchFamily="2" charset="0"/>
                         <a:ea typeface="Roboto Condensed" panose="02000000000000000000" pitchFamily="2" charset="0"/>
@@ -8423,13 +8659,13 @@
                     <a:p>
                       <a:pPr fontAlgn="t"/>
                       <a:br>
-                        <a:rPr lang="en-US" sz="1100">
+                        <a:rPr lang="en-US" sz="1400">
                           <a:effectLst/>
                           <a:latin typeface="Roboto Condensed" panose="02000000000000000000" pitchFamily="2" charset="0"/>
                           <a:ea typeface="Roboto Condensed" panose="02000000000000000000" pitchFamily="2" charset="0"/>
                         </a:rPr>
                       </a:br>
-                      <a:endParaRPr lang="en-US" sz="1100" dirty="0">
+                      <a:endParaRPr lang="en-US" sz="1400" dirty="0">
                         <a:effectLst/>
                         <a:latin typeface="Roboto Condensed" panose="02000000000000000000" pitchFamily="2" charset="0"/>
                         <a:ea typeface="Roboto Condensed" panose="02000000000000000000" pitchFamily="2" charset="0"/>
@@ -8481,7 +8717,7 @@
                   </a:ext>
                 </a:extLst>
               </a:tr>
-              <a:tr h="173065">
+              <a:tr h="367625">
                 <a:tc>
                   <a:txBody>
                     <a:bodyPr/>
@@ -8496,7 +8732,7 @@
                         </a:spcAft>
                       </a:pPr>
                       <a:r>
-                        <a:rPr lang="en-US" sz="1100" b="0" i="0" u="none" strike="noStrike" dirty="0">
+                        <a:rPr lang="en-US" sz="1400" b="0" i="0" u="none" strike="noStrike" dirty="0">
                           <a:solidFill>
                             <a:srgbClr val="000000"/>
                           </a:solidFill>
@@ -8504,9 +8740,9 @@
                           <a:latin typeface="Roboto Condensed" panose="02000000000000000000" pitchFamily="2" charset="0"/>
                           <a:ea typeface="Roboto Condensed" panose="02000000000000000000" pitchFamily="2" charset="0"/>
                         </a:rPr>
-                        <a:t>16/11/23</a:t>
-                      </a:r>
-                      <a:endParaRPr lang="en-US" sz="1100" dirty="0">
+                        <a:t>14/11/24</a:t>
+                      </a:r>
+                      <a:endParaRPr lang="en-US" sz="1400" dirty="0">
                         <a:effectLst/>
                         <a:latin typeface="Roboto Condensed" panose="02000000000000000000" pitchFamily="2" charset="0"/>
                         <a:ea typeface="Roboto Condensed" panose="02000000000000000000" pitchFamily="2" charset="0"/>
@@ -8566,7 +8802,7 @@
                         </a:spcAft>
                       </a:pPr>
                       <a:r>
-                        <a:rPr lang="en-US" sz="1100" b="0" i="0" u="none" strike="noStrike" dirty="0">
+                        <a:rPr lang="en-US" sz="1400" b="0" i="0" u="none" strike="noStrike" dirty="0">
                           <a:solidFill>
                             <a:srgbClr val="000000"/>
                           </a:solidFill>
@@ -8576,7 +8812,7 @@
                         </a:rPr>
                         <a:t>3</a:t>
                       </a:r>
-                      <a:endParaRPr lang="en-US" sz="1100" dirty="0">
+                      <a:endParaRPr lang="en-US" sz="1400" dirty="0">
                         <a:effectLst/>
                         <a:latin typeface="Roboto Condensed" panose="02000000000000000000" pitchFamily="2" charset="0"/>
                         <a:ea typeface="Roboto Condensed" panose="02000000000000000000" pitchFamily="2" charset="0"/>
@@ -8636,7 +8872,7 @@
                         </a:spcAft>
                       </a:pPr>
                       <a:r>
-                        <a:rPr lang="en-US" sz="1100" b="0" i="0" u="none" strike="noStrike" dirty="0">
+                        <a:rPr lang="en-US" sz="1400" b="0" i="0" u="none" strike="noStrike" dirty="0">
                           <a:solidFill>
                             <a:srgbClr val="000000"/>
                           </a:solidFill>
@@ -8646,7 +8882,7 @@
                         </a:rPr>
                         <a:t>Practical session</a:t>
                       </a:r>
-                      <a:endParaRPr lang="en-US" sz="1100" dirty="0">
+                      <a:endParaRPr lang="en-US" sz="1400" dirty="0">
                         <a:effectLst/>
                         <a:latin typeface="Roboto Condensed" panose="02000000000000000000" pitchFamily="2" charset="0"/>
                         <a:ea typeface="Roboto Condensed" panose="02000000000000000000" pitchFamily="2" charset="0"/>
@@ -8706,7 +8942,7 @@
                         </a:spcAft>
                       </a:pPr>
                       <a:r>
-                        <a:rPr lang="en-US" sz="1100" b="0" i="0" u="none" strike="noStrike">
+                        <a:rPr lang="en-US" sz="1400" b="0" i="0" u="none" strike="noStrike" dirty="0">
                           <a:solidFill>
                             <a:srgbClr val="000000"/>
                           </a:solidFill>
@@ -8714,9 +8950,9 @@
                           <a:latin typeface="Roboto Condensed" panose="02000000000000000000" pitchFamily="2" charset="0"/>
                           <a:ea typeface="Roboto Condensed" panose="02000000000000000000" pitchFamily="2" charset="0"/>
                         </a:rPr>
-                        <a:t>Supervised text classification with neural networks</a:t>
-                      </a:r>
-                      <a:endParaRPr lang="en-US" sz="1100">
+                        <a:t>Supervised text classification with word-embeddings and neural networks</a:t>
+                      </a:r>
+                      <a:endParaRPr lang="en-US" sz="1400" dirty="0">
                         <a:effectLst/>
                         <a:latin typeface="Roboto Condensed" panose="02000000000000000000" pitchFamily="2" charset="0"/>
                         <a:ea typeface="Roboto Condensed" panose="02000000000000000000" pitchFamily="2" charset="0"/>
@@ -8769,13 +9005,13 @@
                     <a:p>
                       <a:pPr fontAlgn="t"/>
                       <a:br>
-                        <a:rPr lang="en-US" sz="1100" dirty="0">
+                        <a:rPr lang="en-US" sz="1400" dirty="0">
                           <a:effectLst/>
                           <a:latin typeface="Roboto Condensed" panose="02000000000000000000" pitchFamily="2" charset="0"/>
                           <a:ea typeface="Roboto Condensed" panose="02000000000000000000" pitchFamily="2" charset="0"/>
                         </a:rPr>
                       </a:br>
-                      <a:endParaRPr lang="en-US" sz="1100" dirty="0">
+                      <a:endParaRPr lang="en-US" sz="1400" dirty="0">
                         <a:effectLst/>
                         <a:latin typeface="Roboto Condensed" panose="02000000000000000000" pitchFamily="2" charset="0"/>
                         <a:ea typeface="Roboto Condensed" panose="02000000000000000000" pitchFamily="2" charset="0"/>
@@ -8828,7 +9064,7 @@
                     <a:p>
                       <a:pPr fontAlgn="t"/>
                       <a:r>
-                        <a:rPr lang="en-US" sz="1100" b="0" i="0" u="none" strike="noStrike" dirty="0">
+                        <a:rPr lang="en-US" sz="1400" b="0" i="0" u="none" strike="noStrike" dirty="0">
                           <a:solidFill>
                             <a:srgbClr val="000000"/>
                           </a:solidFill>
@@ -8838,7 +9074,7 @@
                         </a:rPr>
                         <a:t>Homework Assignment 3</a:t>
                       </a:r>
-                      <a:endParaRPr lang="en-US" sz="1100" dirty="0">
+                      <a:endParaRPr lang="en-US" sz="1400" dirty="0">
                         <a:effectLst/>
                         <a:latin typeface="Roboto Condensed" panose="02000000000000000000" pitchFamily="2" charset="0"/>
                         <a:ea typeface="Roboto Condensed" panose="02000000000000000000" pitchFamily="2" charset="0"/>
@@ -8890,7 +9126,7 @@
                   </a:ext>
                 </a:extLst>
               </a:tr>
-              <a:tr h="181306">
+              <a:tr h="539075">
                 <a:tc>
                   <a:txBody>
                     <a:bodyPr/>
@@ -8905,7 +9141,7 @@
                         </a:spcAft>
                       </a:pPr>
                       <a:r>
-                        <a:rPr lang="en-US" sz="1100" b="0" i="0" u="none" strike="noStrike">
+                        <a:rPr lang="en-US" sz="1400" b="0" i="0" u="none" strike="noStrike" dirty="0">
                           <a:solidFill>
                             <a:srgbClr val="000000"/>
                           </a:solidFill>
@@ -8913,10 +9149,10 @@
                           <a:latin typeface="Roboto Condensed" panose="02000000000000000000" pitchFamily="2" charset="0"/>
                           <a:ea typeface="Roboto Condensed" panose="02000000000000000000" pitchFamily="2" charset="0"/>
                         </a:rPr>
-                        <a:t>20/11/23</a:t>
+                        <a:t>18/11/24</a:t>
                       </a:r>
                       <a:br>
-                        <a:rPr lang="en-US" sz="1100" b="0" i="0" u="none" strike="noStrike">
+                        <a:rPr lang="en-US" sz="1400" b="0" i="0" u="none" strike="noStrike" dirty="0">
                           <a:solidFill>
                             <a:srgbClr val="000000"/>
                           </a:solidFill>
@@ -8926,7 +9162,7 @@
                         </a:rPr>
                       </a:br>
                       <a:br>
-                        <a:rPr lang="en-US" sz="1100" b="0" i="0" u="none" strike="noStrike">
+                        <a:rPr lang="en-US" sz="1400" b="0" i="0" u="none" strike="noStrike" dirty="0">
                           <a:solidFill>
                             <a:srgbClr val="000000"/>
                           </a:solidFill>
@@ -8935,7 +9171,7 @@
                           <a:ea typeface="Roboto Condensed" panose="02000000000000000000" pitchFamily="2" charset="0"/>
                         </a:rPr>
                       </a:br>
-                      <a:endParaRPr lang="en-US" sz="1100">
+                      <a:endParaRPr lang="en-US" sz="1400" dirty="0">
                         <a:effectLst/>
                         <a:latin typeface="Roboto Condensed" panose="02000000000000000000" pitchFamily="2" charset="0"/>
                         <a:ea typeface="Roboto Condensed" panose="02000000000000000000" pitchFamily="2" charset="0"/>
@@ -8995,7 +9231,7 @@
                         </a:spcAft>
                       </a:pPr>
                       <a:r>
-                        <a:rPr lang="en-US" sz="1100" b="0" i="0" u="none" strike="noStrike">
+                        <a:rPr lang="en-US" sz="1400" b="0" i="0" u="none" strike="noStrike">
                           <a:solidFill>
                             <a:srgbClr val="000000"/>
                           </a:solidFill>
@@ -9005,7 +9241,7 @@
                         </a:rPr>
                         <a:t>4</a:t>
                       </a:r>
-                      <a:endParaRPr lang="en-US" sz="1100">
+                      <a:endParaRPr lang="en-US" sz="1400">
                         <a:effectLst/>
                         <a:latin typeface="Roboto Condensed" panose="02000000000000000000" pitchFamily="2" charset="0"/>
                         <a:ea typeface="Roboto Condensed" panose="02000000000000000000" pitchFamily="2" charset="0"/>
@@ -9065,7 +9301,7 @@
                         </a:spcAft>
                       </a:pPr>
                       <a:r>
-                        <a:rPr lang="en-US" sz="1100" b="1" i="0" u="none" strike="noStrike">
+                        <a:rPr lang="en-US" sz="1400" b="1" i="0" u="none" strike="noStrike">
                           <a:solidFill>
                             <a:srgbClr val="000000"/>
                           </a:solidFill>
@@ -9075,7 +9311,7 @@
                         </a:rPr>
                         <a:t>Lecture</a:t>
                       </a:r>
-                      <a:endParaRPr lang="en-US" sz="1100">
+                      <a:endParaRPr lang="en-US" sz="1400">
                         <a:effectLst/>
                         <a:latin typeface="Roboto Condensed" panose="02000000000000000000" pitchFamily="2" charset="0"/>
                         <a:ea typeface="Roboto Condensed" panose="02000000000000000000" pitchFamily="2" charset="0"/>
@@ -9135,7 +9371,7 @@
                         </a:spcAft>
                       </a:pPr>
                       <a:r>
-                        <a:rPr lang="en-US" sz="1100" b="0" i="0" u="none" strike="noStrike">
+                        <a:rPr lang="en-US" sz="1400" b="0" i="0" u="none" strike="noStrike" dirty="0">
                           <a:solidFill>
                             <a:srgbClr val="000000"/>
                           </a:solidFill>
@@ -9143,9 +9379,9 @@
                           <a:latin typeface="Roboto Condensed" panose="02000000000000000000" pitchFamily="2" charset="0"/>
                           <a:ea typeface="Roboto Condensed" panose="02000000000000000000" pitchFamily="2" charset="0"/>
                         </a:rPr>
-                        <a:t>Word Embeddings, Transformers and Large Language Models</a:t>
-                      </a:r>
-                      <a:endParaRPr lang="en-US" sz="1100">
+                        <a:t>Transformers and Large Language Models</a:t>
+                      </a:r>
+                      <a:endParaRPr lang="en-US" sz="1400" dirty="0">
                         <a:effectLst/>
                         <a:latin typeface="Roboto Condensed" panose="02000000000000000000" pitchFamily="2" charset="0"/>
                         <a:ea typeface="Roboto Condensed" panose="02000000000000000000" pitchFamily="2" charset="0"/>
@@ -9207,7 +9443,7 @@
                         <a:buChar char="•"/>
                       </a:pPr>
                       <a:r>
-                        <a:rPr lang="en-US" sz="1100" b="0" i="0" u="none" strike="noStrike" dirty="0" err="1">
+                        <a:rPr lang="en-US" sz="1400" b="0" i="0" u="none" strike="noStrike" dirty="0">
                           <a:solidFill>
                             <a:srgbClr val="000000"/>
                           </a:solidFill>
@@ -9215,20 +9451,9 @@
                           <a:latin typeface="Roboto Condensed" panose="02000000000000000000" pitchFamily="2" charset="0"/>
                           <a:ea typeface="Roboto Condensed" panose="02000000000000000000" pitchFamily="2" charset="0"/>
                         </a:rPr>
-                        <a:t>t.b.a</a:t>
-                      </a:r>
-                      <a:r>
-                        <a:rPr lang="en-US" sz="1100" b="0" i="0" u="none" strike="noStrike" dirty="0">
-                          <a:solidFill>
-                            <a:srgbClr val="000000"/>
-                          </a:solidFill>
-                          <a:effectLst/>
-                          <a:latin typeface="Roboto Condensed" panose="02000000000000000000" pitchFamily="2" charset="0"/>
-                          <a:ea typeface="Roboto Condensed" panose="02000000000000000000" pitchFamily="2" charset="0"/>
-                        </a:rPr>
-                        <a:t>.</a:t>
-                      </a:r>
-                      <a:endParaRPr lang="en-US" sz="1100" dirty="0">
+                        <a:t>Kroon et al., 2023</a:t>
+                      </a:r>
+                      <a:endParaRPr lang="en-US" sz="1400" dirty="0">
                         <a:effectLst/>
                         <a:latin typeface="Roboto Condensed" panose="02000000000000000000" pitchFamily="2" charset="0"/>
                         <a:ea typeface="Roboto Condensed" panose="02000000000000000000" pitchFamily="2" charset="0"/>
@@ -9290,13 +9515,13 @@
                         <a:buNone/>
                       </a:pPr>
                       <a:br>
-                        <a:rPr lang="en-US" sz="1100" dirty="0">
+                        <a:rPr lang="en-US" sz="1400" dirty="0">
                           <a:effectLst/>
                           <a:latin typeface="Roboto Condensed" panose="02000000000000000000" pitchFamily="2" charset="0"/>
                           <a:ea typeface="Roboto Condensed" panose="02000000000000000000" pitchFamily="2" charset="0"/>
                         </a:rPr>
                       </a:br>
-                      <a:endParaRPr lang="en-US" sz="1100" dirty="0">
+                      <a:endParaRPr lang="en-US" sz="1400" dirty="0">
                         <a:effectLst/>
                         <a:latin typeface="Roboto Condensed" panose="02000000000000000000" pitchFamily="2" charset="0"/>
                         <a:ea typeface="Roboto Condensed" panose="02000000000000000000" pitchFamily="2" charset="0"/>
@@ -9348,7 +9573,7 @@
                   </a:ext>
                 </a:extLst>
               </a:tr>
-              <a:tr h="173065">
+              <a:tr h="367625">
                 <a:tc>
                   <a:txBody>
                     <a:bodyPr/>
@@ -9363,7 +9588,7 @@
                         </a:spcAft>
                       </a:pPr>
                       <a:r>
-                        <a:rPr lang="en-US" sz="1100" b="0" i="0" u="none" strike="noStrike">
+                        <a:rPr lang="en-US" sz="1400" b="0" i="0" u="none" strike="noStrike" dirty="0">
                           <a:solidFill>
                             <a:srgbClr val="000000"/>
                           </a:solidFill>
@@ -9371,9 +9596,9 @@
                           <a:latin typeface="Roboto Condensed" panose="02000000000000000000" pitchFamily="2" charset="0"/>
                           <a:ea typeface="Roboto Condensed" panose="02000000000000000000" pitchFamily="2" charset="0"/>
                         </a:rPr>
-                        <a:t>21/11/23</a:t>
-                      </a:r>
-                      <a:endParaRPr lang="en-US" sz="1100">
+                        <a:t>19/11/24</a:t>
+                      </a:r>
+                      <a:endParaRPr lang="en-US" sz="1400" dirty="0">
                         <a:effectLst/>
                         <a:latin typeface="Roboto Condensed" panose="02000000000000000000" pitchFamily="2" charset="0"/>
                         <a:ea typeface="Roboto Condensed" panose="02000000000000000000" pitchFamily="2" charset="0"/>
@@ -9433,7 +9658,7 @@
                         </a:spcAft>
                       </a:pPr>
                       <a:r>
-                        <a:rPr lang="en-US" sz="1100" b="0" i="0" u="none" strike="noStrike">
+                        <a:rPr lang="en-US" sz="1400" b="0" i="0" u="none" strike="noStrike">
                           <a:solidFill>
                             <a:srgbClr val="000000"/>
                           </a:solidFill>
@@ -9443,7 +9668,7 @@
                         </a:rPr>
                         <a:t>4</a:t>
                       </a:r>
-                      <a:endParaRPr lang="en-US" sz="1100">
+                      <a:endParaRPr lang="en-US" sz="1400">
                         <a:effectLst/>
                         <a:latin typeface="Roboto Condensed" panose="02000000000000000000" pitchFamily="2" charset="0"/>
                         <a:ea typeface="Roboto Condensed" panose="02000000000000000000" pitchFamily="2" charset="0"/>
@@ -9503,7 +9728,7 @@
                         </a:spcAft>
                       </a:pPr>
                       <a:r>
-                        <a:rPr lang="en-US" sz="1100" b="0" i="0" u="none" strike="noStrike">
+                        <a:rPr lang="en-US" sz="1400" b="0" i="0" u="none" strike="noStrike">
                           <a:solidFill>
                             <a:srgbClr val="000000"/>
                           </a:solidFill>
@@ -9513,7 +9738,7 @@
                         </a:rPr>
                         <a:t>Practical session</a:t>
                       </a:r>
-                      <a:endParaRPr lang="en-US" sz="1100">
+                      <a:endParaRPr lang="en-US" sz="1400">
                         <a:effectLst/>
                         <a:latin typeface="Roboto Condensed" panose="02000000000000000000" pitchFamily="2" charset="0"/>
                         <a:ea typeface="Roboto Condensed" panose="02000000000000000000" pitchFamily="2" charset="0"/>
@@ -9573,7 +9798,7 @@
                         </a:spcAft>
                       </a:pPr>
                       <a:r>
-                        <a:rPr lang="en-US" sz="1100" b="0" i="0" u="none" strike="noStrike">
+                        <a:rPr lang="en-US" sz="1400" b="0" i="0" u="none" strike="noStrike" dirty="0">
                           <a:solidFill>
                             <a:srgbClr val="000000"/>
                           </a:solidFill>
@@ -9581,9 +9806,22 @@
                           <a:latin typeface="Roboto Condensed" panose="02000000000000000000" pitchFamily="2" charset="0"/>
                           <a:ea typeface="Roboto Condensed" panose="02000000000000000000" pitchFamily="2" charset="0"/>
                         </a:rPr>
-                        <a:t>Text classification using Transformers</a:t>
-                      </a:r>
-                      <a:endParaRPr lang="en-US" sz="1100">
+                        <a:t>Zero-Shot Classification using GPT-4 &amp; Llama</a:t>
+                      </a:r>
+                    </a:p>
+                    <a:p>
+                      <a:pPr rtl="0" fontAlgn="t">
+                        <a:spcBef>
+                          <a:spcPts val="0"/>
+                        </a:spcBef>
+                        <a:spcAft>
+                          <a:spcPts val="0"/>
+                        </a:spcAft>
+                      </a:pPr>
+                      <a:endParaRPr lang="en-US" sz="1400" b="0" i="0" u="none" strike="noStrike" dirty="0">
+                        <a:solidFill>
+                          <a:srgbClr val="000000"/>
+                        </a:solidFill>
                         <a:effectLst/>
                         <a:latin typeface="Roboto Condensed" panose="02000000000000000000" pitchFamily="2" charset="0"/>
                         <a:ea typeface="Roboto Condensed" panose="02000000000000000000" pitchFamily="2" charset="0"/>
@@ -9636,13 +9874,13 @@
                     <a:p>
                       <a:pPr fontAlgn="t"/>
                       <a:br>
-                        <a:rPr lang="en-US" sz="1100">
+                        <a:rPr lang="en-US" sz="1400" dirty="0">
                           <a:effectLst/>
                           <a:latin typeface="Roboto Condensed" panose="02000000000000000000" pitchFamily="2" charset="0"/>
                           <a:ea typeface="Roboto Condensed" panose="02000000000000000000" pitchFamily="2" charset="0"/>
                         </a:rPr>
                       </a:br>
-                      <a:endParaRPr lang="en-US" sz="1100">
+                      <a:endParaRPr lang="en-US" sz="1400" dirty="0">
                         <a:effectLst/>
                         <a:latin typeface="Roboto Condensed" panose="02000000000000000000" pitchFamily="2" charset="0"/>
                         <a:ea typeface="Roboto Condensed" panose="02000000000000000000" pitchFamily="2" charset="0"/>
@@ -9695,13 +9933,13 @@
                     <a:p>
                       <a:pPr fontAlgn="t"/>
                       <a:br>
-                        <a:rPr lang="en-US" sz="1100">
+                        <a:rPr lang="en-US" sz="1400">
                           <a:effectLst/>
                           <a:latin typeface="Roboto Condensed" panose="02000000000000000000" pitchFamily="2" charset="0"/>
                           <a:ea typeface="Roboto Condensed" panose="02000000000000000000" pitchFamily="2" charset="0"/>
                         </a:rPr>
                       </a:br>
-                      <a:endParaRPr lang="en-US" sz="1100">
+                      <a:endParaRPr lang="en-US" sz="1400">
                         <a:effectLst/>
                         <a:latin typeface="Roboto Condensed" panose="02000000000000000000" pitchFamily="2" charset="0"/>
                         <a:ea typeface="Roboto Condensed" panose="02000000000000000000" pitchFamily="2" charset="0"/>
@@ -9753,7 +9991,7 @@
                   </a:ext>
                 </a:extLst>
               </a:tr>
-              <a:tr h="173065">
+              <a:tr h="367625">
                 <a:tc>
                   <a:txBody>
                     <a:bodyPr/>
@@ -9768,7 +10006,7 @@
                         </a:spcAft>
                       </a:pPr>
                       <a:r>
-                        <a:rPr lang="en-US" sz="1100" b="0" i="0" u="none" strike="noStrike">
+                        <a:rPr lang="en-US" sz="1400" b="0" i="0" u="none" strike="noStrike" dirty="0">
                           <a:solidFill>
                             <a:srgbClr val="000000"/>
                           </a:solidFill>
@@ -9776,9 +10014,9 @@
                           <a:latin typeface="Roboto Condensed" panose="02000000000000000000" pitchFamily="2" charset="0"/>
                           <a:ea typeface="Roboto Condensed" panose="02000000000000000000" pitchFamily="2" charset="0"/>
                         </a:rPr>
-                        <a:t>23/11/23</a:t>
-                      </a:r>
-                      <a:endParaRPr lang="en-US" sz="1100">
+                        <a:t>21/11/24</a:t>
+                      </a:r>
+                      <a:endParaRPr lang="en-US" sz="1400" dirty="0">
                         <a:effectLst/>
                         <a:latin typeface="Roboto Condensed" panose="02000000000000000000" pitchFamily="2" charset="0"/>
                         <a:ea typeface="Roboto Condensed" panose="02000000000000000000" pitchFamily="2" charset="0"/>
@@ -9838,7 +10076,7 @@
                         </a:spcAft>
                       </a:pPr>
                       <a:r>
-                        <a:rPr lang="en-US" sz="1100" b="0" i="0" u="none" strike="noStrike">
+                        <a:rPr lang="en-US" sz="1400" b="0" i="0" u="none" strike="noStrike">
                           <a:solidFill>
                             <a:srgbClr val="000000"/>
                           </a:solidFill>
@@ -9848,7 +10086,7 @@
                         </a:rPr>
                         <a:t>4</a:t>
                       </a:r>
-                      <a:endParaRPr lang="en-US" sz="1100">
+                      <a:endParaRPr lang="en-US" sz="1400">
                         <a:effectLst/>
                         <a:latin typeface="Roboto Condensed" panose="02000000000000000000" pitchFamily="2" charset="0"/>
                         <a:ea typeface="Roboto Condensed" panose="02000000000000000000" pitchFamily="2" charset="0"/>
@@ -9908,7 +10146,7 @@
                         </a:spcAft>
                       </a:pPr>
                       <a:r>
-                        <a:rPr lang="en-US" sz="1100" b="0" i="0" u="none" strike="noStrike">
+                        <a:rPr lang="en-US" sz="1400" b="0" i="0" u="none" strike="noStrike">
                           <a:solidFill>
                             <a:srgbClr val="000000"/>
                           </a:solidFill>
@@ -9918,7 +10156,7 @@
                         </a:rPr>
                         <a:t>Practical session</a:t>
                       </a:r>
-                      <a:endParaRPr lang="en-US" sz="1100">
+                      <a:endParaRPr lang="en-US" sz="1400">
                         <a:effectLst/>
                         <a:latin typeface="Roboto Condensed" panose="02000000000000000000" pitchFamily="2" charset="0"/>
                         <a:ea typeface="Roboto Condensed" panose="02000000000000000000" pitchFamily="2" charset="0"/>
@@ -9978,7 +10216,7 @@
                         </a:spcAft>
                       </a:pPr>
                       <a:r>
-                        <a:rPr lang="en-US" sz="1100" b="0" i="0" u="none" strike="noStrike">
+                        <a:rPr lang="en-US" sz="1400" b="0" i="0" u="none" strike="noStrike" dirty="0">
                           <a:solidFill>
                             <a:srgbClr val="000000"/>
                           </a:solidFill>
@@ -9986,9 +10224,9 @@
                           <a:latin typeface="Roboto Condensed" panose="02000000000000000000" pitchFamily="2" charset="0"/>
                           <a:ea typeface="Roboto Condensed" panose="02000000000000000000" pitchFamily="2" charset="0"/>
                         </a:rPr>
-                        <a:t>Zero-Shot Classification using GPT-4</a:t>
-                      </a:r>
-                      <a:endParaRPr lang="en-US" sz="1100">
+                        <a:t>Few-Shot Classification using GPT-4 &amp; Llama</a:t>
+                      </a:r>
+                      <a:endParaRPr lang="en-US" sz="1400" dirty="0">
                         <a:effectLst/>
                         <a:latin typeface="Roboto Condensed" panose="02000000000000000000" pitchFamily="2" charset="0"/>
                         <a:ea typeface="Roboto Condensed" panose="02000000000000000000" pitchFamily="2" charset="0"/>
@@ -10041,13 +10279,13 @@
                     <a:p>
                       <a:pPr fontAlgn="t"/>
                       <a:br>
-                        <a:rPr lang="en-US" sz="1100">
+                        <a:rPr lang="en-US" sz="1400">
                           <a:effectLst/>
                           <a:latin typeface="Roboto Condensed" panose="02000000000000000000" pitchFamily="2" charset="0"/>
                           <a:ea typeface="Roboto Condensed" panose="02000000000000000000" pitchFamily="2" charset="0"/>
                         </a:rPr>
                       </a:br>
-                      <a:endParaRPr lang="en-US" sz="1100">
+                      <a:endParaRPr lang="en-US" sz="1400">
                         <a:effectLst/>
                         <a:latin typeface="Roboto Condensed" panose="02000000000000000000" pitchFamily="2" charset="0"/>
                         <a:ea typeface="Roboto Condensed" panose="02000000000000000000" pitchFamily="2" charset="0"/>
@@ -10100,7 +10338,7 @@
                     <a:p>
                       <a:pPr fontAlgn="t"/>
                       <a:r>
-                        <a:rPr lang="en-US" sz="1100" b="0" i="0" u="none" strike="noStrike" dirty="0">
+                        <a:rPr lang="en-US" sz="1400" b="0" i="0" u="none" strike="noStrike" dirty="0">
                           <a:solidFill>
                             <a:srgbClr val="000000"/>
                           </a:solidFill>
@@ -10110,7 +10348,7 @@
                         </a:rPr>
                         <a:t>Homework Assignment 4</a:t>
                       </a:r>
-                      <a:endParaRPr lang="en-US" sz="1100" dirty="0">
+                      <a:endParaRPr lang="en-US" sz="1400" dirty="0">
                         <a:effectLst/>
                         <a:latin typeface="Roboto Condensed" panose="02000000000000000000" pitchFamily="2" charset="0"/>
                         <a:ea typeface="Roboto Condensed" panose="02000000000000000000" pitchFamily="2" charset="0"/>
@@ -10162,7 +10400,7 @@
                   </a:ext>
                 </a:extLst>
               </a:tr>
-              <a:tr h="173065">
+              <a:tr h="367625">
                 <a:tc>
                   <a:txBody>
                     <a:bodyPr/>
@@ -10177,7 +10415,7 @@
                         </a:spcAft>
                       </a:pPr>
                       <a:r>
-                        <a:rPr lang="en-US" sz="1100" b="0" i="0" u="none" strike="noStrike" dirty="0">
+                        <a:rPr lang="en-US" sz="1400" b="0" i="0" u="none" strike="noStrike" dirty="0">
                           <a:solidFill>
                             <a:srgbClr val="000000"/>
                           </a:solidFill>
@@ -10185,10 +10423,10 @@
                           <a:latin typeface="Roboto Condensed" panose="02000000000000000000" pitchFamily="2" charset="0"/>
                           <a:ea typeface="Roboto Condensed" panose="02000000000000000000" pitchFamily="2" charset="0"/>
                         </a:rPr>
-                        <a:t>01/12/23</a:t>
+                        <a:t>29/11/24</a:t>
                       </a:r>
                       <a:br>
-                        <a:rPr lang="en-US" sz="1100" b="0" i="0" u="none" strike="noStrike" dirty="0">
+                        <a:rPr lang="en-US" sz="1400" b="0" i="0" u="none" strike="noStrike" dirty="0">
                           <a:solidFill>
                             <a:srgbClr val="000000"/>
                           </a:solidFill>
@@ -10198,7 +10436,7 @@
                         </a:rPr>
                       </a:br>
                       <a:r>
-                        <a:rPr lang="en-US" sz="1100" b="0" i="0" u="none" strike="noStrike" dirty="0">
+                        <a:rPr lang="en-US" sz="1400" b="0" i="0" u="none" strike="noStrike" dirty="0">
                           <a:solidFill>
                             <a:srgbClr val="000000"/>
                           </a:solidFill>
@@ -10208,7 +10446,7 @@
                         </a:rPr>
                         <a:t>08:30</a:t>
                       </a:r>
-                      <a:endParaRPr lang="en-US" sz="1100" dirty="0">
+                      <a:endParaRPr lang="en-US" sz="1400" dirty="0">
                         <a:effectLst/>
                         <a:latin typeface="Roboto Condensed" panose="02000000000000000000" pitchFamily="2" charset="0"/>
                         <a:ea typeface="Roboto Condensed" panose="02000000000000000000" pitchFamily="2" charset="0"/>
@@ -10273,7 +10511,7 @@
                         </a:spcAft>
                       </a:pPr>
                       <a:r>
-                        <a:rPr lang="en-US" sz="1100" b="0" i="0" u="none" strike="noStrike" dirty="0">
+                        <a:rPr lang="en-US" sz="1400" b="0" i="0" u="none" strike="noStrike" dirty="0">
                           <a:solidFill>
                             <a:srgbClr val="000000"/>
                           </a:solidFill>
@@ -10283,7 +10521,7 @@
                         </a:rPr>
                         <a:t>5</a:t>
                       </a:r>
-                      <a:endParaRPr lang="en-US" sz="1100" dirty="0">
+                      <a:endParaRPr lang="en-US" sz="1400" dirty="0">
                         <a:effectLst/>
                         <a:latin typeface="Roboto Condensed" panose="02000000000000000000" pitchFamily="2" charset="0"/>
                         <a:ea typeface="Roboto Condensed" panose="02000000000000000000" pitchFamily="2" charset="0"/>
@@ -10348,7 +10586,7 @@
                         </a:spcAft>
                       </a:pPr>
                       <a:r>
-                        <a:rPr lang="en-US" sz="1100" b="0" i="0" u="none" strike="noStrike">
+                        <a:rPr lang="en-US" sz="1400" b="0" i="0" u="none" strike="noStrike">
                           <a:solidFill>
                             <a:srgbClr val="000000"/>
                           </a:solidFill>
@@ -10358,7 +10596,7 @@
                         </a:rPr>
                         <a:t>Exam week</a:t>
                       </a:r>
-                      <a:endParaRPr lang="en-US" sz="1100">
+                      <a:endParaRPr lang="en-US" sz="1400">
                         <a:effectLst/>
                         <a:latin typeface="Roboto Condensed" panose="02000000000000000000" pitchFamily="2" charset="0"/>
                         <a:ea typeface="Roboto Condensed" panose="02000000000000000000" pitchFamily="2" charset="0"/>
@@ -10416,13 +10654,13 @@
                     <a:p>
                       <a:pPr fontAlgn="t"/>
                       <a:br>
-                        <a:rPr lang="en-US" sz="1100" dirty="0">
+                        <a:rPr lang="en-US" sz="1400" dirty="0">
                           <a:effectLst/>
                           <a:latin typeface="Roboto Condensed" panose="02000000000000000000" pitchFamily="2" charset="0"/>
                           <a:ea typeface="Roboto Condensed" panose="02000000000000000000" pitchFamily="2" charset="0"/>
                         </a:rPr>
                       </a:br>
-                      <a:endParaRPr lang="en-US" sz="1100" dirty="0">
+                      <a:endParaRPr lang="en-US" sz="1400" dirty="0">
                         <a:effectLst/>
                         <a:latin typeface="Roboto Condensed" panose="02000000000000000000" pitchFamily="2" charset="0"/>
                         <a:ea typeface="Roboto Condensed" panose="02000000000000000000" pitchFamily="2" charset="0"/>
@@ -10480,13 +10718,13 @@
                     <a:p>
                       <a:pPr fontAlgn="t"/>
                       <a:br>
-                        <a:rPr lang="en-US" sz="1100" dirty="0">
+                        <a:rPr lang="en-US" sz="1400" dirty="0">
                           <a:effectLst/>
                           <a:latin typeface="Roboto Condensed" panose="02000000000000000000" pitchFamily="2" charset="0"/>
                           <a:ea typeface="Roboto Condensed" panose="02000000000000000000" pitchFamily="2" charset="0"/>
                         </a:rPr>
                       </a:br>
-                      <a:endParaRPr lang="en-US" sz="1100" dirty="0">
+                      <a:endParaRPr lang="en-US" sz="1400" dirty="0">
                         <a:effectLst/>
                         <a:latin typeface="Roboto Condensed" panose="02000000000000000000" pitchFamily="2" charset="0"/>
                         <a:ea typeface="Roboto Condensed" panose="02000000000000000000" pitchFamily="2" charset="0"/>
@@ -10544,7 +10782,7 @@
                     <a:p>
                       <a:pPr fontAlgn="t"/>
                       <a:r>
-                        <a:rPr lang="en-US" sz="1100" b="0" i="0" u="none" strike="noStrike" dirty="0">
+                        <a:rPr lang="en-US" sz="1400" b="0" i="0" u="none" strike="noStrike" dirty="0">
                           <a:solidFill>
                             <a:srgbClr val="000000"/>
                           </a:solidFill>
@@ -10554,7 +10792,7 @@
                         </a:rPr>
                         <a:t>Written exam</a:t>
                       </a:r>
-                      <a:endParaRPr lang="en-US" sz="1100" dirty="0">
+                      <a:endParaRPr lang="en-US" sz="1400" dirty="0">
                         <a:effectLst/>
                         <a:latin typeface="Roboto Condensed" panose="02000000000000000000" pitchFamily="2" charset="0"/>
                         <a:ea typeface="Roboto Condensed" panose="02000000000000000000" pitchFamily="2" charset="0"/>
@@ -10631,8 +10869,8 @@
         </p:nvSpPr>
         <p:spPr bwMode="auto">
           <a:xfrm>
-            <a:off x="-19356111" y="1643063"/>
-            <a:ext cx="36869411" cy="457200"/>
+            <a:off x="-17528899" y="2829997"/>
+            <a:ext cx="36869411" cy="369332"/>
           </a:xfrm>
           <a:prstGeom prst="rect">
             <a:avLst/>
@@ -10730,56 +10968,56 @@
             <p:ph idx="1"/>
             <p:extLst>
               <p:ext uri="{D42A27DB-BD31-4B8C-83A1-F6EECF244321}">
-                <p14:modId xmlns:p14="http://schemas.microsoft.com/office/powerpoint/2010/main" val="3031252018"/>
+                <p14:modId xmlns:p14="http://schemas.microsoft.com/office/powerpoint/2010/main" val="2319204663"/>
               </p:ext>
             </p:extLst>
           </p:nvPr>
         </p:nvGraphicFramePr>
         <p:xfrm>
-          <a:off x="565355" y="1545160"/>
-          <a:ext cx="11061290" cy="3767680"/>
+          <a:off x="642026" y="1741251"/>
+          <a:ext cx="14221838" cy="5369667"/>
         </p:xfrm>
         <a:graphic>
           <a:graphicData uri="http://schemas.openxmlformats.org/drawingml/2006/table">
             <a:tbl>
               <a:tblPr/>
               <a:tblGrid>
-                <a:gridCol w="1231077">
+                <a:gridCol w="1582833">
                   <a:extLst>
                     <a:ext uri="{9D8B030D-6E8A-4147-A177-3AD203B41FA5}">
                       <a16:colId xmlns:a16="http://schemas.microsoft.com/office/drawing/2014/main" val="2050281113"/>
                     </a:ext>
                   </a:extLst>
                 </a:gridCol>
-                <a:gridCol w="881966">
+                <a:gridCol w="1133970">
                   <a:extLst>
                     <a:ext uri="{9D8B030D-6E8A-4147-A177-3AD203B41FA5}">
                       <a16:colId xmlns:a16="http://schemas.microsoft.com/office/drawing/2014/main" val="3123195411"/>
                     </a:ext>
                   </a:extLst>
                 </a:gridCol>
-                <a:gridCol w="1322941">
+                <a:gridCol w="1700945">
                   <a:extLst>
                     <a:ext uri="{9D8B030D-6E8A-4147-A177-3AD203B41FA5}">
                       <a16:colId xmlns:a16="http://schemas.microsoft.com/office/drawing/2014/main" val="2206836166"/>
                     </a:ext>
                   </a:extLst>
                 </a:gridCol>
-                <a:gridCol w="3233861">
+                <a:gridCol w="4157874">
                   <a:extLst>
                     <a:ext uri="{9D8B030D-6E8A-4147-A177-3AD203B41FA5}">
                       <a16:colId xmlns:a16="http://schemas.microsoft.com/office/drawing/2014/main" val="3154775647"/>
                     </a:ext>
                   </a:extLst>
                 </a:gridCol>
-                <a:gridCol w="2554019">
+                <a:gridCol w="3283781">
                   <a:extLst>
                     <a:ext uri="{9D8B030D-6E8A-4147-A177-3AD203B41FA5}">
                       <a16:colId xmlns:a16="http://schemas.microsoft.com/office/drawing/2014/main" val="2184578578"/>
                     </a:ext>
                   </a:extLst>
                 </a:gridCol>
-                <a:gridCol w="1837426">
+                <a:gridCol w="2362435">
                   <a:extLst>
                     <a:ext uri="{9D8B030D-6E8A-4147-A177-3AD203B41FA5}">
                       <a16:colId xmlns:a16="http://schemas.microsoft.com/office/drawing/2014/main" val="2355688929"/>
@@ -10787,7 +11025,7 @@
                   </a:extLst>
                 </a:gridCol>
               </a:tblGrid>
-              <a:tr h="173065">
+              <a:tr h="513040">
                 <a:tc>
                   <a:txBody>
                     <a:bodyPr/>
@@ -10802,7 +11040,7 @@
                         </a:spcAft>
                       </a:pPr>
                       <a:r>
-                        <a:rPr lang="en-US" sz="1100" b="1" i="0" u="none" strike="noStrike" dirty="0">
+                        <a:rPr lang="en-US" sz="1400" b="1" i="0" u="none" strike="noStrike" dirty="0">
                           <a:solidFill>
                             <a:srgbClr val="000000"/>
                           </a:solidFill>
@@ -10812,7 +11050,7 @@
                         </a:rPr>
                         <a:t>Date</a:t>
                       </a:r>
-                      <a:endParaRPr lang="en-US" sz="1100" dirty="0">
+                      <a:endParaRPr lang="en-US" sz="1400" dirty="0">
                         <a:effectLst/>
                         <a:latin typeface="Roboto Condensed" panose="02000000000000000000" pitchFamily="2" charset="0"/>
                         <a:ea typeface="Roboto Condensed" panose="02000000000000000000" pitchFamily="2" charset="0"/>
@@ -10877,7 +11115,7 @@
                         </a:spcAft>
                       </a:pPr>
                       <a:r>
-                        <a:rPr lang="en-US" sz="1100" b="1" i="0" u="none" strike="noStrike" dirty="0">
+                        <a:rPr lang="en-US" sz="1400" b="1" i="0" u="none" strike="noStrike" dirty="0">
                           <a:solidFill>
                             <a:srgbClr val="000000"/>
                           </a:solidFill>
@@ -10887,7 +11125,7 @@
                         </a:rPr>
                         <a:t>Week</a:t>
                       </a:r>
-                      <a:endParaRPr lang="en-US" sz="1100" dirty="0">
+                      <a:endParaRPr lang="en-US" sz="1400" dirty="0">
                         <a:effectLst/>
                         <a:latin typeface="Roboto Condensed" panose="02000000000000000000" pitchFamily="2" charset="0"/>
                         <a:ea typeface="Roboto Condensed" panose="02000000000000000000" pitchFamily="2" charset="0"/>
@@ -10952,7 +11190,7 @@
                         </a:spcAft>
                       </a:pPr>
                       <a:r>
-                        <a:rPr lang="en-US" sz="1100" b="1" i="0" u="none" strike="noStrike" dirty="0">
+                        <a:rPr lang="en-US" sz="1400" b="1" i="0" u="none" strike="noStrike" dirty="0">
                           <a:solidFill>
                             <a:srgbClr val="000000"/>
                           </a:solidFill>
@@ -10962,7 +11200,7 @@
                         </a:rPr>
                         <a:t>Type</a:t>
                       </a:r>
-                      <a:endParaRPr lang="en-US" sz="1100" dirty="0">
+                      <a:endParaRPr lang="en-US" sz="1400" dirty="0">
                         <a:effectLst/>
                         <a:latin typeface="Roboto Condensed" panose="02000000000000000000" pitchFamily="2" charset="0"/>
                         <a:ea typeface="Roboto Condensed" panose="02000000000000000000" pitchFamily="2" charset="0"/>
@@ -11021,7 +11259,7 @@
                         </a:spcAft>
                       </a:pPr>
                       <a:r>
-                        <a:rPr lang="en-US" sz="1100" b="1" i="0" u="none" strike="noStrike" dirty="0">
+                        <a:rPr lang="en-US" sz="1400" b="1" i="0" u="none" strike="noStrike" dirty="0">
                           <a:solidFill>
                             <a:srgbClr val="000000"/>
                           </a:solidFill>
@@ -11031,7 +11269,7 @@
                         </a:rPr>
                         <a:t>Title </a:t>
                       </a:r>
-                      <a:endParaRPr lang="en-US" sz="1100" dirty="0">
+                      <a:endParaRPr lang="en-US" sz="1400" dirty="0">
                         <a:effectLst/>
                         <a:latin typeface="Roboto Condensed" panose="02000000000000000000" pitchFamily="2" charset="0"/>
                         <a:ea typeface="Roboto Condensed" panose="02000000000000000000" pitchFamily="2" charset="0"/>
@@ -11087,7 +11325,7 @@
                         </a:spcAft>
                       </a:pPr>
                       <a:r>
-                        <a:rPr lang="en-US" sz="1100" b="1" i="0" u="none" strike="noStrike" dirty="0">
+                        <a:rPr lang="en-US" sz="1400" b="1" i="0" u="none" strike="noStrike" dirty="0">
                           <a:solidFill>
                             <a:srgbClr val="000000"/>
                           </a:solidFill>
@@ -11098,7 +11336,7 @@
                         <a:t>Required </a:t>
                       </a:r>
                       <a:br>
-                        <a:rPr lang="en-US" sz="1100" b="1" i="0" u="none" strike="noStrike" dirty="0">
+                        <a:rPr lang="en-US" sz="1400" b="1" i="0" u="none" strike="noStrike" dirty="0">
                           <a:solidFill>
                             <a:srgbClr val="000000"/>
                           </a:solidFill>
@@ -11108,7 +11346,7 @@
                         </a:rPr>
                       </a:br>
                       <a:r>
-                        <a:rPr lang="en-US" sz="1100" b="1" i="0" u="none" strike="noStrike" dirty="0">
+                        <a:rPr lang="en-US" sz="1400" b="1" i="0" u="none" strike="noStrike" dirty="0">
                           <a:solidFill>
                             <a:srgbClr val="000000"/>
                           </a:solidFill>
@@ -11118,7 +11356,7 @@
                         </a:rPr>
                         <a:t>Readings </a:t>
                       </a:r>
-                      <a:endParaRPr lang="en-US" sz="1100" dirty="0">
+                      <a:endParaRPr lang="en-US" sz="1400" dirty="0">
                         <a:effectLst/>
                         <a:latin typeface="Roboto Condensed" panose="02000000000000000000" pitchFamily="2" charset="0"/>
                         <a:ea typeface="Roboto Condensed" panose="02000000000000000000" pitchFamily="2" charset="0"/>
@@ -11174,7 +11412,7 @@
                         </a:spcAft>
                       </a:pPr>
                       <a:r>
-                        <a:rPr lang="en-US" sz="1100" b="1" i="0" u="none" strike="noStrike" dirty="0">
+                        <a:rPr lang="en-US" sz="1400" b="1" i="0" u="none" strike="noStrike" dirty="0">
                           <a:solidFill>
                             <a:srgbClr val="000000"/>
                           </a:solidFill>
@@ -11184,7 +11422,7 @@
                         </a:rPr>
                         <a:t>Assignments</a:t>
                       </a:r>
-                      <a:endParaRPr lang="en-US" sz="1100" dirty="0">
+                      <a:endParaRPr lang="en-US" sz="1400" dirty="0">
                         <a:effectLst/>
                         <a:latin typeface="Roboto Condensed" panose="02000000000000000000" pitchFamily="2" charset="0"/>
                         <a:ea typeface="Roboto Condensed" panose="02000000000000000000" pitchFamily="2" charset="0"/>
@@ -11232,7 +11470,7 @@
                   </a:ext>
                 </a:extLst>
               </a:tr>
-              <a:tr h="173065">
+              <a:tr h="513040">
                 <a:tc>
                   <a:txBody>
                     <a:bodyPr/>
@@ -11240,13 +11478,13 @@
                     <a:p>
                       <a:pPr fontAlgn="t"/>
                       <a:br>
-                        <a:rPr lang="en-US" sz="1100" dirty="0">
+                        <a:rPr lang="en-US" sz="1400" dirty="0">
                           <a:effectLst/>
                           <a:latin typeface="Roboto Condensed" panose="02000000000000000000" pitchFamily="2" charset="0"/>
                           <a:ea typeface="Roboto Condensed" panose="02000000000000000000" pitchFamily="2" charset="0"/>
                         </a:rPr>
                       </a:br>
-                      <a:endParaRPr lang="en-US" sz="1100" dirty="0">
+                      <a:endParaRPr lang="en-US" sz="1400" dirty="0">
                         <a:effectLst/>
                         <a:latin typeface="Roboto Condensed" panose="02000000000000000000" pitchFamily="2" charset="0"/>
                         <a:ea typeface="Roboto Condensed" panose="02000000000000000000" pitchFamily="2" charset="0"/>
@@ -11311,7 +11549,7 @@
                         </a:spcAft>
                       </a:pPr>
                       <a:r>
-                        <a:rPr lang="en-US" sz="1100" b="1" i="1" u="none" strike="noStrike" dirty="0">
+                        <a:rPr lang="en-US" sz="1400" b="1" i="1" u="none" strike="noStrike" dirty="0">
                           <a:solidFill>
                             <a:srgbClr val="000000"/>
                           </a:solidFill>
@@ -11321,7 +11559,7 @@
                         </a:rPr>
                         <a:t>Cycle 3: Group Projects</a:t>
                       </a:r>
-                      <a:endParaRPr lang="en-US" sz="1100" dirty="0">
+                      <a:endParaRPr lang="en-US" sz="1400" dirty="0">
                         <a:effectLst/>
                         <a:latin typeface="Roboto Condensed" panose="02000000000000000000" pitchFamily="2" charset="0"/>
                         <a:ea typeface="Roboto Condensed" panose="02000000000000000000" pitchFamily="2" charset="0"/>
@@ -11418,7 +11656,7 @@
                   </a:ext>
                 </a:extLst>
               </a:tr>
-              <a:tr h="173065">
+              <a:tr h="513040">
                 <a:tc>
                   <a:txBody>
                     <a:bodyPr/>
@@ -11433,7 +11671,7 @@
                         </a:spcAft>
                       </a:pPr>
                       <a:r>
-                        <a:rPr lang="en-US" sz="1100" b="0" i="0" u="none" strike="noStrike">
+                        <a:rPr lang="en-US" sz="1400" b="0" i="0" u="none" strike="noStrike" dirty="0">
                           <a:solidFill>
                             <a:srgbClr val="000000"/>
                           </a:solidFill>
@@ -11441,9 +11679,9 @@
                           <a:latin typeface="Roboto Condensed" panose="02000000000000000000" pitchFamily="2" charset="0"/>
                           <a:ea typeface="Roboto Condensed" panose="02000000000000000000" pitchFamily="2" charset="0"/>
                         </a:rPr>
-                        <a:t>04/12/23</a:t>
-                      </a:r>
-                      <a:endParaRPr lang="en-US" sz="1100">
+                        <a:t>02/12/24</a:t>
+                      </a:r>
+                      <a:endParaRPr lang="en-US" sz="1400" dirty="0">
                         <a:effectLst/>
                         <a:latin typeface="Roboto Condensed" panose="02000000000000000000" pitchFamily="2" charset="0"/>
                         <a:ea typeface="Roboto Condensed" panose="02000000000000000000" pitchFamily="2" charset="0"/>
@@ -11503,7 +11741,7 @@
                         </a:spcAft>
                       </a:pPr>
                       <a:r>
-                        <a:rPr lang="en-US" sz="1100" b="0" i="0" u="none" strike="noStrike">
+                        <a:rPr lang="en-US" sz="1400" b="0" i="0" u="none" strike="noStrike">
                           <a:solidFill>
                             <a:srgbClr val="000000"/>
                           </a:solidFill>
@@ -11513,7 +11751,7 @@
                         </a:rPr>
                         <a:t>6</a:t>
                       </a:r>
-                      <a:endParaRPr lang="en-US" sz="1100">
+                      <a:endParaRPr lang="en-US" sz="1400">
                         <a:effectLst/>
                         <a:latin typeface="Roboto Condensed" panose="02000000000000000000" pitchFamily="2" charset="0"/>
                         <a:ea typeface="Roboto Condensed" panose="02000000000000000000" pitchFamily="2" charset="0"/>
@@ -11573,7 +11811,7 @@
                         </a:spcAft>
                       </a:pPr>
                       <a:r>
-                        <a:rPr lang="en-US" sz="1100" b="1" i="0" u="none" strike="noStrike" dirty="0">
+                        <a:rPr lang="en-US" sz="1400" b="1" i="0" u="none" strike="noStrike" dirty="0">
                           <a:solidFill>
                             <a:srgbClr val="000000"/>
                           </a:solidFill>
@@ -11583,7 +11821,7 @@
                         </a:rPr>
                         <a:t>Lecture</a:t>
                       </a:r>
-                      <a:endParaRPr lang="en-US" sz="1100" dirty="0">
+                      <a:endParaRPr lang="en-US" sz="1400" dirty="0">
                         <a:effectLst/>
                         <a:latin typeface="Roboto Condensed" panose="02000000000000000000" pitchFamily="2" charset="0"/>
                         <a:ea typeface="Roboto Condensed" panose="02000000000000000000" pitchFamily="2" charset="0"/>
@@ -11643,7 +11881,7 @@
                         </a:spcAft>
                       </a:pPr>
                       <a:r>
-                        <a:rPr lang="en-US" sz="1100" b="0" i="0" u="none" strike="noStrike" dirty="0">
+                        <a:rPr lang="en-US" sz="1400" b="0" i="0" u="none" strike="noStrike" dirty="0">
                           <a:solidFill>
                             <a:srgbClr val="000000"/>
                           </a:solidFill>
@@ -11653,7 +11891,7 @@
                         </a:rPr>
                         <a:t>Introduction to group projects</a:t>
                       </a:r>
-                      <a:endParaRPr lang="en-US" sz="1100" dirty="0">
+                      <a:endParaRPr lang="en-US" sz="1400" dirty="0">
                         <a:effectLst/>
                         <a:latin typeface="Roboto Condensed" panose="02000000000000000000" pitchFamily="2" charset="0"/>
                         <a:ea typeface="Roboto Condensed" panose="02000000000000000000" pitchFamily="2" charset="0"/>
@@ -11706,13 +11944,13 @@
                     <a:p>
                       <a:pPr fontAlgn="t"/>
                       <a:br>
-                        <a:rPr lang="en-US" sz="1100">
+                        <a:rPr lang="en-US" sz="1400">
                           <a:effectLst/>
                           <a:latin typeface="Roboto Condensed" panose="02000000000000000000" pitchFamily="2" charset="0"/>
                           <a:ea typeface="Roboto Condensed" panose="02000000000000000000" pitchFamily="2" charset="0"/>
                         </a:rPr>
                       </a:br>
-                      <a:endParaRPr lang="en-US" sz="1100">
+                      <a:endParaRPr lang="en-US" sz="1400">
                         <a:effectLst/>
                         <a:latin typeface="Roboto Condensed" panose="02000000000000000000" pitchFamily="2" charset="0"/>
                         <a:ea typeface="Roboto Condensed" panose="02000000000000000000" pitchFamily="2" charset="0"/>
@@ -11772,7 +12010,7 @@
                         </a:spcAft>
                       </a:pPr>
                       <a:r>
-                        <a:rPr lang="en-US" sz="1100" b="0" i="0" u="none" strike="noStrike">
+                        <a:rPr lang="en-US" sz="1400" b="0" i="0" u="none" strike="noStrike">
                           <a:solidFill>
                             <a:srgbClr val="000000"/>
                           </a:solidFill>
@@ -11782,7 +12020,7 @@
                         </a:rPr>
                         <a:t>Creation of small project groups</a:t>
                       </a:r>
-                      <a:endParaRPr lang="en-US" sz="1100">
+                      <a:endParaRPr lang="en-US" sz="1400">
                         <a:effectLst/>
                         <a:latin typeface="Roboto Condensed" panose="02000000000000000000" pitchFamily="2" charset="0"/>
                         <a:ea typeface="Roboto Condensed" panose="02000000000000000000" pitchFamily="2" charset="0"/>
@@ -11834,7 +12072,7 @@
                   </a:ext>
                 </a:extLst>
               </a:tr>
-              <a:tr h="173065">
+              <a:tr h="513040">
                 <a:tc>
                   <a:txBody>
                     <a:bodyPr/>
@@ -11849,7 +12087,7 @@
                         </a:spcAft>
                       </a:pPr>
                       <a:r>
-                        <a:rPr lang="en-US" sz="1100" b="0" i="0" u="none" strike="noStrike">
+                        <a:rPr lang="en-US" sz="1400" b="0" i="0" u="none" strike="noStrike" dirty="0">
                           <a:solidFill>
                             <a:srgbClr val="000000"/>
                           </a:solidFill>
@@ -11857,9 +12095,9 @@
                           <a:latin typeface="Roboto Condensed" panose="02000000000000000000" pitchFamily="2" charset="0"/>
                           <a:ea typeface="Roboto Condensed" panose="02000000000000000000" pitchFamily="2" charset="0"/>
                         </a:rPr>
-                        <a:t>05/12/23</a:t>
-                      </a:r>
-                      <a:endParaRPr lang="en-US" sz="1100">
+                        <a:t>03/12/24</a:t>
+                      </a:r>
+                      <a:endParaRPr lang="en-US" sz="1400" dirty="0">
                         <a:effectLst/>
                         <a:latin typeface="Roboto Condensed" panose="02000000000000000000" pitchFamily="2" charset="0"/>
                         <a:ea typeface="Roboto Condensed" panose="02000000000000000000" pitchFamily="2" charset="0"/>
@@ -11919,7 +12157,7 @@
                         </a:spcAft>
                       </a:pPr>
                       <a:r>
-                        <a:rPr lang="en-US" sz="1100" b="0" i="0" u="none" strike="noStrike">
+                        <a:rPr lang="en-US" sz="1400" b="0" i="0" u="none" strike="noStrike">
                           <a:solidFill>
                             <a:srgbClr val="000000"/>
                           </a:solidFill>
@@ -11929,7 +12167,7 @@
                         </a:rPr>
                         <a:t>6</a:t>
                       </a:r>
-                      <a:endParaRPr lang="en-US" sz="1100">
+                      <a:endParaRPr lang="en-US" sz="1400">
                         <a:effectLst/>
                         <a:latin typeface="Roboto Condensed" panose="02000000000000000000" pitchFamily="2" charset="0"/>
                         <a:ea typeface="Roboto Condensed" panose="02000000000000000000" pitchFamily="2" charset="0"/>
@@ -11989,7 +12227,7 @@
                         </a:spcAft>
                       </a:pPr>
                       <a:r>
-                        <a:rPr lang="en-US" sz="1100" b="0" i="0" u="none" strike="noStrike" dirty="0">
+                        <a:rPr lang="en-US" sz="1400" b="0" i="0" u="none" strike="noStrike" dirty="0">
                           <a:solidFill>
                             <a:srgbClr val="000000"/>
                           </a:solidFill>
@@ -11999,7 +12237,7 @@
                         </a:rPr>
                         <a:t>Practical session</a:t>
                       </a:r>
-                      <a:endParaRPr lang="en-US" sz="1100" dirty="0">
+                      <a:endParaRPr lang="en-US" sz="1400" dirty="0">
                         <a:effectLst/>
                         <a:latin typeface="Roboto Condensed" panose="02000000000000000000" pitchFamily="2" charset="0"/>
                         <a:ea typeface="Roboto Condensed" panose="02000000000000000000" pitchFamily="2" charset="0"/>
@@ -12059,7 +12297,7 @@
                         </a:spcAft>
                       </a:pPr>
                       <a:r>
-                        <a:rPr lang="en-US" sz="1100" b="0" i="0" u="none" strike="noStrike" dirty="0">
+                        <a:rPr lang="en-US" sz="1400" b="0" i="0" u="none" strike="noStrike" dirty="0">
                           <a:solidFill>
                             <a:srgbClr val="000000"/>
                           </a:solidFill>
@@ -12069,7 +12307,7 @@
                         </a:rPr>
                         <a:t>Meeting with teachers to discuss group projects</a:t>
                       </a:r>
-                      <a:endParaRPr lang="en-US" sz="1100" dirty="0">
+                      <a:endParaRPr lang="en-US" sz="1400" dirty="0">
                         <a:effectLst/>
                         <a:latin typeface="Roboto Condensed" panose="02000000000000000000" pitchFamily="2" charset="0"/>
                         <a:ea typeface="Roboto Condensed" panose="02000000000000000000" pitchFamily="2" charset="0"/>
@@ -12122,13 +12360,13 @@
                     <a:p>
                       <a:pPr fontAlgn="t"/>
                       <a:br>
-                        <a:rPr lang="en-US" sz="1100">
+                        <a:rPr lang="en-US" sz="1400">
                           <a:effectLst/>
                           <a:latin typeface="Roboto Condensed" panose="02000000000000000000" pitchFamily="2" charset="0"/>
                           <a:ea typeface="Roboto Condensed" panose="02000000000000000000" pitchFamily="2" charset="0"/>
                         </a:rPr>
                       </a:br>
-                      <a:endParaRPr lang="en-US" sz="1100">
+                      <a:endParaRPr lang="en-US" sz="1400">
                         <a:effectLst/>
                         <a:latin typeface="Roboto Condensed" panose="02000000000000000000" pitchFamily="2" charset="0"/>
                         <a:ea typeface="Roboto Condensed" panose="02000000000000000000" pitchFamily="2" charset="0"/>
@@ -12181,13 +12419,13 @@
                     <a:p>
                       <a:pPr fontAlgn="t"/>
                       <a:br>
-                        <a:rPr lang="en-US" sz="1100">
+                        <a:rPr lang="en-US" sz="1400">
                           <a:effectLst/>
                           <a:latin typeface="Roboto Condensed" panose="02000000000000000000" pitchFamily="2" charset="0"/>
                           <a:ea typeface="Roboto Condensed" panose="02000000000000000000" pitchFamily="2" charset="0"/>
                         </a:rPr>
                       </a:br>
-                      <a:endParaRPr lang="en-US" sz="1100">
+                      <a:endParaRPr lang="en-US" sz="1400">
                         <a:effectLst/>
                         <a:latin typeface="Roboto Condensed" panose="02000000000000000000" pitchFamily="2" charset="0"/>
                         <a:ea typeface="Roboto Condensed" panose="02000000000000000000" pitchFamily="2" charset="0"/>
@@ -12239,7 +12477,7 @@
                   </a:ext>
                 </a:extLst>
               </a:tr>
-              <a:tr h="173065">
+              <a:tr h="513040">
                 <a:tc>
                   <a:txBody>
                     <a:bodyPr/>
@@ -12254,7 +12492,7 @@
                         </a:spcAft>
                       </a:pPr>
                       <a:r>
-                        <a:rPr lang="en-US" sz="1100" b="0" i="0" u="none" strike="noStrike">
+                        <a:rPr lang="en-US" sz="1400" b="0" i="0" u="none" strike="noStrike" dirty="0">
                           <a:solidFill>
                             <a:srgbClr val="000000"/>
                           </a:solidFill>
@@ -12262,9 +12500,9 @@
                           <a:latin typeface="Roboto Condensed" panose="02000000000000000000" pitchFamily="2" charset="0"/>
                           <a:ea typeface="Roboto Condensed" panose="02000000000000000000" pitchFamily="2" charset="0"/>
                         </a:rPr>
-                        <a:t>07/12/23</a:t>
-                      </a:r>
-                      <a:endParaRPr lang="en-US" sz="1100">
+                        <a:t>05/12/24</a:t>
+                      </a:r>
+                      <a:endParaRPr lang="en-US" sz="1400" dirty="0">
                         <a:effectLst/>
                         <a:latin typeface="Roboto Condensed" panose="02000000000000000000" pitchFamily="2" charset="0"/>
                         <a:ea typeface="Roboto Condensed" panose="02000000000000000000" pitchFamily="2" charset="0"/>
@@ -12324,7 +12562,7 @@
                         </a:spcAft>
                       </a:pPr>
                       <a:r>
-                        <a:rPr lang="en-US" sz="1100" b="0" i="0" u="none" strike="noStrike">
+                        <a:rPr lang="en-US" sz="1400" b="0" i="0" u="none" strike="noStrike">
                           <a:solidFill>
                             <a:srgbClr val="000000"/>
                           </a:solidFill>
@@ -12334,7 +12572,7 @@
                         </a:rPr>
                         <a:t>6</a:t>
                       </a:r>
-                      <a:endParaRPr lang="en-US" sz="1100">
+                      <a:endParaRPr lang="en-US" sz="1400">
                         <a:effectLst/>
                         <a:latin typeface="Roboto Condensed" panose="02000000000000000000" pitchFamily="2" charset="0"/>
                         <a:ea typeface="Roboto Condensed" panose="02000000000000000000" pitchFamily="2" charset="0"/>
@@ -12394,7 +12632,7 @@
                         </a:spcAft>
                       </a:pPr>
                       <a:r>
-                        <a:rPr lang="en-US" sz="1100" b="0" i="0" u="none" strike="noStrike">
+                        <a:rPr lang="en-US" sz="1400" b="0" i="0" u="none" strike="noStrike">
                           <a:solidFill>
                             <a:srgbClr val="000000"/>
                           </a:solidFill>
@@ -12404,7 +12642,7 @@
                         </a:rPr>
                         <a:t>Practical session</a:t>
                       </a:r>
-                      <a:endParaRPr lang="en-US" sz="1100">
+                      <a:endParaRPr lang="en-US" sz="1400">
                         <a:effectLst/>
                         <a:latin typeface="Roboto Condensed" panose="02000000000000000000" pitchFamily="2" charset="0"/>
                         <a:ea typeface="Roboto Condensed" panose="02000000000000000000" pitchFamily="2" charset="0"/>
@@ -12464,7 +12702,7 @@
                         </a:spcAft>
                       </a:pPr>
                       <a:r>
-                        <a:rPr lang="en-US" sz="1100" b="0" i="0" u="none" strike="noStrike" dirty="0">
+                        <a:rPr lang="en-US" sz="1400" b="0" i="0" u="none" strike="noStrike" dirty="0">
                           <a:solidFill>
                             <a:srgbClr val="000000"/>
                           </a:solidFill>
@@ -12474,7 +12712,7 @@
                         </a:rPr>
                         <a:t>Meeting with teachers to discuss group projects</a:t>
                       </a:r>
-                      <a:endParaRPr lang="en-US" sz="1100" dirty="0">
+                      <a:endParaRPr lang="en-US" sz="1400" dirty="0">
                         <a:effectLst/>
                         <a:latin typeface="Roboto Condensed" panose="02000000000000000000" pitchFamily="2" charset="0"/>
                         <a:ea typeface="Roboto Condensed" panose="02000000000000000000" pitchFamily="2" charset="0"/>
@@ -12527,13 +12765,13 @@
                     <a:p>
                       <a:pPr fontAlgn="t"/>
                       <a:br>
-                        <a:rPr lang="en-US" sz="1100">
+                        <a:rPr lang="en-US" sz="1400">
                           <a:effectLst/>
                           <a:latin typeface="Roboto Condensed" panose="02000000000000000000" pitchFamily="2" charset="0"/>
                           <a:ea typeface="Roboto Condensed" panose="02000000000000000000" pitchFamily="2" charset="0"/>
                         </a:rPr>
                       </a:br>
-                      <a:endParaRPr lang="en-US" sz="1100">
+                      <a:endParaRPr lang="en-US" sz="1400">
                         <a:effectLst/>
                         <a:latin typeface="Roboto Condensed" panose="02000000000000000000" pitchFamily="2" charset="0"/>
                         <a:ea typeface="Roboto Condensed" panose="02000000000000000000" pitchFamily="2" charset="0"/>
@@ -12586,13 +12824,13 @@
                     <a:p>
                       <a:pPr fontAlgn="t"/>
                       <a:br>
-                        <a:rPr lang="en-US" sz="1100">
+                        <a:rPr lang="en-US" sz="1400">
                           <a:effectLst/>
                           <a:latin typeface="Roboto Condensed" panose="02000000000000000000" pitchFamily="2" charset="0"/>
                           <a:ea typeface="Roboto Condensed" panose="02000000000000000000" pitchFamily="2" charset="0"/>
                         </a:rPr>
                       </a:br>
-                      <a:endParaRPr lang="en-US" sz="1100">
+                      <a:endParaRPr lang="en-US" sz="1400">
                         <a:effectLst/>
                         <a:latin typeface="Roboto Condensed" panose="02000000000000000000" pitchFamily="2" charset="0"/>
                         <a:ea typeface="Roboto Condensed" panose="02000000000000000000" pitchFamily="2" charset="0"/>
@@ -12644,7 +12882,7 @@
                   </a:ext>
                 </a:extLst>
               </a:tr>
-              <a:tr h="173065">
+              <a:tr h="513040">
                 <a:tc>
                   <a:txBody>
                     <a:bodyPr/>
@@ -12659,7 +12897,7 @@
                         </a:spcAft>
                       </a:pPr>
                       <a:r>
-                        <a:rPr lang="en-US" sz="1100" b="0" i="0" u="none" strike="noStrike">
+                        <a:rPr lang="en-US" sz="1400" b="0" i="0" u="none" strike="noStrike" dirty="0">
                           <a:solidFill>
                             <a:srgbClr val="000000"/>
                           </a:solidFill>
@@ -12667,9 +12905,9 @@
                           <a:latin typeface="Roboto Condensed" panose="02000000000000000000" pitchFamily="2" charset="0"/>
                           <a:ea typeface="Roboto Condensed" panose="02000000000000000000" pitchFamily="2" charset="0"/>
                         </a:rPr>
-                        <a:t>11/12/23</a:t>
-                      </a:r>
-                      <a:endParaRPr lang="en-US" sz="1100">
+                        <a:t>09/12/24</a:t>
+                      </a:r>
+                      <a:endParaRPr lang="en-US" sz="1400" dirty="0">
                         <a:effectLst/>
                         <a:latin typeface="Roboto Condensed" panose="02000000000000000000" pitchFamily="2" charset="0"/>
                         <a:ea typeface="Roboto Condensed" panose="02000000000000000000" pitchFamily="2" charset="0"/>
@@ -12729,7 +12967,7 @@
                         </a:spcAft>
                       </a:pPr>
                       <a:r>
-                        <a:rPr lang="en-US" sz="1100" b="0" i="0" u="none" strike="noStrike">
+                        <a:rPr lang="en-US" sz="1400" b="0" i="0" u="none" strike="noStrike">
                           <a:solidFill>
                             <a:srgbClr val="000000"/>
                           </a:solidFill>
@@ -12739,7 +12977,7 @@
                         </a:rPr>
                         <a:t>7</a:t>
                       </a:r>
-                      <a:endParaRPr lang="en-US" sz="1100">
+                      <a:endParaRPr lang="en-US" sz="1400">
                         <a:effectLst/>
                         <a:latin typeface="Roboto Condensed" panose="02000000000000000000" pitchFamily="2" charset="0"/>
                         <a:ea typeface="Roboto Condensed" panose="02000000000000000000" pitchFamily="2" charset="0"/>
@@ -12799,7 +13037,7 @@
                         </a:spcAft>
                       </a:pPr>
                       <a:r>
-                        <a:rPr lang="en-US" sz="1100" b="1" i="1" u="none" strike="noStrike">
+                        <a:rPr lang="en-US" sz="1400" b="1" i="1" u="none" strike="noStrike">
                           <a:solidFill>
                             <a:srgbClr val="000000"/>
                           </a:solidFill>
@@ -12809,7 +13047,7 @@
                         </a:rPr>
                         <a:t>No lecture</a:t>
                       </a:r>
-                      <a:endParaRPr lang="en-US" sz="1100">
+                      <a:endParaRPr lang="en-US" sz="1400">
                         <a:effectLst/>
                         <a:latin typeface="Roboto Condensed" panose="02000000000000000000" pitchFamily="2" charset="0"/>
                         <a:ea typeface="Roboto Condensed" panose="02000000000000000000" pitchFamily="2" charset="0"/>
@@ -12862,13 +13100,13 @@
                     <a:p>
                       <a:pPr fontAlgn="t"/>
                       <a:br>
-                        <a:rPr lang="en-US" sz="1100">
+                        <a:rPr lang="en-US" sz="1400">
                           <a:effectLst/>
                           <a:latin typeface="Roboto Condensed" panose="02000000000000000000" pitchFamily="2" charset="0"/>
                           <a:ea typeface="Roboto Condensed" panose="02000000000000000000" pitchFamily="2" charset="0"/>
                         </a:rPr>
                       </a:br>
-                      <a:endParaRPr lang="en-US" sz="1100">
+                      <a:endParaRPr lang="en-US" sz="1400">
                         <a:effectLst/>
                         <a:latin typeface="Roboto Condensed" panose="02000000000000000000" pitchFamily="2" charset="0"/>
                         <a:ea typeface="Roboto Condensed" panose="02000000000000000000" pitchFamily="2" charset="0"/>
@@ -12921,13 +13159,13 @@
                     <a:p>
                       <a:pPr fontAlgn="t"/>
                       <a:br>
-                        <a:rPr lang="en-US" sz="1100">
+                        <a:rPr lang="en-US" sz="1400">
                           <a:effectLst/>
                           <a:latin typeface="Roboto Condensed" panose="02000000000000000000" pitchFamily="2" charset="0"/>
                           <a:ea typeface="Roboto Condensed" panose="02000000000000000000" pitchFamily="2" charset="0"/>
                         </a:rPr>
                       </a:br>
-                      <a:endParaRPr lang="en-US" sz="1100">
+                      <a:endParaRPr lang="en-US" sz="1400">
                         <a:effectLst/>
                         <a:latin typeface="Roboto Condensed" panose="02000000000000000000" pitchFamily="2" charset="0"/>
                         <a:ea typeface="Roboto Condensed" panose="02000000000000000000" pitchFamily="2" charset="0"/>
@@ -12980,13 +13218,13 @@
                     <a:p>
                       <a:pPr fontAlgn="t"/>
                       <a:br>
-                        <a:rPr lang="en-US" sz="1100">
+                        <a:rPr lang="en-US" sz="1400">
                           <a:effectLst/>
                           <a:latin typeface="Roboto Condensed" panose="02000000000000000000" pitchFamily="2" charset="0"/>
                           <a:ea typeface="Roboto Condensed" panose="02000000000000000000" pitchFamily="2" charset="0"/>
                         </a:rPr>
                       </a:br>
-                      <a:endParaRPr lang="en-US" sz="1100">
+                      <a:endParaRPr lang="en-US" sz="1400">
                         <a:effectLst/>
                         <a:latin typeface="Roboto Condensed" panose="02000000000000000000" pitchFamily="2" charset="0"/>
                         <a:ea typeface="Roboto Condensed" panose="02000000000000000000" pitchFamily="2" charset="0"/>
@@ -13038,7 +13276,7 @@
                   </a:ext>
                 </a:extLst>
               </a:tr>
-              <a:tr h="173065">
+              <a:tr h="513040">
                 <a:tc>
                   <a:txBody>
                     <a:bodyPr/>
@@ -13053,7 +13291,7 @@
                         </a:spcAft>
                       </a:pPr>
                       <a:r>
-                        <a:rPr lang="en-US" sz="1100" b="0" i="0" u="none" strike="noStrike">
+                        <a:rPr lang="en-US" sz="1400" b="0" i="0" u="none" strike="noStrike" dirty="0">
                           <a:solidFill>
                             <a:srgbClr val="000000"/>
                           </a:solidFill>
@@ -13061,9 +13299,9 @@
                           <a:latin typeface="Roboto Condensed" panose="02000000000000000000" pitchFamily="2" charset="0"/>
                           <a:ea typeface="Roboto Condensed" panose="02000000000000000000" pitchFamily="2" charset="0"/>
                         </a:rPr>
-                        <a:t>12/12/23</a:t>
-                      </a:r>
-                      <a:endParaRPr lang="en-US" sz="1100">
+                        <a:t>10/12/24</a:t>
+                      </a:r>
+                      <a:endParaRPr lang="en-US" sz="1400" dirty="0">
                         <a:effectLst/>
                         <a:latin typeface="Roboto Condensed" panose="02000000000000000000" pitchFamily="2" charset="0"/>
                         <a:ea typeface="Roboto Condensed" panose="02000000000000000000" pitchFamily="2" charset="0"/>
@@ -13123,7 +13361,7 @@
                         </a:spcAft>
                       </a:pPr>
                       <a:r>
-                        <a:rPr lang="en-US" sz="1100" b="0" i="0" u="none" strike="noStrike">
+                        <a:rPr lang="en-US" sz="1400" b="0" i="0" u="none" strike="noStrike">
                           <a:solidFill>
                             <a:srgbClr val="000000"/>
                           </a:solidFill>
@@ -13133,7 +13371,7 @@
                         </a:rPr>
                         <a:t>7</a:t>
                       </a:r>
-                      <a:endParaRPr lang="en-US" sz="1100">
+                      <a:endParaRPr lang="en-US" sz="1400">
                         <a:effectLst/>
                         <a:latin typeface="Roboto Condensed" panose="02000000000000000000" pitchFamily="2" charset="0"/>
                         <a:ea typeface="Roboto Condensed" panose="02000000000000000000" pitchFamily="2" charset="0"/>
@@ -13193,7 +13431,7 @@
                         </a:spcAft>
                       </a:pPr>
                       <a:r>
-                        <a:rPr lang="en-US" sz="1100" b="0" i="0" u="none" strike="noStrike">
+                        <a:rPr lang="en-US" sz="1400" b="0" i="0" u="none" strike="noStrike">
                           <a:solidFill>
                             <a:srgbClr val="000000"/>
                           </a:solidFill>
@@ -13203,7 +13441,7 @@
                         </a:rPr>
                         <a:t>Practical session</a:t>
                       </a:r>
-                      <a:endParaRPr lang="en-US" sz="1100">
+                      <a:endParaRPr lang="en-US" sz="1400">
                         <a:effectLst/>
                         <a:latin typeface="Roboto Condensed" panose="02000000000000000000" pitchFamily="2" charset="0"/>
                         <a:ea typeface="Roboto Condensed" panose="02000000000000000000" pitchFamily="2" charset="0"/>
@@ -13263,7 +13501,7 @@
                         </a:spcAft>
                       </a:pPr>
                       <a:r>
-                        <a:rPr lang="en-US" sz="1100" b="0" i="0" u="none" strike="noStrike">
+                        <a:rPr lang="en-US" sz="1400" b="0" i="0" u="none" strike="noStrike" dirty="0">
                           <a:solidFill>
                             <a:srgbClr val="000000"/>
                           </a:solidFill>
@@ -13273,7 +13511,7 @@
                         </a:rPr>
                         <a:t>Meeting with teachers to discuss group projects</a:t>
                       </a:r>
-                      <a:endParaRPr lang="en-US" sz="1100">
+                      <a:endParaRPr lang="en-US" sz="1400" dirty="0">
                         <a:effectLst/>
                         <a:latin typeface="Roboto Condensed" panose="02000000000000000000" pitchFamily="2" charset="0"/>
                         <a:ea typeface="Roboto Condensed" panose="02000000000000000000" pitchFamily="2" charset="0"/>
@@ -13326,13 +13564,13 @@
                     <a:p>
                       <a:pPr fontAlgn="t"/>
                       <a:br>
-                        <a:rPr lang="en-US" sz="1100" dirty="0">
+                        <a:rPr lang="en-US" sz="1400" dirty="0">
                           <a:effectLst/>
                           <a:latin typeface="Roboto Condensed" panose="02000000000000000000" pitchFamily="2" charset="0"/>
                           <a:ea typeface="Roboto Condensed" panose="02000000000000000000" pitchFamily="2" charset="0"/>
                         </a:rPr>
                       </a:br>
-                      <a:endParaRPr lang="en-US" sz="1100" dirty="0">
+                      <a:endParaRPr lang="en-US" sz="1400" dirty="0">
                         <a:effectLst/>
                         <a:latin typeface="Roboto Condensed" panose="02000000000000000000" pitchFamily="2" charset="0"/>
                         <a:ea typeface="Roboto Condensed" panose="02000000000000000000" pitchFamily="2" charset="0"/>
@@ -13385,13 +13623,13 @@
                     <a:p>
                       <a:pPr fontAlgn="t"/>
                       <a:br>
-                        <a:rPr lang="en-US" sz="1100">
+                        <a:rPr lang="en-US" sz="1400">
                           <a:effectLst/>
                           <a:latin typeface="Roboto Condensed" panose="02000000000000000000" pitchFamily="2" charset="0"/>
                           <a:ea typeface="Roboto Condensed" panose="02000000000000000000" pitchFamily="2" charset="0"/>
                         </a:rPr>
                       </a:br>
-                      <a:endParaRPr lang="en-US" sz="1100">
+                      <a:endParaRPr lang="en-US" sz="1400">
                         <a:effectLst/>
                         <a:latin typeface="Roboto Condensed" panose="02000000000000000000" pitchFamily="2" charset="0"/>
                         <a:ea typeface="Roboto Condensed" panose="02000000000000000000" pitchFamily="2" charset="0"/>
@@ -13443,7 +13681,7 @@
                   </a:ext>
                 </a:extLst>
               </a:tr>
-              <a:tr h="230753">
+              <a:tr h="752307">
                 <a:tc>
                   <a:txBody>
                     <a:bodyPr/>
@@ -13458,7 +13696,7 @@
                         </a:spcAft>
                       </a:pPr>
                       <a:r>
-                        <a:rPr lang="en-US" sz="1100" b="0" i="0" u="none" strike="noStrike">
+                        <a:rPr lang="en-US" sz="1400" b="0" i="0" u="none" strike="noStrike">
                           <a:solidFill>
                             <a:srgbClr val="000000"/>
                           </a:solidFill>
@@ -13466,9 +13704,9 @@
                           <a:latin typeface="Roboto Condensed" panose="02000000000000000000" pitchFamily="2" charset="0"/>
                           <a:ea typeface="Roboto Condensed" panose="02000000000000000000" pitchFamily="2" charset="0"/>
                         </a:rPr>
-                        <a:t>14/12/23</a:t>
-                      </a:r>
-                      <a:endParaRPr lang="en-US" sz="1100">
+                        <a:t>12/12/24</a:t>
+                      </a:r>
+                      <a:endParaRPr lang="en-US" sz="1400" dirty="0">
                         <a:effectLst/>
                         <a:latin typeface="Roboto Condensed" panose="02000000000000000000" pitchFamily="2" charset="0"/>
                         <a:ea typeface="Roboto Condensed" panose="02000000000000000000" pitchFamily="2" charset="0"/>
@@ -13528,7 +13766,7 @@
                         </a:spcAft>
                       </a:pPr>
                       <a:r>
-                        <a:rPr lang="en-US" sz="1100" b="0" i="0" u="none" strike="noStrike">
+                        <a:rPr lang="en-US" sz="1400" b="0" i="0" u="none" strike="noStrike">
                           <a:solidFill>
                             <a:srgbClr val="000000"/>
                           </a:solidFill>
@@ -13538,7 +13776,7 @@
                         </a:rPr>
                         <a:t>7</a:t>
                       </a:r>
-                      <a:endParaRPr lang="en-US" sz="1100">
+                      <a:endParaRPr lang="en-US" sz="1400">
                         <a:effectLst/>
                         <a:latin typeface="Roboto Condensed" panose="02000000000000000000" pitchFamily="2" charset="0"/>
                         <a:ea typeface="Roboto Condensed" panose="02000000000000000000" pitchFamily="2" charset="0"/>
@@ -13598,7 +13836,7 @@
                         </a:spcAft>
                       </a:pPr>
                       <a:r>
-                        <a:rPr lang="en-US" sz="1100" b="0" i="0" u="none" strike="noStrike">
+                        <a:rPr lang="en-US" sz="1400" b="0" i="0" u="none" strike="noStrike">
                           <a:solidFill>
                             <a:srgbClr val="000000"/>
                           </a:solidFill>
@@ -13608,7 +13846,7 @@
                         </a:rPr>
                         <a:t>Practical session</a:t>
                       </a:r>
-                      <a:endParaRPr lang="en-US" sz="1100">
+                      <a:endParaRPr lang="en-US" sz="1400">
                         <a:effectLst/>
                         <a:latin typeface="Roboto Condensed" panose="02000000000000000000" pitchFamily="2" charset="0"/>
                         <a:ea typeface="Roboto Condensed" panose="02000000000000000000" pitchFamily="2" charset="0"/>
@@ -13668,7 +13906,7 @@
                         </a:spcAft>
                       </a:pPr>
                       <a:r>
-                        <a:rPr lang="en-US" sz="1100" b="0" i="0" u="none" strike="noStrike" dirty="0">
+                        <a:rPr lang="en-US" sz="1400" b="0" i="0" u="none" strike="noStrike" dirty="0">
                           <a:solidFill>
                             <a:srgbClr val="000000"/>
                           </a:solidFill>
@@ -13678,7 +13916,7 @@
                         </a:rPr>
                         <a:t>Meeting with teachers to discuss group projects</a:t>
                       </a:r>
-                      <a:endParaRPr lang="en-US" sz="1100" dirty="0">
+                      <a:endParaRPr lang="en-US" sz="1400" dirty="0">
                         <a:effectLst/>
                         <a:latin typeface="Roboto Condensed" panose="02000000000000000000" pitchFamily="2" charset="0"/>
                         <a:ea typeface="Roboto Condensed" panose="02000000000000000000" pitchFamily="2" charset="0"/>
@@ -13731,13 +13969,13 @@
                     <a:p>
                       <a:pPr fontAlgn="t"/>
                       <a:br>
-                        <a:rPr lang="en-US" sz="1100" dirty="0">
+                        <a:rPr lang="en-US" sz="1400" dirty="0">
                           <a:effectLst/>
                           <a:latin typeface="Roboto Condensed" panose="02000000000000000000" pitchFamily="2" charset="0"/>
                           <a:ea typeface="Roboto Condensed" panose="02000000000000000000" pitchFamily="2" charset="0"/>
                         </a:rPr>
                       </a:br>
-                      <a:endParaRPr lang="en-US" sz="1100" dirty="0">
+                      <a:endParaRPr lang="en-US" sz="1400" dirty="0">
                         <a:effectLst/>
                         <a:latin typeface="Roboto Condensed" panose="02000000000000000000" pitchFamily="2" charset="0"/>
                         <a:ea typeface="Roboto Condensed" panose="02000000000000000000" pitchFamily="2" charset="0"/>
@@ -13797,7 +14035,7 @@
                         </a:spcAft>
                       </a:pPr>
                       <a:r>
-                        <a:rPr lang="en-US" sz="1100" b="0" i="0" u="none" strike="noStrike">
+                        <a:rPr lang="en-US" sz="1400" b="0" i="0" u="none" strike="noStrike" dirty="0">
                           <a:solidFill>
                             <a:srgbClr val="000000"/>
                           </a:solidFill>
@@ -13805,9 +14043,9 @@
                           <a:latin typeface="Roboto Condensed" panose="02000000000000000000" pitchFamily="2" charset="0"/>
                           <a:ea typeface="Roboto Condensed" panose="02000000000000000000" pitchFamily="2" charset="0"/>
                         </a:rPr>
-                        <a:t>Submission of group assignment in the 17th of December</a:t>
-                      </a:r>
-                      <a:endParaRPr lang="en-US" sz="1100">
+                        <a:t>Submission of group assignment in the 15th of December</a:t>
+                      </a:r>
+                      <a:endParaRPr lang="en-US" sz="1400" dirty="0">
                         <a:effectLst/>
                         <a:latin typeface="Roboto Condensed" panose="02000000000000000000" pitchFamily="2" charset="0"/>
                         <a:ea typeface="Roboto Condensed" panose="02000000000000000000" pitchFamily="2" charset="0"/>
@@ -13859,7 +14097,7 @@
                   </a:ext>
                 </a:extLst>
               </a:tr>
-              <a:tr h="173065">
+              <a:tr h="513040">
                 <a:tc>
                   <a:txBody>
                     <a:bodyPr/>
@@ -13867,13 +14105,13 @@
                     <a:p>
                       <a:pPr fontAlgn="t"/>
                       <a:br>
-                        <a:rPr lang="en-US" sz="1100">
+                        <a:rPr lang="en-US" sz="1400" dirty="0">
                           <a:effectLst/>
                           <a:latin typeface="Roboto Condensed" panose="02000000000000000000" pitchFamily="2" charset="0"/>
                           <a:ea typeface="Roboto Condensed" panose="02000000000000000000" pitchFamily="2" charset="0"/>
                         </a:rPr>
                       </a:br>
-                      <a:endParaRPr lang="en-US" sz="1100">
+                      <a:endParaRPr lang="en-US" sz="1400" dirty="0">
                         <a:effectLst/>
                         <a:latin typeface="Roboto Condensed" panose="02000000000000000000" pitchFamily="2" charset="0"/>
                         <a:ea typeface="Roboto Condensed" panose="02000000000000000000" pitchFamily="2" charset="0"/>
@@ -13936,7 +14174,7 @@
                         </a:spcAft>
                       </a:pPr>
                       <a:r>
-                        <a:rPr lang="en-US" sz="1100" b="0" i="0" u="none" strike="noStrike" dirty="0">
+                        <a:rPr lang="en-US" sz="1400" b="0" i="0" u="none" strike="noStrike" dirty="0">
                           <a:solidFill>
                             <a:srgbClr val="000000"/>
                           </a:solidFill>
@@ -13946,7 +14184,7 @@
                         </a:rPr>
                         <a:t>Summary</a:t>
                       </a:r>
-                      <a:endParaRPr lang="en-US" sz="1100" dirty="0">
+                      <a:endParaRPr lang="en-US" sz="1400" dirty="0">
                         <a:effectLst/>
                         <a:latin typeface="Roboto Condensed" panose="02000000000000000000" pitchFamily="2" charset="0"/>
                         <a:ea typeface="Roboto Condensed" panose="02000000000000000000" pitchFamily="2" charset="0"/>
@@ -14041,7 +14279,7 @@
                   </a:ext>
                 </a:extLst>
               </a:tr>
-              <a:tr h="173065">
+              <a:tr h="513040">
                 <a:tc>
                   <a:txBody>
                     <a:bodyPr/>
@@ -14056,7 +14294,7 @@
                         </a:spcAft>
                       </a:pPr>
                       <a:r>
-                        <a:rPr lang="en-US" sz="1100" b="0" i="0" u="none" strike="noStrike" dirty="0">
+                        <a:rPr lang="en-US" sz="1400" b="0" i="0" u="none" strike="noStrike" dirty="0">
                           <a:solidFill>
                             <a:srgbClr val="000000"/>
                           </a:solidFill>
@@ -14064,10 +14302,10 @@
                           <a:latin typeface="Roboto Condensed" panose="02000000000000000000" pitchFamily="2" charset="0"/>
                           <a:ea typeface="Roboto Condensed" panose="02000000000000000000" pitchFamily="2" charset="0"/>
                         </a:rPr>
-                        <a:t>18/12/23</a:t>
+                        <a:t>16/12/23</a:t>
                       </a:r>
                       <a:br>
-                        <a:rPr lang="en-US" sz="1100" b="0" i="0" u="none" strike="noStrike" dirty="0">
+                        <a:rPr lang="en-US" sz="1400" b="0" i="0" u="none" strike="noStrike" dirty="0">
                           <a:solidFill>
                             <a:srgbClr val="000000"/>
                           </a:solidFill>
@@ -14077,7 +14315,7 @@
                         </a:rPr>
                       </a:br>
                       <a:r>
-                        <a:rPr lang="en-US" sz="1100" b="0" i="0" u="none" strike="noStrike" dirty="0">
+                        <a:rPr lang="en-US" sz="1400" b="0" i="0" u="none" strike="noStrike" dirty="0">
                           <a:solidFill>
                             <a:srgbClr val="000000"/>
                           </a:solidFill>
@@ -14087,7 +14325,7 @@
                         </a:rPr>
                         <a:t>9:00-12.00</a:t>
                       </a:r>
-                      <a:endParaRPr lang="en-US" sz="1100" dirty="0">
+                      <a:endParaRPr lang="en-US" sz="1400" dirty="0">
                         <a:effectLst/>
                         <a:latin typeface="Roboto Condensed" panose="02000000000000000000" pitchFamily="2" charset="0"/>
                         <a:ea typeface="Roboto Condensed" panose="02000000000000000000" pitchFamily="2" charset="0"/>
@@ -14152,7 +14390,7 @@
                         </a:spcAft>
                       </a:pPr>
                       <a:r>
-                        <a:rPr lang="en-US" sz="1100" b="0" i="0" u="none" strike="noStrike" dirty="0">
+                        <a:rPr lang="en-US" sz="1400" b="0" i="0" u="none" strike="noStrike" dirty="0">
                           <a:solidFill>
                             <a:srgbClr val="000000"/>
                           </a:solidFill>
@@ -14162,7 +14400,7 @@
                         </a:rPr>
                         <a:t>8</a:t>
                       </a:r>
-                      <a:endParaRPr lang="en-US" sz="1100" dirty="0">
+                      <a:endParaRPr lang="en-US" sz="1400" dirty="0">
                         <a:effectLst/>
                         <a:latin typeface="Roboto Condensed" panose="02000000000000000000" pitchFamily="2" charset="0"/>
                         <a:ea typeface="Roboto Condensed" panose="02000000000000000000" pitchFamily="2" charset="0"/>
@@ -14227,7 +14465,7 @@
                         </a:spcAft>
                       </a:pPr>
                       <a:r>
-                        <a:rPr lang="en-US" sz="1100" b="1" i="0" u="none" strike="noStrike" dirty="0">
+                        <a:rPr lang="en-US" sz="1400" b="1" i="0" u="none" strike="noStrike" dirty="0">
                           <a:solidFill>
                             <a:srgbClr val="000000"/>
                           </a:solidFill>
@@ -14237,7 +14475,7 @@
                         </a:rPr>
                         <a:t>Mini-Conference</a:t>
                       </a:r>
-                      <a:endParaRPr lang="en-US" sz="1100" dirty="0">
+                      <a:endParaRPr lang="en-US" sz="1400" dirty="0">
                         <a:effectLst/>
                         <a:latin typeface="Roboto Condensed" panose="02000000000000000000" pitchFamily="2" charset="0"/>
                         <a:ea typeface="Roboto Condensed" panose="02000000000000000000" pitchFamily="2" charset="0"/>
@@ -14302,7 +14540,7 @@
                         </a:spcAft>
                       </a:pPr>
                       <a:r>
-                        <a:rPr lang="en-US" sz="1100" b="0" i="0" u="none" strike="noStrike" dirty="0">
+                        <a:rPr lang="en-US" sz="1400" b="0" i="0" u="none" strike="noStrike" dirty="0">
                           <a:solidFill>
                             <a:srgbClr val="000000"/>
                           </a:solidFill>
@@ -14312,7 +14550,7 @@
                         </a:rPr>
                         <a:t>Presentation of working group projects</a:t>
                       </a:r>
-                      <a:endParaRPr lang="en-US" sz="1100" dirty="0">
+                      <a:endParaRPr lang="en-US" sz="1400" dirty="0">
                         <a:effectLst/>
                         <a:latin typeface="Roboto Condensed" panose="02000000000000000000" pitchFamily="2" charset="0"/>
                         <a:ea typeface="Roboto Condensed" panose="02000000000000000000" pitchFamily="2" charset="0"/>
@@ -14370,13 +14608,13 @@
                     <a:p>
                       <a:pPr fontAlgn="t"/>
                       <a:br>
-                        <a:rPr lang="en-US" sz="1100" dirty="0">
+                        <a:rPr lang="en-US" sz="1400" dirty="0">
                           <a:effectLst/>
                           <a:latin typeface="Roboto Condensed" panose="02000000000000000000" pitchFamily="2" charset="0"/>
                           <a:ea typeface="Roboto Condensed" panose="02000000000000000000" pitchFamily="2" charset="0"/>
                         </a:rPr>
                       </a:br>
-                      <a:endParaRPr lang="en-US" sz="1100" dirty="0">
+                      <a:endParaRPr lang="en-US" sz="1400" dirty="0">
                         <a:effectLst/>
                         <a:latin typeface="Roboto Condensed" panose="02000000000000000000" pitchFamily="2" charset="0"/>
                         <a:ea typeface="Roboto Condensed" panose="02000000000000000000" pitchFamily="2" charset="0"/>
@@ -14441,7 +14679,7 @@
                         </a:spcAft>
                       </a:pPr>
                       <a:r>
-                        <a:rPr lang="en-US" sz="1100" b="0" i="0" u="none" strike="noStrike" dirty="0">
+                        <a:rPr lang="en-US" sz="1400" b="0" i="0" u="none" strike="noStrike" dirty="0">
                           <a:solidFill>
                             <a:srgbClr val="000000"/>
                           </a:solidFill>
@@ -14451,7 +14689,7 @@
                         </a:rPr>
                         <a:t>Presentation of findings </a:t>
                       </a:r>
-                      <a:endParaRPr lang="en-US" sz="1100" dirty="0">
+                      <a:endParaRPr lang="en-US" sz="1400" dirty="0">
                         <a:effectLst/>
                         <a:latin typeface="Roboto Condensed" panose="02000000000000000000" pitchFamily="2" charset="0"/>
                         <a:ea typeface="Roboto Condensed" panose="02000000000000000000" pitchFamily="2" charset="0"/>
@@ -14563,8 +14801,8 @@
           </p:nvPr>
         </p:nvGraphicFramePr>
         <p:xfrm>
-          <a:off x="89963" y="290830"/>
-          <a:ext cx="12012073" cy="6162040"/>
+          <a:off x="1917178" y="1433831"/>
+          <a:ext cx="12012073" cy="6394450"/>
         </p:xfrm>
         <a:graphic>
           <a:graphicData uri="http://schemas.openxmlformats.org/drawingml/2006/table">
@@ -14650,7 +14888,7 @@
                   </a:ext>
                 </a:extLst>
               </a:tr>
-              <a:tr h="370840">
+              <a:tr h="1097280">
                 <a:tc>
                   <a:txBody>
                     <a:bodyPr/>
@@ -14800,7 +15038,7 @@
                   </a:ext>
                 </a:extLst>
               </a:tr>
-              <a:tr h="370840">
+              <a:tr h="1021080">
                 <a:tc>
                   <a:txBody>
                     <a:bodyPr/>
@@ -14902,7 +15140,7 @@
                   </a:ext>
                 </a:extLst>
               </a:tr>
-              <a:tr h="370840">
+              <a:tr h="807720">
                 <a:tc>
                   <a:txBody>
                     <a:bodyPr/>
@@ -15004,7 +15242,7 @@
                   </a:ext>
                 </a:extLst>
               </a:tr>
-              <a:tr h="370840">
+              <a:tr h="1021080">
                 <a:tc>
                   <a:txBody>
                     <a:bodyPr/>
@@ -15106,7 +15344,7 @@
                   </a:ext>
                 </a:extLst>
               </a:tr>
-              <a:tr h="370840">
+              <a:tr h="807720">
                 <a:tc>
                   <a:txBody>
                     <a:bodyPr/>
@@ -15208,7 +15446,7 @@
                   </a:ext>
                 </a:extLst>
               </a:tr>
-              <a:tr h="370840">
+              <a:tr h="525780">
                 <a:tc>
                   <a:txBody>
                     <a:bodyPr/>
@@ -15288,7 +15526,7 @@
                   </a:ext>
                 </a:extLst>
               </a:tr>
-              <a:tr h="370840">
+              <a:tr h="742950">
                 <a:tc>
                   <a:txBody>
                     <a:bodyPr/>
@@ -15386,9 +15624,9 @@
 </file>
 
 <file path=ppt/theme/theme1.xml><?xml version="1.0" encoding="utf-8"?>
-<a:theme xmlns:a="http://schemas.openxmlformats.org/drawingml/2006/main" name="Office Theme">
+<a:theme xmlns:a="http://schemas.openxmlformats.org/drawingml/2006/main" name="Office 2013 - 2022 Theme">
   <a:themeElements>
-    <a:clrScheme name="Office">
+    <a:clrScheme name="Office 2013 - 2022 Theme">
       <a:dk1>
         <a:sysClr val="windowText" lastClr="000000"/>
       </a:dk1>
@@ -15426,7 +15664,7 @@
         <a:srgbClr val="954F72"/>
       </a:folHlink>
     </a:clrScheme>
-    <a:fontScheme name="Office">
+    <a:fontScheme name="Office 2013 - 2022 Theme">
       <a:majorFont>
         <a:latin typeface="Calibri Light" panose="020F0302020204030204"/>
         <a:ea typeface=""/>
@@ -15461,23 +15699,6 @@
         <a:font script="Viet" typeface="Times New Roman"/>
         <a:font script="Uigh" typeface="Microsoft Uighur"/>
         <a:font script="Geor" typeface="Sylfaen"/>
-        <a:font script="Armn" typeface="Arial"/>
-        <a:font script="Bugi" typeface="Leelawadee UI"/>
-        <a:font script="Bopo" typeface="Microsoft JhengHei"/>
-        <a:font script="Java" typeface="Javanese Text"/>
-        <a:font script="Lisu" typeface="Segoe UI"/>
-        <a:font script="Mymr" typeface="Myanmar Text"/>
-        <a:font script="Nkoo" typeface="Ebrima"/>
-        <a:font script="Olck" typeface="Nirmala UI"/>
-        <a:font script="Osma" typeface="Ebrima"/>
-        <a:font script="Phag" typeface="Phagspa"/>
-        <a:font script="Syrn" typeface="Estrangelo Edessa"/>
-        <a:font script="Syrj" typeface="Estrangelo Edessa"/>
-        <a:font script="Syre" typeface="Estrangelo Edessa"/>
-        <a:font script="Sora" typeface="Nirmala UI"/>
-        <a:font script="Tale" typeface="Microsoft Tai Le"/>
-        <a:font script="Talu" typeface="Microsoft New Tai Lue"/>
-        <a:font script="Tfng" typeface="Ebrima"/>
       </a:majorFont>
       <a:minorFont>
         <a:latin typeface="Calibri" panose="020F0502020204030204"/>
@@ -15513,26 +15734,9 @@
         <a:font script="Viet" typeface="Arial"/>
         <a:font script="Uigh" typeface="Microsoft Uighur"/>
         <a:font script="Geor" typeface="Sylfaen"/>
-        <a:font script="Armn" typeface="Arial"/>
-        <a:font script="Bugi" typeface="Leelawadee UI"/>
-        <a:font script="Bopo" typeface="Microsoft JhengHei"/>
-        <a:font script="Java" typeface="Javanese Text"/>
-        <a:font script="Lisu" typeface="Segoe UI"/>
-        <a:font script="Mymr" typeface="Myanmar Text"/>
-        <a:font script="Nkoo" typeface="Ebrima"/>
-        <a:font script="Olck" typeface="Nirmala UI"/>
-        <a:font script="Osma" typeface="Ebrima"/>
-        <a:font script="Phag" typeface="Phagspa"/>
-        <a:font script="Syrn" typeface="Estrangelo Edessa"/>
-        <a:font script="Syrj" typeface="Estrangelo Edessa"/>
-        <a:font script="Syre" typeface="Estrangelo Edessa"/>
-        <a:font script="Sora" typeface="Nirmala UI"/>
-        <a:font script="Tale" typeface="Microsoft Tai Le"/>
-        <a:font script="Talu" typeface="Microsoft New Tai Lue"/>
-        <a:font script="Tfng" typeface="Ebrima"/>
       </a:minorFont>
     </a:fontScheme>
-    <a:fmtScheme name="Office">
+    <a:fmtScheme name="Office 2013 - 2022 Theme">
       <a:fillStyleLst>
         <a:solidFill>
           <a:schemeClr val="phClr"/>
@@ -15674,7 +15878,7 @@
   <a:extraClrSchemeLst/>
   <a:extLst>
     <a:ext uri="{05A4C25C-085E-4340-85A3-A5531E510DB2}">
-      <thm15:themeFamily xmlns:thm15="http://schemas.microsoft.com/office/thememl/2012/main" name="Office Theme" id="{62F939B6-93AF-4DB8-9C6B-D6C7DFDC589F}" vid="{4A3C46E8-61CC-4603-A589-7422A47A8E4A}"/>
+      <thm15:themeFamily xmlns:thm15="http://schemas.microsoft.com/office/thememl/2012/main" name="Office 2013 - 2022 Theme" id="{62F939B6-93AF-4DB8-9C6B-D6C7DFDC589F}" vid="{4A3C46E8-61CC-4603-A589-7422A47A8E4A}"/>
     </a:ext>
   </a:extLst>
 </a:theme>
